--- a/materials/slides/ch02-complie-php-source-code.pptx
+++ b/materials/slides/ch02-complie-php-source-code.pptx
@@ -233,7 +233,7 @@
           <a:p>
             <a:fld id="{E923E828-953C-4D4A-9B10-11E7329F433D}" type="datetimeFigureOut">
               <a:rPr lang="zh-CN" altLang="en-US" smtClean="0"/>
-              <a:t>2018/2/22</a:t>
+              <a:t>2018/2/28</a:t>
             </a:fld>
             <a:endParaRPr lang="zh-CN" altLang="en-US"/>
           </a:p>
@@ -414,7 +414,7 @@
           <a:p>
             <a:fld id="{867C5346-22E5-4085-8130-851344A84DFF}" type="datetimeFigureOut">
               <a:rPr lang="zh-CN" altLang="en-US" smtClean="0"/>
-              <a:t>2018/2/22</a:t>
+              <a:t>2018/2/28</a:t>
             </a:fld>
             <a:endParaRPr lang="zh-CN" altLang="en-US"/>
           </a:p>
@@ -840,7 +840,7 @@
           <a:p>
             <a:fld id="{A5E21016-498F-4141-B0CA-D95A38CA7D62}" type="datetimeFigureOut">
               <a:rPr lang="zh-CN" altLang="en-US" smtClean="0"/>
-              <a:t>2018/2/22</a:t>
+              <a:t>2018/2/28</a:t>
             </a:fld>
             <a:endParaRPr lang="zh-CN" altLang="en-US"/>
           </a:p>
@@ -1070,7 +1070,7 @@
           <a:p>
             <a:fld id="{A5E21016-498F-4141-B0CA-D95A38CA7D62}" type="datetimeFigureOut">
               <a:rPr lang="zh-CN" altLang="en-US" smtClean="0"/>
-              <a:t>2018/2/22</a:t>
+              <a:t>2018/2/28</a:t>
             </a:fld>
             <a:endParaRPr lang="zh-CN" altLang="en-US"/>
           </a:p>
@@ -1305,7 +1305,7 @@
           <a:p>
             <a:fld id="{A5E21016-498F-4141-B0CA-D95A38CA7D62}" type="datetimeFigureOut">
               <a:rPr lang="zh-CN" altLang="en-US" smtClean="0"/>
-              <a:t>2018/2/22</a:t>
+              <a:t>2018/2/28</a:t>
             </a:fld>
             <a:endParaRPr lang="zh-CN" altLang="en-US"/>
           </a:p>
@@ -1867,7 +1867,7 @@
           <a:p>
             <a:fld id="{A5E21016-498F-4141-B0CA-D95A38CA7D62}" type="datetimeFigureOut">
               <a:rPr lang="zh-CN" altLang="en-US" smtClean="0"/>
-              <a:t>2018/2/22</a:t>
+              <a:t>2018/2/28</a:t>
             </a:fld>
             <a:endParaRPr lang="zh-CN" altLang="en-US"/>
           </a:p>
@@ -2164,7 +2164,7 @@
           <a:p>
             <a:fld id="{A5E21016-498F-4141-B0CA-D95A38CA7D62}" type="datetimeFigureOut">
               <a:rPr lang="zh-CN" altLang="en-US" smtClean="0"/>
-              <a:t>2018/2/22</a:t>
+              <a:t>2018/2/28</a:t>
             </a:fld>
             <a:endParaRPr lang="zh-CN" altLang="en-US"/>
           </a:p>
@@ -2603,7 +2603,7 @@
           <a:p>
             <a:fld id="{A5E21016-498F-4141-B0CA-D95A38CA7D62}" type="datetimeFigureOut">
               <a:rPr lang="zh-CN" altLang="en-US" smtClean="0"/>
-              <a:t>2018/2/22</a:t>
+              <a:t>2018/2/28</a:t>
             </a:fld>
             <a:endParaRPr lang="zh-CN" altLang="en-US"/>
           </a:p>
@@ -2776,7 +2776,7 @@
           <a:p>
             <a:fld id="{A5E21016-498F-4141-B0CA-D95A38CA7D62}" type="datetimeFigureOut">
               <a:rPr lang="zh-CN" altLang="en-US" smtClean="0"/>
-              <a:t>2018/2/22</a:t>
+              <a:t>2018/2/28</a:t>
             </a:fld>
             <a:endParaRPr lang="zh-CN" altLang="en-US"/>
           </a:p>
@@ -2913,7 +2913,7 @@
           <a:p>
             <a:fld id="{A5E21016-498F-4141-B0CA-D95A38CA7D62}" type="datetimeFigureOut">
               <a:rPr lang="zh-CN" altLang="en-US" smtClean="0"/>
-              <a:t>2018/2/22</a:t>
+              <a:t>2018/2/28</a:t>
             </a:fld>
             <a:endParaRPr lang="zh-CN" altLang="en-US"/>
           </a:p>
@@ -3251,7 +3251,7 @@
           <a:p>
             <a:fld id="{A5E21016-498F-4141-B0CA-D95A38CA7D62}" type="datetimeFigureOut">
               <a:rPr lang="zh-CN" altLang="en-US" smtClean="0"/>
-              <a:t>2018/2/22</a:t>
+              <a:t>2018/2/28</a:t>
             </a:fld>
             <a:endParaRPr lang="zh-CN" altLang="en-US"/>
           </a:p>
@@ -3566,7 +3566,7 @@
           <a:p>
             <a:fld id="{A5E21016-498F-4141-B0CA-D95A38CA7D62}" type="datetimeFigureOut">
               <a:rPr lang="zh-CN" altLang="en-US" smtClean="0"/>
-              <a:t>2018/2/22</a:t>
+              <a:t>2018/2/28</a:t>
             </a:fld>
             <a:endParaRPr lang="zh-CN" altLang="en-US"/>
           </a:p>
@@ -4165,7 +4165,7 @@
         <p:spPr>
           <a:xfrm>
             <a:off x="672483" y="1012055"/>
-            <a:ext cx="10847034" cy="5170646"/>
+            <a:ext cx="10847034" cy="4893647"/>
           </a:xfrm>
           <a:prstGeom prst="rect">
             <a:avLst/>
@@ -4180,11 +4180,19 @@
           <a:p>
             <a:r>
               <a:rPr lang="en-US" altLang="zh-CN" sz="3200" dirty="0"/>
+              <a:t>Linux</a:t>
+            </a:r>
+            <a:r>
+              <a:rPr lang="zh-CN" altLang="en-US" sz="3200" dirty="0"/>
+              <a:t>平台</a:t>
+            </a:r>
+            <a:r>
+              <a:rPr lang="en-US" altLang="zh-CN" sz="3200" dirty="0"/>
               <a:t>PHP</a:t>
             </a:r>
             <a:r>
               <a:rPr lang="zh-CN" altLang="en-US" sz="3200" dirty="0"/>
-              <a:t>底层开发 </a:t>
+              <a:t>服务端开发</a:t>
             </a:r>
             <a:r>
               <a:rPr lang="en-US" altLang="zh-CN" sz="3200" dirty="0"/>
@@ -4205,73 +4213,47 @@
           </a:p>
           <a:p>
             <a:pPr algn="ctr"/>
-            <a:r>
-              <a:rPr lang="en-US" altLang="zh-CN" dirty="0">
-                <a:solidFill>
-                  <a:schemeClr val="tx1">
-                    <a:lumMod val="50000"/>
-                    <a:lumOff val="50000"/>
-                  </a:schemeClr>
-                </a:solidFill>
-              </a:rPr>
-              <a:t>1  0  0  1</a:t>
-            </a:r>
+            <a:endParaRPr lang="en-US" altLang="zh-CN" dirty="0">
+              <a:solidFill>
+                <a:schemeClr val="tx1">
+                  <a:lumMod val="50000"/>
+                  <a:lumOff val="50000"/>
+                </a:schemeClr>
+              </a:solidFill>
+            </a:endParaRPr>
           </a:p>
           <a:p>
             <a:pPr algn="ctr"/>
-            <a:r>
-              <a:rPr lang="en-US" altLang="zh-CN" dirty="0">
-                <a:solidFill>
-                  <a:schemeClr val="tx1">
-                    <a:lumMod val="50000"/>
-                    <a:lumOff val="50000"/>
-                  </a:schemeClr>
-                </a:solidFill>
-              </a:rPr>
-              <a:t>0  1  1  0</a:t>
-            </a:r>
+            <a:endParaRPr lang="en-US" altLang="zh-CN" dirty="0">
+              <a:solidFill>
+                <a:schemeClr val="tx1">
+                  <a:lumMod val="50000"/>
+                  <a:lumOff val="50000"/>
+                </a:schemeClr>
+              </a:solidFill>
+            </a:endParaRPr>
           </a:p>
           <a:p>
             <a:pPr algn="ctr"/>
-            <a:r>
-              <a:rPr lang="en-US" altLang="zh-CN" dirty="0">
-                <a:solidFill>
-                  <a:schemeClr val="tx1">
-                    <a:lumMod val="50000"/>
-                    <a:lumOff val="50000"/>
-                  </a:schemeClr>
-                </a:solidFill>
-              </a:rPr>
-              <a:t>1  0  0  1</a:t>
-            </a:r>
+            <a:endParaRPr lang="en-US" altLang="zh-CN" dirty="0">
+              <a:solidFill>
+                <a:schemeClr val="tx1">
+                  <a:lumMod val="50000"/>
+                  <a:lumOff val="50000"/>
+                </a:schemeClr>
+              </a:solidFill>
+            </a:endParaRPr>
           </a:p>
           <a:p>
             <a:pPr algn="ctr"/>
-            <a:r>
-              <a:rPr lang="en-US" altLang="zh-CN" dirty="0">
-                <a:solidFill>
-                  <a:schemeClr val="tx1">
-                    <a:lumMod val="50000"/>
-                    <a:lumOff val="50000"/>
-                  </a:schemeClr>
-                </a:solidFill>
-              </a:rPr>
-              <a:t>0  1  1  0</a:t>
-            </a:r>
-          </a:p>
-          <a:p>
-            <a:pPr algn="ctr"/>
-            <a:r>
-              <a:rPr lang="en-US" altLang="zh-CN" dirty="0">
-                <a:solidFill>
-                  <a:schemeClr val="tx1">
-                    <a:lumMod val="50000"/>
-                    <a:lumOff val="50000"/>
-                  </a:schemeClr>
-                </a:solidFill>
-              </a:rPr>
-              <a:t>1  0  0  1</a:t>
-            </a:r>
+            <a:endParaRPr lang="en-US" altLang="zh-CN" dirty="0">
+              <a:solidFill>
+                <a:schemeClr val="tx1">
+                  <a:lumMod val="50000"/>
+                  <a:lumOff val="50000"/>
+                </a:schemeClr>
+              </a:solidFill>
+            </a:endParaRPr>
           </a:p>
           <a:p>
             <a:pPr algn="ctr"/>
@@ -4280,8 +4262,12 @@
           <a:p>
             <a:pPr algn="ctr"/>
             <a:r>
+              <a:rPr lang="zh-CN" altLang="en-US" sz="2800"/>
+              <a:t>第二讲 </a:t>
+            </a:r>
+            <a:r>
               <a:rPr lang="zh-CN" altLang="en-US" sz="2800" dirty="0"/>
-              <a:t>第一讲 编译</a:t>
+              <a:t>编译</a:t>
             </a:r>
             <a:r>
               <a:rPr lang="en-US" altLang="zh-CN" sz="2800" dirty="0"/>
@@ -4302,61 +4288,6 @@
           </a:p>
           <a:p>
             <a:endParaRPr lang="en-US" altLang="zh-CN" dirty="0"/>
-          </a:p>
-        </p:txBody>
-      </p:sp>
-      <p:sp>
-        <p:nvSpPr>
-          <p:cNvPr id="4" name="云形 3">
-            <a:extLst>
-              <a:ext uri="{FF2B5EF4-FFF2-40B4-BE49-F238E27FC236}">
-                <a16:creationId xmlns:a16="http://schemas.microsoft.com/office/drawing/2014/main" id="{FB93CA04-9A10-4FDC-B520-5825D0C2A77A}"/>
-              </a:ext>
-            </a:extLst>
-          </p:cNvPr>
-          <p:cNvSpPr/>
-          <p:nvPr/>
-        </p:nvSpPr>
-        <p:spPr>
-          <a:xfrm>
-            <a:off x="4685710" y="1632582"/>
-            <a:ext cx="2521259" cy="1020932"/>
-          </a:xfrm>
-          <a:prstGeom prst="cloud">
-            <a:avLst/>
-          </a:prstGeom>
-          <a:noFill/>
-          <a:ln>
-            <a:solidFill>
-              <a:schemeClr val="tx1">
-                <a:lumMod val="65000"/>
-                <a:lumOff val="35000"/>
-              </a:schemeClr>
-            </a:solidFill>
-          </a:ln>
-        </p:spPr>
-        <p:style>
-          <a:lnRef idx="2">
-            <a:schemeClr val="accent1">
-              <a:shade val="50000"/>
-            </a:schemeClr>
-          </a:lnRef>
-          <a:fillRef idx="1">
-            <a:schemeClr val="accent1"/>
-          </a:fillRef>
-          <a:effectRef idx="0">
-            <a:schemeClr val="accent1"/>
-          </a:effectRef>
-          <a:fontRef idx="minor">
-            <a:schemeClr val="lt1"/>
-          </a:fontRef>
-        </p:style>
-        <p:txBody>
-          <a:bodyPr rtlCol="0" anchor="ctr"/>
-          <a:lstStyle/>
-          <a:p>
-            <a:pPr algn="ctr"/>
-            <a:endParaRPr lang="zh-CN" altLang="en-US"/>
           </a:p>
         </p:txBody>
       </p:sp>
@@ -4544,20 +4475,20 @@
             <p:ph idx="1"/>
             <p:extLst>
               <p:ext uri="{D42A27DB-BD31-4B8C-83A1-F6EECF244321}">
-                <p14:modId xmlns:p14="http://schemas.microsoft.com/office/powerpoint/2010/main" val="1513354727"/>
+                <p14:modId xmlns:p14="http://schemas.microsoft.com/office/powerpoint/2010/main" val="3393939330"/>
               </p:ext>
             </p:extLst>
           </p:nvPr>
         </p:nvGraphicFramePr>
         <p:xfrm>
-          <a:off x="838200" y="1638008"/>
-          <a:ext cx="10515600" cy="3780000"/>
+          <a:off x="838200" y="1638007"/>
+          <a:ext cx="10515600" cy="5011370"/>
         </p:xfrm>
         <a:graphic>
           <a:graphicData uri="http://schemas.openxmlformats.org/drawingml/2006/table">
             <a:tbl>
               <a:tblPr firstRow="1" bandRow="1">
-                <a:tableStyleId>{5C22544A-7EE6-4342-B048-85BDC9FD1C3A}</a:tableStyleId>
+                <a:tableStyleId>{2D5ABB26-0587-4C30-8999-92F81FD0307C}</a:tableStyleId>
               </a:tblPr>
               <a:tblGrid>
                 <a:gridCol w="2526437">
@@ -4575,7 +4506,7 @@
                   </a:extLst>
                 </a:gridCol>
               </a:tblGrid>
-              <a:tr h="540000">
+              <a:tr h="715910">
                 <a:tc>
                   <a:txBody>
                     <a:bodyPr/>
@@ -4583,7 +4514,7 @@
                     <a:p>
                       <a:pPr algn="ctr"/>
                       <a:r>
-                        <a:rPr lang="zh-CN" altLang="en-US" dirty="0"/>
+                        <a:rPr lang="zh-CN" altLang="en-US" b="1" dirty="0"/>
                         <a:t>参数</a:t>
                       </a:r>
                     </a:p>
@@ -4597,7 +4528,7 @@
                     <a:p>
                       <a:pPr algn="ctr"/>
                       <a:r>
-                        <a:rPr lang="zh-CN" altLang="en-US" dirty="0"/>
+                        <a:rPr lang="zh-CN" altLang="en-US" b="1" dirty="0"/>
                         <a:t>说明</a:t>
                       </a:r>
                     </a:p>
@@ -4610,7 +4541,7 @@
                   </a:ext>
                 </a:extLst>
               </a:tr>
-              <a:tr h="540000">
+              <a:tr h="715910">
                 <a:tc>
                   <a:txBody>
                     <a:bodyPr/>
@@ -4631,7 +4562,7 @@
                     <a:bodyPr/>
                     <a:lstStyle/>
                     <a:p>
-                      <a:pPr algn="ctr"/>
+                      <a:pPr algn="l"/>
                       <a:r>
                         <a:rPr lang="zh-CN" altLang="en-US" dirty="0"/>
                         <a:t>程序安装目录</a:t>
@@ -4646,7 +4577,7 @@
                   </a:ext>
                 </a:extLst>
               </a:tr>
-              <a:tr h="540000">
+              <a:tr h="715910">
                 <a:tc>
                   <a:txBody>
                     <a:bodyPr/>
@@ -4667,7 +4598,7 @@
                     <a:bodyPr/>
                     <a:lstStyle/>
                     <a:p>
-                      <a:pPr algn="ctr"/>
+                      <a:pPr algn="l"/>
                       <a:r>
                         <a:rPr lang="zh-CN" altLang="en-US" dirty="0"/>
                         <a:t>配置文件</a:t>
@@ -4690,7 +4621,7 @@
                   </a:ext>
                 </a:extLst>
               </a:tr>
-              <a:tr h="540000">
+              <a:tr h="715910">
                 <a:tc>
                   <a:txBody>
                     <a:bodyPr/>
@@ -4711,7 +4642,7 @@
                     <a:bodyPr/>
                     <a:lstStyle/>
                     <a:p>
-                      <a:pPr algn="ctr"/>
+                      <a:pPr algn="l"/>
                       <a:r>
                         <a:rPr lang="zh-CN" altLang="en-US" dirty="0"/>
                         <a:t>编译共享的</a:t>
@@ -4734,7 +4665,7 @@
                   </a:ext>
                 </a:extLst>
               </a:tr>
-              <a:tr h="540000">
+              <a:tr h="715910">
                 <a:tc>
                   <a:txBody>
                     <a:bodyPr/>
@@ -4755,7 +4686,7 @@
                     <a:bodyPr/>
                     <a:lstStyle/>
                     <a:p>
-                      <a:pPr algn="ctr"/>
+                      <a:pPr algn="l"/>
                       <a:r>
                         <a:rPr lang="zh-CN" altLang="en-US" dirty="0"/>
                         <a:t>支持</a:t>
@@ -4778,7 +4709,7 @@
                   </a:ext>
                 </a:extLst>
               </a:tr>
-              <a:tr h="540000">
+              <a:tr h="715910">
                 <a:tc>
                   <a:txBody>
                     <a:bodyPr/>
@@ -4799,7 +4730,7 @@
                     <a:bodyPr/>
                     <a:lstStyle/>
                     <a:p>
-                      <a:pPr algn="ctr"/>
+                      <a:pPr algn="l"/>
                       <a:r>
                         <a:rPr lang="zh-CN" altLang="en-US" dirty="0"/>
                         <a:t>建立</a:t>
@@ -4838,7 +4769,7 @@
                   </a:ext>
                 </a:extLst>
               </a:tr>
-              <a:tr h="540000">
+              <a:tr h="715910">
                 <a:tc>
                   <a:txBody>
                     <a:bodyPr/>
@@ -4863,7 +4794,7 @@
                     <a:bodyPr/>
                     <a:lstStyle/>
                     <a:p>
-                      <a:pPr algn="ctr"/>
+                      <a:pPr algn="l"/>
                       <a:r>
                         <a:rPr lang="zh-CN" altLang="en-US" dirty="0"/>
                         <a:t>编译</a:t>
@@ -4973,20 +4904,20 @@
             <p:ph idx="1"/>
             <p:extLst>
               <p:ext uri="{D42A27DB-BD31-4B8C-83A1-F6EECF244321}">
-                <p14:modId xmlns:p14="http://schemas.microsoft.com/office/powerpoint/2010/main" val="3989681927"/>
+                <p14:modId xmlns:p14="http://schemas.microsoft.com/office/powerpoint/2010/main" val="4050351038"/>
               </p:ext>
             </p:extLst>
           </p:nvPr>
         </p:nvGraphicFramePr>
         <p:xfrm>
-          <a:off x="825623" y="1651246"/>
-          <a:ext cx="10528177" cy="3240000"/>
+          <a:off x="825623" y="1651245"/>
+          <a:ext cx="10528177" cy="4523172"/>
         </p:xfrm>
         <a:graphic>
           <a:graphicData uri="http://schemas.openxmlformats.org/drawingml/2006/table">
             <a:tbl>
               <a:tblPr firstRow="1" bandRow="1">
-                <a:tableStyleId>{5C22544A-7EE6-4342-B048-85BDC9FD1C3A}</a:tableStyleId>
+                <a:tableStyleId>{2D5ABB26-0587-4C30-8999-92F81FD0307C}</a:tableStyleId>
               </a:tblPr>
               <a:tblGrid>
                 <a:gridCol w="2529459">
@@ -5004,7 +4935,7 @@
                   </a:extLst>
                 </a:gridCol>
               </a:tblGrid>
-              <a:tr h="540000">
+              <a:tr h="753862">
                 <a:tc>
                   <a:txBody>
                     <a:bodyPr/>
@@ -5012,7 +4943,7 @@
                     <a:p>
                       <a:pPr algn="ctr"/>
                       <a:r>
-                        <a:rPr lang="zh-CN" altLang="en-US" dirty="0"/>
+                        <a:rPr lang="zh-CN" altLang="en-US" b="1" dirty="0"/>
                         <a:t>参数</a:t>
                       </a:r>
                     </a:p>
@@ -5026,7 +4957,7 @@
                     <a:p>
                       <a:pPr algn="ctr"/>
                       <a:r>
-                        <a:rPr lang="zh-CN" altLang="en-US" dirty="0"/>
+                        <a:rPr lang="zh-CN" altLang="en-US" b="1" dirty="0"/>
                         <a:t>说明</a:t>
                       </a:r>
                     </a:p>
@@ -5039,7 +4970,7 @@
                   </a:ext>
                 </a:extLst>
               </a:tr>
-              <a:tr h="540000">
+              <a:tr h="753862">
                 <a:tc>
                   <a:txBody>
                     <a:bodyPr/>
@@ -5064,7 +4995,7 @@
                     <a:bodyPr/>
                     <a:lstStyle/>
                     <a:p>
-                      <a:pPr algn="ctr"/>
+                      <a:pPr algn="l"/>
                       <a:r>
                         <a:rPr lang="zh-CN" altLang="en-US" dirty="0"/>
                         <a:t>进程控制支持</a:t>
@@ -5079,7 +5010,7 @@
                   </a:ext>
                 </a:extLst>
               </a:tr>
-              <a:tr h="540000">
+              <a:tr h="753862">
                 <a:tc>
                   <a:txBody>
                     <a:bodyPr/>
@@ -5104,7 +5035,7 @@
                     <a:bodyPr/>
                     <a:lstStyle/>
                     <a:p>
-                      <a:pPr algn="ctr"/>
+                      <a:pPr algn="l"/>
                       <a:r>
                         <a:rPr lang="zh-CN" altLang="en-US" dirty="0"/>
                         <a:t>进程间通信支持</a:t>
@@ -5119,7 +5050,7 @@
                   </a:ext>
                 </a:extLst>
               </a:tr>
-              <a:tr h="540000">
+              <a:tr h="753862">
                 <a:tc>
                   <a:txBody>
                     <a:bodyPr/>
@@ -5144,7 +5075,7 @@
                     <a:bodyPr/>
                     <a:lstStyle/>
                     <a:p>
-                      <a:pPr algn="ctr"/>
+                      <a:pPr algn="l"/>
                       <a:r>
                         <a:rPr lang="en-US" altLang="zh-CN" dirty="0"/>
                         <a:t>Unix</a:t>
@@ -5163,7 +5094,7 @@
                   </a:ext>
                 </a:extLst>
               </a:tr>
-              <a:tr h="540000">
+              <a:tr h="753862">
                 <a:tc>
                   <a:txBody>
                     <a:bodyPr/>
@@ -5188,7 +5119,7 @@
                     <a:bodyPr/>
                     <a:lstStyle/>
                     <a:p>
-                      <a:pPr algn="ctr"/>
+                      <a:pPr algn="l"/>
                       <a:r>
                         <a:rPr lang="zh-CN" altLang="en-US" dirty="0"/>
                         <a:t>此扩展对</a:t>
@@ -5211,7 +5142,7 @@
                   </a:ext>
                 </a:extLst>
               </a:tr>
-              <a:tr h="540000">
+              <a:tr h="753862">
                 <a:tc>
                   <a:txBody>
                     <a:bodyPr/>
@@ -5236,7 +5167,7 @@
                     <a:bodyPr/>
                     <a:lstStyle/>
                     <a:p>
-                      <a:pPr algn="ctr"/>
+                      <a:pPr algn="l"/>
                       <a:r>
                         <a:rPr lang="zh-CN" altLang="en-US" dirty="0"/>
                         <a:t>多字节</a:t>
@@ -5473,6 +5404,9 @@
             <a:endParaRPr lang="en-US" altLang="zh-CN" sz="2000" dirty="0"/>
           </a:p>
           <a:p>
+            <a:endParaRPr lang="en-US" altLang="zh-CN" sz="2000" dirty="0"/>
+          </a:p>
+          <a:p>
             <a:r>
               <a:rPr lang="zh-CN" altLang="en-US" sz="2000" dirty="0"/>
               <a:t>这里使用</a:t>
@@ -5548,6 +5482,9 @@
             <a:endParaRPr lang="en-US" altLang="zh-CN" sz="2000" dirty="0"/>
           </a:p>
           <a:p>
+            <a:endParaRPr lang="en-US" altLang="zh-CN" sz="2000" dirty="0"/>
+          </a:p>
+          <a:p>
             <a:r>
               <a:rPr lang="en-US" altLang="zh-CN" sz="2000" dirty="0"/>
               <a:t>/</a:t>
@@ -5560,6 +5497,9 @@
               <a:rPr lang="zh-CN" altLang="en-US" sz="2000" dirty="0"/>
               <a:t>目录是自己创建的，在根目录下创建为的是可移植环境，不要在用户主目录下创建，这会带来权限，移植的麻烦。</a:t>
             </a:r>
+            <a:endParaRPr lang="en-US" altLang="zh-CN" sz="2000" dirty="0"/>
+          </a:p>
+          <a:p>
             <a:endParaRPr lang="en-US" altLang="zh-CN" sz="2000" dirty="0"/>
           </a:p>
           <a:p>
@@ -6560,6 +6500,9 @@
             </a:r>
           </a:p>
           <a:p>
+            <a:endParaRPr lang="en-US" altLang="zh-CN" sz="2000" dirty="0"/>
+          </a:p>
+          <a:p>
             <a:r>
               <a:rPr lang="zh-CN" altLang="en-US" sz="2000" dirty="0"/>
               <a:t>打开配置文件，找到</a:t>
@@ -6741,6 +6684,9 @@
             <a:endParaRPr lang="en-US" altLang="zh-CN" sz="2000" dirty="0"/>
           </a:p>
           <a:p>
+            <a:endParaRPr lang="en-US" altLang="zh-CN" sz="2000" dirty="0"/>
+          </a:p>
+          <a:p>
             <a:r>
               <a:rPr lang="en-US" altLang="zh-CN" sz="2000" dirty="0"/>
               <a:t>PHP_INSTALL_DIR/</a:t>
@@ -6789,6 +6735,9 @@
               <a:rPr lang="zh-CN" altLang="en-US" sz="2000" dirty="0"/>
               <a:t>可以控制进程的重启，退出，重新加载配置文件的操作。</a:t>
             </a:r>
+            <a:endParaRPr lang="en-US" altLang="zh-CN" sz="2000" dirty="0"/>
+          </a:p>
+          <a:p>
             <a:endParaRPr lang="en-US" altLang="zh-CN" sz="2000" dirty="0"/>
           </a:p>
           <a:p>

--- a/materials/slides/ch02-complie-php-source-code.pptx
+++ b/materials/slides/ch02-complie-php-source-code.pptx
@@ -233,7 +233,7 @@
           <a:p>
             <a:fld id="{E923E828-953C-4D4A-9B10-11E7329F433D}" type="datetimeFigureOut">
               <a:rPr lang="zh-CN" altLang="en-US" smtClean="0"/>
-              <a:t>2018/2/28</a:t>
+              <a:t>2018/3/3</a:t>
             </a:fld>
             <a:endParaRPr lang="zh-CN" altLang="en-US"/>
           </a:p>
@@ -414,7 +414,7 @@
           <a:p>
             <a:fld id="{867C5346-22E5-4085-8130-851344A84DFF}" type="datetimeFigureOut">
               <a:rPr lang="zh-CN" altLang="en-US" smtClean="0"/>
-              <a:t>2018/2/28</a:t>
+              <a:t>2018/3/3</a:t>
             </a:fld>
             <a:endParaRPr lang="zh-CN" altLang="en-US"/>
           </a:p>
@@ -840,7 +840,7 @@
           <a:p>
             <a:fld id="{A5E21016-498F-4141-B0CA-D95A38CA7D62}" type="datetimeFigureOut">
               <a:rPr lang="zh-CN" altLang="en-US" smtClean="0"/>
-              <a:t>2018/2/28</a:t>
+              <a:t>2018/3/3</a:t>
             </a:fld>
             <a:endParaRPr lang="zh-CN" altLang="en-US"/>
           </a:p>
@@ -1070,7 +1070,7 @@
           <a:p>
             <a:fld id="{A5E21016-498F-4141-B0CA-D95A38CA7D62}" type="datetimeFigureOut">
               <a:rPr lang="zh-CN" altLang="en-US" smtClean="0"/>
-              <a:t>2018/2/28</a:t>
+              <a:t>2018/3/3</a:t>
             </a:fld>
             <a:endParaRPr lang="zh-CN" altLang="en-US"/>
           </a:p>
@@ -1305,7 +1305,7 @@
           <a:p>
             <a:fld id="{A5E21016-498F-4141-B0CA-D95A38CA7D62}" type="datetimeFigureOut">
               <a:rPr lang="zh-CN" altLang="en-US" smtClean="0"/>
-              <a:t>2018/2/28</a:t>
+              <a:t>2018/3/3</a:t>
             </a:fld>
             <a:endParaRPr lang="zh-CN" altLang="en-US"/>
           </a:p>
@@ -1867,7 +1867,7 @@
           <a:p>
             <a:fld id="{A5E21016-498F-4141-B0CA-D95A38CA7D62}" type="datetimeFigureOut">
               <a:rPr lang="zh-CN" altLang="en-US" smtClean="0"/>
-              <a:t>2018/2/28</a:t>
+              <a:t>2018/3/3</a:t>
             </a:fld>
             <a:endParaRPr lang="zh-CN" altLang="en-US"/>
           </a:p>
@@ -2164,7 +2164,7 @@
           <a:p>
             <a:fld id="{A5E21016-498F-4141-B0CA-D95A38CA7D62}" type="datetimeFigureOut">
               <a:rPr lang="zh-CN" altLang="en-US" smtClean="0"/>
-              <a:t>2018/2/28</a:t>
+              <a:t>2018/3/3</a:t>
             </a:fld>
             <a:endParaRPr lang="zh-CN" altLang="en-US"/>
           </a:p>
@@ -2603,7 +2603,7 @@
           <a:p>
             <a:fld id="{A5E21016-498F-4141-B0CA-D95A38CA7D62}" type="datetimeFigureOut">
               <a:rPr lang="zh-CN" altLang="en-US" smtClean="0"/>
-              <a:t>2018/2/28</a:t>
+              <a:t>2018/3/3</a:t>
             </a:fld>
             <a:endParaRPr lang="zh-CN" altLang="en-US"/>
           </a:p>
@@ -2776,7 +2776,7 @@
           <a:p>
             <a:fld id="{A5E21016-498F-4141-B0CA-D95A38CA7D62}" type="datetimeFigureOut">
               <a:rPr lang="zh-CN" altLang="en-US" smtClean="0"/>
-              <a:t>2018/2/28</a:t>
+              <a:t>2018/3/3</a:t>
             </a:fld>
             <a:endParaRPr lang="zh-CN" altLang="en-US"/>
           </a:p>
@@ -2913,7 +2913,7 @@
           <a:p>
             <a:fld id="{A5E21016-498F-4141-B0CA-D95A38CA7D62}" type="datetimeFigureOut">
               <a:rPr lang="zh-CN" altLang="en-US" smtClean="0"/>
-              <a:t>2018/2/28</a:t>
+              <a:t>2018/3/3</a:t>
             </a:fld>
             <a:endParaRPr lang="zh-CN" altLang="en-US"/>
           </a:p>
@@ -3251,7 +3251,7 @@
           <a:p>
             <a:fld id="{A5E21016-498F-4141-B0CA-D95A38CA7D62}" type="datetimeFigureOut">
               <a:rPr lang="zh-CN" altLang="en-US" smtClean="0"/>
-              <a:t>2018/2/28</a:t>
+              <a:t>2018/3/3</a:t>
             </a:fld>
             <a:endParaRPr lang="zh-CN" altLang="en-US"/>
           </a:p>
@@ -3566,7 +3566,7 @@
           <a:p>
             <a:fld id="{A5E21016-498F-4141-B0CA-D95A38CA7D62}" type="datetimeFigureOut">
               <a:rPr lang="zh-CN" altLang="en-US" smtClean="0"/>
-              <a:t>2018/2/28</a:t>
+              <a:t>2018/3/3</a:t>
             </a:fld>
             <a:endParaRPr lang="zh-CN" altLang="en-US"/>
           </a:p>
@@ -7854,7 +7854,7 @@
             <p:ph idx="1"/>
             <p:extLst>
               <p:ext uri="{D42A27DB-BD31-4B8C-83A1-F6EECF244321}">
-                <p14:modId xmlns:p14="http://schemas.microsoft.com/office/powerpoint/2010/main" val="203045095"/>
+                <p14:modId xmlns:p14="http://schemas.microsoft.com/office/powerpoint/2010/main" val="2170290129"/>
               </p:ext>
             </p:extLst>
           </p:nvPr>
@@ -7867,17 +7867,17 @@
           <a:graphicData uri="http://schemas.openxmlformats.org/drawingml/2006/table">
             <a:tbl>
               <a:tblPr firstRow="1" bandRow="1">
-                <a:tableStyleId>{5C22544A-7EE6-4342-B048-85BDC9FD1C3A}</a:tableStyleId>
+                <a:tableStyleId>{2D5ABB26-0587-4C30-8999-92F81FD0307C}</a:tableStyleId>
               </a:tblPr>
               <a:tblGrid>
-                <a:gridCol w="2109186">
+                <a:gridCol w="2089638">
                   <a:extLst>
                     <a:ext uri="{9D8B030D-6E8A-4147-A177-3AD203B41FA5}">
                       <a16:colId xmlns:a16="http://schemas.microsoft.com/office/drawing/2014/main" val="1572361516"/>
                     </a:ext>
                   </a:extLst>
                 </a:gridCol>
-                <a:gridCol w="8406414">
+                <a:gridCol w="8425962">
                   <a:extLst>
                     <a:ext uri="{9D8B030D-6E8A-4147-A177-3AD203B41FA5}">
                       <a16:colId xmlns:a16="http://schemas.microsoft.com/office/drawing/2014/main" val="55962454"/>
@@ -7893,15 +7893,15 @@
                     <a:p>
                       <a:pPr algn="ctr"/>
                       <a:r>
-                        <a:rPr lang="zh-CN" altLang="en-US" dirty="0"/>
+                        <a:rPr lang="zh-CN" altLang="en-US" b="1" dirty="0"/>
                         <a:t>目录</a:t>
                       </a:r>
                       <a:r>
-                        <a:rPr lang="en-US" altLang="zh-CN" dirty="0"/>
+                        <a:rPr lang="en-US" altLang="zh-CN" b="1" dirty="0"/>
                         <a:t>/</a:t>
                       </a:r>
                       <a:r>
-                        <a:rPr lang="zh-CN" altLang="en-US" dirty="0"/>
+                        <a:rPr lang="zh-CN" altLang="en-US" b="1" dirty="0"/>
                         <a:t>文件</a:t>
                       </a:r>
                     </a:p>
@@ -7915,7 +7915,7 @@
                     <a:p>
                       <a:pPr algn="ctr"/>
                       <a:r>
-                        <a:rPr lang="zh-CN" altLang="en-US" dirty="0"/>
+                        <a:rPr lang="zh-CN" altLang="en-US" b="1" dirty="0"/>
                         <a:t>说明</a:t>
                       </a:r>
                     </a:p>
@@ -7949,7 +7949,7 @@
                     <a:bodyPr/>
                     <a:lstStyle/>
                     <a:p>
-                      <a:pPr algn="ctr"/>
+                      <a:pPr algn="l"/>
                       <a:r>
                         <a:rPr lang="zh-CN" altLang="en-US" dirty="0"/>
                         <a:t>此目录下的脚本执行环境检测等一系列工作</a:t>
@@ -7985,7 +7985,7 @@
                     <a:bodyPr/>
                     <a:lstStyle/>
                     <a:p>
-                      <a:pPr algn="ctr"/>
+                      <a:pPr algn="l"/>
                       <a:r>
                         <a:rPr lang="en-US" altLang="zh-CN" dirty="0"/>
                         <a:t>PHP</a:t>
@@ -8029,7 +8029,7 @@
                     <a:bodyPr/>
                     <a:lstStyle/>
                     <a:p>
-                      <a:pPr algn="ctr"/>
+                      <a:pPr algn="l"/>
                       <a:r>
                         <a:rPr lang="zh-CN" altLang="en-US" dirty="0"/>
                         <a:t>扩展目录</a:t>
@@ -8069,7 +8069,7 @@
                     <a:bodyPr/>
                     <a:lstStyle/>
                     <a:p>
-                      <a:pPr algn="ctr"/>
+                      <a:pPr algn="l"/>
                       <a:r>
                         <a:rPr lang="en-US" altLang="zh-CN" dirty="0"/>
                         <a:t>PHP</a:t>
@@ -8113,7 +8113,7 @@
                     <a:bodyPr/>
                     <a:lstStyle/>
                     <a:p>
-                      <a:pPr algn="ctr"/>
+                      <a:pPr algn="l"/>
                       <a:r>
                         <a:rPr lang="zh-CN" altLang="en-US" dirty="0"/>
                         <a:t>服务编程接口，程序由此开始执行，提供了</a:t>
@@ -8139,10 +8139,9 @@
                         <a:t>fpm</a:t>
                       </a:r>
                       <a:r>
-                        <a:rPr lang="zh-CN" altLang="en-US"/>
+                        <a:rPr lang="zh-CN" altLang="en-US" dirty="0"/>
                         <a:t>等入口方式</a:t>
                       </a:r>
-                      <a:endParaRPr lang="zh-CN" altLang="en-US" dirty="0"/>
                     </a:p>
                   </a:txBody>
                   <a:tcPr anchor="ctr"/>
@@ -8190,7 +8189,7 @@
                     <a:bodyPr/>
                     <a:lstStyle/>
                     <a:p>
-                      <a:pPr algn="ctr"/>
+                      <a:pPr algn="l"/>
                       <a:r>
                         <a:rPr lang="zh-CN" altLang="en-US" dirty="0"/>
                         <a:t>配置文件，用于编译初始化，并生成</a:t>

--- a/materials/slides/ch02-complie-php-source-code.pptx
+++ b/materials/slides/ch02-complie-php-source-code.pptx
@@ -233,7 +233,7 @@
           <a:p>
             <a:fld id="{E923E828-953C-4D4A-9B10-11E7329F433D}" type="datetimeFigureOut">
               <a:rPr lang="zh-CN" altLang="en-US" smtClean="0"/>
-              <a:t>2018/3/3</a:t>
+              <a:t>2018/3/5</a:t>
             </a:fld>
             <a:endParaRPr lang="zh-CN" altLang="en-US"/>
           </a:p>
@@ -414,7 +414,7 @@
           <a:p>
             <a:fld id="{867C5346-22E5-4085-8130-851344A84DFF}" type="datetimeFigureOut">
               <a:rPr lang="zh-CN" altLang="en-US" smtClean="0"/>
-              <a:t>2018/3/3</a:t>
+              <a:t>2018/3/5</a:t>
             </a:fld>
             <a:endParaRPr lang="zh-CN" altLang="en-US"/>
           </a:p>
@@ -840,7 +840,7 @@
           <a:p>
             <a:fld id="{A5E21016-498F-4141-B0CA-D95A38CA7D62}" type="datetimeFigureOut">
               <a:rPr lang="zh-CN" altLang="en-US" smtClean="0"/>
-              <a:t>2018/3/3</a:t>
+              <a:t>2018/3/5</a:t>
             </a:fld>
             <a:endParaRPr lang="zh-CN" altLang="en-US"/>
           </a:p>
@@ -1070,7 +1070,7 @@
           <a:p>
             <a:fld id="{A5E21016-498F-4141-B0CA-D95A38CA7D62}" type="datetimeFigureOut">
               <a:rPr lang="zh-CN" altLang="en-US" smtClean="0"/>
-              <a:t>2018/3/3</a:t>
+              <a:t>2018/3/5</a:t>
             </a:fld>
             <a:endParaRPr lang="zh-CN" altLang="en-US"/>
           </a:p>
@@ -1305,7 +1305,7 @@
           <a:p>
             <a:fld id="{A5E21016-498F-4141-B0CA-D95A38CA7D62}" type="datetimeFigureOut">
               <a:rPr lang="zh-CN" altLang="en-US" smtClean="0"/>
-              <a:t>2018/3/3</a:t>
+              <a:t>2018/3/5</a:t>
             </a:fld>
             <a:endParaRPr lang="zh-CN" altLang="en-US"/>
           </a:p>
@@ -1867,7 +1867,7 @@
           <a:p>
             <a:fld id="{A5E21016-498F-4141-B0CA-D95A38CA7D62}" type="datetimeFigureOut">
               <a:rPr lang="zh-CN" altLang="en-US" smtClean="0"/>
-              <a:t>2018/3/3</a:t>
+              <a:t>2018/3/5</a:t>
             </a:fld>
             <a:endParaRPr lang="zh-CN" altLang="en-US"/>
           </a:p>
@@ -2164,7 +2164,7 @@
           <a:p>
             <a:fld id="{A5E21016-498F-4141-B0CA-D95A38CA7D62}" type="datetimeFigureOut">
               <a:rPr lang="zh-CN" altLang="en-US" smtClean="0"/>
-              <a:t>2018/3/3</a:t>
+              <a:t>2018/3/5</a:t>
             </a:fld>
             <a:endParaRPr lang="zh-CN" altLang="en-US"/>
           </a:p>
@@ -2603,7 +2603,7 @@
           <a:p>
             <a:fld id="{A5E21016-498F-4141-B0CA-D95A38CA7D62}" type="datetimeFigureOut">
               <a:rPr lang="zh-CN" altLang="en-US" smtClean="0"/>
-              <a:t>2018/3/3</a:t>
+              <a:t>2018/3/5</a:t>
             </a:fld>
             <a:endParaRPr lang="zh-CN" altLang="en-US"/>
           </a:p>
@@ -2776,7 +2776,7 @@
           <a:p>
             <a:fld id="{A5E21016-498F-4141-B0CA-D95A38CA7D62}" type="datetimeFigureOut">
               <a:rPr lang="zh-CN" altLang="en-US" smtClean="0"/>
-              <a:t>2018/3/3</a:t>
+              <a:t>2018/3/5</a:t>
             </a:fld>
             <a:endParaRPr lang="zh-CN" altLang="en-US"/>
           </a:p>
@@ -2913,7 +2913,7 @@
           <a:p>
             <a:fld id="{A5E21016-498F-4141-B0CA-D95A38CA7D62}" type="datetimeFigureOut">
               <a:rPr lang="zh-CN" altLang="en-US" smtClean="0"/>
-              <a:t>2018/3/3</a:t>
+              <a:t>2018/3/5</a:t>
             </a:fld>
             <a:endParaRPr lang="zh-CN" altLang="en-US"/>
           </a:p>
@@ -3251,7 +3251,7 @@
           <a:p>
             <a:fld id="{A5E21016-498F-4141-B0CA-D95A38CA7D62}" type="datetimeFigureOut">
               <a:rPr lang="zh-CN" altLang="en-US" smtClean="0"/>
-              <a:t>2018/3/3</a:t>
+              <a:t>2018/3/5</a:t>
             </a:fld>
             <a:endParaRPr lang="zh-CN" altLang="en-US"/>
           </a:p>
@@ -3566,7 +3566,7 @@
           <a:p>
             <a:fld id="{A5E21016-498F-4141-B0CA-D95A38CA7D62}" type="datetimeFigureOut">
               <a:rPr lang="zh-CN" altLang="en-US" smtClean="0"/>
-              <a:t>2018/3/3</a:t>
+              <a:t>2018/3/5</a:t>
             </a:fld>
             <a:endParaRPr lang="zh-CN" altLang="en-US"/>
           </a:p>
@@ -4262,12 +4262,8 @@
           <a:p>
             <a:pPr algn="ctr"/>
             <a:r>
-              <a:rPr lang="zh-CN" altLang="en-US" sz="2800"/>
-              <a:t>第二讲 </a:t>
-            </a:r>
-            <a:r>
               <a:rPr lang="zh-CN" altLang="en-US" sz="2800" dirty="0"/>
-              <a:t>编译</a:t>
+              <a:t>第二讲 编译</a:t>
             </a:r>
             <a:r>
               <a:rPr lang="en-US" altLang="zh-CN" sz="2800" dirty="0"/>
@@ -4475,14 +4471,14 @@
             <p:ph idx="1"/>
             <p:extLst>
               <p:ext uri="{D42A27DB-BD31-4B8C-83A1-F6EECF244321}">
-                <p14:modId xmlns:p14="http://schemas.microsoft.com/office/powerpoint/2010/main" val="3393939330"/>
+                <p14:modId xmlns:p14="http://schemas.microsoft.com/office/powerpoint/2010/main" val="2478029453"/>
               </p:ext>
             </p:extLst>
           </p:nvPr>
         </p:nvGraphicFramePr>
         <p:xfrm>
           <a:off x="838200" y="1638007"/>
-          <a:ext cx="10515600" cy="5011370"/>
+          <a:ext cx="10515600" cy="4777236"/>
         </p:xfrm>
         <a:graphic>
           <a:graphicData uri="http://schemas.openxmlformats.org/drawingml/2006/table">
@@ -4491,14 +4487,14 @@
                 <a:tableStyleId>{2D5ABB26-0587-4C30-8999-92F81FD0307C}</a:tableStyleId>
               </a:tblPr>
               <a:tblGrid>
-                <a:gridCol w="2526437">
+                <a:gridCol w="2819400">
                   <a:extLst>
                     <a:ext uri="{9D8B030D-6E8A-4147-A177-3AD203B41FA5}">
                       <a16:colId xmlns:a16="http://schemas.microsoft.com/office/drawing/2014/main" val="1572361516"/>
                     </a:ext>
                   </a:extLst>
                 </a:gridCol>
-                <a:gridCol w="7989163">
+                <a:gridCol w="7696200">
                   <a:extLst>
                     <a:ext uri="{9D8B030D-6E8A-4147-A177-3AD203B41FA5}">
                       <a16:colId xmlns:a16="http://schemas.microsoft.com/office/drawing/2014/main" val="55962454"/>
@@ -4506,7 +4502,7 @@
                   </a:extLst>
                 </a:gridCol>
               </a:tblGrid>
-              <a:tr h="715910">
+              <a:tr h="659046">
                 <a:tc>
                   <a:txBody>
                     <a:bodyPr/>
@@ -4514,7 +4510,7 @@
                     <a:p>
                       <a:pPr algn="ctr"/>
                       <a:r>
-                        <a:rPr lang="zh-CN" altLang="en-US" b="1" dirty="0"/>
+                        <a:rPr lang="zh-CN" altLang="en-US" sz="2400" b="1" dirty="0"/>
                         <a:t>参数</a:t>
                       </a:r>
                     </a:p>
@@ -4528,7 +4524,7 @@
                     <a:p>
                       <a:pPr algn="ctr"/>
                       <a:r>
-                        <a:rPr lang="zh-CN" altLang="en-US" b="1" dirty="0"/>
+                        <a:rPr lang="zh-CN" altLang="en-US" sz="2400" b="1" dirty="0"/>
                         <a:t>说明</a:t>
                       </a:r>
                     </a:p>
@@ -4541,7 +4537,7 @@
                   </a:ext>
                 </a:extLst>
               </a:tr>
-              <a:tr h="715910">
+              <a:tr h="659046">
                 <a:tc>
                   <a:txBody>
                     <a:bodyPr/>
@@ -4549,10 +4545,10 @@
                     <a:p>
                       <a:pPr algn="ctr"/>
                       <a:r>
-                        <a:rPr lang="en-US" altLang="zh-CN" dirty="0"/>
+                        <a:rPr lang="en-US" altLang="zh-CN" sz="2400" dirty="0"/>
                         <a:t>--prefix=</a:t>
                       </a:r>
-                      <a:endParaRPr lang="zh-CN" altLang="en-US" dirty="0"/>
+                      <a:endParaRPr lang="zh-CN" altLang="en-US" sz="2400" dirty="0"/>
                     </a:p>
                   </a:txBody>
                   <a:tcPr anchor="ctr"/>
@@ -4564,7 +4560,7 @@
                     <a:p>
                       <a:pPr algn="l"/>
                       <a:r>
-                        <a:rPr lang="zh-CN" altLang="en-US" dirty="0"/>
+                        <a:rPr lang="zh-CN" altLang="en-US" sz="2400" dirty="0"/>
                         <a:t>程序安装目录</a:t>
                       </a:r>
                     </a:p>
@@ -4577,7 +4573,7 @@
                   </a:ext>
                 </a:extLst>
               </a:tr>
-              <a:tr h="715910">
+              <a:tr h="659046">
                 <a:tc>
                   <a:txBody>
                     <a:bodyPr/>
@@ -4585,10 +4581,10 @@
                     <a:p>
                       <a:pPr algn="ctr"/>
                       <a:r>
-                        <a:rPr lang="en-US" altLang="zh-CN" dirty="0"/>
+                        <a:rPr lang="en-US" altLang="zh-CN" sz="2400" dirty="0"/>
                         <a:t>--with-config-file-path</a:t>
                       </a:r>
-                      <a:endParaRPr lang="zh-CN" altLang="en-US" dirty="0"/>
+                      <a:endParaRPr lang="zh-CN" altLang="en-US" sz="2400" dirty="0"/>
                     </a:p>
                   </a:txBody>
                   <a:tcPr anchor="ctr"/>
@@ -4600,15 +4596,15 @@
                     <a:p>
                       <a:pPr algn="l"/>
                       <a:r>
-                        <a:rPr lang="zh-CN" altLang="en-US" dirty="0"/>
+                        <a:rPr lang="zh-CN" altLang="en-US" sz="2400" dirty="0"/>
                         <a:t>配置文件</a:t>
                       </a:r>
                       <a:r>
-                        <a:rPr lang="en-US" altLang="zh-CN" dirty="0"/>
+                        <a:rPr lang="en-US" altLang="zh-CN" sz="2400" dirty="0"/>
                         <a:t>php.ini</a:t>
                       </a:r>
                       <a:r>
-                        <a:rPr lang="zh-CN" altLang="en-US" dirty="0"/>
+                        <a:rPr lang="zh-CN" altLang="en-US" sz="2400" dirty="0"/>
                         <a:t>路径</a:t>
                       </a:r>
                     </a:p>
@@ -4621,7 +4617,7 @@
                   </a:ext>
                 </a:extLst>
               </a:tr>
-              <a:tr h="715910">
+              <a:tr h="659046">
                 <a:tc>
                   <a:txBody>
                     <a:bodyPr/>
@@ -4629,10 +4625,10 @@
                     <a:p>
                       <a:pPr algn="ctr"/>
                       <a:r>
-                        <a:rPr lang="en-US" altLang="zh-CN" dirty="0"/>
+                        <a:rPr lang="en-US" altLang="zh-CN" sz="2400" dirty="0"/>
                         <a:t>--with-apxs2</a:t>
                       </a:r>
-                      <a:endParaRPr lang="zh-CN" altLang="en-US" dirty="0"/>
+                      <a:endParaRPr lang="zh-CN" altLang="en-US" sz="2400" dirty="0"/>
                     </a:p>
                   </a:txBody>
                   <a:tcPr anchor="ctr"/>
@@ -4644,15 +4640,15 @@
                     <a:p>
                       <a:pPr algn="l"/>
                       <a:r>
-                        <a:rPr lang="zh-CN" altLang="en-US" dirty="0"/>
+                        <a:rPr lang="zh-CN" altLang="en-US" sz="2400" dirty="0"/>
                         <a:t>编译共享的</a:t>
                       </a:r>
                       <a:r>
-                        <a:rPr lang="en-US" altLang="zh-CN" dirty="0"/>
+                        <a:rPr lang="en-US" altLang="zh-CN" sz="2400" dirty="0"/>
                         <a:t>Apache2.0</a:t>
                       </a:r>
                       <a:r>
-                        <a:rPr lang="zh-CN" altLang="en-US" dirty="0"/>
+                        <a:rPr lang="zh-CN" altLang="en-US" sz="2400" dirty="0"/>
                         <a:t>模块</a:t>
                       </a:r>
                     </a:p>
@@ -4665,7 +4661,7 @@
                   </a:ext>
                 </a:extLst>
               </a:tr>
-              <a:tr h="715910">
+              <a:tr h="659046">
                 <a:tc>
                   <a:txBody>
                     <a:bodyPr/>
@@ -4673,10 +4669,10 @@
                     <a:p>
                       <a:pPr algn="ctr"/>
                       <a:r>
-                        <a:rPr lang="en-US" altLang="zh-CN" dirty="0"/>
+                        <a:rPr lang="en-US" altLang="zh-CN" sz="2400" dirty="0"/>
                         <a:t>--enable-sockets</a:t>
                       </a:r>
-                      <a:endParaRPr lang="zh-CN" altLang="en-US" dirty="0"/>
+                      <a:endParaRPr lang="zh-CN" altLang="en-US" sz="2400" dirty="0"/>
                     </a:p>
                   </a:txBody>
                   <a:tcPr anchor="ctr"/>
@@ -4688,15 +4684,15 @@
                     <a:p>
                       <a:pPr algn="l"/>
                       <a:r>
-                        <a:rPr lang="zh-CN" altLang="en-US" dirty="0"/>
+                        <a:rPr lang="zh-CN" altLang="en-US" sz="2400" dirty="0"/>
                         <a:t>支持</a:t>
                       </a:r>
                       <a:r>
-                        <a:rPr lang="en-US" altLang="zh-CN" dirty="0"/>
+                        <a:rPr lang="en-US" altLang="zh-CN" sz="2400" dirty="0"/>
                         <a:t>sockets</a:t>
                       </a:r>
                       <a:r>
-                        <a:rPr lang="zh-CN" altLang="en-US" dirty="0"/>
+                        <a:rPr lang="zh-CN" altLang="en-US" sz="2400" dirty="0"/>
                         <a:t>编程接口</a:t>
                       </a:r>
                     </a:p>
@@ -4709,7 +4705,7 @@
                   </a:ext>
                 </a:extLst>
               </a:tr>
-              <a:tr h="715910">
+              <a:tr h="659046">
                 <a:tc>
                   <a:txBody>
                     <a:bodyPr/>
@@ -4717,10 +4713,10 @@
                     <a:p>
                       <a:pPr algn="ctr"/>
                       <a:r>
-                        <a:rPr lang="en-US" altLang="zh-CN" dirty="0"/>
+                        <a:rPr lang="en-US" altLang="zh-CN" sz="2400" dirty="0"/>
                         <a:t>--enable-fpm</a:t>
                       </a:r>
-                      <a:endParaRPr lang="zh-CN" altLang="en-US" dirty="0"/>
+                      <a:endParaRPr lang="zh-CN" altLang="en-US" sz="2400" dirty="0"/>
                     </a:p>
                   </a:txBody>
                   <a:tcPr anchor="ctr"/>
@@ -4732,31 +4728,31 @@
                     <a:p>
                       <a:pPr algn="l"/>
                       <a:r>
-                        <a:rPr lang="zh-CN" altLang="en-US" dirty="0"/>
+                        <a:rPr lang="zh-CN" altLang="en-US" sz="2400" dirty="0"/>
                         <a:t>建立</a:t>
                       </a:r>
                       <a:r>
-                        <a:rPr lang="en-US" altLang="zh-CN" dirty="0"/>
+                        <a:rPr lang="en-US" altLang="zh-CN" sz="2400" dirty="0"/>
                         <a:t>fpm SAPI</a:t>
                       </a:r>
                       <a:r>
-                        <a:rPr lang="zh-CN" altLang="en-US" dirty="0"/>
+                        <a:rPr lang="zh-CN" altLang="en-US" sz="2400" dirty="0"/>
                         <a:t>，用于</a:t>
                       </a:r>
                       <a:r>
-                        <a:rPr lang="en-US" altLang="zh-CN" dirty="0"/>
+                        <a:rPr lang="en-US" altLang="zh-CN" sz="2400" dirty="0"/>
                         <a:t>Nginx</a:t>
                       </a:r>
                       <a:r>
-                        <a:rPr lang="zh-CN" altLang="en-US" dirty="0"/>
+                        <a:rPr lang="zh-CN" altLang="en-US" sz="2400" dirty="0"/>
                         <a:t>等</a:t>
                       </a:r>
                       <a:r>
-                        <a:rPr lang="en-US" altLang="zh-CN" dirty="0"/>
+                        <a:rPr lang="en-US" altLang="zh-CN" sz="2400" dirty="0"/>
                         <a:t>CGI</a:t>
                       </a:r>
                       <a:r>
-                        <a:rPr lang="zh-CN" altLang="en-US" dirty="0"/>
+                        <a:rPr lang="zh-CN" altLang="en-US" sz="2400" dirty="0"/>
                         <a:t>形式的接入</a:t>
                       </a:r>
                     </a:p>
@@ -4769,7 +4765,7 @@
                   </a:ext>
                 </a:extLst>
               </a:tr>
-              <a:tr h="715910">
+              <a:tr h="659046">
                 <a:tc>
                   <a:txBody>
                     <a:bodyPr/>
@@ -4777,14 +4773,14 @@
                     <a:p>
                       <a:pPr algn="ctr"/>
                       <a:r>
-                        <a:rPr lang="en-US" altLang="zh-CN" dirty="0"/>
+                        <a:rPr lang="en-US" altLang="zh-CN" sz="2400" dirty="0"/>
                         <a:t>--enable-</a:t>
                       </a:r>
                       <a:r>
-                        <a:rPr lang="en-US" altLang="zh-CN" dirty="0" err="1"/>
+                        <a:rPr lang="en-US" altLang="zh-CN" sz="2400" dirty="0" err="1"/>
                         <a:t>mysqlnd</a:t>
                       </a:r>
-                      <a:endParaRPr lang="zh-CN" altLang="en-US" dirty="0"/>
+                      <a:endParaRPr lang="zh-CN" altLang="en-US" sz="2400" dirty="0"/>
                     </a:p>
                   </a:txBody>
                   <a:tcPr anchor="ctr"/>
@@ -4796,15 +4792,15 @@
                     <a:p>
                       <a:pPr algn="l"/>
                       <a:r>
-                        <a:rPr lang="zh-CN" altLang="en-US" dirty="0"/>
+                        <a:rPr lang="zh-CN" altLang="en-US" sz="2400" dirty="0"/>
                         <a:t>编译</a:t>
                       </a:r>
                       <a:r>
-                        <a:rPr lang="en-US" altLang="zh-CN" dirty="0" err="1"/>
+                        <a:rPr lang="en-US" altLang="zh-CN" sz="2400" dirty="0" err="1"/>
                         <a:t>mysqlnd</a:t>
                       </a:r>
                       <a:r>
-                        <a:rPr lang="zh-CN" altLang="en-US" dirty="0"/>
+                        <a:rPr lang="zh-CN" altLang="en-US" sz="2400" dirty="0"/>
                         <a:t>扩展</a:t>
                       </a:r>
                     </a:p>
@@ -4904,14 +4900,14 @@
             <p:ph idx="1"/>
             <p:extLst>
               <p:ext uri="{D42A27DB-BD31-4B8C-83A1-F6EECF244321}">
-                <p14:modId xmlns:p14="http://schemas.microsoft.com/office/powerpoint/2010/main" val="4050351038"/>
+                <p14:modId xmlns:p14="http://schemas.microsoft.com/office/powerpoint/2010/main" val="263974983"/>
               </p:ext>
             </p:extLst>
           </p:nvPr>
         </p:nvGraphicFramePr>
         <p:xfrm>
           <a:off x="825623" y="1651245"/>
-          <a:ext cx="10528177" cy="4523172"/>
+          <a:ext cx="10528177" cy="4592270"/>
         </p:xfrm>
         <a:graphic>
           <a:graphicData uri="http://schemas.openxmlformats.org/drawingml/2006/table">
@@ -4920,14 +4916,14 @@
                 <a:tableStyleId>{2D5ABB26-0587-4C30-8999-92F81FD0307C}</a:tableStyleId>
               </a:tblPr>
               <a:tblGrid>
-                <a:gridCol w="2529459">
+                <a:gridCol w="2955069">
                   <a:extLst>
                     <a:ext uri="{9D8B030D-6E8A-4147-A177-3AD203B41FA5}">
                       <a16:colId xmlns:a16="http://schemas.microsoft.com/office/drawing/2014/main" val="1572361516"/>
                     </a:ext>
                   </a:extLst>
                 </a:gridCol>
-                <a:gridCol w="7998718">
+                <a:gridCol w="7573108">
                   <a:extLst>
                     <a:ext uri="{9D8B030D-6E8A-4147-A177-3AD203B41FA5}">
                       <a16:colId xmlns:a16="http://schemas.microsoft.com/office/drawing/2014/main" val="55962454"/>
@@ -4943,7 +4939,7 @@
                     <a:p>
                       <a:pPr algn="ctr"/>
                       <a:r>
-                        <a:rPr lang="zh-CN" altLang="en-US" b="1" dirty="0"/>
+                        <a:rPr lang="zh-CN" altLang="en-US" sz="2400" b="1" dirty="0"/>
                         <a:t>参数</a:t>
                       </a:r>
                     </a:p>
@@ -4957,7 +4953,7 @@
                     <a:p>
                       <a:pPr algn="ctr"/>
                       <a:r>
-                        <a:rPr lang="zh-CN" altLang="en-US" b="1" dirty="0"/>
+                        <a:rPr lang="zh-CN" altLang="en-US" sz="2400" b="1" dirty="0"/>
                         <a:t>说明</a:t>
                       </a:r>
                     </a:p>
@@ -4978,14 +4974,14 @@
                     <a:p>
                       <a:pPr algn="ctr"/>
                       <a:r>
-                        <a:rPr lang="en-US" altLang="zh-CN" dirty="0"/>
+                        <a:rPr lang="en-US" altLang="zh-CN" sz="2400" dirty="0"/>
                         <a:t>--enable-</a:t>
                       </a:r>
                       <a:r>
-                        <a:rPr lang="en-US" altLang="zh-CN" dirty="0" err="1"/>
+                        <a:rPr lang="en-US" altLang="zh-CN" sz="2400" dirty="0" err="1"/>
                         <a:t>pcntl</a:t>
                       </a:r>
-                      <a:endParaRPr lang="zh-CN" altLang="en-US" dirty="0"/>
+                      <a:endParaRPr lang="zh-CN" altLang="en-US" sz="2400" dirty="0"/>
                     </a:p>
                   </a:txBody>
                   <a:tcPr anchor="ctr"/>
@@ -4997,7 +4993,7 @@
                     <a:p>
                       <a:pPr algn="l"/>
                       <a:r>
-                        <a:rPr lang="zh-CN" altLang="en-US" dirty="0"/>
+                        <a:rPr lang="zh-CN" altLang="en-US" sz="2400" dirty="0"/>
                         <a:t>进程控制支持</a:t>
                       </a:r>
                     </a:p>
@@ -5018,14 +5014,14 @@
                     <a:p>
                       <a:pPr algn="ctr"/>
                       <a:r>
-                        <a:rPr lang="en-US" altLang="zh-CN" dirty="0"/>
+                        <a:rPr lang="en-US" altLang="zh-CN" sz="2400" dirty="0"/>
                         <a:t>--enable-</a:t>
                       </a:r>
                       <a:r>
-                        <a:rPr lang="en-US" altLang="zh-CN" dirty="0" err="1"/>
+                        <a:rPr lang="en-US" altLang="zh-CN" sz="2400" dirty="0" err="1"/>
                         <a:t>sysvmsg</a:t>
                       </a:r>
-                      <a:endParaRPr lang="zh-CN" altLang="en-US" dirty="0"/>
+                      <a:endParaRPr lang="zh-CN" altLang="en-US" sz="2400" dirty="0"/>
                     </a:p>
                   </a:txBody>
                   <a:tcPr anchor="ctr"/>
@@ -5037,7 +5033,7 @@
                     <a:p>
                       <a:pPr algn="l"/>
                       <a:r>
-                        <a:rPr lang="zh-CN" altLang="en-US" dirty="0"/>
+                        <a:rPr lang="zh-CN" altLang="en-US" sz="2400" dirty="0"/>
                         <a:t>进程间通信支持</a:t>
                       </a:r>
                     </a:p>
@@ -5058,14 +5054,14 @@
                     <a:p>
                       <a:pPr algn="ctr"/>
                       <a:r>
-                        <a:rPr lang="en-US" altLang="zh-CN" dirty="0"/>
+                        <a:rPr lang="en-US" altLang="zh-CN" sz="2400" dirty="0"/>
                         <a:t>--enable-</a:t>
                       </a:r>
                       <a:r>
-                        <a:rPr lang="en-US" altLang="zh-CN" dirty="0" err="1"/>
+                        <a:rPr lang="en-US" altLang="zh-CN" sz="2400" dirty="0" err="1"/>
                         <a:t>sysvshm</a:t>
                       </a:r>
-                      <a:endParaRPr lang="zh-CN" altLang="en-US" dirty="0"/>
+                      <a:endParaRPr lang="zh-CN" altLang="en-US" sz="2400" dirty="0"/>
                     </a:p>
                   </a:txBody>
                   <a:tcPr anchor="ctr"/>
@@ -5077,11 +5073,11 @@
                     <a:p>
                       <a:pPr algn="l"/>
                       <a:r>
-                        <a:rPr lang="en-US" altLang="zh-CN" dirty="0"/>
+                        <a:rPr lang="en-US" altLang="zh-CN" sz="2400" dirty="0"/>
                         <a:t>Unix</a:t>
                       </a:r>
                       <a:r>
-                        <a:rPr lang="zh-CN" altLang="en-US" dirty="0"/>
+                        <a:rPr lang="zh-CN" altLang="en-US" sz="2400" dirty="0"/>
                         <a:t>共享内存支持</a:t>
                       </a:r>
                     </a:p>
@@ -5102,14 +5098,14 @@
                     <a:p>
                       <a:pPr algn="ctr"/>
                       <a:r>
-                        <a:rPr lang="en-US" altLang="zh-CN" dirty="0"/>
+                        <a:rPr lang="en-US" altLang="zh-CN" sz="2400" dirty="0"/>
                         <a:t>--enable-</a:t>
                       </a:r>
                       <a:r>
-                        <a:rPr lang="en-US" altLang="zh-CN" dirty="0" err="1"/>
+                        <a:rPr lang="en-US" altLang="zh-CN" sz="2400" dirty="0" err="1"/>
                         <a:t>sysvsem</a:t>
                       </a:r>
-                      <a:endParaRPr lang="zh-CN" altLang="en-US" dirty="0"/>
+                      <a:endParaRPr lang="zh-CN" altLang="en-US" sz="2400" dirty="0"/>
                     </a:p>
                   </a:txBody>
                   <a:tcPr anchor="ctr"/>
@@ -5121,15 +5117,15 @@
                     <a:p>
                       <a:pPr algn="l"/>
                       <a:r>
-                        <a:rPr lang="zh-CN" altLang="en-US" dirty="0"/>
+                        <a:rPr lang="zh-CN" altLang="en-US" sz="2400" dirty="0"/>
                         <a:t>此扩展对</a:t>
                       </a:r>
                       <a:r>
-                        <a:rPr lang="en-US" altLang="zh-CN" dirty="0"/>
+                        <a:rPr lang="en-US" altLang="zh-CN" sz="2400" dirty="0"/>
                         <a:t>System V IPC</a:t>
                       </a:r>
                       <a:r>
-                        <a:rPr lang="zh-CN" altLang="en-US" dirty="0"/>
+                        <a:rPr lang="zh-CN" altLang="en-US" sz="2400" dirty="0"/>
                         <a:t>进行封装，提供信号，共享内存，进程间通信支持</a:t>
                       </a:r>
                     </a:p>
@@ -5150,14 +5146,14 @@
                     <a:p>
                       <a:pPr algn="ctr"/>
                       <a:r>
-                        <a:rPr lang="en-US" altLang="zh-CN" dirty="0"/>
+                        <a:rPr lang="en-US" altLang="zh-CN" sz="2400" dirty="0"/>
                         <a:t>--enable-</a:t>
                       </a:r>
                       <a:r>
-                        <a:rPr lang="en-US" altLang="zh-CN" dirty="0" err="1"/>
+                        <a:rPr lang="en-US" altLang="zh-CN" sz="2400" dirty="0" err="1"/>
                         <a:t>mbstring</a:t>
                       </a:r>
-                      <a:endParaRPr lang="zh-CN" altLang="en-US" dirty="0"/>
+                      <a:endParaRPr lang="zh-CN" altLang="en-US" sz="2400" dirty="0"/>
                     </a:p>
                   </a:txBody>
                   <a:tcPr anchor="ctr"/>
@@ -5169,15 +5165,15 @@
                     <a:p>
                       <a:pPr algn="l"/>
                       <a:r>
-                        <a:rPr lang="zh-CN" altLang="en-US" dirty="0"/>
+                        <a:rPr lang="zh-CN" altLang="en-US" sz="2400" dirty="0"/>
                         <a:t>多字节</a:t>
                       </a:r>
                       <a:r>
-                        <a:rPr lang="en-US" altLang="zh-CN" dirty="0"/>
+                        <a:rPr lang="en-US" altLang="zh-CN" sz="2400" dirty="0"/>
                         <a:t>string</a:t>
                       </a:r>
                       <a:r>
-                        <a:rPr lang="zh-CN" altLang="en-US" dirty="0"/>
+                        <a:rPr lang="zh-CN" altLang="en-US" sz="2400" dirty="0"/>
                         <a:t>支持</a:t>
                       </a:r>
                     </a:p>
@@ -5382,152 +5378,152 @@
           <a:lstStyle/>
           <a:p>
             <a:r>
-              <a:rPr lang="zh-CN" altLang="en-US" sz="2000" dirty="0"/>
+              <a:rPr lang="zh-CN" altLang="en-US" sz="2400" dirty="0"/>
               <a:t>在以后的课件中使用</a:t>
             </a:r>
             <a:r>
-              <a:rPr lang="en-US" altLang="zh-CN" sz="2000" dirty="0"/>
+              <a:rPr lang="en-US" altLang="zh-CN" sz="2400" dirty="0"/>
               <a:t>PHP_INSTALL_DIR</a:t>
             </a:r>
             <a:r>
-              <a:rPr lang="zh-CN" altLang="en-US" sz="2000" dirty="0"/>
+              <a:rPr lang="zh-CN" altLang="en-US" sz="2400" dirty="0"/>
               <a:t>表示</a:t>
             </a:r>
             <a:r>
-              <a:rPr lang="en-US" altLang="zh-CN" sz="2000" dirty="0"/>
+              <a:rPr lang="en-US" altLang="zh-CN" sz="2400" dirty="0"/>
               <a:t>PHP</a:t>
             </a:r>
             <a:r>
-              <a:rPr lang="zh-CN" altLang="en-US" sz="2000" dirty="0"/>
+              <a:rPr lang="zh-CN" altLang="en-US" sz="2400" dirty="0"/>
               <a:t>的安装目录。</a:t>
             </a:r>
-            <a:endParaRPr lang="en-US" altLang="zh-CN" sz="2000" dirty="0"/>
-          </a:p>
-          <a:p>
-            <a:endParaRPr lang="en-US" altLang="zh-CN" sz="2000" dirty="0"/>
-          </a:p>
-          <a:p>
-            <a:r>
-              <a:rPr lang="zh-CN" altLang="en-US" sz="2000" dirty="0"/>
+            <a:endParaRPr lang="en-US" altLang="zh-CN" sz="2400" dirty="0"/>
+          </a:p>
+          <a:p>
+            <a:endParaRPr lang="en-US" altLang="zh-CN" sz="2400" dirty="0"/>
+          </a:p>
+          <a:p>
+            <a:r>
+              <a:rPr lang="zh-CN" altLang="en-US" sz="2400" dirty="0"/>
               <a:t>这里使用</a:t>
             </a:r>
             <a:r>
-              <a:rPr lang="en-US" altLang="zh-CN" sz="2000" dirty="0"/>
+              <a:rPr lang="en-US" altLang="zh-CN" sz="2400" dirty="0"/>
               <a:t>/</a:t>
             </a:r>
             <a:r>
-              <a:rPr lang="en-US" altLang="zh-CN" sz="2000" dirty="0" err="1"/>
+              <a:rPr lang="en-US" altLang="zh-CN" sz="2400" dirty="0" err="1"/>
               <a:t>webrun</a:t>
             </a:r>
             <a:r>
-              <a:rPr lang="en-US" altLang="zh-CN" sz="2000" dirty="0"/>
+              <a:rPr lang="en-US" altLang="zh-CN" sz="2400" dirty="0"/>
               <a:t>/php-7112</a:t>
             </a:r>
             <a:r>
-              <a:rPr lang="zh-CN" altLang="en-US" sz="2000" dirty="0"/>
+              <a:rPr lang="zh-CN" altLang="en-US" sz="2400" dirty="0"/>
               <a:t>作为</a:t>
             </a:r>
             <a:r>
-              <a:rPr lang="en-US" altLang="zh-CN" sz="2000" dirty="0"/>
+              <a:rPr lang="en-US" altLang="zh-CN" sz="2400" dirty="0"/>
               <a:t>PHP</a:t>
             </a:r>
             <a:r>
-              <a:rPr lang="zh-CN" altLang="en-US" sz="2000" dirty="0"/>
+              <a:rPr lang="zh-CN" altLang="en-US" sz="2400" dirty="0"/>
               <a:t>的安装目录，</a:t>
             </a:r>
             <a:r>
-              <a:rPr lang="en-US" altLang="zh-CN" sz="2000" dirty="0"/>
+              <a:rPr lang="en-US" altLang="zh-CN" sz="2400" dirty="0"/>
               <a:t>php-7112</a:t>
             </a:r>
             <a:r>
-              <a:rPr lang="zh-CN" altLang="en-US" sz="2000" dirty="0"/>
+              <a:rPr lang="zh-CN" altLang="en-US" sz="2400" dirty="0"/>
               <a:t>表示</a:t>
             </a:r>
             <a:r>
-              <a:rPr lang="en-US" altLang="zh-CN" sz="2000" dirty="0"/>
+              <a:rPr lang="en-US" altLang="zh-CN" sz="2400" dirty="0"/>
               <a:t>PHP</a:t>
             </a:r>
             <a:r>
-              <a:rPr lang="zh-CN" altLang="en-US" sz="2000" dirty="0"/>
+              <a:rPr lang="zh-CN" altLang="en-US" sz="2400" dirty="0"/>
               <a:t>的版本号为</a:t>
             </a:r>
             <a:r>
-              <a:rPr lang="en-US" altLang="zh-CN" sz="2000" dirty="0"/>
+              <a:rPr lang="en-US" altLang="zh-CN" sz="2400" dirty="0"/>
               <a:t>7.1.12</a:t>
             </a:r>
             <a:r>
-              <a:rPr lang="zh-CN" altLang="en-US" sz="2000" dirty="0"/>
+              <a:rPr lang="zh-CN" altLang="en-US" sz="2400" dirty="0"/>
               <a:t>，以后编译新的版本可以使用</a:t>
             </a:r>
             <a:r>
-              <a:rPr lang="en-US" altLang="zh-CN" sz="2000" dirty="0" err="1"/>
+              <a:rPr lang="en-US" altLang="zh-CN" sz="2400" dirty="0" err="1"/>
               <a:t>php</a:t>
             </a:r>
             <a:r>
-              <a:rPr lang="en-US" altLang="zh-CN" sz="2000" dirty="0"/>
+              <a:rPr lang="en-US" altLang="zh-CN" sz="2400" dirty="0"/>
               <a:t>-[</a:t>
             </a:r>
             <a:r>
-              <a:rPr lang="zh-CN" altLang="en-US" sz="2000" dirty="0"/>
+              <a:rPr lang="zh-CN" altLang="en-US" sz="2400" dirty="0"/>
               <a:t>版本号</a:t>
             </a:r>
             <a:r>
-              <a:rPr lang="en-US" altLang="zh-CN" sz="2000" dirty="0"/>
+              <a:rPr lang="en-US" altLang="zh-CN" sz="2400" dirty="0"/>
               <a:t>]</a:t>
             </a:r>
             <a:r>
-              <a:rPr lang="zh-CN" altLang="en-US" sz="2000" dirty="0"/>
+              <a:rPr lang="zh-CN" altLang="en-US" sz="2400" dirty="0"/>
               <a:t>的形式，互相不冲突。</a:t>
             </a:r>
-            <a:endParaRPr lang="en-US" altLang="zh-CN" sz="2000" dirty="0"/>
-          </a:p>
-          <a:p>
-            <a:endParaRPr lang="en-US" altLang="zh-CN" sz="2000" dirty="0"/>
-          </a:p>
-          <a:p>
-            <a:r>
-              <a:rPr lang="en-US" altLang="zh-CN" sz="2000" dirty="0"/>
+            <a:endParaRPr lang="en-US" altLang="zh-CN" sz="2400" dirty="0"/>
+          </a:p>
+          <a:p>
+            <a:endParaRPr lang="en-US" altLang="zh-CN" sz="2400" dirty="0"/>
+          </a:p>
+          <a:p>
+            <a:r>
+              <a:rPr lang="en-US" altLang="zh-CN" sz="2400" dirty="0"/>
               <a:t>/</a:t>
             </a:r>
             <a:r>
-              <a:rPr lang="en-US" altLang="zh-CN" sz="2000" dirty="0" err="1"/>
+              <a:rPr lang="en-US" altLang="zh-CN" sz="2400" dirty="0" err="1"/>
               <a:t>webrun</a:t>
             </a:r>
             <a:r>
-              <a:rPr lang="zh-CN" altLang="en-US" sz="2000" dirty="0"/>
+              <a:rPr lang="zh-CN" altLang="en-US" sz="2400" dirty="0"/>
               <a:t>目录是自己创建的，在根目录下创建为的是可移植环境，不要在用户主目录下创建，这会带来权限，移植的麻烦。</a:t>
             </a:r>
-            <a:endParaRPr lang="en-US" altLang="zh-CN" sz="2000" dirty="0"/>
-          </a:p>
-          <a:p>
-            <a:endParaRPr lang="en-US" altLang="zh-CN" sz="2000" dirty="0"/>
-          </a:p>
-          <a:p>
-            <a:r>
-              <a:rPr lang="zh-CN" altLang="en-US" sz="2000" dirty="0"/>
+            <a:endParaRPr lang="en-US" altLang="zh-CN" sz="2400" dirty="0"/>
+          </a:p>
+          <a:p>
+            <a:endParaRPr lang="en-US" altLang="zh-CN" sz="2400" dirty="0"/>
+          </a:p>
+          <a:p>
+            <a:r>
+              <a:rPr lang="zh-CN" altLang="en-US" sz="2400" dirty="0"/>
               <a:t>以后编译</a:t>
             </a:r>
             <a:r>
-              <a:rPr lang="en-US" altLang="zh-CN" sz="2000" dirty="0"/>
+              <a:rPr lang="en-US" altLang="zh-CN" sz="2400" dirty="0"/>
               <a:t>Nginx</a:t>
             </a:r>
             <a:r>
-              <a:rPr lang="zh-CN" altLang="en-US" sz="2000" dirty="0"/>
+              <a:rPr lang="zh-CN" altLang="en-US" sz="2400" dirty="0"/>
               <a:t>也放在</a:t>
             </a:r>
             <a:r>
-              <a:rPr lang="en-US" altLang="zh-CN" sz="2000" dirty="0"/>
+              <a:rPr lang="en-US" altLang="zh-CN" sz="2400" dirty="0"/>
               <a:t>/</a:t>
             </a:r>
             <a:r>
-              <a:rPr lang="en-US" altLang="zh-CN" sz="2000" dirty="0" err="1"/>
+              <a:rPr lang="en-US" altLang="zh-CN" sz="2400" dirty="0" err="1"/>
               <a:t>webrun</a:t>
             </a:r>
             <a:r>
-              <a:rPr lang="zh-CN" altLang="en-US" sz="2000" dirty="0"/>
+              <a:rPr lang="zh-CN" altLang="en-US" sz="2400" dirty="0"/>
               <a:t>目录下。</a:t>
             </a:r>
-            <a:endParaRPr lang="en-US" altLang="zh-CN" sz="2000" dirty="0"/>
+            <a:endParaRPr lang="en-US" altLang="zh-CN" sz="2400" dirty="0"/>
           </a:p>
         </p:txBody>
       </p:sp>
@@ -5623,81 +5619,81 @@
           <a:lstStyle/>
           <a:p>
             <a:r>
-              <a:rPr lang="zh-CN" altLang="en-US" sz="2000" dirty="0"/>
+              <a:rPr lang="zh-CN" altLang="en-US" sz="2400" dirty="0"/>
               <a:t>运行脚本：</a:t>
             </a:r>
-            <a:endParaRPr lang="en-US" altLang="zh-CN" sz="2000" dirty="0"/>
+            <a:endParaRPr lang="en-US" altLang="zh-CN" sz="2400" dirty="0"/>
           </a:p>
           <a:p>
             <a:pPr marL="457200" lvl="1" indent="0">
               <a:buNone/>
             </a:pPr>
             <a:r>
-              <a:rPr lang="en-US" altLang="zh-CN" sz="1600" dirty="0"/>
+              <a:rPr lang="en-US" altLang="zh-CN" dirty="0"/>
               <a:t>./configure --prefix=/</a:t>
             </a:r>
             <a:r>
-              <a:rPr lang="en-US" altLang="zh-CN" sz="1600" dirty="0" err="1"/>
+              <a:rPr lang="en-US" altLang="zh-CN" dirty="0" err="1"/>
               <a:t>webrun</a:t>
             </a:r>
             <a:r>
-              <a:rPr lang="en-US" altLang="zh-CN" sz="1600" dirty="0"/>
+              <a:rPr lang="en-US" altLang="zh-CN" dirty="0"/>
               <a:t>/php-721 --enable-</a:t>
             </a:r>
             <a:r>
-              <a:rPr lang="en-US" altLang="zh-CN" sz="1600" dirty="0" err="1"/>
+              <a:rPr lang="en-US" altLang="zh-CN" dirty="0" err="1"/>
               <a:t>bcmath</a:t>
             </a:r>
             <a:r>
-              <a:rPr lang="en-US" altLang="zh-CN" sz="1600" dirty="0"/>
+              <a:rPr lang="en-US" altLang="zh-CN" dirty="0"/>
               <a:t> --enable-calendar --enable-fpm --enable-ftp --enable-</a:t>
             </a:r>
             <a:r>
-              <a:rPr lang="en-US" altLang="zh-CN" sz="1600" dirty="0" err="1"/>
+              <a:rPr lang="en-US" altLang="zh-CN" dirty="0" err="1"/>
               <a:t>mbstring</a:t>
             </a:r>
             <a:r>
-              <a:rPr lang="en-US" altLang="zh-CN" sz="1600" dirty="0"/>
+              <a:rPr lang="en-US" altLang="zh-CN" dirty="0"/>
               <a:t> --enable-</a:t>
             </a:r>
             <a:r>
-              <a:rPr lang="en-US" altLang="zh-CN" sz="1600" dirty="0" err="1"/>
+              <a:rPr lang="en-US" altLang="zh-CN" dirty="0" err="1"/>
               <a:t>mysqlnd</a:t>
             </a:r>
             <a:r>
-              <a:rPr lang="en-US" altLang="zh-CN" sz="1600" dirty="0"/>
+              <a:rPr lang="en-US" altLang="zh-CN" dirty="0"/>
               <a:t> --enable-</a:t>
             </a:r>
             <a:r>
-              <a:rPr lang="en-US" altLang="zh-CN" sz="1600" dirty="0" err="1"/>
+              <a:rPr lang="en-US" altLang="zh-CN" dirty="0" err="1"/>
               <a:t>pcntl</a:t>
             </a:r>
             <a:r>
-              <a:rPr lang="en-US" altLang="zh-CN" sz="1600" dirty="0"/>
+              <a:rPr lang="en-US" altLang="zh-CN" dirty="0"/>
               <a:t> --enable-soap --enable-sockets --enable-static --enable-</a:t>
             </a:r>
             <a:r>
-              <a:rPr lang="en-US" altLang="zh-CN" sz="1600" dirty="0" err="1"/>
+              <a:rPr lang="en-US" altLang="zh-CN" dirty="0" err="1"/>
               <a:t>sysvsem</a:t>
             </a:r>
             <a:r>
-              <a:rPr lang="en-US" altLang="zh-CN" sz="1600" dirty="0"/>
+              <a:rPr lang="en-US" altLang="zh-CN" dirty="0"/>
               <a:t> --enable-</a:t>
             </a:r>
             <a:r>
-              <a:rPr lang="en-US" altLang="zh-CN" sz="1600" dirty="0" err="1"/>
+              <a:rPr lang="en-US" altLang="zh-CN" dirty="0" err="1"/>
               <a:t>sysvshm</a:t>
             </a:r>
             <a:r>
-              <a:rPr lang="en-US" altLang="zh-CN" sz="1600" dirty="0"/>
+              <a:rPr lang="en-US" altLang="zh-CN" dirty="0"/>
               <a:t> --enable-</a:t>
             </a:r>
             <a:r>
-              <a:rPr lang="en-US" altLang="zh-CN" sz="1600" dirty="0" err="1"/>
+              <a:rPr lang="en-US" altLang="zh-CN" dirty="0" err="1"/>
               <a:t>sysvmsg</a:t>
             </a:r>
             <a:r>
-              <a:rPr lang="en-US" altLang="zh-CN" sz="1600" dirty="0"/>
+              <a:rPr lang="en-US" altLang="zh-CN" dirty="0"/>
               <a:t> --enable-zip </a:t>
             </a:r>
           </a:p>
@@ -5705,30 +5701,30 @@
             <a:pPr marL="457200" lvl="1" indent="0">
               <a:buNone/>
             </a:pPr>
-            <a:endParaRPr lang="en-US" altLang="zh-CN" sz="1600" dirty="0"/>
-          </a:p>
-          <a:p>
-            <a:r>
-              <a:rPr lang="zh-CN" altLang="en-US" sz="2000" dirty="0"/>
+            <a:endParaRPr lang="en-US" altLang="zh-CN" dirty="0"/>
+          </a:p>
+          <a:p>
+            <a:r>
+              <a:rPr lang="zh-CN" altLang="en-US" sz="2400" dirty="0"/>
               <a:t>运行此配置脚本，会自动检测编译环境，并把安装路径设置为</a:t>
             </a:r>
             <a:r>
-              <a:rPr lang="en-US" altLang="zh-CN" sz="2000" dirty="0"/>
+              <a:rPr lang="en-US" altLang="zh-CN" sz="2400" dirty="0"/>
               <a:t>/</a:t>
             </a:r>
             <a:r>
-              <a:rPr lang="en-US" altLang="zh-CN" sz="2000" dirty="0" err="1"/>
+              <a:rPr lang="en-US" altLang="zh-CN" sz="2400" dirty="0" err="1"/>
               <a:t>webrun</a:t>
             </a:r>
             <a:r>
-              <a:rPr lang="en-US" altLang="zh-CN" sz="2000" dirty="0"/>
+              <a:rPr lang="en-US" altLang="zh-CN" sz="2400" dirty="0"/>
               <a:t>/php-721</a:t>
             </a:r>
             <a:r>
-              <a:rPr lang="zh-CN" altLang="en-US" sz="2000" dirty="0"/>
+              <a:rPr lang="zh-CN" altLang="en-US" sz="2400" dirty="0"/>
               <a:t>，同时开启相应的扩展支持。</a:t>
             </a:r>
-            <a:endParaRPr lang="en-US" altLang="zh-CN" sz="2000" dirty="0"/>
+            <a:endParaRPr lang="en-US" altLang="zh-CN" sz="2400" dirty="0"/>
           </a:p>
         </p:txBody>
       </p:sp>
@@ -5822,140 +5818,151 @@
         <p:spPr/>
         <p:txBody>
           <a:bodyPr>
-            <a:normAutofit/>
+            <a:noAutofit/>
           </a:bodyPr>
           <a:lstStyle/>
           <a:p>
             <a:r>
-              <a:rPr lang="en-US" altLang="zh-CN" sz="2000" dirty="0"/>
+              <a:rPr lang="en-US" altLang="zh-CN" sz="2400" dirty="0"/>
               <a:t>PHP</a:t>
             </a:r>
             <a:r>
-              <a:rPr lang="zh-CN" altLang="en-US" sz="2000" dirty="0"/>
+              <a:rPr lang="zh-CN" altLang="en-US" sz="2400" dirty="0"/>
               <a:t>源代码目录中的</a:t>
             </a:r>
             <a:r>
-              <a:rPr lang="en-US" altLang="zh-CN" sz="2000" dirty="0" err="1"/>
+              <a:rPr lang="en-US" altLang="zh-CN" sz="2400" dirty="0" err="1"/>
               <a:t>ext</a:t>
             </a:r>
             <a:r>
-              <a:rPr lang="zh-CN" altLang="en-US" sz="2000" dirty="0"/>
+              <a:rPr lang="zh-CN" altLang="en-US" sz="2400" dirty="0"/>
               <a:t>下有官方提供的扩展，如果是其他扩展可以去</a:t>
             </a:r>
             <a:r>
-              <a:rPr lang="en-US" altLang="zh-CN" sz="2000" dirty="0" err="1"/>
+              <a:rPr lang="en-US" altLang="zh-CN" sz="2400" dirty="0" err="1"/>
               <a:t>pecl</a:t>
             </a:r>
             <a:r>
-              <a:rPr lang="zh-CN" altLang="en-US" sz="2000" dirty="0"/>
+              <a:rPr lang="zh-CN" altLang="en-US" sz="2400" dirty="0"/>
               <a:t>网站上下载。</a:t>
             </a:r>
-            <a:endParaRPr lang="en-US" altLang="zh-CN" sz="2000" dirty="0"/>
-          </a:p>
-          <a:p>
-            <a:r>
-              <a:rPr lang="en-US" altLang="zh-CN" sz="2000" dirty="0"/>
+            <a:endParaRPr lang="en-US" altLang="zh-CN" sz="2400" dirty="0"/>
+          </a:p>
+          <a:p>
+            <a:r>
+              <a:rPr lang="en-US" altLang="zh-CN" sz="2400" dirty="0"/>
               <a:t>PHP</a:t>
             </a:r>
             <a:r>
-              <a:rPr lang="zh-CN" altLang="en-US" sz="2000" dirty="0"/>
+              <a:rPr lang="zh-CN" altLang="en-US" sz="2400" dirty="0"/>
               <a:t>扩展编译的基本流程：</a:t>
             </a:r>
-            <a:endParaRPr lang="en-US" altLang="zh-CN" sz="2000" dirty="0"/>
+            <a:endParaRPr lang="en-US" altLang="zh-CN" sz="2400" dirty="0"/>
           </a:p>
           <a:p>
             <a:pPr marL="457200" lvl="1" indent="0">
               <a:buNone/>
             </a:pPr>
             <a:r>
-              <a:rPr lang="en-US" altLang="zh-CN" sz="1600" dirty="0"/>
+              <a:rPr lang="en-US" altLang="zh-CN" sz="2000" dirty="0"/>
               <a:t>PHP_INSTALL_DIR/bin/</a:t>
             </a:r>
             <a:r>
-              <a:rPr lang="en-US" altLang="zh-CN" sz="1600" dirty="0" err="1"/>
+              <a:rPr lang="en-US" altLang="zh-CN" sz="2000" dirty="0" err="1"/>
               <a:t>phpize</a:t>
             </a:r>
             <a:r>
-              <a:rPr lang="en-US" altLang="zh-CN" sz="1600" dirty="0"/>
+              <a:rPr lang="en-US" altLang="zh-CN" sz="2000" dirty="0"/>
               <a:t>  //</a:t>
             </a:r>
             <a:r>
-              <a:rPr lang="zh-CN" altLang="en-US" sz="1600" dirty="0"/>
+              <a:rPr lang="zh-CN" altLang="en-US" sz="2000" dirty="0"/>
               <a:t>生成</a:t>
             </a:r>
             <a:r>
-              <a:rPr lang="en-US" altLang="zh-CN" sz="1600" dirty="0"/>
+              <a:rPr lang="en-US" altLang="zh-CN" sz="2000" dirty="0"/>
               <a:t>configure</a:t>
             </a:r>
             <a:r>
-              <a:rPr lang="zh-CN" altLang="en-US" sz="1600" dirty="0"/>
+              <a:rPr lang="zh-CN" altLang="en-US" sz="2000" dirty="0"/>
               <a:t>文件</a:t>
             </a:r>
-            <a:endParaRPr lang="en-US" altLang="zh-CN" sz="1600" dirty="0"/>
+            <a:endParaRPr lang="en-US" altLang="zh-CN" sz="2000" dirty="0"/>
           </a:p>
           <a:p>
             <a:pPr marL="457200" lvl="1" indent="0">
               <a:buNone/>
             </a:pPr>
             <a:r>
-              <a:rPr lang="en-US" altLang="zh-CN" sz="1600" dirty="0"/>
+              <a:rPr lang="en-US" altLang="zh-CN" sz="1800" i="1" dirty="0"/>
               <a:t>/</a:t>
             </a:r>
             <a:r>
-              <a:rPr lang="zh-CN" altLang="en-US" sz="1600" dirty="0"/>
-              <a:t>*</a:t>
-            </a:r>
-            <a:endParaRPr lang="en-US" altLang="zh-CN" sz="1600" dirty="0"/>
+              <a:rPr lang="zh-CN" altLang="en-US" sz="1800" i="1" dirty="0"/>
+              <a:t>*环境检测，并生成</a:t>
+            </a:r>
+            <a:r>
+              <a:rPr lang="en-US" altLang="zh-CN" sz="1800" i="1" dirty="0" err="1"/>
+              <a:t>Makefile</a:t>
+            </a:r>
+            <a:r>
+              <a:rPr lang="zh-CN" altLang="en-US" sz="1800" i="1" dirty="0"/>
+              <a:t>文件，后面的参数会根据</a:t>
+            </a:r>
+            <a:r>
+              <a:rPr lang="en-US" altLang="zh-CN" sz="1800" i="1" dirty="0" err="1"/>
+              <a:t>php</a:t>
+            </a:r>
+            <a:r>
+              <a:rPr lang="en-US" altLang="zh-CN" sz="1800" i="1" dirty="0"/>
+              <a:t>-config</a:t>
+            </a:r>
+            <a:r>
+              <a:rPr lang="zh-CN" altLang="en-US" sz="1800" i="1" dirty="0"/>
+              <a:t>确定编译环境，安装目录等信息。运行</a:t>
+            </a:r>
+            <a:r>
+              <a:rPr lang="en-US" altLang="zh-CN" sz="1800" i="1" dirty="0"/>
+              <a:t>configure</a:t>
+            </a:r>
+            <a:r>
+              <a:rPr lang="zh-CN" altLang="en-US" sz="1800" i="1" dirty="0"/>
+              <a:t>根据不同扩展还需要其他参数，需要根据具体扩展决定。*</a:t>
+            </a:r>
+            <a:r>
+              <a:rPr lang="en-US" altLang="zh-CN" sz="1800" i="1" dirty="0"/>
+              <a:t>/</a:t>
+            </a:r>
           </a:p>
           <a:p>
             <a:pPr marL="457200" lvl="1" indent="0">
               <a:buNone/>
             </a:pPr>
-            <a:r>
-              <a:rPr lang="zh-CN" altLang="en-US" sz="1600" dirty="0"/>
-              <a:t>环境检测，并生成</a:t>
-            </a:r>
-            <a:r>
-              <a:rPr lang="en-US" altLang="zh-CN" sz="1600" dirty="0" err="1"/>
-              <a:t>Makefile</a:t>
-            </a:r>
-            <a:r>
-              <a:rPr lang="zh-CN" altLang="en-US" sz="1600" dirty="0"/>
-              <a:t>文件，后面的参数会根据</a:t>
-            </a:r>
-            <a:r>
-              <a:rPr lang="en-US" altLang="zh-CN" sz="1600" dirty="0" err="1"/>
-              <a:t>php</a:t>
-            </a:r>
-            <a:r>
-              <a:rPr lang="en-US" altLang="zh-CN" sz="1600" dirty="0"/>
-              <a:t>-config</a:t>
-            </a:r>
-            <a:r>
-              <a:rPr lang="zh-CN" altLang="en-US" sz="1600" dirty="0"/>
-              <a:t>确定编译环境，安装目录等信息。运行</a:t>
-            </a:r>
-            <a:r>
-              <a:rPr lang="en-US" altLang="zh-CN" sz="1600" dirty="0"/>
-              <a:t>configure</a:t>
-            </a:r>
-            <a:r>
-              <a:rPr lang="zh-CN" altLang="en-US" sz="1600" dirty="0"/>
-              <a:t>根据不同扩展还需要其他参数，需要根据具体扩展决定。</a:t>
-            </a:r>
-            <a:endParaRPr lang="en-US" altLang="zh-CN" sz="1600" dirty="0"/>
+            <a:endParaRPr lang="en-US" altLang="zh-CN" sz="2000" dirty="0"/>
           </a:p>
           <a:p>
             <a:pPr marL="457200" lvl="1" indent="0">
               <a:buNone/>
             </a:pPr>
             <a:r>
-              <a:rPr lang="zh-CN" altLang="en-US" sz="1600" dirty="0"/>
-              <a:t>*</a:t>
-            </a:r>
-            <a:r>
-              <a:rPr lang="en-US" altLang="zh-CN" sz="1600" dirty="0"/>
-              <a:t>/</a:t>
+              <a:rPr lang="en-US" altLang="zh-CN" sz="2000" dirty="0"/>
+              <a:t>./configure –with-</a:t>
+            </a:r>
+            <a:r>
+              <a:rPr lang="en-US" altLang="zh-CN" sz="2000" dirty="0" err="1"/>
+              <a:t>php</a:t>
+            </a:r>
+            <a:r>
+              <a:rPr lang="en-US" altLang="zh-CN" sz="2000" dirty="0"/>
+              <a:t>-config=PHP_INSTALL_DIR/bin/</a:t>
+            </a:r>
+            <a:r>
+              <a:rPr lang="en-US" altLang="zh-CN" sz="2000" dirty="0" err="1"/>
+              <a:t>php</a:t>
+            </a:r>
+            <a:r>
+              <a:rPr lang="en-US" altLang="zh-CN" sz="2000" dirty="0"/>
+              <a:t>-config</a:t>
             </a:r>
           </a:p>
           <a:p>
@@ -5963,169 +5970,146 @@
               <a:buNone/>
             </a:pPr>
             <a:r>
-              <a:rPr lang="en-US" altLang="zh-CN" sz="1600" dirty="0"/>
-              <a:t>./configure –with-</a:t>
-            </a:r>
-            <a:r>
-              <a:rPr lang="en-US" altLang="zh-CN" sz="1600" dirty="0" err="1"/>
-              <a:t>php</a:t>
-            </a:r>
-            <a:r>
-              <a:rPr lang="en-US" altLang="zh-CN" sz="1600" dirty="0"/>
-              <a:t>-config=PHP_INSTALL_DIR/bin/</a:t>
-            </a:r>
-            <a:r>
-              <a:rPr lang="en-US" altLang="zh-CN" sz="1600" dirty="0" err="1"/>
-              <a:t>php</a:t>
-            </a:r>
-            <a:r>
-              <a:rPr lang="en-US" altLang="zh-CN" sz="1600" dirty="0"/>
-              <a:t>-config</a:t>
-            </a:r>
+              <a:rPr lang="en-US" altLang="zh-CN" sz="2000" dirty="0"/>
+              <a:t>make //</a:t>
+            </a:r>
+            <a:r>
+              <a:rPr lang="zh-CN" altLang="en-US" sz="2000" dirty="0"/>
+              <a:t>编译</a:t>
+            </a:r>
+            <a:endParaRPr lang="en-US" altLang="zh-CN" sz="2000" dirty="0"/>
           </a:p>
           <a:p>
             <a:pPr marL="457200" lvl="1" indent="0">
               <a:buNone/>
             </a:pPr>
-            <a:endParaRPr lang="en-US" altLang="zh-CN" sz="1600" dirty="0"/>
+            <a:r>
+              <a:rPr lang="en-US" altLang="zh-CN" sz="2000" dirty="0" err="1"/>
+              <a:t>sudo</a:t>
+            </a:r>
+            <a:r>
+              <a:rPr lang="en-US" altLang="zh-CN" sz="2000" dirty="0"/>
+              <a:t>  make  install  //</a:t>
+            </a:r>
+            <a:r>
+              <a:rPr lang="zh-CN" altLang="en-US" sz="2000" dirty="0"/>
+              <a:t>安装扩展</a:t>
+            </a:r>
+            <a:endParaRPr lang="en-US" altLang="zh-CN" sz="2000" dirty="0"/>
           </a:p>
           <a:p>
             <a:pPr marL="457200" lvl="1" indent="0">
               <a:buNone/>
             </a:pPr>
-            <a:r>
-              <a:rPr lang="en-US" altLang="zh-CN" sz="1600" dirty="0"/>
-              <a:t>make //</a:t>
-            </a:r>
-            <a:r>
-              <a:rPr lang="zh-CN" altLang="en-US" sz="1600" dirty="0"/>
-              <a:t>编译</a:t>
-            </a:r>
-            <a:endParaRPr lang="en-US" altLang="zh-CN" sz="1600" dirty="0"/>
+            <a:endParaRPr lang="en-US" altLang="zh-CN" sz="2000" dirty="0"/>
           </a:p>
           <a:p>
             <a:pPr marL="457200" lvl="1" indent="0">
               <a:buNone/>
             </a:pPr>
             <a:r>
-              <a:rPr lang="en-US" altLang="zh-CN" sz="1600" dirty="0" err="1"/>
-              <a:t>sudo</a:t>
-            </a:r>
-            <a:r>
-              <a:rPr lang="en-US" altLang="zh-CN" sz="1600" dirty="0"/>
-              <a:t>  make  install  //</a:t>
-            </a:r>
-            <a:r>
-              <a:rPr lang="zh-CN" altLang="en-US" sz="1600" dirty="0"/>
-              <a:t>安装扩展</a:t>
-            </a:r>
-            <a:endParaRPr lang="en-US" altLang="zh-CN" sz="1600" dirty="0"/>
-          </a:p>
-          <a:p>
-            <a:pPr marL="457200" lvl="1" indent="0">
-              <a:buNone/>
-            </a:pPr>
-            <a:endParaRPr lang="en-US" altLang="zh-CN" sz="1600" dirty="0"/>
-          </a:p>
-          <a:p>
-            <a:pPr marL="457200" lvl="1" indent="0">
-              <a:buNone/>
-            </a:pPr>
-            <a:r>
-              <a:rPr lang="en-US" altLang="zh-CN" sz="1600" dirty="0"/>
-              <a:t>//</a:t>
-            </a:r>
-            <a:r>
-              <a:rPr lang="zh-CN" altLang="en-US" sz="1600" dirty="0"/>
-              <a:t>安装扩展其实就是把</a:t>
-            </a:r>
-            <a:r>
-              <a:rPr lang="en-US" altLang="zh-CN" sz="1600" dirty="0"/>
+              <a:rPr lang="en-US" altLang="zh-CN" sz="1800" i="1" dirty="0"/>
+              <a:t>/</a:t>
+            </a:r>
+            <a:r>
+              <a:rPr lang="zh-CN" altLang="en-US" sz="1800" i="1" dirty="0"/>
+              <a:t>*安装扩展其实就是把</a:t>
+            </a:r>
+            <a:r>
+              <a:rPr lang="en-US" altLang="zh-CN" sz="1800" i="1" dirty="0"/>
               <a:t>modules/</a:t>
             </a:r>
             <a:r>
-              <a:rPr lang="zh-CN" altLang="en-US" sz="1600" dirty="0"/>
+              <a:rPr lang="zh-CN" altLang="en-US" sz="1800" i="1" dirty="0"/>
               <a:t>下的</a:t>
             </a:r>
             <a:r>
-              <a:rPr lang="en-US" altLang="zh-CN" sz="1600" dirty="0"/>
+              <a:rPr lang="en-US" altLang="zh-CN" sz="1800" i="1" dirty="0"/>
               <a:t>.so</a:t>
             </a:r>
             <a:r>
-              <a:rPr lang="zh-CN" altLang="en-US" sz="1600" dirty="0"/>
+              <a:rPr lang="zh-CN" altLang="en-US" sz="1800" i="1" dirty="0"/>
               <a:t>文件复制到</a:t>
             </a:r>
             <a:r>
-              <a:rPr lang="en-US" altLang="zh-CN" sz="1600" dirty="0"/>
+              <a:rPr lang="en-US" altLang="zh-CN" sz="1800" i="1" dirty="0"/>
               <a:t>PHP</a:t>
             </a:r>
             <a:r>
-              <a:rPr lang="zh-CN" altLang="en-US" sz="1600" dirty="0"/>
+              <a:rPr lang="zh-CN" altLang="en-US" sz="1800" i="1" dirty="0"/>
               <a:t>的扩展目录下，由于</a:t>
             </a:r>
             <a:r>
-              <a:rPr lang="en-US" altLang="zh-CN" sz="1600" dirty="0"/>
+              <a:rPr lang="en-US" altLang="zh-CN" sz="1800" i="1" dirty="0"/>
               <a:t>configure</a:t>
             </a:r>
             <a:r>
-              <a:rPr lang="zh-CN" altLang="en-US" sz="1600" dirty="0"/>
+              <a:rPr lang="zh-CN" altLang="en-US" sz="1800" i="1" dirty="0"/>
               <a:t>已经从</a:t>
             </a:r>
             <a:r>
-              <a:rPr lang="en-US" altLang="zh-CN" sz="1600" dirty="0" err="1"/>
+              <a:rPr lang="en-US" altLang="zh-CN" sz="1800" i="1" dirty="0" err="1"/>
               <a:t>php</a:t>
             </a:r>
             <a:r>
-              <a:rPr lang="en-US" altLang="zh-CN" sz="1600" dirty="0"/>
+              <a:rPr lang="en-US" altLang="zh-CN" sz="1800" i="1" dirty="0"/>
               <a:t>-config</a:t>
             </a:r>
             <a:r>
-              <a:rPr lang="zh-CN" altLang="en-US" sz="1600" dirty="0"/>
+              <a:rPr lang="zh-CN" altLang="en-US" sz="1800" i="1" dirty="0"/>
               <a:t>确定了扩展目录并写入到了</a:t>
             </a:r>
             <a:r>
-              <a:rPr lang="en-US" altLang="zh-CN" sz="1600" dirty="0" err="1"/>
+              <a:rPr lang="en-US" altLang="zh-CN" sz="1800" i="1" dirty="0" err="1"/>
               <a:t>Makefile</a:t>
             </a:r>
             <a:r>
-              <a:rPr lang="zh-CN" altLang="en-US" sz="1600" dirty="0"/>
+              <a:rPr lang="zh-CN" altLang="en-US" sz="1800" i="1" dirty="0"/>
               <a:t>文件，所以</a:t>
             </a:r>
             <a:r>
-              <a:rPr lang="en-US" altLang="zh-CN" sz="1600" dirty="0"/>
+              <a:rPr lang="en-US" altLang="zh-CN" sz="1800" i="1" dirty="0"/>
               <a:t>make  install</a:t>
             </a:r>
             <a:r>
-              <a:rPr lang="zh-CN" altLang="en-US" sz="1600" dirty="0"/>
+              <a:rPr lang="zh-CN" altLang="en-US" sz="1800" i="1" dirty="0"/>
               <a:t>会自动复制过去。这一步直接使用</a:t>
             </a:r>
             <a:r>
-              <a:rPr lang="en-US" altLang="zh-CN" sz="1600" dirty="0" err="1"/>
+              <a:rPr lang="en-US" altLang="zh-CN" sz="1800" i="1" dirty="0" err="1"/>
               <a:t>cp</a:t>
             </a:r>
             <a:r>
-              <a:rPr lang="zh-CN" altLang="en-US" sz="1600" dirty="0"/>
+              <a:rPr lang="zh-CN" altLang="en-US" sz="1800" i="1" dirty="0"/>
               <a:t>命令复制过去也是可以的。</a:t>
             </a:r>
             <a:r>
-              <a:rPr lang="en-US" altLang="zh-CN" sz="1600" dirty="0"/>
+              <a:rPr lang="en-US" altLang="zh-CN" sz="1800" i="1" dirty="0"/>
               <a:t>PHP</a:t>
             </a:r>
             <a:r>
-              <a:rPr lang="zh-CN" altLang="en-US" sz="1600" dirty="0"/>
+              <a:rPr lang="zh-CN" altLang="en-US" sz="1800" i="1" dirty="0"/>
               <a:t>编译安装后的扩展目录在</a:t>
             </a:r>
             <a:r>
-              <a:rPr lang="en-US" altLang="zh-CN" sz="1600" dirty="0"/>
+              <a:rPr lang="en-US" altLang="zh-CN" sz="1800" i="1" dirty="0"/>
               <a:t>PHP_INSTALL_DIR/lib/</a:t>
             </a:r>
             <a:r>
-              <a:rPr lang="en-US" altLang="zh-CN" sz="1600" dirty="0" err="1"/>
+              <a:rPr lang="en-US" altLang="zh-CN" sz="1800" i="1" dirty="0" err="1"/>
               <a:t>php</a:t>
             </a:r>
             <a:r>
-              <a:rPr lang="en-US" altLang="zh-CN" sz="1600" dirty="0"/>
+              <a:rPr lang="en-US" altLang="zh-CN" sz="1800" i="1" dirty="0"/>
               <a:t>/extensions/no-debug-non-zts-20160303</a:t>
+            </a:r>
+            <a:r>
+              <a:rPr lang="zh-CN" altLang="en-US" sz="1800" i="1" dirty="0"/>
+              <a:t>*</a:t>
+            </a:r>
+            <a:r>
+              <a:rPr lang="en-US" altLang="zh-CN" sz="1800" i="1" dirty="0"/>
+              <a:t>/</a:t>
             </a:r>
           </a:p>
         </p:txBody>
@@ -6230,87 +6214,83 @@
           <a:lstStyle/>
           <a:p>
             <a:r>
-              <a:rPr lang="zh-CN" altLang="en-US" sz="2000" dirty="0"/>
+              <a:rPr lang="zh-CN" altLang="en-US" sz="2400" dirty="0"/>
               <a:t>依次运行：</a:t>
             </a:r>
-            <a:endParaRPr lang="en-US" altLang="zh-CN" sz="2000" dirty="0"/>
+            <a:endParaRPr lang="en-US" altLang="zh-CN" sz="2400" dirty="0"/>
           </a:p>
           <a:p>
             <a:pPr marL="457200" lvl="1" indent="0">
               <a:buNone/>
             </a:pPr>
             <a:r>
-              <a:rPr lang="en-US" altLang="zh-CN" sz="1600" dirty="0"/>
+              <a:rPr lang="en-US" altLang="zh-CN" dirty="0"/>
               <a:t>//</a:t>
             </a:r>
             <a:r>
-              <a:rPr lang="zh-CN" altLang="en-US" sz="1600" dirty="0"/>
+              <a:rPr lang="zh-CN" altLang="en-US" dirty="0"/>
               <a:t>生成</a:t>
             </a:r>
             <a:r>
-              <a:rPr lang="en-US" altLang="zh-CN" sz="1600" dirty="0"/>
+              <a:rPr lang="en-US" altLang="zh-CN" dirty="0"/>
               <a:t>configure</a:t>
             </a:r>
             <a:r>
-              <a:rPr lang="zh-CN" altLang="en-US" sz="1600" dirty="0"/>
+              <a:rPr lang="zh-CN" altLang="en-US" dirty="0"/>
               <a:t>文件</a:t>
             </a:r>
-            <a:endParaRPr lang="en-US" altLang="zh-CN" sz="1600" dirty="0"/>
+            <a:endParaRPr lang="en-US" altLang="zh-CN" dirty="0"/>
           </a:p>
           <a:p>
             <a:pPr marL="457200" lvl="1" indent="0">
               <a:buNone/>
             </a:pPr>
             <a:r>
-              <a:rPr lang="en-US" altLang="zh-CN" sz="1600"/>
-              <a:t>PHP_INSTALL_DIR/</a:t>
-            </a:r>
-            <a:r>
-              <a:rPr lang="en-US" altLang="zh-CN" sz="1600" dirty="0"/>
-              <a:t>bin/</a:t>
-            </a:r>
-            <a:r>
-              <a:rPr lang="en-US" altLang="zh-CN" sz="1600" dirty="0" err="1"/>
+              <a:rPr lang="en-US" altLang="zh-CN" dirty="0"/>
+              <a:t>PHP_INSTALL_DIR/bin/</a:t>
+            </a:r>
+            <a:r>
+              <a:rPr lang="en-US" altLang="zh-CN" dirty="0" err="1"/>
               <a:t>phpize</a:t>
             </a:r>
-            <a:endParaRPr lang="en-US" altLang="zh-CN" sz="1600" dirty="0"/>
+            <a:endParaRPr lang="en-US" altLang="zh-CN" dirty="0"/>
           </a:p>
           <a:p>
             <a:pPr marL="457200" lvl="1" indent="0">
               <a:buNone/>
             </a:pPr>
-            <a:endParaRPr lang="en-US" altLang="zh-CN" sz="1600" dirty="0"/>
+            <a:endParaRPr lang="en-US" altLang="zh-CN" dirty="0"/>
           </a:p>
           <a:p>
             <a:pPr marL="457200" lvl="1" indent="0">
               <a:buNone/>
             </a:pPr>
             <a:r>
-              <a:rPr lang="en-US" altLang="zh-CN" sz="1600" dirty="0"/>
+              <a:rPr lang="en-US" altLang="zh-CN" dirty="0"/>
               <a:t>./configure</a:t>
             </a:r>
             <a:r>
-              <a:rPr lang="zh-CN" altLang="en-US" sz="1600" dirty="0"/>
+              <a:rPr lang="zh-CN" altLang="en-US" dirty="0"/>
               <a:t> </a:t>
             </a:r>
             <a:r>
-              <a:rPr lang="en-US" altLang="zh-CN" sz="1600" dirty="0"/>
+              <a:rPr lang="en-US" altLang="zh-CN" dirty="0"/>
               <a:t>–with-</a:t>
             </a:r>
             <a:r>
-              <a:rPr lang="en-US" altLang="zh-CN" sz="1600" dirty="0" err="1"/>
+              <a:rPr lang="en-US" altLang="zh-CN" dirty="0" err="1"/>
               <a:t>php</a:t>
             </a:r>
             <a:r>
-              <a:rPr lang="en-US" altLang="zh-CN" sz="1600" dirty="0"/>
+              <a:rPr lang="en-US" altLang="zh-CN" dirty="0"/>
               <a:t>-config=PHP_INSTALL_DIR/bin/</a:t>
             </a:r>
             <a:r>
-              <a:rPr lang="en-US" altLang="zh-CN" sz="1600" dirty="0" err="1"/>
+              <a:rPr lang="en-US" altLang="zh-CN" dirty="0" err="1"/>
               <a:t>php</a:t>
             </a:r>
             <a:r>
-              <a:rPr lang="en-US" altLang="zh-CN" sz="1600" dirty="0"/>
+              <a:rPr lang="en-US" altLang="zh-CN" dirty="0"/>
               <a:t>-config</a:t>
             </a:r>
           </a:p>
@@ -6318,36 +6298,36 @@
             <a:pPr marL="457200" lvl="1" indent="0">
               <a:buNone/>
             </a:pPr>
-            <a:endParaRPr lang="en-US" altLang="zh-CN" sz="1600" dirty="0"/>
+            <a:endParaRPr lang="en-US" altLang="zh-CN" dirty="0"/>
           </a:p>
           <a:p>
             <a:pPr marL="457200" lvl="1" indent="0">
               <a:buNone/>
             </a:pPr>
             <a:r>
-              <a:rPr lang="en-US" altLang="zh-CN" sz="1600" dirty="0"/>
+              <a:rPr lang="en-US" altLang="zh-CN" dirty="0"/>
               <a:t>//</a:t>
             </a:r>
             <a:r>
-              <a:rPr lang="zh-CN" altLang="en-US" sz="1600" dirty="0"/>
+              <a:rPr lang="zh-CN" altLang="en-US" dirty="0"/>
               <a:t>根据</a:t>
             </a:r>
             <a:r>
-              <a:rPr lang="en-US" altLang="zh-CN" sz="1600" dirty="0" err="1"/>
+              <a:rPr lang="en-US" altLang="zh-CN" dirty="0" err="1"/>
               <a:t>Makefile</a:t>
             </a:r>
             <a:r>
-              <a:rPr lang="zh-CN" altLang="en-US" sz="1600" dirty="0"/>
+              <a:rPr lang="zh-CN" altLang="en-US" dirty="0"/>
               <a:t>文件进行编译</a:t>
             </a:r>
-            <a:endParaRPr lang="en-US" altLang="zh-CN" sz="1600" dirty="0"/>
+            <a:endParaRPr lang="en-US" altLang="zh-CN" dirty="0"/>
           </a:p>
           <a:p>
             <a:pPr marL="457200" lvl="1" indent="0">
               <a:buNone/>
             </a:pPr>
             <a:r>
-              <a:rPr lang="en-US" altLang="zh-CN" sz="1600" dirty="0"/>
+              <a:rPr lang="en-US" altLang="zh-CN" dirty="0"/>
               <a:t>make</a:t>
             </a:r>
           </a:p>
@@ -6355,32 +6335,32 @@
             <a:pPr marL="457200" lvl="1" indent="0">
               <a:buNone/>
             </a:pPr>
-            <a:endParaRPr lang="en-US" altLang="zh-CN" sz="1600" dirty="0"/>
+            <a:endParaRPr lang="en-US" altLang="zh-CN" dirty="0"/>
           </a:p>
           <a:p>
             <a:pPr marL="457200" lvl="1" indent="0">
               <a:buNone/>
             </a:pPr>
             <a:r>
-              <a:rPr lang="en-US" altLang="zh-CN" sz="1600" dirty="0"/>
+              <a:rPr lang="en-US" altLang="zh-CN" dirty="0"/>
               <a:t>//</a:t>
             </a:r>
             <a:r>
-              <a:rPr lang="zh-CN" altLang="en-US" sz="1600" dirty="0"/>
+              <a:rPr lang="zh-CN" altLang="en-US" dirty="0"/>
               <a:t>安装扩展</a:t>
             </a:r>
-            <a:endParaRPr lang="en-US" altLang="zh-CN" sz="1600" dirty="0"/>
+            <a:endParaRPr lang="en-US" altLang="zh-CN" dirty="0"/>
           </a:p>
           <a:p>
             <a:pPr marL="457200" lvl="1" indent="0">
               <a:buNone/>
             </a:pPr>
             <a:r>
-              <a:rPr lang="en-US" altLang="zh-CN" sz="1600" dirty="0" err="1"/>
+              <a:rPr lang="en-US" altLang="zh-CN" dirty="0" err="1"/>
               <a:t>sudo</a:t>
             </a:r>
             <a:r>
-              <a:rPr lang="en-US" altLang="zh-CN" sz="1600" dirty="0"/>
+              <a:rPr lang="en-US" altLang="zh-CN" dirty="0"/>
               <a:t> make install</a:t>
             </a:r>
           </a:p>
@@ -6388,7 +6368,7 @@
             <a:pPr marL="457200" lvl="1" indent="0">
               <a:buNone/>
             </a:pPr>
-            <a:endParaRPr lang="zh-CN" altLang="en-US" sz="1600" dirty="0"/>
+            <a:endParaRPr lang="zh-CN" altLang="en-US" dirty="0"/>
           </a:p>
         </p:txBody>
       </p:sp>
@@ -6487,72 +6467,72 @@
           <a:lstStyle/>
           <a:p>
             <a:r>
-              <a:rPr lang="en-US" altLang="zh-CN" sz="2000" dirty="0"/>
+              <a:rPr lang="en-US" altLang="zh-CN" sz="2400" dirty="0"/>
               <a:t>PHP</a:t>
             </a:r>
             <a:r>
-              <a:rPr lang="zh-CN" altLang="en-US" sz="2000" dirty="0"/>
+              <a:rPr lang="zh-CN" altLang="en-US" sz="2400" dirty="0"/>
               <a:t>配置文件默认在安装目录下的</a:t>
             </a:r>
             <a:r>
-              <a:rPr lang="en-US" altLang="zh-CN" sz="2000" dirty="0"/>
+              <a:rPr lang="en-US" altLang="zh-CN" sz="2400" dirty="0"/>
               <a:t>lib/php.ini</a:t>
             </a:r>
           </a:p>
           <a:p>
-            <a:endParaRPr lang="en-US" altLang="zh-CN" sz="2000" dirty="0"/>
-          </a:p>
-          <a:p>
-            <a:r>
-              <a:rPr lang="zh-CN" altLang="en-US" sz="2000" dirty="0"/>
+            <a:endParaRPr lang="en-US" altLang="zh-CN" sz="2400" dirty="0"/>
+          </a:p>
+          <a:p>
+            <a:r>
+              <a:rPr lang="zh-CN" altLang="en-US" sz="2400" dirty="0"/>
               <a:t>打开配置文件，找到</a:t>
             </a:r>
             <a:r>
-              <a:rPr lang="en-US" altLang="zh-CN" sz="2000" dirty="0"/>
+              <a:rPr lang="en-US" altLang="zh-CN" sz="2400" dirty="0"/>
               <a:t>extension</a:t>
             </a:r>
             <a:r>
-              <a:rPr lang="zh-CN" altLang="en-US" sz="2000" dirty="0"/>
+              <a:rPr lang="zh-CN" altLang="en-US" sz="2400" dirty="0"/>
               <a:t>相关的部分，加入</a:t>
             </a:r>
             <a:r>
-              <a:rPr lang="en-US" altLang="zh-CN" sz="2000" dirty="0"/>
+              <a:rPr lang="en-US" altLang="zh-CN" sz="2400" dirty="0"/>
               <a:t>extension=pdo.so</a:t>
             </a:r>
             <a:r>
-              <a:rPr lang="zh-CN" altLang="en-US" sz="2000" dirty="0"/>
+              <a:rPr lang="zh-CN" altLang="en-US" sz="2400" dirty="0"/>
               <a:t>即可启用</a:t>
             </a:r>
             <a:r>
-              <a:rPr lang="en-US" altLang="zh-CN" sz="2000" dirty="0" err="1"/>
+              <a:rPr lang="en-US" altLang="zh-CN" sz="2400" dirty="0" err="1"/>
               <a:t>pdo</a:t>
             </a:r>
             <a:r>
-              <a:rPr lang="zh-CN" altLang="en-US" sz="2000" dirty="0"/>
+              <a:rPr lang="zh-CN" altLang="en-US" sz="2400" dirty="0"/>
               <a:t>扩展。</a:t>
             </a:r>
-            <a:endParaRPr lang="en-US" altLang="zh-CN" sz="2000" dirty="0"/>
+            <a:endParaRPr lang="en-US" altLang="zh-CN" sz="2400" dirty="0"/>
           </a:p>
           <a:p>
             <a:pPr marL="457200" lvl="1" indent="0">
               <a:buNone/>
             </a:pPr>
             <a:r>
-              <a:rPr lang="en-US" altLang="zh-CN" sz="1600" dirty="0"/>
+              <a:rPr lang="en-US" altLang="zh-CN" sz="2000" i="1" dirty="0"/>
               <a:t>//</a:t>
             </a:r>
             <a:r>
-              <a:rPr lang="zh-CN" altLang="en-US" sz="1600" dirty="0"/>
+              <a:rPr lang="zh-CN" altLang="en-US" sz="2000" i="1" dirty="0"/>
               <a:t>配置示例</a:t>
             </a:r>
-            <a:endParaRPr lang="en-US" altLang="zh-CN" sz="1600" dirty="0"/>
+            <a:endParaRPr lang="en-US" altLang="zh-CN" sz="2000" i="1" dirty="0"/>
           </a:p>
           <a:p>
             <a:pPr marL="457200" lvl="1" indent="0">
               <a:buNone/>
             </a:pPr>
             <a:r>
-              <a:rPr lang="en-US" altLang="zh-CN" sz="1600" dirty="0"/>
+              <a:rPr lang="en-US" altLang="zh-CN" dirty="0"/>
               <a:t>extension=pdo.so</a:t>
             </a:r>
           </a:p>
@@ -6561,7 +6541,7 @@
               <a:buNone/>
             </a:pPr>
             <a:r>
-              <a:rPr lang="en-US" altLang="zh-CN" sz="1600" dirty="0"/>
+              <a:rPr lang="en-US" altLang="zh-CN" dirty="0"/>
               <a:t>extension=pdo_mysql.so</a:t>
             </a:r>
           </a:p>
@@ -6658,102 +6638,102 @@
           <a:lstStyle/>
           <a:p>
             <a:r>
-              <a:rPr lang="en-US" altLang="zh-CN" sz="2000" dirty="0"/>
+              <a:rPr lang="en-US" altLang="zh-CN" sz="2400" dirty="0"/>
               <a:t>PHP-FPM</a:t>
             </a:r>
             <a:r>
-              <a:rPr lang="zh-CN" altLang="en-US" sz="2000" dirty="0"/>
+              <a:rPr lang="zh-CN" altLang="en-US" sz="2400" dirty="0"/>
               <a:t>的管理在</a:t>
             </a:r>
             <a:r>
-              <a:rPr lang="en-US" altLang="zh-CN" sz="2000" dirty="0"/>
+              <a:rPr lang="en-US" altLang="zh-CN" sz="2400" dirty="0"/>
               <a:t>Linux</a:t>
             </a:r>
             <a:r>
-              <a:rPr lang="zh-CN" altLang="en-US" sz="2000" dirty="0"/>
+              <a:rPr lang="zh-CN" altLang="en-US" sz="2400" dirty="0"/>
               <a:t>上使用</a:t>
             </a:r>
             <a:r>
-              <a:rPr lang="en-US" altLang="zh-CN" sz="2000" dirty="0"/>
+              <a:rPr lang="en-US" altLang="zh-CN" sz="2400" dirty="0"/>
               <a:t>bash</a:t>
             </a:r>
             <a:r>
-              <a:rPr lang="zh-CN" altLang="en-US" sz="2000" dirty="0"/>
+              <a:rPr lang="zh-CN" altLang="en-US" sz="2400" dirty="0"/>
               <a:t>脚本实现。</a:t>
             </a:r>
-            <a:endParaRPr lang="en-US" altLang="zh-CN" sz="2000" dirty="0"/>
-          </a:p>
-          <a:p>
-            <a:endParaRPr lang="en-US" altLang="zh-CN" sz="2000" dirty="0"/>
-          </a:p>
-          <a:p>
-            <a:r>
-              <a:rPr lang="en-US" altLang="zh-CN" sz="2000" dirty="0"/>
+            <a:endParaRPr lang="en-US" altLang="zh-CN" sz="2400" dirty="0"/>
+          </a:p>
+          <a:p>
+            <a:endParaRPr lang="en-US" altLang="zh-CN" sz="2400" dirty="0"/>
+          </a:p>
+          <a:p>
+            <a:r>
+              <a:rPr lang="en-US" altLang="zh-CN" sz="2400" dirty="0"/>
               <a:t>PHP_INSTALL_DIR/</a:t>
             </a:r>
             <a:r>
-              <a:rPr lang="en-US" altLang="zh-CN" sz="2000" dirty="0" err="1"/>
+              <a:rPr lang="en-US" altLang="zh-CN" sz="2400" dirty="0" err="1"/>
               <a:t>var</a:t>
             </a:r>
             <a:r>
-              <a:rPr lang="en-US" altLang="zh-CN" sz="2000" dirty="0"/>
+              <a:rPr lang="en-US" altLang="zh-CN" sz="2400" dirty="0"/>
               <a:t>/run/</a:t>
             </a:r>
             <a:r>
-              <a:rPr lang="en-US" altLang="zh-CN" sz="2000" dirty="0" err="1"/>
+              <a:rPr lang="en-US" altLang="zh-CN" sz="2400" dirty="0" err="1"/>
               <a:t>php-fpm.pid</a:t>
             </a:r>
             <a:r>
-              <a:rPr lang="zh-CN" altLang="en-US" sz="2000" dirty="0"/>
+              <a:rPr lang="zh-CN" altLang="en-US" sz="2400" dirty="0"/>
               <a:t>记录了</a:t>
             </a:r>
             <a:r>
-              <a:rPr lang="en-US" altLang="zh-CN" sz="2000" dirty="0" err="1"/>
+              <a:rPr lang="en-US" altLang="zh-CN" sz="2400" dirty="0" err="1"/>
               <a:t>php</a:t>
             </a:r>
             <a:r>
-              <a:rPr lang="en-US" altLang="zh-CN" sz="2000" dirty="0"/>
+              <a:rPr lang="en-US" altLang="zh-CN" sz="2400" dirty="0"/>
               <a:t>-fpm</a:t>
             </a:r>
             <a:r>
-              <a:rPr lang="zh-CN" altLang="en-US" sz="2000" dirty="0"/>
+              <a:rPr lang="zh-CN" altLang="en-US" sz="2400" dirty="0"/>
               <a:t>的</a:t>
             </a:r>
             <a:r>
-              <a:rPr lang="en-US" altLang="zh-CN" sz="2000" dirty="0"/>
+              <a:rPr lang="en-US" altLang="zh-CN" sz="2400" dirty="0"/>
               <a:t>PID</a:t>
             </a:r>
             <a:r>
-              <a:rPr lang="zh-CN" altLang="en-US" sz="2000" dirty="0"/>
+              <a:rPr lang="zh-CN" altLang="en-US" sz="2400" dirty="0"/>
               <a:t>，通过获取</a:t>
             </a:r>
             <a:r>
-              <a:rPr lang="en-US" altLang="zh-CN" sz="2000" dirty="0"/>
+              <a:rPr lang="en-US" altLang="zh-CN" sz="2400" dirty="0"/>
               <a:t>PID</a:t>
             </a:r>
             <a:r>
-              <a:rPr lang="zh-CN" altLang="en-US" sz="2000" dirty="0"/>
+              <a:rPr lang="zh-CN" altLang="en-US" sz="2400" dirty="0"/>
               <a:t>可以控制进程的重启，退出，重新加载配置文件的操作。</a:t>
             </a:r>
-            <a:endParaRPr lang="en-US" altLang="zh-CN" sz="2000" dirty="0"/>
-          </a:p>
-          <a:p>
-            <a:endParaRPr lang="en-US" altLang="zh-CN" sz="2000" dirty="0"/>
-          </a:p>
-          <a:p>
-            <a:r>
-              <a:rPr lang="zh-CN" altLang="en-US" sz="2000" dirty="0"/>
+            <a:endParaRPr lang="en-US" altLang="zh-CN" sz="2400" dirty="0"/>
+          </a:p>
+          <a:p>
+            <a:endParaRPr lang="en-US" altLang="zh-CN" sz="2400" dirty="0"/>
+          </a:p>
+          <a:p>
+            <a:r>
+              <a:rPr lang="zh-CN" altLang="en-US" sz="2400" dirty="0"/>
               <a:t>管理脚本代码无法在</a:t>
             </a:r>
             <a:r>
-              <a:rPr lang="en-US" altLang="zh-CN" sz="2000" dirty="0"/>
+              <a:rPr lang="en-US" altLang="zh-CN" sz="2400" dirty="0"/>
               <a:t>ppt</a:t>
             </a:r>
             <a:r>
-              <a:rPr lang="zh-CN" altLang="en-US" sz="2000" dirty="0"/>
+              <a:rPr lang="zh-CN" altLang="en-US" sz="2400" dirty="0"/>
               <a:t>展示，参看实际代码文件。</a:t>
             </a:r>
-            <a:endParaRPr lang="en-US" altLang="zh-CN" sz="2000" dirty="0"/>
+            <a:endParaRPr lang="en-US" altLang="zh-CN" sz="2400" dirty="0"/>
           </a:p>
         </p:txBody>
       </p:sp>
@@ -6849,119 +6829,119 @@
           <a:lstStyle/>
           <a:p>
             <a:r>
-              <a:rPr lang="zh-CN" altLang="en-US" sz="2000" dirty="0"/>
+              <a:rPr lang="zh-CN" altLang="en-US" sz="2400" dirty="0"/>
               <a:t>在</a:t>
             </a:r>
             <a:r>
-              <a:rPr lang="en-US" altLang="zh-CN" sz="2000" dirty="0"/>
+              <a:rPr lang="en-US" altLang="zh-CN" sz="2400" dirty="0"/>
               <a:t>Ubuntu</a:t>
             </a:r>
             <a:r>
-              <a:rPr lang="zh-CN" altLang="en-US" sz="2000" dirty="0"/>
+              <a:rPr lang="zh-CN" altLang="en-US" sz="2400" dirty="0"/>
               <a:t>上使用</a:t>
             </a:r>
             <a:r>
-              <a:rPr lang="en-US" altLang="zh-CN" sz="2000" dirty="0"/>
+              <a:rPr lang="en-US" altLang="zh-CN" sz="2400" dirty="0"/>
               <a:t>apt-get</a:t>
             </a:r>
             <a:r>
-              <a:rPr lang="zh-CN" altLang="en-US" sz="2000" dirty="0"/>
+              <a:rPr lang="zh-CN" altLang="en-US" sz="2400" dirty="0"/>
               <a:t>可以直接安装</a:t>
             </a:r>
             <a:r>
-              <a:rPr lang="en-US" altLang="zh-CN" sz="2000" dirty="0"/>
+              <a:rPr lang="en-US" altLang="zh-CN" sz="2400" dirty="0"/>
               <a:t>Nginx</a:t>
             </a:r>
             <a:r>
-              <a:rPr lang="zh-CN" altLang="en-US" sz="2000" dirty="0"/>
+              <a:rPr lang="zh-CN" altLang="en-US" sz="2400" dirty="0"/>
               <a:t>，</a:t>
             </a:r>
             <a:r>
-              <a:rPr lang="en-US" altLang="zh-CN" sz="2000" dirty="0"/>
+              <a:rPr lang="en-US" altLang="zh-CN" sz="2400" dirty="0"/>
               <a:t>PHP</a:t>
             </a:r>
             <a:r>
-              <a:rPr lang="zh-CN" altLang="en-US" sz="2000" dirty="0"/>
+              <a:rPr lang="zh-CN" altLang="en-US" sz="2400" dirty="0"/>
               <a:t>，</a:t>
             </a:r>
             <a:r>
-              <a:rPr lang="en-US" altLang="zh-CN" sz="2000" dirty="0"/>
+              <a:rPr lang="en-US" altLang="zh-CN" sz="2400" dirty="0"/>
               <a:t>MySQL</a:t>
             </a:r>
             <a:r>
-              <a:rPr lang="zh-CN" altLang="en-US" sz="2000" dirty="0"/>
+              <a:rPr lang="zh-CN" altLang="en-US" sz="2400" dirty="0"/>
               <a:t>。直接就构建了</a:t>
             </a:r>
             <a:r>
-              <a:rPr lang="en-US" altLang="zh-CN" sz="2000" dirty="0"/>
+              <a:rPr lang="en-US" altLang="zh-CN" sz="2400" dirty="0"/>
               <a:t>LNMP</a:t>
             </a:r>
             <a:r>
-              <a:rPr lang="zh-CN" altLang="en-US" sz="2000" dirty="0"/>
+              <a:rPr lang="zh-CN" altLang="en-US" sz="2400" dirty="0"/>
               <a:t>环境，而且编译配置等很麻烦，但是为何还要自己手动编译？</a:t>
             </a:r>
-            <a:endParaRPr lang="en-US" altLang="zh-CN" sz="2000" dirty="0"/>
-          </a:p>
-          <a:p>
-            <a:endParaRPr lang="en-US" altLang="zh-CN" sz="2000" dirty="0"/>
+            <a:endParaRPr lang="en-US" altLang="zh-CN" sz="2400" dirty="0"/>
+          </a:p>
+          <a:p>
+            <a:endParaRPr lang="en-US" altLang="zh-CN" sz="2400" dirty="0"/>
           </a:p>
           <a:p>
             <a:pPr marL="800100" lvl="1" indent="-342900">
               <a:buAutoNum type="arabicPeriod"/>
             </a:pPr>
             <a:r>
-              <a:rPr lang="zh-CN" altLang="en-US" sz="1800" dirty="0"/>
+              <a:rPr lang="zh-CN" altLang="en-US" dirty="0"/>
               <a:t>直接安装的方式是不能选择版本的，只能使用软件源提供的版本，</a:t>
             </a:r>
             <a:r>
-              <a:rPr lang="en-US" altLang="zh-CN" sz="1800" dirty="0"/>
+              <a:rPr lang="en-US" altLang="zh-CN" dirty="0"/>
               <a:t>Ubuntu</a:t>
             </a:r>
             <a:r>
-              <a:rPr lang="zh-CN" altLang="en-US" sz="1800" dirty="0"/>
+              <a:rPr lang="zh-CN" altLang="en-US" dirty="0"/>
               <a:t>上使用编译好的</a:t>
             </a:r>
             <a:r>
-              <a:rPr lang="en-US" altLang="zh-CN" sz="1800" dirty="0"/>
+              <a:rPr lang="en-US" altLang="zh-CN" dirty="0"/>
               <a:t>deb</a:t>
             </a:r>
             <a:r>
-              <a:rPr lang="zh-CN" altLang="en-US" sz="1800" dirty="0"/>
+              <a:rPr lang="zh-CN" altLang="en-US" dirty="0"/>
               <a:t>软件包。如果系统依赖某些版本提供的功能，只能使用编译安装的方式。</a:t>
             </a:r>
-            <a:endParaRPr lang="en-US" altLang="zh-CN" sz="1800" dirty="0"/>
+            <a:endParaRPr lang="en-US" altLang="zh-CN" dirty="0"/>
           </a:p>
           <a:p>
             <a:pPr marL="800100" lvl="1" indent="-342900">
               <a:buAutoNum type="arabicPeriod"/>
             </a:pPr>
-            <a:endParaRPr lang="en-US" altLang="zh-CN" sz="1800" dirty="0"/>
+            <a:endParaRPr lang="en-US" altLang="zh-CN" dirty="0"/>
           </a:p>
           <a:p>
             <a:pPr marL="800100" lvl="1" indent="-342900">
               <a:buAutoNum type="arabicPeriod"/>
             </a:pPr>
             <a:r>
-              <a:rPr lang="zh-CN" altLang="en-US" sz="1800" dirty="0"/>
+              <a:rPr lang="zh-CN" altLang="en-US" dirty="0"/>
               <a:t>软件安装配置分散在多处，管理不方便。</a:t>
             </a:r>
-            <a:endParaRPr lang="en-US" altLang="zh-CN" sz="1800" dirty="0"/>
+            <a:endParaRPr lang="en-US" altLang="zh-CN" dirty="0"/>
           </a:p>
           <a:p>
             <a:pPr marL="800100" lvl="1" indent="-342900">
               <a:buAutoNum type="arabicPeriod"/>
             </a:pPr>
-            <a:endParaRPr lang="en-US" altLang="zh-CN" sz="1800" dirty="0"/>
+            <a:endParaRPr lang="en-US" altLang="zh-CN" dirty="0"/>
           </a:p>
           <a:p>
             <a:pPr marL="800100" lvl="1" indent="-342900">
               <a:buAutoNum type="arabicPeriod"/>
             </a:pPr>
             <a:r>
-              <a:rPr lang="zh-CN" altLang="en-US" sz="1800" dirty="0"/>
+              <a:rPr lang="zh-CN" altLang="en-US" dirty="0"/>
               <a:t>可移植性差，更换系统需要重新安装，如果安装过程中出现问题，解决起来很麻烦。</a:t>
             </a:r>
-            <a:endParaRPr lang="en-US" altLang="zh-CN" sz="1800" dirty="0"/>
+            <a:endParaRPr lang="en-US" altLang="zh-CN" dirty="0"/>
           </a:p>
         </p:txBody>
       </p:sp>
@@ -7044,7 +7024,7 @@
             <p:ph idx="1"/>
             <p:extLst>
               <p:ext uri="{D42A27DB-BD31-4B8C-83A1-F6EECF244321}">
-                <p14:modId xmlns:p14="http://schemas.microsoft.com/office/powerpoint/2010/main" val="3460446922"/>
+                <p14:modId xmlns:p14="http://schemas.microsoft.com/office/powerpoint/2010/main" val="3110081651"/>
               </p:ext>
             </p:extLst>
           </p:nvPr>
@@ -7076,14 +7056,14 @@
                     <a:p>
                       <a:pPr lvl="4" algn="l"/>
                       <a:r>
-                        <a:rPr lang="en-US" altLang="zh-CN" sz="2000" b="0" dirty="0">
+                        <a:rPr lang="en-US" altLang="zh-CN" sz="2400" b="0" dirty="0">
                           <a:latin typeface="汉仪家书简" panose="02010609000101010101" pitchFamily="49" charset="-122"/>
                           <a:ea typeface="汉仪家书简" panose="02010609000101010101" pitchFamily="49" charset="-122"/>
                         </a:rPr>
                         <a:t>PHP</a:t>
                       </a:r>
                       <a:r>
-                        <a:rPr lang="zh-CN" altLang="en-US" sz="2000" b="0" dirty="0">
+                        <a:rPr lang="zh-CN" altLang="en-US" sz="2400" b="0" dirty="0">
                           <a:latin typeface="汉仪家书简" panose="02010609000101010101" pitchFamily="49" charset="-122"/>
                           <a:ea typeface="汉仪家书简" panose="02010609000101010101" pitchFamily="49" charset="-122"/>
                         </a:rPr>
@@ -7134,7 +7114,7 @@
                     <a:p>
                       <a:pPr lvl="4" algn="l"/>
                       <a:r>
-                        <a:rPr lang="zh-CN" altLang="en-US" sz="2000" dirty="0">
+                        <a:rPr lang="zh-CN" altLang="en-US" sz="2400" dirty="0">
                           <a:latin typeface="汉仪家书简" panose="02010609000101010101" pitchFamily="49" charset="-122"/>
                           <a:ea typeface="汉仪家书简" panose="02010609000101010101" pitchFamily="49" charset="-122"/>
                         </a:rPr>
@@ -7185,7 +7165,7 @@
                     <a:p>
                       <a:pPr lvl="4" algn="l"/>
                       <a:r>
-                        <a:rPr lang="zh-CN" altLang="en-US" sz="2000" dirty="0">
+                        <a:rPr lang="zh-CN" altLang="en-US" sz="2400" dirty="0">
                           <a:latin typeface="汉仪家书简" panose="02010609000101010101" pitchFamily="49" charset="-122"/>
                           <a:ea typeface="汉仪家书简" panose="02010609000101010101" pitchFamily="49" charset="-122"/>
                         </a:rPr>
@@ -7429,149 +7409,179 @@
           </a:xfrm>
         </p:spPr>
         <p:txBody>
-          <a:bodyPr/>
+          <a:bodyPr>
+            <a:noAutofit/>
+          </a:bodyPr>
           <a:lstStyle/>
           <a:p>
             <a:r>
+              <a:rPr lang="zh-CN" altLang="en-US" sz="2400" dirty="0"/>
+              <a:t>打开 </a:t>
+            </a:r>
+            <a:r>
+              <a:rPr lang="en-US" altLang="zh-CN" sz="2400" dirty="0"/>
+              <a:t>http://php.net </a:t>
+            </a:r>
+            <a:r>
+              <a:rPr lang="zh-CN" altLang="en-US" sz="2400" dirty="0"/>
+              <a:t>网址下载</a:t>
+            </a:r>
+            <a:r>
+              <a:rPr lang="en-US" altLang="zh-CN" sz="2400" dirty="0"/>
+              <a:t>PHP7</a:t>
+            </a:r>
+            <a:r>
+              <a:rPr lang="zh-CN" altLang="en-US" sz="2400" dirty="0"/>
+              <a:t>稳定版源代码</a:t>
+            </a:r>
+            <a:endParaRPr lang="en-US" altLang="zh-CN" sz="2400" dirty="0"/>
+          </a:p>
+          <a:p>
+            <a:r>
+              <a:rPr lang="zh-CN" altLang="en-US" sz="2400" dirty="0"/>
+              <a:t>目前</a:t>
+            </a:r>
+            <a:r>
+              <a:rPr lang="en-US" altLang="zh-CN" sz="2400" dirty="0"/>
+              <a:t>PHP7</a:t>
+            </a:r>
+            <a:r>
+              <a:rPr lang="zh-CN" altLang="en-US" sz="2400" dirty="0"/>
+              <a:t>主要有</a:t>
+            </a:r>
+            <a:r>
+              <a:rPr lang="en-US" altLang="zh-CN" sz="2400" dirty="0"/>
+              <a:t>3</a:t>
+            </a:r>
+            <a:r>
+              <a:rPr lang="zh-CN" altLang="en-US" sz="2400" dirty="0"/>
+              <a:t>个版本：</a:t>
+            </a:r>
+            <a:r>
+              <a:rPr lang="en-US" altLang="zh-CN" sz="2400" dirty="0"/>
+              <a:t>PHP7.0</a:t>
+            </a:r>
+            <a:r>
+              <a:rPr lang="zh-CN" altLang="en-US" sz="2400" dirty="0"/>
+              <a:t>，</a:t>
+            </a:r>
+            <a:r>
+              <a:rPr lang="en-US" altLang="zh-CN" sz="2400" dirty="0"/>
+              <a:t>PHP7.1</a:t>
+            </a:r>
+            <a:r>
+              <a:rPr lang="zh-CN" altLang="en-US" sz="2400" dirty="0"/>
+              <a:t>，</a:t>
+            </a:r>
+            <a:r>
+              <a:rPr lang="en-US" altLang="zh-CN" sz="2400" dirty="0"/>
+              <a:t>PHP7.2</a:t>
+            </a:r>
+          </a:p>
+          <a:p>
+            <a:r>
+              <a:rPr lang="zh-CN" altLang="en-US" sz="2400" dirty="0"/>
+              <a:t>三个不同版本有一些功能区别，具体见</a:t>
+            </a:r>
+            <a:r>
+              <a:rPr lang="en-US" altLang="zh-CN" sz="2400" dirty="0"/>
+              <a:t>PHP</a:t>
+            </a:r>
+            <a:r>
+              <a:rPr lang="zh-CN" altLang="en-US" sz="2400" dirty="0"/>
+              <a:t>开发者手册</a:t>
+            </a:r>
+            <a:endParaRPr lang="en-US" altLang="zh-CN" sz="2400" dirty="0"/>
+          </a:p>
+          <a:p>
+            <a:r>
+              <a:rPr lang="en-US" altLang="zh-CN" sz="2400" dirty="0"/>
+              <a:t>PHP7.2</a:t>
+            </a:r>
+            <a:r>
+              <a:rPr lang="zh-CN" altLang="en-US" sz="2400" dirty="0"/>
+              <a:t>变化较大，主要有：</a:t>
+            </a:r>
+            <a:endParaRPr lang="en-US" altLang="zh-CN" sz="2400" dirty="0"/>
+          </a:p>
+          <a:p>
+            <a:pPr lvl="1"/>
+            <a:r>
               <a:rPr lang="zh-CN" altLang="en-US" sz="2000" dirty="0"/>
-              <a:t>打开 </a:t>
+              <a:t>底层引擎加入一些宏指令</a:t>
+            </a:r>
+            <a:endParaRPr lang="en-US" altLang="zh-CN" sz="2000" dirty="0"/>
+          </a:p>
+          <a:p>
+            <a:pPr lvl="1"/>
+            <a:r>
+              <a:rPr lang="zh-CN" altLang="en-US" sz="2000" dirty="0"/>
+              <a:t>移除</a:t>
+            </a:r>
+            <a:r>
+              <a:rPr lang="en-US" altLang="zh-CN" sz="2000" dirty="0" err="1"/>
+              <a:t>mcrypt</a:t>
+            </a:r>
+            <a:r>
+              <a:rPr lang="zh-CN" altLang="en-US" sz="2000" dirty="0"/>
+              <a:t>加密扩展</a:t>
+            </a:r>
+            <a:endParaRPr lang="en-US" altLang="zh-CN" sz="2000" dirty="0"/>
+          </a:p>
+          <a:p>
+            <a:pPr lvl="1"/>
+            <a:r>
+              <a:rPr lang="zh-CN" altLang="en-US" sz="2000" dirty="0"/>
+              <a:t>加入</a:t>
             </a:r>
             <a:r>
               <a:rPr lang="en-US" altLang="zh-CN" sz="2000" dirty="0"/>
-              <a:t>http://php.net </a:t>
+              <a:t>sodium</a:t>
             </a:r>
             <a:r>
               <a:rPr lang="zh-CN" altLang="en-US" sz="2000" dirty="0"/>
-              <a:t>网址下载</a:t>
-            </a:r>
-            <a:r>
-              <a:rPr lang="en-US" altLang="zh-CN" sz="2000" dirty="0"/>
-              <a:t>PHP7</a:t>
-            </a:r>
-            <a:r>
-              <a:rPr lang="zh-CN" altLang="en-US" sz="2000" dirty="0"/>
-              <a:t>稳定版源代码</a:t>
-            </a:r>
-            <a:endParaRPr lang="en-US" altLang="zh-CN" sz="2000" dirty="0"/>
-          </a:p>
-          <a:p>
-            <a:r>
-              <a:rPr lang="zh-CN" altLang="en-US" sz="2000" dirty="0"/>
-              <a:t>目前</a:t>
-            </a:r>
-            <a:r>
-              <a:rPr lang="en-US" altLang="zh-CN" sz="2000" dirty="0"/>
-              <a:t>PHP7</a:t>
-            </a:r>
-            <a:r>
-              <a:rPr lang="zh-CN" altLang="en-US" sz="2000" dirty="0"/>
-              <a:t>主要有</a:t>
-            </a:r>
-            <a:r>
-              <a:rPr lang="en-US" altLang="zh-CN" sz="2000" dirty="0"/>
-              <a:t>3</a:t>
-            </a:r>
-            <a:r>
-              <a:rPr lang="zh-CN" altLang="en-US" sz="2000" dirty="0"/>
-              <a:t>个版本：</a:t>
-            </a:r>
-            <a:r>
-              <a:rPr lang="en-US" altLang="zh-CN" sz="2000" dirty="0"/>
-              <a:t>PHP7.0</a:t>
-            </a:r>
-            <a:r>
-              <a:rPr lang="zh-CN" altLang="en-US" sz="2000" dirty="0"/>
-              <a:t>，</a:t>
-            </a:r>
-            <a:r>
-              <a:rPr lang="en-US" altLang="zh-CN" sz="2000" dirty="0"/>
-              <a:t>PHP7.1</a:t>
-            </a:r>
-            <a:r>
-              <a:rPr lang="zh-CN" altLang="en-US" sz="2000" dirty="0"/>
-              <a:t>，</a:t>
-            </a:r>
-            <a:r>
-              <a:rPr lang="en-US" altLang="zh-CN" sz="2000" dirty="0"/>
-              <a:t>PHP7.2</a:t>
-            </a:r>
-          </a:p>
-          <a:p>
-            <a:r>
-              <a:rPr lang="zh-CN" altLang="en-US" sz="2000" dirty="0"/>
-              <a:t>三个不同版本有一些功能区别，具体见</a:t>
-            </a:r>
-            <a:r>
-              <a:rPr lang="en-US" altLang="zh-CN" sz="2000" dirty="0"/>
-              <a:t>PHP</a:t>
-            </a:r>
-            <a:r>
-              <a:rPr lang="zh-CN" altLang="en-US" sz="2000" dirty="0"/>
-              <a:t>开发者手册</a:t>
-            </a:r>
-            <a:endParaRPr lang="en-US" altLang="zh-CN" sz="2000" dirty="0"/>
-          </a:p>
-          <a:p>
-            <a:r>
-              <a:rPr lang="en-US" altLang="zh-CN" sz="2000" dirty="0"/>
-              <a:t>PHP7.2</a:t>
-            </a:r>
-            <a:r>
-              <a:rPr lang="zh-CN" altLang="en-US" sz="2000" dirty="0"/>
-              <a:t>变化较大，主要有：</a:t>
-            </a:r>
-            <a:endParaRPr lang="en-US" altLang="zh-CN" sz="2000" dirty="0"/>
-          </a:p>
-          <a:p>
-            <a:pPr lvl="1"/>
-            <a:r>
-              <a:rPr lang="zh-CN" altLang="en-US" sz="1800" dirty="0"/>
-              <a:t>底层引擎加入一些宏指令</a:t>
-            </a:r>
-            <a:endParaRPr lang="en-US" altLang="zh-CN" sz="1800" dirty="0"/>
-          </a:p>
-          <a:p>
-            <a:pPr lvl="1"/>
-            <a:r>
-              <a:rPr lang="zh-CN" altLang="en-US" sz="1800" dirty="0"/>
-              <a:t>移除</a:t>
-            </a:r>
-            <a:r>
-              <a:rPr lang="en-US" altLang="zh-CN" sz="1800" dirty="0" err="1"/>
-              <a:t>mcrypt</a:t>
-            </a:r>
-            <a:r>
-              <a:rPr lang="zh-CN" altLang="en-US" sz="1800" dirty="0"/>
               <a:t>加密扩展</a:t>
             </a:r>
-            <a:endParaRPr lang="en-US" altLang="zh-CN" sz="1800" dirty="0"/>
-          </a:p>
-          <a:p>
-            <a:pPr lvl="1"/>
-            <a:r>
-              <a:rPr lang="zh-CN" altLang="en-US" sz="1800" dirty="0"/>
-              <a:t>加入</a:t>
-            </a:r>
-            <a:r>
-              <a:rPr lang="en-US" altLang="zh-CN" sz="1800" dirty="0"/>
-              <a:t>sodium</a:t>
-            </a:r>
-            <a:r>
-              <a:rPr lang="zh-CN" altLang="en-US" sz="1800" dirty="0"/>
-              <a:t>加密扩展</a:t>
-            </a:r>
-            <a:endParaRPr lang="en-US" altLang="zh-CN" sz="1800" dirty="0"/>
+            <a:endParaRPr lang="en-US" altLang="zh-CN" dirty="0"/>
+          </a:p>
+          <a:p>
+            <a:r>
+              <a:rPr lang="zh-CN" altLang="en-US" sz="2400" dirty="0"/>
+              <a:t>如何选择：</a:t>
+            </a:r>
+            <a:endParaRPr lang="en-US" altLang="zh-CN" sz="2400" dirty="0"/>
           </a:p>
           <a:p>
             <a:pPr marL="457200" lvl="1" indent="0">
               <a:buNone/>
             </a:pPr>
-            <a:endParaRPr lang="en-US" altLang="zh-CN" sz="1800" dirty="0"/>
-          </a:p>
-          <a:p>
             <a:r>
               <a:rPr lang="zh-CN" altLang="en-US" sz="2000" dirty="0"/>
-              <a:t>如何选择：</a:t>
+              <a:t>对于学习来说，三个版本都可以，对于实际应用来说，新版本是趋势，而一些已经成型的系统，不建议最新版本，因为会带来兼容性的问题。在实际使用上，一些流行的框架以及</a:t>
+            </a:r>
+            <a:r>
+              <a:rPr lang="en-US" altLang="zh-CN" sz="2000" dirty="0"/>
+              <a:t>CMS</a:t>
+            </a:r>
+            <a:r>
+              <a:rPr lang="zh-CN" altLang="en-US" sz="2000" dirty="0"/>
+              <a:t>等可以升级到</a:t>
+            </a:r>
+            <a:r>
+              <a:rPr lang="en-US" altLang="zh-CN" sz="2000" dirty="0"/>
+              <a:t>PHP7.0</a:t>
+            </a:r>
+            <a:r>
+              <a:rPr lang="zh-CN" altLang="en-US" sz="2000" dirty="0"/>
+              <a:t>，对于</a:t>
+            </a:r>
+            <a:r>
+              <a:rPr lang="en-US" altLang="zh-CN" sz="2000" dirty="0"/>
+              <a:t>PHP7.1+</a:t>
+            </a:r>
+            <a:r>
+              <a:rPr lang="zh-CN" altLang="en-US" sz="2000" dirty="0"/>
+              <a:t>版本支持还比较弱。</a:t>
             </a:r>
             <a:endParaRPr lang="en-US" altLang="zh-CN" sz="2000" dirty="0"/>
           </a:p>
@@ -7580,53 +7590,19 @@
               <a:buNone/>
             </a:pPr>
             <a:r>
-              <a:rPr lang="zh-CN" altLang="en-US" sz="1800" dirty="0"/>
-              <a:t>对于学习来说，三个版本都可以，对于实际应用来说，新版本是趋势，而一些已经成型的系统，不建议最新版本，因为会带来兼容性的问题。在实际使用上，一些流行的框架以及</a:t>
-            </a:r>
-            <a:r>
-              <a:rPr lang="en-US" altLang="zh-CN" sz="1800" dirty="0"/>
-              <a:t>CMS</a:t>
-            </a:r>
-            <a:r>
-              <a:rPr lang="zh-CN" altLang="en-US" sz="1800" dirty="0"/>
-              <a:t>等可以升级到</a:t>
-            </a:r>
-            <a:r>
-              <a:rPr lang="en-US" altLang="zh-CN" sz="1800" dirty="0"/>
-              <a:t>PHP7.0</a:t>
-            </a:r>
-            <a:r>
-              <a:rPr lang="zh-CN" altLang="en-US" sz="1800" dirty="0"/>
-              <a:t>，对于</a:t>
-            </a:r>
-            <a:r>
-              <a:rPr lang="en-US" altLang="zh-CN" sz="1800" dirty="0"/>
-              <a:t>PHP7.1+</a:t>
-            </a:r>
-            <a:r>
-              <a:rPr lang="zh-CN" altLang="en-US" sz="1800" dirty="0"/>
-              <a:t>版本支持还比较弱。</a:t>
-            </a:r>
-            <a:endParaRPr lang="en-US" altLang="zh-CN" sz="1800" dirty="0"/>
-          </a:p>
-          <a:p>
-            <a:pPr marL="457200" lvl="1" indent="0">
-              <a:buNone/>
-            </a:pPr>
-            <a:r>
-              <a:rPr lang="zh-CN" altLang="en-US" sz="1800" dirty="0"/>
+              <a:rPr lang="zh-CN" altLang="en-US" sz="2000" dirty="0"/>
               <a:t>我们这里选择</a:t>
             </a:r>
             <a:r>
-              <a:rPr lang="en-US" altLang="zh-CN" sz="1800" dirty="0"/>
+              <a:rPr lang="en-US" altLang="zh-CN" sz="2000" dirty="0"/>
               <a:t>PHP7.1</a:t>
             </a:r>
             <a:r>
-              <a:rPr lang="zh-CN" altLang="en-US" sz="1800" dirty="0"/>
+              <a:rPr lang="zh-CN" altLang="en-US" sz="2000" dirty="0"/>
               <a:t>进行编译，待熟悉之后，同学们自行编译</a:t>
             </a:r>
             <a:r>
-              <a:rPr lang="en-US" altLang="zh-CN" sz="1800" dirty="0"/>
+              <a:rPr lang="en-US" altLang="zh-CN" sz="2000" dirty="0"/>
               <a:t>PHP7.2</a:t>
             </a:r>
           </a:p>
@@ -7854,14 +7830,14 @@
             <p:ph idx="1"/>
             <p:extLst>
               <p:ext uri="{D42A27DB-BD31-4B8C-83A1-F6EECF244321}">
-                <p14:modId xmlns:p14="http://schemas.microsoft.com/office/powerpoint/2010/main" val="2170290129"/>
+                <p14:modId xmlns:p14="http://schemas.microsoft.com/office/powerpoint/2010/main" val="1811768184"/>
               </p:ext>
             </p:extLst>
           </p:nvPr>
         </p:nvGraphicFramePr>
         <p:xfrm>
           <a:off x="838200" y="1655763"/>
-          <a:ext cx="10515600" cy="4032000"/>
+          <a:ext cx="10515600" cy="4278960"/>
         </p:xfrm>
         <a:graphic>
           <a:graphicData uri="http://schemas.openxmlformats.org/drawingml/2006/table">
@@ -7893,15 +7869,15 @@
                     <a:p>
                       <a:pPr algn="ctr"/>
                       <a:r>
-                        <a:rPr lang="zh-CN" altLang="en-US" b="1" dirty="0"/>
+                        <a:rPr lang="zh-CN" altLang="en-US" sz="2400" b="1" dirty="0"/>
                         <a:t>目录</a:t>
                       </a:r>
                       <a:r>
-                        <a:rPr lang="en-US" altLang="zh-CN" b="1" dirty="0"/>
+                        <a:rPr lang="en-US" altLang="zh-CN" sz="2400" b="1" dirty="0"/>
                         <a:t>/</a:t>
                       </a:r>
                       <a:r>
-                        <a:rPr lang="zh-CN" altLang="en-US" b="1" dirty="0"/>
+                        <a:rPr lang="zh-CN" altLang="en-US" sz="2400" b="1" dirty="0"/>
                         <a:t>文件</a:t>
                       </a:r>
                     </a:p>
@@ -7915,7 +7891,7 @@
                     <a:p>
                       <a:pPr algn="ctr"/>
                       <a:r>
-                        <a:rPr lang="zh-CN" altLang="en-US" b="1" dirty="0"/>
+                        <a:rPr lang="zh-CN" altLang="en-US" sz="2400" b="1" dirty="0"/>
                         <a:t>说明</a:t>
                       </a:r>
                     </a:p>
@@ -7936,10 +7912,10 @@
                     <a:p>
                       <a:pPr algn="ctr"/>
                       <a:r>
-                        <a:rPr lang="en-US" altLang="zh-CN" dirty="0"/>
+                        <a:rPr lang="en-US" altLang="zh-CN" sz="2400" dirty="0"/>
                         <a:t>build/</a:t>
                       </a:r>
-                      <a:endParaRPr lang="zh-CN" altLang="en-US" dirty="0"/>
+                      <a:endParaRPr lang="zh-CN" altLang="en-US" sz="2400" dirty="0"/>
                     </a:p>
                   </a:txBody>
                   <a:tcPr anchor="ctr"/>
@@ -7951,7 +7927,7 @@
                     <a:p>
                       <a:pPr algn="l"/>
                       <a:r>
-                        <a:rPr lang="zh-CN" altLang="en-US" dirty="0"/>
+                        <a:rPr lang="zh-CN" altLang="en-US" sz="2400" dirty="0"/>
                         <a:t>此目录下的脚本执行环境检测等一系列工作</a:t>
                       </a:r>
                     </a:p>
@@ -7972,10 +7948,10 @@
                     <a:p>
                       <a:pPr algn="ctr"/>
                       <a:r>
-                        <a:rPr lang="en-US" altLang="zh-CN" dirty="0"/>
+                        <a:rPr lang="en-US" altLang="zh-CN" sz="2400" dirty="0"/>
                         <a:t>main/</a:t>
                       </a:r>
-                      <a:endParaRPr lang="zh-CN" altLang="en-US" dirty="0"/>
+                      <a:endParaRPr lang="zh-CN" altLang="en-US" sz="2400" dirty="0"/>
                     </a:p>
                   </a:txBody>
                   <a:tcPr anchor="ctr"/>
@@ -7987,11 +7963,11 @@
                     <a:p>
                       <a:pPr algn="l"/>
                       <a:r>
-                        <a:rPr lang="en-US" altLang="zh-CN" dirty="0"/>
+                        <a:rPr lang="en-US" altLang="zh-CN" sz="2400" dirty="0"/>
                         <a:t>PHP</a:t>
                       </a:r>
                       <a:r>
-                        <a:rPr lang="zh-CN" altLang="en-US" dirty="0"/>
+                        <a:rPr lang="zh-CN" altLang="en-US" sz="2400" dirty="0"/>
                         <a:t>语言主要实现</a:t>
                       </a:r>
                     </a:p>
@@ -8012,14 +7988,14 @@
                     <a:p>
                       <a:pPr algn="ctr"/>
                       <a:r>
-                        <a:rPr lang="en-US" altLang="zh-CN" dirty="0" err="1"/>
+                        <a:rPr lang="en-US" altLang="zh-CN" sz="2400" dirty="0" err="1"/>
                         <a:t>ext</a:t>
                       </a:r>
                       <a:r>
-                        <a:rPr lang="en-US" altLang="zh-CN" dirty="0"/>
+                        <a:rPr lang="en-US" altLang="zh-CN" sz="2400" dirty="0"/>
                         <a:t>/</a:t>
                       </a:r>
-                      <a:endParaRPr lang="zh-CN" altLang="en-US" dirty="0"/>
+                      <a:endParaRPr lang="zh-CN" altLang="en-US" sz="2400" dirty="0"/>
                     </a:p>
                   </a:txBody>
                   <a:tcPr anchor="ctr"/>
@@ -8031,7 +8007,7 @@
                     <a:p>
                       <a:pPr algn="l"/>
                       <a:r>
-                        <a:rPr lang="zh-CN" altLang="en-US" dirty="0"/>
+                        <a:rPr lang="zh-CN" altLang="en-US" sz="2400" dirty="0"/>
                         <a:t>扩展目录</a:t>
                       </a:r>
                     </a:p>
@@ -8052,14 +8028,14 @@
                     <a:p>
                       <a:pPr algn="ctr"/>
                       <a:r>
-                        <a:rPr lang="en-US" altLang="zh-CN" dirty="0" err="1"/>
+                        <a:rPr lang="en-US" altLang="zh-CN" sz="2400" dirty="0" err="1"/>
                         <a:t>zend</a:t>
                       </a:r>
                       <a:r>
-                        <a:rPr lang="en-US" altLang="zh-CN" dirty="0"/>
+                        <a:rPr lang="en-US" altLang="zh-CN" sz="2400" dirty="0"/>
                         <a:t>/</a:t>
                       </a:r>
-                      <a:endParaRPr lang="zh-CN" altLang="en-US" dirty="0"/>
+                      <a:endParaRPr lang="zh-CN" altLang="en-US" sz="2400" dirty="0"/>
                     </a:p>
                   </a:txBody>
                   <a:tcPr anchor="ctr"/>
@@ -8071,11 +8047,11 @@
                     <a:p>
                       <a:pPr algn="l"/>
                       <a:r>
-                        <a:rPr lang="en-US" altLang="zh-CN" dirty="0"/>
+                        <a:rPr lang="en-US" altLang="zh-CN" sz="2400" dirty="0"/>
                         <a:t>PHP</a:t>
                       </a:r>
                       <a:r>
-                        <a:rPr lang="zh-CN" altLang="en-US" dirty="0"/>
+                        <a:rPr lang="zh-CN" altLang="en-US" sz="2400" dirty="0"/>
                         <a:t>引擎实现</a:t>
                       </a:r>
                     </a:p>
@@ -8096,14 +8072,14 @@
                     <a:p>
                       <a:pPr algn="ctr"/>
                       <a:r>
-                        <a:rPr lang="en-US" altLang="zh-CN" dirty="0" err="1"/>
+                        <a:rPr lang="en-US" altLang="zh-CN" sz="2400" dirty="0" err="1"/>
                         <a:t>sapi</a:t>
                       </a:r>
                       <a:r>
-                        <a:rPr lang="en-US" altLang="zh-CN" dirty="0"/>
+                        <a:rPr lang="en-US" altLang="zh-CN" sz="2400" dirty="0"/>
                         <a:t>/</a:t>
                       </a:r>
-                      <a:endParaRPr lang="zh-CN" altLang="en-US" dirty="0"/>
+                      <a:endParaRPr lang="zh-CN" altLang="en-US" sz="2400" dirty="0"/>
                     </a:p>
                   </a:txBody>
                   <a:tcPr anchor="ctr"/>
@@ -8115,31 +8091,31 @@
                     <a:p>
                       <a:pPr algn="l"/>
                       <a:r>
-                        <a:rPr lang="zh-CN" altLang="en-US" dirty="0"/>
+                        <a:rPr lang="zh-CN" altLang="en-US" sz="2400" dirty="0"/>
                         <a:t>服务编程接口，程序由此开始执行，提供了</a:t>
                       </a:r>
                       <a:r>
-                        <a:rPr lang="en-US" altLang="zh-CN" dirty="0" err="1"/>
+                        <a:rPr lang="en-US" altLang="zh-CN" sz="2400" dirty="0" err="1"/>
                         <a:t>cgi</a:t>
                       </a:r>
                       <a:r>
-                        <a:rPr lang="zh-CN" altLang="en-US" dirty="0"/>
+                        <a:rPr lang="zh-CN" altLang="en-US" sz="2400" dirty="0"/>
                         <a:t>，</a:t>
                       </a:r>
                       <a:r>
-                        <a:rPr lang="en-US" altLang="zh-CN" dirty="0"/>
+                        <a:rPr lang="en-US" altLang="zh-CN" sz="2400" dirty="0"/>
                         <a:t>cli</a:t>
                       </a:r>
                       <a:r>
-                        <a:rPr lang="zh-CN" altLang="en-US" dirty="0"/>
+                        <a:rPr lang="zh-CN" altLang="en-US" sz="2400" dirty="0"/>
                         <a:t>，</a:t>
                       </a:r>
                       <a:r>
-                        <a:rPr lang="en-US" altLang="zh-CN" dirty="0"/>
+                        <a:rPr lang="en-US" altLang="zh-CN" sz="2400" dirty="0"/>
                         <a:t>fpm</a:t>
                       </a:r>
                       <a:r>
-                        <a:rPr lang="zh-CN" altLang="en-US" dirty="0"/>
+                        <a:rPr lang="zh-CN" altLang="en-US" sz="2400" dirty="0"/>
                         <a:t>等入口方式</a:t>
                       </a:r>
                     </a:p>
@@ -8176,10 +8152,10 @@
                         <a:defRPr/>
                       </a:pPr>
                       <a:r>
-                        <a:rPr lang="en-US" altLang="zh-CN" dirty="0"/>
+                        <a:rPr lang="en-US" altLang="zh-CN" sz="2400" dirty="0"/>
                         <a:t>configure</a:t>
                       </a:r>
-                      <a:endParaRPr lang="zh-CN" altLang="en-US" dirty="0"/>
+                      <a:endParaRPr lang="zh-CN" altLang="en-US" sz="2400" dirty="0"/>
                     </a:p>
                   </a:txBody>
                   <a:tcPr anchor="ctr"/>
@@ -8191,15 +8167,15 @@
                     <a:p>
                       <a:pPr algn="l"/>
                       <a:r>
-                        <a:rPr lang="zh-CN" altLang="en-US" dirty="0"/>
+                        <a:rPr lang="zh-CN" altLang="en-US" sz="2400" dirty="0"/>
                         <a:t>配置文件，用于编译初始化，并生成</a:t>
                       </a:r>
                       <a:r>
-                        <a:rPr lang="en-US" altLang="zh-CN" dirty="0" err="1"/>
+                        <a:rPr lang="en-US" altLang="zh-CN" sz="2400" dirty="0" err="1"/>
                         <a:t>makefile</a:t>
                       </a:r>
                       <a:r>
-                        <a:rPr lang="zh-CN" altLang="en-US" dirty="0"/>
+                        <a:rPr lang="zh-CN" altLang="en-US" sz="2400" dirty="0"/>
                         <a:t>文件</a:t>
                       </a:r>
                     </a:p>
@@ -8303,137 +8279,137 @@
           <a:lstStyle/>
           <a:p>
             <a:r>
-              <a:rPr lang="en-US" altLang="zh-CN" sz="2000" dirty="0"/>
+              <a:rPr lang="en-US" altLang="zh-CN" sz="2400" dirty="0"/>
               <a:t>Ubuntu 16.04</a:t>
             </a:r>
           </a:p>
           <a:p>
             <a:r>
-              <a:rPr lang="zh-CN" altLang="en-US" sz="2000" dirty="0"/>
+              <a:rPr lang="zh-CN" altLang="en-US" sz="2400" dirty="0"/>
               <a:t>编译软件：</a:t>
             </a:r>
             <a:r>
-              <a:rPr lang="en-US" altLang="zh-CN" sz="2000" dirty="0" err="1"/>
+              <a:rPr lang="en-US" altLang="zh-CN" sz="2400" dirty="0" err="1"/>
               <a:t>gcc</a:t>
             </a:r>
-            <a:endParaRPr lang="en-US" altLang="zh-CN" sz="2000" dirty="0"/>
-          </a:p>
-          <a:p>
-            <a:r>
-              <a:rPr lang="zh-CN" altLang="en-US" sz="2000" dirty="0"/>
+            <a:endParaRPr lang="en-US" altLang="zh-CN" sz="2400" dirty="0"/>
+          </a:p>
+          <a:p>
+            <a:r>
+              <a:rPr lang="zh-CN" altLang="en-US" sz="2400" dirty="0"/>
               <a:t>其他软件：</a:t>
             </a:r>
             <a:r>
-              <a:rPr lang="en-US" altLang="zh-CN" sz="2000" dirty="0"/>
+              <a:rPr lang="en-US" altLang="zh-CN" sz="2400" dirty="0"/>
               <a:t>make </a:t>
             </a:r>
             <a:r>
-              <a:rPr lang="zh-CN" altLang="en-US" sz="2000" dirty="0"/>
+              <a:rPr lang="zh-CN" altLang="en-US" sz="2400" dirty="0"/>
               <a:t>， </a:t>
             </a:r>
             <a:r>
-              <a:rPr lang="en-US" altLang="zh-CN" sz="2000" dirty="0" err="1"/>
+              <a:rPr lang="en-US" altLang="zh-CN" sz="2400" dirty="0" err="1"/>
               <a:t>autoconf</a:t>
             </a:r>
             <a:r>
-              <a:rPr lang="en-US" altLang="zh-CN" sz="2000" dirty="0"/>
+              <a:rPr lang="en-US" altLang="zh-CN" sz="2400" dirty="0"/>
               <a:t> </a:t>
             </a:r>
             <a:r>
-              <a:rPr lang="zh-CN" altLang="en-US" sz="2000" dirty="0"/>
+              <a:rPr lang="zh-CN" altLang="en-US" sz="2400" dirty="0"/>
               <a:t>，</a:t>
             </a:r>
             <a:r>
-              <a:rPr lang="en-US" altLang="zh-CN" sz="2000" dirty="0" err="1"/>
+              <a:rPr lang="en-US" altLang="zh-CN" sz="2400" dirty="0" err="1"/>
               <a:t>pkg</a:t>
             </a:r>
             <a:r>
-              <a:rPr lang="en-US" altLang="zh-CN" sz="2000" dirty="0"/>
+              <a:rPr lang="en-US" altLang="zh-CN" sz="2400" dirty="0"/>
               <a:t>-config</a:t>
             </a:r>
           </a:p>
           <a:p>
             <a:r>
-              <a:rPr lang="zh-CN" altLang="en-US" sz="2000" dirty="0"/>
+              <a:rPr lang="zh-CN" altLang="en-US" sz="2400" dirty="0"/>
               <a:t>安装依赖软件：</a:t>
             </a:r>
-            <a:endParaRPr lang="en-US" altLang="zh-CN" sz="2000" dirty="0"/>
+            <a:endParaRPr lang="en-US" altLang="zh-CN" sz="2400" dirty="0"/>
           </a:p>
           <a:p>
             <a:pPr lvl="1"/>
             <a:r>
-              <a:rPr lang="en-US" altLang="zh-CN" sz="1600" dirty="0"/>
+              <a:rPr lang="en-US" altLang="zh-CN" dirty="0"/>
               <a:t>Ubuntu : </a:t>
             </a:r>
             <a:r>
-              <a:rPr lang="en-US" altLang="zh-CN" sz="1600" dirty="0" err="1"/>
+              <a:rPr lang="en-US" altLang="zh-CN" dirty="0" err="1"/>
               <a:t>sudo</a:t>
             </a:r>
             <a:r>
-              <a:rPr lang="en-US" altLang="zh-CN" sz="1600" dirty="0"/>
+              <a:rPr lang="en-US" altLang="zh-CN" dirty="0"/>
               <a:t> apt-get install </a:t>
             </a:r>
             <a:r>
-              <a:rPr lang="en-US" altLang="zh-CN" sz="1600" dirty="0" err="1"/>
+              <a:rPr lang="en-US" altLang="zh-CN" dirty="0" err="1"/>
               <a:t>gcc</a:t>
             </a:r>
             <a:r>
-              <a:rPr lang="en-US" altLang="zh-CN" sz="1600" dirty="0"/>
+              <a:rPr lang="en-US" altLang="zh-CN" dirty="0"/>
               <a:t> make </a:t>
             </a:r>
             <a:r>
-              <a:rPr lang="en-US" altLang="zh-CN" sz="1600" dirty="0" err="1"/>
+              <a:rPr lang="en-US" altLang="zh-CN" dirty="0" err="1"/>
               <a:t>autoconf</a:t>
             </a:r>
             <a:r>
-              <a:rPr lang="en-US" altLang="zh-CN" sz="1600" dirty="0"/>
+              <a:rPr lang="en-US" altLang="zh-CN" dirty="0"/>
               <a:t> </a:t>
             </a:r>
             <a:r>
-              <a:rPr lang="en-US" altLang="zh-CN" sz="1600" dirty="0" err="1"/>
+              <a:rPr lang="en-US" altLang="zh-CN" dirty="0" err="1"/>
               <a:t>pkg</a:t>
             </a:r>
             <a:r>
-              <a:rPr lang="en-US" altLang="zh-CN" sz="1600" dirty="0"/>
+              <a:rPr lang="en-US" altLang="zh-CN" dirty="0"/>
               <a:t>-config</a:t>
             </a:r>
           </a:p>
           <a:p>
             <a:pPr lvl="1"/>
             <a:r>
-              <a:rPr lang="en-US" altLang="zh-CN" sz="1600" dirty="0"/>
+              <a:rPr lang="en-US" altLang="zh-CN" dirty="0"/>
               <a:t>CentOS : </a:t>
             </a:r>
             <a:r>
-              <a:rPr lang="en-US" altLang="zh-CN" sz="1600" dirty="0" err="1"/>
+              <a:rPr lang="en-US" altLang="zh-CN" dirty="0" err="1"/>
               <a:t>sudo</a:t>
             </a:r>
             <a:r>
-              <a:rPr lang="en-US" altLang="zh-CN" sz="1600" dirty="0"/>
+              <a:rPr lang="en-US" altLang="zh-CN" dirty="0"/>
               <a:t> yum install </a:t>
             </a:r>
             <a:r>
-              <a:rPr lang="en-US" altLang="zh-CN" sz="1600" dirty="0" err="1"/>
+              <a:rPr lang="en-US" altLang="zh-CN" dirty="0" err="1"/>
               <a:t>gcc</a:t>
             </a:r>
             <a:r>
-              <a:rPr lang="en-US" altLang="zh-CN" sz="1600" dirty="0"/>
+              <a:rPr lang="en-US" altLang="zh-CN" dirty="0"/>
               <a:t> make </a:t>
             </a:r>
             <a:r>
-              <a:rPr lang="en-US" altLang="zh-CN" sz="1600" dirty="0" err="1"/>
+              <a:rPr lang="en-US" altLang="zh-CN" dirty="0" err="1"/>
               <a:t>autoconf</a:t>
             </a:r>
             <a:r>
-              <a:rPr lang="en-US" altLang="zh-CN" sz="1600" dirty="0"/>
+              <a:rPr lang="en-US" altLang="zh-CN" dirty="0"/>
               <a:t> </a:t>
             </a:r>
             <a:r>
-              <a:rPr lang="en-US" altLang="zh-CN" sz="1600" dirty="0" err="1"/>
+              <a:rPr lang="en-US" altLang="zh-CN" dirty="0" err="1"/>
               <a:t>pkg</a:t>
             </a:r>
             <a:r>
-              <a:rPr lang="en-US" altLang="zh-CN" sz="1600" dirty="0"/>
+              <a:rPr lang="en-US" altLang="zh-CN" dirty="0"/>
               <a:t>-config</a:t>
             </a:r>
           </a:p>
@@ -8530,149 +8506,149 @@
           <a:lstStyle/>
           <a:p>
             <a:r>
-              <a:rPr lang="zh-CN" altLang="en-US" sz="2000" dirty="0"/>
+              <a:rPr lang="zh-CN" altLang="en-US" sz="2400" dirty="0"/>
               <a:t>可以使用</a:t>
             </a:r>
             <a:r>
-              <a:rPr lang="en-US" altLang="zh-CN" sz="2000" dirty="0"/>
+              <a:rPr lang="en-US" altLang="zh-CN" sz="2400" dirty="0"/>
               <a:t>Vim</a:t>
             </a:r>
             <a:r>
-              <a:rPr lang="zh-CN" altLang="en-US" sz="2000" dirty="0"/>
+              <a:rPr lang="zh-CN" altLang="en-US" sz="2400" dirty="0"/>
               <a:t>打开</a:t>
             </a:r>
             <a:r>
-              <a:rPr lang="en-US" altLang="zh-CN" sz="2000" dirty="0"/>
+              <a:rPr lang="en-US" altLang="zh-CN" sz="2400" dirty="0"/>
               <a:t>configure</a:t>
             </a:r>
             <a:r>
-              <a:rPr lang="zh-CN" altLang="en-US" sz="2000" dirty="0"/>
+              <a:rPr lang="zh-CN" altLang="en-US" sz="2400" dirty="0"/>
               <a:t>文件，此文件是具有可执行权限的</a:t>
             </a:r>
             <a:r>
-              <a:rPr lang="en-US" altLang="zh-CN" sz="2000" dirty="0"/>
+              <a:rPr lang="en-US" altLang="zh-CN" sz="2400" dirty="0"/>
               <a:t>shell</a:t>
             </a:r>
             <a:r>
-              <a:rPr lang="zh-CN" altLang="en-US" sz="2000" dirty="0"/>
+              <a:rPr lang="zh-CN" altLang="en-US" sz="2400" dirty="0"/>
               <a:t>脚本</a:t>
             </a:r>
-            <a:endParaRPr lang="en-US" altLang="zh-CN" sz="2000" dirty="0"/>
-          </a:p>
-          <a:p>
-            <a:r>
-              <a:rPr lang="en-US" altLang="zh-CN" sz="2000" dirty="0"/>
+            <a:endParaRPr lang="en-US" altLang="zh-CN" sz="2400" dirty="0"/>
+          </a:p>
+          <a:p>
+            <a:r>
+              <a:rPr lang="en-US" altLang="zh-CN" sz="2400" dirty="0"/>
               <a:t>configure</a:t>
             </a:r>
             <a:r>
-              <a:rPr lang="zh-CN" altLang="en-US" sz="2000" dirty="0"/>
+              <a:rPr lang="zh-CN" altLang="en-US" sz="2400" dirty="0"/>
               <a:t>文件是编译</a:t>
             </a:r>
             <a:r>
-              <a:rPr lang="en-US" altLang="zh-CN" sz="2000" dirty="0"/>
+              <a:rPr lang="en-US" altLang="zh-CN" sz="2400" dirty="0"/>
               <a:t>PHP</a:t>
             </a:r>
             <a:r>
-              <a:rPr lang="zh-CN" altLang="en-US" sz="2000" dirty="0"/>
+              <a:rPr lang="zh-CN" altLang="en-US" sz="2400" dirty="0"/>
               <a:t>的初始化配置脚本</a:t>
             </a:r>
-            <a:endParaRPr lang="en-US" altLang="zh-CN" sz="2000" dirty="0"/>
+            <a:endParaRPr lang="en-US" altLang="zh-CN" sz="2400" dirty="0"/>
           </a:p>
           <a:p>
             <a:pPr lvl="1"/>
             <a:r>
-              <a:rPr lang="zh-CN" altLang="en-US" sz="1600" dirty="0"/>
+              <a:rPr lang="zh-CN" altLang="en-US" dirty="0"/>
               <a:t>配置编译参数</a:t>
             </a:r>
-            <a:endParaRPr lang="en-US" altLang="zh-CN" sz="1600" dirty="0"/>
+            <a:endParaRPr lang="en-US" altLang="zh-CN" dirty="0"/>
           </a:p>
           <a:p>
             <a:pPr lvl="1"/>
             <a:r>
-              <a:rPr lang="zh-CN" altLang="en-US" sz="1600" dirty="0"/>
+              <a:rPr lang="zh-CN" altLang="en-US" dirty="0"/>
               <a:t>编译环境检测</a:t>
             </a:r>
-            <a:endParaRPr lang="en-US" altLang="zh-CN" sz="1600" dirty="0"/>
+            <a:endParaRPr lang="en-US" altLang="zh-CN" dirty="0"/>
           </a:p>
           <a:p>
             <a:pPr lvl="1"/>
             <a:r>
-              <a:rPr lang="zh-CN" altLang="en-US" sz="1600" dirty="0"/>
+              <a:rPr lang="zh-CN" altLang="en-US" dirty="0"/>
               <a:t>生成</a:t>
             </a:r>
             <a:r>
-              <a:rPr lang="en-US" altLang="zh-CN" sz="1600" dirty="0" err="1"/>
+              <a:rPr lang="en-US" altLang="zh-CN" dirty="0" err="1"/>
               <a:t>makefile</a:t>
             </a:r>
             <a:r>
-              <a:rPr lang="zh-CN" altLang="en-US" sz="1600" dirty="0"/>
+              <a:rPr lang="zh-CN" altLang="en-US" dirty="0"/>
               <a:t>文件</a:t>
             </a:r>
-            <a:endParaRPr lang="en-US" altLang="zh-CN" sz="1600" dirty="0"/>
-          </a:p>
-          <a:p>
-            <a:r>
-              <a:rPr lang="zh-CN" altLang="en-US" sz="2000" dirty="0"/>
+            <a:endParaRPr lang="en-US" altLang="zh-CN" dirty="0"/>
+          </a:p>
+          <a:p>
+            <a:r>
+              <a:rPr lang="zh-CN" altLang="en-US" sz="2400" dirty="0"/>
               <a:t>使用：</a:t>
             </a:r>
-            <a:endParaRPr lang="en-US" altLang="zh-CN" sz="2000" dirty="0"/>
+            <a:endParaRPr lang="en-US" altLang="zh-CN" sz="2400" dirty="0"/>
           </a:p>
           <a:p>
             <a:pPr lvl="1"/>
             <a:r>
-              <a:rPr lang="zh-CN" altLang="en-US" sz="1600" dirty="0"/>
+              <a:rPr lang="zh-CN" altLang="en-US" dirty="0"/>
               <a:t>在命令终端切换</a:t>
             </a:r>
             <a:r>
-              <a:rPr lang="en-US" altLang="zh-CN" sz="1600" dirty="0"/>
+              <a:rPr lang="en-US" altLang="zh-CN" dirty="0"/>
               <a:t>PHP</a:t>
             </a:r>
             <a:r>
-              <a:rPr lang="zh-CN" altLang="en-US" sz="1600" dirty="0"/>
+              <a:rPr lang="zh-CN" altLang="en-US" dirty="0"/>
               <a:t>源代码目录，运行 </a:t>
             </a:r>
             <a:r>
-              <a:rPr lang="en-US" altLang="zh-CN" sz="1600" dirty="0"/>
+              <a:rPr lang="en-US" altLang="zh-CN" dirty="0"/>
               <a:t>./configure –help</a:t>
             </a:r>
             <a:r>
-              <a:rPr lang="zh-CN" altLang="en-US" sz="1600" dirty="0"/>
+              <a:rPr lang="zh-CN" altLang="en-US" dirty="0"/>
               <a:t>可以查看配置参数以及解释</a:t>
             </a:r>
-            <a:endParaRPr lang="en-US" altLang="zh-CN" sz="1600" dirty="0"/>
+            <a:endParaRPr lang="en-US" altLang="zh-CN" dirty="0"/>
           </a:p>
           <a:p>
             <a:pPr lvl="1"/>
             <a:r>
-              <a:rPr lang="zh-CN" altLang="en-US" sz="1600" dirty="0"/>
+              <a:rPr lang="zh-CN" altLang="en-US" dirty="0"/>
               <a:t>使用 </a:t>
             </a:r>
             <a:r>
-              <a:rPr lang="en-US" altLang="zh-CN" sz="1600" dirty="0"/>
+              <a:rPr lang="en-US" altLang="zh-CN" dirty="0"/>
               <a:t>./configure –prefix=/</a:t>
             </a:r>
             <a:r>
-              <a:rPr lang="en-US" altLang="zh-CN" sz="1600" dirty="0" err="1"/>
+              <a:rPr lang="en-US" altLang="zh-CN" dirty="0" err="1"/>
               <a:t>usr</a:t>
             </a:r>
             <a:r>
-              <a:rPr lang="en-US" altLang="zh-CN" sz="1600" dirty="0"/>
+              <a:rPr lang="en-US" altLang="zh-CN" dirty="0"/>
               <a:t>/local/</a:t>
             </a:r>
             <a:r>
-              <a:rPr lang="en-US" altLang="zh-CN" sz="1600" dirty="0" err="1"/>
+              <a:rPr lang="en-US" altLang="zh-CN" dirty="0" err="1"/>
               <a:t>php</a:t>
             </a:r>
             <a:r>
-              <a:rPr lang="en-US" altLang="zh-CN" sz="1600" dirty="0"/>
+              <a:rPr lang="en-US" altLang="zh-CN" dirty="0"/>
               <a:t> –enable-</a:t>
             </a:r>
             <a:r>
-              <a:rPr lang="en-US" altLang="zh-CN" sz="1600" dirty="0" err="1"/>
+              <a:rPr lang="en-US" altLang="zh-CN" dirty="0" err="1"/>
               <a:t>mysqlnd</a:t>
             </a:r>
             <a:r>
-              <a:rPr lang="en-US" altLang="zh-CN" sz="1600" dirty="0"/>
+              <a:rPr lang="en-US" altLang="zh-CN" dirty="0"/>
               <a:t> –enable-fpm ……</a:t>
             </a:r>
           </a:p>
@@ -8680,7 +8656,7 @@
             <a:pPr marL="0" indent="0">
               <a:buNone/>
             </a:pPr>
-            <a:endParaRPr lang="en-US" altLang="zh-CN" sz="2000" dirty="0"/>
+            <a:endParaRPr lang="en-US" altLang="zh-CN" sz="2400" dirty="0"/>
           </a:p>
         </p:txBody>
       </p:sp>

--- a/materials/slides/ch02-complie-php-source-code.pptx
+++ b/materials/slides/ch02-complie-php-source-code.pptx
@@ -233,7 +233,7 @@
           <a:p>
             <a:fld id="{E923E828-953C-4D4A-9B10-11E7329F433D}" type="datetimeFigureOut">
               <a:rPr lang="zh-CN" altLang="en-US" smtClean="0"/>
-              <a:t>2018/3/5</a:t>
+              <a:t>2018/3/6</a:t>
             </a:fld>
             <a:endParaRPr lang="zh-CN" altLang="en-US"/>
           </a:p>
@@ -414,7 +414,7 @@
           <a:p>
             <a:fld id="{867C5346-22E5-4085-8130-851344A84DFF}" type="datetimeFigureOut">
               <a:rPr lang="zh-CN" altLang="en-US" smtClean="0"/>
-              <a:t>2018/3/5</a:t>
+              <a:t>2018/3/6</a:t>
             </a:fld>
             <a:endParaRPr lang="zh-CN" altLang="en-US"/>
           </a:p>
@@ -840,7 +840,7 @@
           <a:p>
             <a:fld id="{A5E21016-498F-4141-B0CA-D95A38CA7D62}" type="datetimeFigureOut">
               <a:rPr lang="zh-CN" altLang="en-US" smtClean="0"/>
-              <a:t>2018/3/5</a:t>
+              <a:t>2018/3/6</a:t>
             </a:fld>
             <a:endParaRPr lang="zh-CN" altLang="en-US"/>
           </a:p>
@@ -1070,7 +1070,7 @@
           <a:p>
             <a:fld id="{A5E21016-498F-4141-B0CA-D95A38CA7D62}" type="datetimeFigureOut">
               <a:rPr lang="zh-CN" altLang="en-US" smtClean="0"/>
-              <a:t>2018/3/5</a:t>
+              <a:t>2018/3/6</a:t>
             </a:fld>
             <a:endParaRPr lang="zh-CN" altLang="en-US"/>
           </a:p>
@@ -1305,7 +1305,7 @@
           <a:p>
             <a:fld id="{A5E21016-498F-4141-B0CA-D95A38CA7D62}" type="datetimeFigureOut">
               <a:rPr lang="zh-CN" altLang="en-US" smtClean="0"/>
-              <a:t>2018/3/5</a:t>
+              <a:t>2018/3/6</a:t>
             </a:fld>
             <a:endParaRPr lang="zh-CN" altLang="en-US"/>
           </a:p>
@@ -1867,7 +1867,7 @@
           <a:p>
             <a:fld id="{A5E21016-498F-4141-B0CA-D95A38CA7D62}" type="datetimeFigureOut">
               <a:rPr lang="zh-CN" altLang="en-US" smtClean="0"/>
-              <a:t>2018/3/5</a:t>
+              <a:t>2018/3/6</a:t>
             </a:fld>
             <a:endParaRPr lang="zh-CN" altLang="en-US"/>
           </a:p>
@@ -2164,7 +2164,7 @@
           <a:p>
             <a:fld id="{A5E21016-498F-4141-B0CA-D95A38CA7D62}" type="datetimeFigureOut">
               <a:rPr lang="zh-CN" altLang="en-US" smtClean="0"/>
-              <a:t>2018/3/5</a:t>
+              <a:t>2018/3/6</a:t>
             </a:fld>
             <a:endParaRPr lang="zh-CN" altLang="en-US"/>
           </a:p>
@@ -2603,7 +2603,7 @@
           <a:p>
             <a:fld id="{A5E21016-498F-4141-B0CA-D95A38CA7D62}" type="datetimeFigureOut">
               <a:rPr lang="zh-CN" altLang="en-US" smtClean="0"/>
-              <a:t>2018/3/5</a:t>
+              <a:t>2018/3/6</a:t>
             </a:fld>
             <a:endParaRPr lang="zh-CN" altLang="en-US"/>
           </a:p>
@@ -2776,7 +2776,7 @@
           <a:p>
             <a:fld id="{A5E21016-498F-4141-B0CA-D95A38CA7D62}" type="datetimeFigureOut">
               <a:rPr lang="zh-CN" altLang="en-US" smtClean="0"/>
-              <a:t>2018/3/5</a:t>
+              <a:t>2018/3/6</a:t>
             </a:fld>
             <a:endParaRPr lang="zh-CN" altLang="en-US"/>
           </a:p>
@@ -2913,7 +2913,7 @@
           <a:p>
             <a:fld id="{A5E21016-498F-4141-B0CA-D95A38CA7D62}" type="datetimeFigureOut">
               <a:rPr lang="zh-CN" altLang="en-US" smtClean="0"/>
-              <a:t>2018/3/5</a:t>
+              <a:t>2018/3/6</a:t>
             </a:fld>
             <a:endParaRPr lang="zh-CN" altLang="en-US"/>
           </a:p>
@@ -3251,7 +3251,7 @@
           <a:p>
             <a:fld id="{A5E21016-498F-4141-B0CA-D95A38CA7D62}" type="datetimeFigureOut">
               <a:rPr lang="zh-CN" altLang="en-US" smtClean="0"/>
-              <a:t>2018/3/5</a:t>
+              <a:t>2018/3/6</a:t>
             </a:fld>
             <a:endParaRPr lang="zh-CN" altLang="en-US"/>
           </a:p>
@@ -3566,7 +3566,7 @@
           <a:p>
             <a:fld id="{A5E21016-498F-4141-B0CA-D95A38CA7D62}" type="datetimeFigureOut">
               <a:rPr lang="zh-CN" altLang="en-US" smtClean="0"/>
-              <a:t>2018/3/5</a:t>
+              <a:t>2018/3/6</a:t>
             </a:fld>
             <a:endParaRPr lang="zh-CN" altLang="en-US"/>
           </a:p>
@@ -5417,7 +5417,7 @@
             </a:r>
             <a:r>
               <a:rPr lang="en-US" altLang="zh-CN" sz="2400" dirty="0"/>
-              <a:t>/php-7112</a:t>
+              <a:t>/php7115</a:t>
             </a:r>
             <a:r>
               <a:rPr lang="zh-CN" altLang="en-US" sz="2400" dirty="0"/>
@@ -5433,7 +5433,7 @@
             </a:r>
             <a:r>
               <a:rPr lang="en-US" altLang="zh-CN" sz="2400" dirty="0"/>
-              <a:t>php-7112</a:t>
+              <a:t>php7115</a:t>
             </a:r>
             <a:r>
               <a:rPr lang="zh-CN" altLang="en-US" sz="2400" dirty="0"/>
@@ -5449,11 +5449,11 @@
             </a:r>
             <a:r>
               <a:rPr lang="en-US" altLang="zh-CN" sz="2400" dirty="0"/>
-              <a:t>7.1.12</a:t>
+              <a:t>7.1.15</a:t>
             </a:r>
             <a:r>
               <a:rPr lang="zh-CN" altLang="en-US" sz="2400" dirty="0"/>
-              <a:t>，以后编译新的版本可以使用</a:t>
+              <a:t>，以后编译新的版本目录可以使用</a:t>
             </a:r>
             <a:r>
               <a:rPr lang="en-US" altLang="zh-CN" sz="2400" dirty="0" err="1"/>
@@ -5461,7 +5461,7 @@
             </a:r>
             <a:r>
               <a:rPr lang="en-US" altLang="zh-CN" sz="2400" dirty="0"/>
-              <a:t>-[</a:t>
+              <a:t>[</a:t>
             </a:r>
             <a:r>
               <a:rPr lang="zh-CN" altLang="en-US" sz="2400" dirty="0"/>
@@ -5473,7 +5473,7 @@
             </a:r>
             <a:r>
               <a:rPr lang="zh-CN" altLang="en-US" sz="2400" dirty="0"/>
-              <a:t>的形式，互相不冲突。</a:t>
+              <a:t> 的形式，互相不冲突。</a:t>
             </a:r>
             <a:endParaRPr lang="en-US" altLang="zh-CN" sz="2400" dirty="0"/>
           </a:p>
@@ -5638,7 +5638,7 @@
             </a:r>
             <a:r>
               <a:rPr lang="en-US" altLang="zh-CN" dirty="0"/>
-              <a:t>/php-721 --enable-</a:t>
+              <a:t>/php7115 --enable-</a:t>
             </a:r>
             <a:r>
               <a:rPr lang="en-US" altLang="zh-CN" dirty="0" err="1"/>
@@ -5670,7 +5670,7 @@
             </a:r>
             <a:r>
               <a:rPr lang="en-US" altLang="zh-CN" dirty="0"/>
-              <a:t> --enable-soap --enable-sockets --enable-static --enable-</a:t>
+              <a:t> --enable-sockets --enable-</a:t>
             </a:r>
             <a:r>
               <a:rPr lang="en-US" altLang="zh-CN" dirty="0" err="1"/>
@@ -5694,7 +5694,7 @@
             </a:r>
             <a:r>
               <a:rPr lang="en-US" altLang="zh-CN" dirty="0"/>
-              <a:t> --enable-zip </a:t>
+              <a:t> --enable-zip</a:t>
             </a:r>
           </a:p>
           <a:p>
@@ -5718,7 +5718,7 @@
             </a:r>
             <a:r>
               <a:rPr lang="en-US" altLang="zh-CN" sz="2400" dirty="0"/>
-              <a:t>/php-721</a:t>
+              <a:t>/php7115</a:t>
             </a:r>
             <a:r>
               <a:rPr lang="zh-CN" altLang="en-US" sz="2400" dirty="0"/>
@@ -6180,11 +6180,11 @@
             </a:r>
             <a:r>
               <a:rPr lang="zh-CN" altLang="en-US" dirty="0"/>
-              <a:t>扩展</a:t>
+              <a:t>扩展示例：</a:t>
             </a:r>
             <a:r>
               <a:rPr lang="en-US" altLang="zh-CN" dirty="0" err="1"/>
-              <a:t>pdo</a:t>
+              <a:t>pdo_mysql</a:t>
             </a:r>
             <a:endParaRPr lang="zh-CN" altLang="en-US" dirty="0"/>
           </a:p>
@@ -6214,8 +6214,28 @@
           <a:lstStyle/>
           <a:p>
             <a:r>
+              <a:rPr lang="en-US" altLang="zh-CN" sz="2400" dirty="0"/>
+              <a:t>PHP</a:t>
+            </a:r>
+            <a:r>
               <a:rPr lang="zh-CN" altLang="en-US" sz="2400" dirty="0"/>
-              <a:t>依次运行：</a:t>
+              <a:t>源代码目录切换到</a:t>
+            </a:r>
+            <a:r>
+              <a:rPr lang="en-US" altLang="zh-CN" sz="2400" dirty="0" err="1"/>
+              <a:t>ext</a:t>
+            </a:r>
+            <a:r>
+              <a:rPr lang="en-US" altLang="zh-CN" sz="2400" dirty="0"/>
+              <a:t>/</a:t>
+            </a:r>
+            <a:r>
+              <a:rPr lang="en-US" altLang="zh-CN" sz="2400" dirty="0" err="1"/>
+              <a:t>pdo_mysql</a:t>
+            </a:r>
+            <a:r>
+              <a:rPr lang="zh-CN" altLang="en-US" sz="2400" dirty="0"/>
+              <a:t>目录，依次运行：</a:t>
             </a:r>
             <a:endParaRPr lang="en-US" altLang="zh-CN" sz="2400" dirty="0"/>
           </a:p>
@@ -6224,22 +6244,22 @@
               <a:buNone/>
             </a:pPr>
             <a:r>
-              <a:rPr lang="en-US" altLang="zh-CN" dirty="0"/>
+              <a:rPr lang="en-US" altLang="zh-CN" sz="2000" i="1" dirty="0"/>
               <a:t>//</a:t>
             </a:r>
             <a:r>
-              <a:rPr lang="zh-CN" altLang="en-US" dirty="0"/>
+              <a:rPr lang="zh-CN" altLang="en-US" sz="2000" i="1" dirty="0"/>
               <a:t>生成</a:t>
             </a:r>
             <a:r>
-              <a:rPr lang="en-US" altLang="zh-CN" dirty="0"/>
+              <a:rPr lang="en-US" altLang="zh-CN" sz="2000" i="1" dirty="0"/>
               <a:t>configure</a:t>
             </a:r>
             <a:r>
-              <a:rPr lang="zh-CN" altLang="en-US" dirty="0"/>
+              <a:rPr lang="zh-CN" altLang="en-US" sz="2000" i="1" dirty="0"/>
               <a:t>文件</a:t>
             </a:r>
-            <a:endParaRPr lang="en-US" altLang="zh-CN" dirty="0"/>
+            <a:endParaRPr lang="en-US" altLang="zh-CN" sz="2000" i="1" dirty="0"/>
           </a:p>
           <a:p>
             <a:pPr marL="457200" lvl="1" indent="0">
@@ -6305,22 +6325,22 @@
               <a:buNone/>
             </a:pPr>
             <a:r>
-              <a:rPr lang="en-US" altLang="zh-CN" dirty="0"/>
+              <a:rPr lang="en-US" altLang="zh-CN" sz="2000" i="1" dirty="0"/>
               <a:t>//</a:t>
             </a:r>
             <a:r>
-              <a:rPr lang="zh-CN" altLang="en-US" dirty="0"/>
+              <a:rPr lang="zh-CN" altLang="en-US" sz="2000" i="1" dirty="0"/>
               <a:t>根据</a:t>
             </a:r>
             <a:r>
-              <a:rPr lang="en-US" altLang="zh-CN" dirty="0" err="1"/>
+              <a:rPr lang="en-US" altLang="zh-CN" sz="2000" i="1" dirty="0" err="1"/>
               <a:t>Makefile</a:t>
             </a:r>
             <a:r>
-              <a:rPr lang="zh-CN" altLang="en-US" dirty="0"/>
+              <a:rPr lang="zh-CN" altLang="en-US" sz="2000" i="1" dirty="0"/>
               <a:t>文件进行编译</a:t>
             </a:r>
-            <a:endParaRPr lang="en-US" altLang="zh-CN" dirty="0"/>
+            <a:endParaRPr lang="en-US" altLang="zh-CN" sz="2000" i="1" dirty="0"/>
           </a:p>
           <a:p>
             <a:pPr marL="457200" lvl="1" indent="0">
@@ -6342,14 +6362,14 @@
               <a:buNone/>
             </a:pPr>
             <a:r>
-              <a:rPr lang="en-US" altLang="zh-CN" dirty="0"/>
+              <a:rPr lang="en-US" altLang="zh-CN" sz="2000" i="1" dirty="0"/>
               <a:t>//</a:t>
             </a:r>
             <a:r>
-              <a:rPr lang="zh-CN" altLang="en-US" dirty="0"/>
+              <a:rPr lang="zh-CN" altLang="en-US" sz="2000" i="1" dirty="0"/>
               <a:t>安装扩展</a:t>
             </a:r>
-            <a:endParaRPr lang="en-US" altLang="zh-CN" dirty="0"/>
+            <a:endParaRPr lang="en-US" altLang="zh-CN" sz="2000" i="1" dirty="0"/>
           </a:p>
           <a:p>
             <a:pPr marL="457200" lvl="1" indent="0">
@@ -6525,16 +6545,7 @@
               <a:rPr lang="zh-CN" altLang="en-US" sz="2000" i="1" dirty="0"/>
               <a:t>配置示例</a:t>
             </a:r>
-            <a:endParaRPr lang="en-US" altLang="zh-CN" sz="2000" i="1" dirty="0"/>
-          </a:p>
-          <a:p>
-            <a:pPr marL="457200" lvl="1" indent="0">
-              <a:buNone/>
-            </a:pPr>
-            <a:r>
-              <a:rPr lang="en-US" altLang="zh-CN" dirty="0"/>
-              <a:t>extension=pdo.so</a:t>
-            </a:r>
+            <a:endParaRPr lang="en-US" altLang="zh-CN" dirty="0"/>
           </a:p>
           <a:p>
             <a:pPr marL="457200" lvl="1" indent="0">
@@ -7573,15 +7584,15 @@
             </a:r>
             <a:r>
               <a:rPr lang="zh-CN" altLang="en-US" sz="2000" dirty="0"/>
-              <a:t>，对于</a:t>
+              <a:t>，升级</a:t>
             </a:r>
             <a:r>
               <a:rPr lang="en-US" altLang="zh-CN" sz="2000" dirty="0"/>
-              <a:t>PHP7.1+</a:t>
+              <a:t>PHP7.1</a:t>
             </a:r>
             <a:r>
               <a:rPr lang="zh-CN" altLang="en-US" sz="2000" dirty="0"/>
-              <a:t>版本支持还比较弱。</a:t>
+              <a:t>问题也不大。</a:t>
             </a:r>
             <a:endParaRPr lang="en-US" altLang="zh-CN" sz="2000" dirty="0"/>
           </a:p>
@@ -8374,45 +8385,6 @@
               <a:t>-config</a:t>
             </a:r>
           </a:p>
-          <a:p>
-            <a:pPr lvl="1"/>
-            <a:r>
-              <a:rPr lang="en-US" altLang="zh-CN" dirty="0"/>
-              <a:t>CentOS : </a:t>
-            </a:r>
-            <a:r>
-              <a:rPr lang="en-US" altLang="zh-CN" dirty="0" err="1"/>
-              <a:t>sudo</a:t>
-            </a:r>
-            <a:r>
-              <a:rPr lang="en-US" altLang="zh-CN" dirty="0"/>
-              <a:t> yum install </a:t>
-            </a:r>
-            <a:r>
-              <a:rPr lang="en-US" altLang="zh-CN" dirty="0" err="1"/>
-              <a:t>gcc</a:t>
-            </a:r>
-            <a:r>
-              <a:rPr lang="en-US" altLang="zh-CN" dirty="0"/>
-              <a:t> make </a:t>
-            </a:r>
-            <a:r>
-              <a:rPr lang="en-US" altLang="zh-CN" dirty="0" err="1"/>
-              <a:t>autoconf</a:t>
-            </a:r>
-            <a:r>
-              <a:rPr lang="en-US" altLang="zh-CN" dirty="0"/>
-              <a:t> </a:t>
-            </a:r>
-            <a:r>
-              <a:rPr lang="en-US" altLang="zh-CN" dirty="0" err="1"/>
-              <a:t>pkg</a:t>
-            </a:r>
-            <a:r>
-              <a:rPr lang="en-US" altLang="zh-CN" dirty="0"/>
-              <a:t>-config</a:t>
-            </a:r>
-          </a:p>
         </p:txBody>
       </p:sp>
     </p:spTree>
@@ -8595,60 +8567,68 @@
           </a:p>
           <a:p>
             <a:pPr lvl="1"/>
-            <a:r>
-              <a:rPr lang="zh-CN" altLang="en-US" dirty="0"/>
+            <a:endParaRPr lang="en-US" altLang="zh-CN" sz="2000" dirty="0"/>
+          </a:p>
+          <a:p>
+            <a:pPr lvl="1"/>
+            <a:r>
+              <a:rPr lang="zh-CN" altLang="en-US" sz="2000" dirty="0"/>
               <a:t>在命令终端切换</a:t>
             </a:r>
             <a:r>
-              <a:rPr lang="en-US" altLang="zh-CN" dirty="0"/>
+              <a:rPr lang="en-US" altLang="zh-CN" sz="2000" dirty="0"/>
               <a:t>PHP</a:t>
             </a:r>
             <a:r>
-              <a:rPr lang="zh-CN" altLang="en-US" dirty="0"/>
+              <a:rPr lang="zh-CN" altLang="en-US" sz="2000" dirty="0"/>
               <a:t>源代码目录，运行 </a:t>
             </a:r>
             <a:r>
-              <a:rPr lang="en-US" altLang="zh-CN" dirty="0"/>
+              <a:rPr lang="en-US" altLang="zh-CN" sz="2000" dirty="0"/>
               <a:t>./configure –help</a:t>
             </a:r>
             <a:r>
-              <a:rPr lang="zh-CN" altLang="en-US" dirty="0"/>
+              <a:rPr lang="zh-CN" altLang="en-US" sz="2000" dirty="0"/>
               <a:t>可以查看配置参数以及解释</a:t>
             </a:r>
-            <a:endParaRPr lang="en-US" altLang="zh-CN" dirty="0"/>
+            <a:endParaRPr lang="en-US" altLang="zh-CN" sz="2000" dirty="0"/>
           </a:p>
           <a:p>
             <a:pPr lvl="1"/>
-            <a:r>
-              <a:rPr lang="zh-CN" altLang="en-US" dirty="0"/>
+            <a:endParaRPr lang="en-US" altLang="zh-CN" sz="2000" dirty="0"/>
+          </a:p>
+          <a:p>
+            <a:pPr lvl="1"/>
+            <a:r>
+              <a:rPr lang="zh-CN" altLang="en-US" sz="2000" dirty="0"/>
               <a:t>使用 </a:t>
             </a:r>
             <a:r>
-              <a:rPr lang="en-US" altLang="zh-CN" dirty="0"/>
+              <a:rPr lang="en-US" altLang="zh-CN" sz="2000" dirty="0"/>
               <a:t>./configure –prefix=/</a:t>
             </a:r>
             <a:r>
-              <a:rPr lang="en-US" altLang="zh-CN" dirty="0" err="1"/>
+              <a:rPr lang="en-US" altLang="zh-CN" sz="2000" dirty="0" err="1"/>
               <a:t>usr</a:t>
             </a:r>
             <a:r>
-              <a:rPr lang="en-US" altLang="zh-CN" dirty="0"/>
+              <a:rPr lang="en-US" altLang="zh-CN" sz="2000" dirty="0"/>
               <a:t>/local/</a:t>
             </a:r>
             <a:r>
-              <a:rPr lang="en-US" altLang="zh-CN" dirty="0" err="1"/>
+              <a:rPr lang="en-US" altLang="zh-CN" sz="2000" dirty="0" err="1"/>
               <a:t>php</a:t>
             </a:r>
             <a:r>
-              <a:rPr lang="en-US" altLang="zh-CN" dirty="0"/>
+              <a:rPr lang="en-US" altLang="zh-CN" sz="2000" dirty="0"/>
               <a:t> –enable-</a:t>
             </a:r>
             <a:r>
-              <a:rPr lang="en-US" altLang="zh-CN" dirty="0" err="1"/>
+              <a:rPr lang="en-US" altLang="zh-CN" sz="2000" dirty="0" err="1"/>
               <a:t>mysqlnd</a:t>
             </a:r>
             <a:r>
-              <a:rPr lang="en-US" altLang="zh-CN" dirty="0"/>
+              <a:rPr lang="en-US" altLang="zh-CN" sz="2000" dirty="0"/>
               <a:t> –enable-fpm ……</a:t>
             </a:r>
           </a:p>

--- a/materials/slides/ch02-complie-php-source-code.pptx
+++ b/materials/slides/ch02-complie-php-source-code.pptx
@@ -5,10 +5,10 @@
     <p:sldMasterId id="2147483648" r:id="rId1"/>
   </p:sldMasterIdLst>
   <p:notesMasterIdLst>
-    <p:notesMasterId r:id="rId21"/>
+    <p:notesMasterId r:id="rId26"/>
   </p:notesMasterIdLst>
   <p:handoutMasterIdLst>
-    <p:handoutMasterId r:id="rId22"/>
+    <p:handoutMasterId r:id="rId27"/>
   </p:handoutMasterIdLst>
   <p:sldIdLst>
     <p:sldId id="257" r:id="rId2"/>
@@ -26,10 +26,15 @@
     <p:sldId id="260" r:id="rId14"/>
     <p:sldId id="270" r:id="rId15"/>
     <p:sldId id="279" r:id="rId16"/>
-    <p:sldId id="271" r:id="rId17"/>
-    <p:sldId id="277" r:id="rId18"/>
-    <p:sldId id="276" r:id="rId19"/>
-    <p:sldId id="278" r:id="rId20"/>
+    <p:sldId id="282" r:id="rId17"/>
+    <p:sldId id="281" r:id="rId18"/>
+    <p:sldId id="284" r:id="rId19"/>
+    <p:sldId id="285" r:id="rId20"/>
+    <p:sldId id="283" r:id="rId21"/>
+    <p:sldId id="271" r:id="rId22"/>
+    <p:sldId id="277" r:id="rId23"/>
+    <p:sldId id="276" r:id="rId24"/>
+    <p:sldId id="278" r:id="rId25"/>
   </p:sldIdLst>
   <p:sldSz cx="12192000" cy="6858000"/>
   <p:notesSz cx="7104063" cy="10234613"/>
@@ -233,7 +238,7 @@
           <a:p>
             <a:fld id="{E923E828-953C-4D4A-9B10-11E7329F433D}" type="datetimeFigureOut">
               <a:rPr lang="zh-CN" altLang="en-US" smtClean="0"/>
-              <a:t>2018/3/6</a:t>
+              <a:t>2018/3/7</a:t>
             </a:fld>
             <a:endParaRPr lang="zh-CN" altLang="en-US"/>
           </a:p>
@@ -414,7 +419,7 @@
           <a:p>
             <a:fld id="{867C5346-22E5-4085-8130-851344A84DFF}" type="datetimeFigureOut">
               <a:rPr lang="zh-CN" altLang="en-US" smtClean="0"/>
-              <a:t>2018/3/6</a:t>
+              <a:t>2018/3/7</a:t>
             </a:fld>
             <a:endParaRPr lang="zh-CN" altLang="en-US"/>
           </a:p>
@@ -840,7 +845,7 @@
           <a:p>
             <a:fld id="{A5E21016-498F-4141-B0CA-D95A38CA7D62}" type="datetimeFigureOut">
               <a:rPr lang="zh-CN" altLang="en-US" smtClean="0"/>
-              <a:t>2018/3/6</a:t>
+              <a:t>2018/3/7</a:t>
             </a:fld>
             <a:endParaRPr lang="zh-CN" altLang="en-US"/>
           </a:p>
@@ -1070,7 +1075,7 @@
           <a:p>
             <a:fld id="{A5E21016-498F-4141-B0CA-D95A38CA7D62}" type="datetimeFigureOut">
               <a:rPr lang="zh-CN" altLang="en-US" smtClean="0"/>
-              <a:t>2018/3/6</a:t>
+              <a:t>2018/3/7</a:t>
             </a:fld>
             <a:endParaRPr lang="zh-CN" altLang="en-US"/>
           </a:p>
@@ -1305,7 +1310,7 @@
           <a:p>
             <a:fld id="{A5E21016-498F-4141-B0CA-D95A38CA7D62}" type="datetimeFigureOut">
               <a:rPr lang="zh-CN" altLang="en-US" smtClean="0"/>
-              <a:t>2018/3/6</a:t>
+              <a:t>2018/3/7</a:t>
             </a:fld>
             <a:endParaRPr lang="zh-CN" altLang="en-US"/>
           </a:p>
@@ -1867,7 +1872,7 @@
           <a:p>
             <a:fld id="{A5E21016-498F-4141-B0CA-D95A38CA7D62}" type="datetimeFigureOut">
               <a:rPr lang="zh-CN" altLang="en-US" smtClean="0"/>
-              <a:t>2018/3/6</a:t>
+              <a:t>2018/3/7</a:t>
             </a:fld>
             <a:endParaRPr lang="zh-CN" altLang="en-US"/>
           </a:p>
@@ -2164,7 +2169,7 @@
           <a:p>
             <a:fld id="{A5E21016-498F-4141-B0CA-D95A38CA7D62}" type="datetimeFigureOut">
               <a:rPr lang="zh-CN" altLang="en-US" smtClean="0"/>
-              <a:t>2018/3/6</a:t>
+              <a:t>2018/3/7</a:t>
             </a:fld>
             <a:endParaRPr lang="zh-CN" altLang="en-US"/>
           </a:p>
@@ -2603,7 +2608,7 @@
           <a:p>
             <a:fld id="{A5E21016-498F-4141-B0CA-D95A38CA7D62}" type="datetimeFigureOut">
               <a:rPr lang="zh-CN" altLang="en-US" smtClean="0"/>
-              <a:t>2018/3/6</a:t>
+              <a:t>2018/3/7</a:t>
             </a:fld>
             <a:endParaRPr lang="zh-CN" altLang="en-US"/>
           </a:p>
@@ -2776,7 +2781,7 @@
           <a:p>
             <a:fld id="{A5E21016-498F-4141-B0CA-D95A38CA7D62}" type="datetimeFigureOut">
               <a:rPr lang="zh-CN" altLang="en-US" smtClean="0"/>
-              <a:t>2018/3/6</a:t>
+              <a:t>2018/3/7</a:t>
             </a:fld>
             <a:endParaRPr lang="zh-CN" altLang="en-US"/>
           </a:p>
@@ -2913,7 +2918,7 @@
           <a:p>
             <a:fld id="{A5E21016-498F-4141-B0CA-D95A38CA7D62}" type="datetimeFigureOut">
               <a:rPr lang="zh-CN" altLang="en-US" smtClean="0"/>
-              <a:t>2018/3/6</a:t>
+              <a:t>2018/3/7</a:t>
             </a:fld>
             <a:endParaRPr lang="zh-CN" altLang="en-US"/>
           </a:p>
@@ -3251,7 +3256,7 @@
           <a:p>
             <a:fld id="{A5E21016-498F-4141-B0CA-D95A38CA7D62}" type="datetimeFigureOut">
               <a:rPr lang="zh-CN" altLang="en-US" smtClean="0"/>
-              <a:t>2018/3/6</a:t>
+              <a:t>2018/3/7</a:t>
             </a:fld>
             <a:endParaRPr lang="zh-CN" altLang="en-US"/>
           </a:p>
@@ -3566,7 +3571,7 @@
           <a:p>
             <a:fld id="{A5E21016-498F-4141-B0CA-D95A38CA7D62}" type="datetimeFigureOut">
               <a:rPr lang="zh-CN" altLang="en-US" smtClean="0"/>
-              <a:t>2018/3/6</a:t>
+              <a:t>2018/3/7</a:t>
             </a:fld>
             <a:endParaRPr lang="zh-CN" altLang="en-US"/>
           </a:p>
@@ -4471,14 +4476,14 @@
             <p:ph idx="1"/>
             <p:extLst>
               <p:ext uri="{D42A27DB-BD31-4B8C-83A1-F6EECF244321}">
-                <p14:modId xmlns:p14="http://schemas.microsoft.com/office/powerpoint/2010/main" val="2478029453"/>
+                <p14:modId xmlns:p14="http://schemas.microsoft.com/office/powerpoint/2010/main" val="693069347"/>
               </p:ext>
             </p:extLst>
           </p:nvPr>
         </p:nvGraphicFramePr>
         <p:xfrm>
           <a:off x="838200" y="1638007"/>
-          <a:ext cx="10515600" cy="4777236"/>
+          <a:ext cx="10515600" cy="4613322"/>
         </p:xfrm>
         <a:graphic>
           <a:graphicData uri="http://schemas.openxmlformats.org/drawingml/2006/table">
@@ -4487,14 +4492,14 @@
                 <a:tableStyleId>{2D5ABB26-0587-4C30-8999-92F81FD0307C}</a:tableStyleId>
               </a:tblPr>
               <a:tblGrid>
-                <a:gridCol w="2819400">
+                <a:gridCol w="3417277">
                   <a:extLst>
                     <a:ext uri="{9D8B030D-6E8A-4147-A177-3AD203B41FA5}">
                       <a16:colId xmlns:a16="http://schemas.microsoft.com/office/drawing/2014/main" val="1572361516"/>
                     </a:ext>
                   </a:extLst>
                 </a:gridCol>
-                <a:gridCol w="7696200">
+                <a:gridCol w="7098323">
                   <a:extLst>
                     <a:ext uri="{9D8B030D-6E8A-4147-A177-3AD203B41FA5}">
                       <a16:colId xmlns:a16="http://schemas.microsoft.com/office/drawing/2014/main" val="55962454"/>
@@ -5585,7 +5590,7 @@
           <a:p>
             <a:r>
               <a:rPr lang="zh-CN" altLang="en-US" dirty="0"/>
-              <a:t>编译</a:t>
+              <a:t>简单编译</a:t>
             </a:r>
             <a:r>
               <a:rPr lang="en-US" altLang="zh-CN" dirty="0"/>
@@ -5723,6 +5728,32 @@
             <a:r>
               <a:rPr lang="zh-CN" altLang="en-US" sz="2400" dirty="0"/>
               <a:t>，同时开启相应的扩展支持。</a:t>
+            </a:r>
+            <a:endParaRPr lang="en-US" altLang="zh-CN" sz="2400" dirty="0"/>
+          </a:p>
+          <a:p>
+            <a:endParaRPr lang="en-US" altLang="zh-CN" sz="2400" dirty="0"/>
+          </a:p>
+          <a:p>
+            <a:r>
+              <a:rPr lang="zh-CN" altLang="en-US" sz="2400" dirty="0"/>
+              <a:t>此时并没有编译</a:t>
+            </a:r>
+            <a:r>
+              <a:rPr lang="en-US" altLang="zh-CN" sz="2400" dirty="0"/>
+              <a:t>curl</a:t>
+            </a:r>
+            <a:r>
+              <a:rPr lang="zh-CN" altLang="en-US" sz="2400" dirty="0"/>
+              <a:t>以及</a:t>
+            </a:r>
+            <a:r>
+              <a:rPr lang="en-US" altLang="zh-CN" sz="2400" dirty="0" err="1"/>
+              <a:t>openssl</a:t>
+            </a:r>
+            <a:r>
+              <a:rPr lang="zh-CN" altLang="en-US" sz="2400" dirty="0"/>
+              <a:t>。</a:t>
             </a:r>
             <a:endParaRPr lang="en-US" altLang="zh-CN" sz="2400" dirty="0"/>
           </a:p>
@@ -5786,15 +5817,7 @@
           <a:p>
             <a:r>
               <a:rPr lang="zh-CN" altLang="en-US" dirty="0"/>
-              <a:t>编译</a:t>
-            </a:r>
-            <a:r>
-              <a:rPr lang="en-US" altLang="zh-CN" dirty="0"/>
-              <a:t>PHP</a:t>
-            </a:r>
-            <a:r>
-              <a:rPr lang="zh-CN" altLang="en-US" dirty="0"/>
-              <a:t>扩展的过程</a:t>
+              <a:t>简单编译存在的问题</a:t>
             </a:r>
           </a:p>
         </p:txBody>
@@ -5818,306 +5841,190 @@
         <p:spPr/>
         <p:txBody>
           <a:bodyPr>
-            <a:noAutofit/>
+            <a:normAutofit/>
           </a:bodyPr>
           <a:lstStyle/>
           <a:p>
             <a:r>
+              <a:rPr lang="zh-CN" altLang="en-US" sz="2400" dirty="0"/>
+              <a:t>此内容源于实际工作的状况记录，编译过程中，</a:t>
+            </a:r>
+            <a:r>
+              <a:rPr lang="en-US" altLang="zh-CN" sz="2400" dirty="0"/>
+              <a:t>curl</a:t>
+            </a:r>
+            <a:r>
+              <a:rPr lang="zh-CN" altLang="en-US" sz="2400" dirty="0"/>
+              <a:t>是作为</a:t>
+            </a:r>
+            <a:r>
               <a:rPr lang="en-US" altLang="zh-CN" sz="2400" dirty="0"/>
               <a:t>PHP</a:t>
             </a:r>
             <a:r>
               <a:rPr lang="zh-CN" altLang="en-US" sz="2400" dirty="0"/>
-              <a:t>源代码目录中的</a:t>
+              <a:t>扩展的方式编译的。但是在移植到</a:t>
+            </a:r>
+            <a:r>
+              <a:rPr lang="en-US" altLang="zh-CN" sz="2400" dirty="0"/>
+              <a:t>CentOS</a:t>
+            </a:r>
+            <a:r>
+              <a:rPr lang="zh-CN" altLang="en-US" sz="2400" dirty="0"/>
+              <a:t>平台的时候，由于路径问题，</a:t>
+            </a:r>
+            <a:r>
+              <a:rPr lang="en-US" altLang="zh-CN" sz="2400" dirty="0"/>
+              <a:t>curl</a:t>
+            </a:r>
+            <a:r>
+              <a:rPr lang="zh-CN" altLang="en-US" sz="2400" dirty="0"/>
+              <a:t>的链接库无法找到，并且创建链接也无法解决，需要重新编译</a:t>
+            </a:r>
+            <a:r>
+              <a:rPr lang="en-US" altLang="zh-CN" sz="2400" dirty="0"/>
+              <a:t>curl</a:t>
+            </a:r>
+            <a:r>
+              <a:rPr lang="zh-CN" altLang="en-US" sz="2400" dirty="0"/>
+              <a:t>扩展。</a:t>
             </a:r>
             <a:r>
               <a:rPr lang="en-US" altLang="zh-CN" sz="2400" dirty="0" err="1"/>
-              <a:t>ext</a:t>
-            </a:r>
-            <a:r>
-              <a:rPr lang="zh-CN" altLang="en-US" sz="2400" dirty="0"/>
-              <a:t>下有官方提供的扩展，如果是其他扩展可以去</a:t>
-            </a:r>
-            <a:r>
-              <a:rPr lang="en-US" altLang="zh-CN" sz="2400" dirty="0" err="1"/>
-              <a:t>pecl</a:t>
-            </a:r>
-            <a:r>
-              <a:rPr lang="zh-CN" altLang="en-US" sz="2400" dirty="0"/>
-              <a:t>网站上下载。</a:t>
+              <a:t>openssl</a:t>
+            </a:r>
+            <a:r>
+              <a:rPr lang="zh-CN" altLang="en-US" sz="2400" dirty="0"/>
+              <a:t>的扩展存在同样的问题。</a:t>
             </a:r>
             <a:endParaRPr lang="en-US" altLang="zh-CN" sz="2400" dirty="0"/>
           </a:p>
           <a:p>
+            <a:endParaRPr lang="en-US" altLang="zh-CN" sz="2400" dirty="0"/>
+          </a:p>
+          <a:p>
+            <a:r>
+              <a:rPr lang="zh-CN" altLang="en-US" sz="2400" dirty="0"/>
+              <a:t>编译</a:t>
+            </a:r>
+            <a:r>
+              <a:rPr lang="en-US" altLang="zh-CN" sz="2400" dirty="0"/>
+              <a:t>curl</a:t>
+            </a:r>
+            <a:r>
+              <a:rPr lang="zh-CN" altLang="en-US" sz="2400" dirty="0"/>
+              <a:t>扩展使</a:t>
+            </a:r>
+            <a:r>
+              <a:rPr lang="en-US" altLang="zh-CN" sz="2400" dirty="0"/>
+              <a:t>--with-curl</a:t>
+            </a:r>
+            <a:r>
+              <a:rPr lang="zh-CN" altLang="en-US" sz="2400" dirty="0"/>
+              <a:t>参数的时候总是出现问题，并且会提示版本不支持相关的问题，解决方法是在编译</a:t>
+            </a:r>
             <a:r>
               <a:rPr lang="en-US" altLang="zh-CN" sz="2400" dirty="0"/>
               <a:t>PHP</a:t>
             </a:r>
             <a:r>
               <a:rPr lang="zh-CN" altLang="en-US" sz="2400" dirty="0"/>
-              <a:t>扩展编译的基本流程：</a:t>
-            </a:r>
+              <a:t>的时候加</a:t>
+            </a:r>
+            <a:r>
+              <a:rPr lang="en-US" altLang="zh-CN" sz="2400" dirty="0"/>
+              <a:t>--with-curl</a:t>
+            </a:r>
+            <a:r>
+              <a:rPr lang="zh-CN" altLang="en-US" sz="2400" dirty="0"/>
+              <a:t>以</a:t>
+            </a:r>
+            <a:r>
+              <a:rPr lang="en-US" altLang="zh-CN" sz="2400" dirty="0"/>
+              <a:t>--with-</a:t>
+            </a:r>
+            <a:r>
+              <a:rPr lang="en-US" altLang="zh-CN" sz="2400" dirty="0" err="1"/>
+              <a:t>openssl</a:t>
+            </a:r>
+            <a:r>
+              <a:rPr lang="zh-CN" altLang="en-US" sz="2400" dirty="0"/>
+              <a:t>参数，仅仅使用</a:t>
+            </a:r>
+            <a:r>
+              <a:rPr lang="en-US" altLang="zh-CN" sz="2400" dirty="0"/>
+              <a:t>--with-curl</a:t>
+            </a:r>
+            <a:r>
+              <a:rPr lang="zh-CN" altLang="en-US" sz="2400" dirty="0"/>
+              <a:t>也会出现问题。</a:t>
+            </a:r>
+            <a:endParaRPr lang="en-US" altLang="zh-CN" dirty="0"/>
+          </a:p>
+          <a:p>
             <a:endParaRPr lang="en-US" altLang="zh-CN" sz="2400" dirty="0"/>
           </a:p>
           <a:p>
-            <a:pPr marL="457200" lvl="1" indent="0">
-              <a:buNone/>
-            </a:pPr>
-            <a:r>
-              <a:rPr lang="en-US" altLang="zh-CN" sz="2000" dirty="0"/>
-              <a:t>PHP_INSTALL_DIR/bin/</a:t>
-            </a:r>
-            <a:r>
-              <a:rPr lang="en-US" altLang="zh-CN" sz="2000" dirty="0" err="1"/>
-              <a:t>phpize</a:t>
-            </a:r>
-            <a:r>
-              <a:rPr lang="en-US" altLang="zh-CN" sz="2000" dirty="0"/>
-              <a:t>  //</a:t>
-            </a:r>
-            <a:r>
-              <a:rPr lang="zh-CN" altLang="en-US" sz="2000" dirty="0"/>
-              <a:t>生成</a:t>
-            </a:r>
-            <a:r>
-              <a:rPr lang="en-US" altLang="zh-CN" sz="2000" dirty="0"/>
-              <a:t>configure</a:t>
-            </a:r>
-            <a:r>
-              <a:rPr lang="zh-CN" altLang="en-US" sz="2000" dirty="0"/>
-              <a:t>文件</a:t>
-            </a:r>
-            <a:endParaRPr lang="en-US" altLang="zh-CN" sz="2000" dirty="0"/>
-          </a:p>
-          <a:p>
-            <a:pPr marL="457200" lvl="1" indent="0">
-              <a:buNone/>
-            </a:pPr>
-            <a:r>
-              <a:rPr lang="en-US" altLang="zh-CN" sz="1800" i="1" dirty="0"/>
-              <a:t>/</a:t>
-            </a:r>
-            <a:r>
-              <a:rPr lang="zh-CN" altLang="en-US" sz="1800" i="1" dirty="0"/>
-              <a:t>*环境检测，并生成</a:t>
-            </a:r>
-            <a:r>
-              <a:rPr lang="en-US" altLang="zh-CN" sz="1800" i="1" dirty="0" err="1"/>
-              <a:t>Makefile</a:t>
-            </a:r>
-            <a:r>
-              <a:rPr lang="zh-CN" altLang="en-US" sz="1800" i="1" dirty="0"/>
-              <a:t>文件，后面的参数会根据</a:t>
-            </a:r>
-            <a:r>
-              <a:rPr lang="en-US" altLang="zh-CN" sz="1800" i="1" dirty="0" err="1"/>
-              <a:t>php</a:t>
-            </a:r>
-            <a:r>
-              <a:rPr lang="en-US" altLang="zh-CN" sz="1800" i="1" dirty="0"/>
-              <a:t>-config</a:t>
-            </a:r>
-            <a:r>
-              <a:rPr lang="zh-CN" altLang="en-US" sz="1800" i="1" dirty="0"/>
-              <a:t>确定编译环境，安装目录等信息。运行</a:t>
-            </a:r>
-            <a:r>
-              <a:rPr lang="en-US" altLang="zh-CN" sz="1800" i="1" dirty="0"/>
-              <a:t>configure</a:t>
-            </a:r>
-            <a:r>
-              <a:rPr lang="zh-CN" altLang="en-US" sz="1800" i="1" dirty="0"/>
-              <a:t>根据不同扩展还需要其他参数，需要根据具体扩展决定。*</a:t>
-            </a:r>
-            <a:r>
-              <a:rPr lang="en-US" altLang="zh-CN" sz="1800" i="1" dirty="0"/>
-              <a:t>/</a:t>
-            </a:r>
-          </a:p>
-          <a:p>
-            <a:pPr marL="457200" lvl="1" indent="0">
-              <a:buNone/>
-            </a:pPr>
-            <a:endParaRPr lang="en-US" altLang="zh-CN" sz="2000" dirty="0"/>
-          </a:p>
-          <a:p>
-            <a:pPr marL="457200" lvl="1" indent="0">
-              <a:buNone/>
-            </a:pPr>
-            <a:r>
-              <a:rPr lang="en-US" altLang="zh-CN" sz="2000" dirty="0"/>
-              <a:t>./configure –with-</a:t>
-            </a:r>
-            <a:r>
-              <a:rPr lang="en-US" altLang="zh-CN" sz="2000" dirty="0" err="1"/>
-              <a:t>php</a:t>
-            </a:r>
-            <a:r>
-              <a:rPr lang="en-US" altLang="zh-CN" sz="2000" dirty="0"/>
-              <a:t>-config=PHP_INSTALL_DIR/bin/</a:t>
-            </a:r>
-            <a:r>
-              <a:rPr lang="en-US" altLang="zh-CN" sz="2000" dirty="0" err="1"/>
-              <a:t>php</a:t>
-            </a:r>
-            <a:r>
-              <a:rPr lang="en-US" altLang="zh-CN" sz="2000" dirty="0"/>
-              <a:t>-config</a:t>
-            </a:r>
-          </a:p>
-          <a:p>
-            <a:pPr marL="457200" lvl="1" indent="0">
-              <a:buNone/>
-            </a:pPr>
-            <a:r>
-              <a:rPr lang="en-US" altLang="zh-CN" sz="2000" dirty="0"/>
-              <a:t>make //</a:t>
-            </a:r>
-            <a:r>
-              <a:rPr lang="zh-CN" altLang="en-US" sz="2000" dirty="0"/>
-              <a:t>编译</a:t>
-            </a:r>
-            <a:endParaRPr lang="en-US" altLang="zh-CN" sz="2000" dirty="0"/>
-          </a:p>
-          <a:p>
-            <a:pPr marL="457200" lvl="1" indent="0">
-              <a:buNone/>
-            </a:pPr>
-            <a:r>
-              <a:rPr lang="en-US" altLang="zh-CN" sz="2000" dirty="0" err="1"/>
-              <a:t>sudo</a:t>
-            </a:r>
-            <a:r>
-              <a:rPr lang="en-US" altLang="zh-CN" sz="2000" dirty="0"/>
-              <a:t>  make  install  //</a:t>
-            </a:r>
-            <a:r>
-              <a:rPr lang="zh-CN" altLang="en-US" sz="2000" dirty="0"/>
-              <a:t>安装扩展</a:t>
-            </a:r>
-            <a:endParaRPr lang="en-US" altLang="zh-CN" sz="2000" dirty="0"/>
-          </a:p>
-          <a:p>
-            <a:pPr marL="457200" lvl="1" indent="0">
-              <a:buNone/>
-            </a:pPr>
-            <a:endParaRPr lang="en-US" altLang="zh-CN" sz="2000" dirty="0"/>
-          </a:p>
-          <a:p>
-            <a:pPr marL="457200" lvl="1" indent="0">
-              <a:buNone/>
-            </a:pPr>
-            <a:r>
-              <a:rPr lang="en-US" altLang="zh-CN" sz="1800" i="1" dirty="0"/>
-              <a:t>/</a:t>
-            </a:r>
-            <a:r>
-              <a:rPr lang="zh-CN" altLang="en-US" sz="1800" i="1" dirty="0"/>
-              <a:t>*安装扩展其实就是把</a:t>
-            </a:r>
-            <a:r>
-              <a:rPr lang="en-US" altLang="zh-CN" sz="1800" i="1" dirty="0"/>
-              <a:t>modules/</a:t>
-            </a:r>
-            <a:r>
-              <a:rPr lang="zh-CN" altLang="en-US" sz="1800" i="1" dirty="0"/>
-              <a:t>下的</a:t>
-            </a:r>
-            <a:r>
-              <a:rPr lang="en-US" altLang="zh-CN" sz="1800" i="1" dirty="0"/>
-              <a:t>.so</a:t>
-            </a:r>
-            <a:r>
-              <a:rPr lang="zh-CN" altLang="en-US" sz="1800" i="1" dirty="0"/>
-              <a:t>文件复制到</a:t>
-            </a:r>
-            <a:r>
-              <a:rPr lang="en-US" altLang="zh-CN" sz="1800" i="1" dirty="0"/>
+            <a:r>
+              <a:rPr lang="zh-CN" altLang="en-US" sz="2400" dirty="0"/>
+              <a:t>另一个问题是：希望把</a:t>
+            </a:r>
+            <a:r>
+              <a:rPr lang="en-US" altLang="zh-CN" sz="2400" dirty="0"/>
+              <a:t>curl</a:t>
+            </a:r>
+            <a:r>
+              <a:rPr lang="zh-CN" altLang="en-US" sz="2400" dirty="0"/>
+              <a:t>以及</a:t>
+            </a:r>
+            <a:r>
+              <a:rPr lang="en-US" altLang="zh-CN" sz="2400" dirty="0" err="1"/>
+              <a:t>openssl</a:t>
+            </a:r>
+            <a:r>
+              <a:rPr lang="zh-CN" altLang="en-US" sz="2400" dirty="0"/>
+              <a:t>作为可移植环境的一部分进行编译并在编译</a:t>
+            </a:r>
+            <a:r>
+              <a:rPr lang="en-US" altLang="zh-CN" sz="2400" dirty="0"/>
               <a:t>PHP</a:t>
             </a:r>
             <a:r>
-              <a:rPr lang="zh-CN" altLang="en-US" sz="1800" i="1" dirty="0"/>
-              <a:t>的扩展目录下，由于</a:t>
-            </a:r>
-            <a:r>
-              <a:rPr lang="en-US" altLang="zh-CN" sz="1800" i="1" dirty="0"/>
-              <a:t>configure</a:t>
-            </a:r>
-            <a:r>
-              <a:rPr lang="zh-CN" altLang="en-US" sz="1800" i="1" dirty="0"/>
-              <a:t>已经从</a:t>
-            </a:r>
-            <a:r>
-              <a:rPr lang="en-US" altLang="zh-CN" sz="1800" i="1" dirty="0" err="1"/>
-              <a:t>php</a:t>
-            </a:r>
-            <a:r>
-              <a:rPr lang="en-US" altLang="zh-CN" sz="1800" i="1" dirty="0"/>
-              <a:t>-config</a:t>
-            </a:r>
-            <a:r>
-              <a:rPr lang="zh-CN" altLang="en-US" sz="1800" i="1" dirty="0"/>
-              <a:t>确定了扩展目录并写入到了</a:t>
-            </a:r>
-            <a:r>
-              <a:rPr lang="en-US" altLang="zh-CN" sz="1800" i="1" dirty="0" err="1"/>
-              <a:t>Makefile</a:t>
-            </a:r>
-            <a:r>
-              <a:rPr lang="zh-CN" altLang="en-US" sz="1800" i="1" dirty="0"/>
-              <a:t>文件，所以</a:t>
-            </a:r>
-            <a:r>
-              <a:rPr lang="en-US" altLang="zh-CN" sz="1800" i="1" dirty="0"/>
-              <a:t>make  install</a:t>
-            </a:r>
-            <a:r>
-              <a:rPr lang="zh-CN" altLang="en-US" sz="1800" i="1" dirty="0"/>
-              <a:t>会自动复制过去。这一步直接使用</a:t>
-            </a:r>
-            <a:r>
-              <a:rPr lang="en-US" altLang="zh-CN" sz="1800" i="1" dirty="0" err="1"/>
-              <a:t>cp</a:t>
-            </a:r>
-            <a:r>
-              <a:rPr lang="zh-CN" altLang="en-US" sz="1800" i="1" dirty="0"/>
-              <a:t>命令复制过去也是可以的。</a:t>
-            </a:r>
-            <a:r>
-              <a:rPr lang="en-US" altLang="zh-CN" sz="1800" i="1" dirty="0"/>
+              <a:rPr lang="zh-CN" altLang="en-US" sz="2400" dirty="0"/>
+              <a:t>以及模块扩展的时候进行指向。所以先编译</a:t>
+            </a:r>
+            <a:r>
+              <a:rPr lang="en-US" altLang="zh-CN" sz="2400" dirty="0"/>
+              <a:t>curl</a:t>
+            </a:r>
+            <a:r>
+              <a:rPr lang="zh-CN" altLang="en-US" sz="2400" dirty="0"/>
+              <a:t>以及</a:t>
+            </a:r>
+            <a:r>
+              <a:rPr lang="en-US" altLang="zh-CN" sz="2400" dirty="0" err="1"/>
+              <a:t>openssl</a:t>
+            </a:r>
+            <a:r>
+              <a:rPr lang="zh-CN" altLang="en-US" sz="2400" dirty="0"/>
+              <a:t>，之后再编译</a:t>
+            </a:r>
+            <a:r>
+              <a:rPr lang="en-US" altLang="zh-CN" sz="2400" dirty="0"/>
               <a:t>PHP</a:t>
             </a:r>
             <a:r>
-              <a:rPr lang="zh-CN" altLang="en-US" sz="1800" i="1" dirty="0"/>
-              <a:t>编译安装后的扩展目录在</a:t>
-            </a:r>
-            <a:r>
-              <a:rPr lang="en-US" altLang="zh-CN" sz="1800" i="1" dirty="0"/>
-              <a:t>PHP_INSTALL_DIR/lib/</a:t>
-            </a:r>
-            <a:r>
-              <a:rPr lang="en-US" altLang="zh-CN" sz="1800" i="1" dirty="0" err="1"/>
-              <a:t>php</a:t>
-            </a:r>
-            <a:r>
-              <a:rPr lang="en-US" altLang="zh-CN" sz="1800" i="1" dirty="0"/>
-              <a:t>/extensions/no-debug-non-zts-20160303</a:t>
-            </a:r>
-            <a:r>
-              <a:rPr lang="zh-CN" altLang="en-US" sz="1800" i="1" dirty="0"/>
-              <a:t>*</a:t>
-            </a:r>
-            <a:r>
-              <a:rPr lang="en-US" altLang="zh-CN" sz="1800" i="1" dirty="0"/>
-              <a:t>/</a:t>
-            </a:r>
+              <a:rPr lang="zh-CN" altLang="en-US" sz="2400" dirty="0"/>
+              <a:t>。</a:t>
+            </a:r>
+            <a:endParaRPr lang="en-US" altLang="zh-CN" sz="2400" dirty="0"/>
           </a:p>
         </p:txBody>
       </p:sp>
     </p:spTree>
     <p:extLst>
       <p:ext uri="{BB962C8B-B14F-4D97-AF65-F5344CB8AC3E}">
-        <p14:creationId xmlns:p14="http://schemas.microsoft.com/office/powerpoint/2010/main" val="2277060672"/>
+        <p14:creationId xmlns:p14="http://schemas.microsoft.com/office/powerpoint/2010/main" val="2321068806"/>
       </p:ext>
     </p:extLst>
   </p:cSld>
@@ -6176,17 +6083,12 @@
             </a:r>
             <a:r>
               <a:rPr lang="en-US" altLang="zh-CN" dirty="0"/>
-              <a:t>PHP</a:t>
+              <a:t>curl</a:t>
             </a:r>
             <a:r>
               <a:rPr lang="zh-CN" altLang="en-US" dirty="0"/>
-              <a:t>扩展示例：</a:t>
-            </a:r>
-            <a:r>
-              <a:rPr lang="en-US" altLang="zh-CN" dirty="0" err="1"/>
-              <a:t>pdo_mysql</a:t>
-            </a:r>
-            <a:endParaRPr lang="zh-CN" altLang="en-US" dirty="0"/>
+              <a:t>库</a:t>
+            </a:r>
           </a:p>
         </p:txBody>
       </p:sp>
@@ -6213,176 +6115,112 @@
           </a:bodyPr>
           <a:lstStyle/>
           <a:p>
+            <a:endParaRPr lang="en-US" altLang="zh-CN" sz="2400" dirty="0"/>
+          </a:p>
+          <a:p>
             <a:r>
               <a:rPr lang="en-US" altLang="zh-CN" sz="2400" dirty="0"/>
-              <a:t>PHP</a:t>
-            </a:r>
-            <a:r>
-              <a:rPr lang="zh-CN" altLang="en-US" sz="2400" dirty="0"/>
-              <a:t>源代码目录切换到</a:t>
+              <a:t>curl</a:t>
+            </a:r>
+            <a:r>
+              <a:rPr lang="zh-CN" altLang="en-US" sz="2400" dirty="0"/>
+              <a:t>库的编译如果开启</a:t>
+            </a:r>
+            <a:r>
+              <a:rPr lang="en-US" altLang="zh-CN" sz="2400" dirty="0"/>
+              <a:t>http2</a:t>
+            </a:r>
+            <a:r>
+              <a:rPr lang="zh-CN" altLang="en-US" sz="2400" dirty="0"/>
+              <a:t>的话需要</a:t>
+            </a:r>
+            <a:r>
+              <a:rPr lang="en-US" altLang="zh-CN" sz="2400" dirty="0"/>
+              <a:t>nghttp2</a:t>
+            </a:r>
+            <a:r>
+              <a:rPr lang="zh-CN" altLang="en-US" sz="2400" dirty="0"/>
+              <a:t>库，</a:t>
             </a:r>
             <a:r>
               <a:rPr lang="en-US" altLang="zh-CN" sz="2400" dirty="0" err="1"/>
-              <a:t>ext</a:t>
+              <a:t>ssl</a:t>
+            </a:r>
+            <a:r>
+              <a:rPr lang="zh-CN" altLang="en-US" sz="2400" dirty="0"/>
+              <a:t>加密需要</a:t>
+            </a:r>
+            <a:r>
+              <a:rPr lang="en-US" altLang="zh-CN" sz="2400" dirty="0" err="1"/>
+              <a:t>openssl</a:t>
+            </a:r>
+            <a:r>
+              <a:rPr lang="zh-CN" altLang="en-US" sz="2400" dirty="0"/>
+              <a:t>库，</a:t>
+            </a:r>
+            <a:r>
+              <a:rPr lang="en-US" altLang="zh-CN" sz="2400" dirty="0" err="1"/>
+              <a:t>zlib</a:t>
+            </a:r>
+            <a:r>
+              <a:rPr lang="zh-CN" altLang="en-US" sz="2400" dirty="0"/>
+              <a:t>压缩支持需要</a:t>
+            </a:r>
+            <a:r>
+              <a:rPr lang="en-US" altLang="zh-CN" sz="2400" dirty="0" err="1"/>
+              <a:t>zlib</a:t>
+            </a:r>
+            <a:r>
+              <a:rPr lang="zh-CN" altLang="en-US" sz="2400" dirty="0"/>
+              <a:t>库。</a:t>
+            </a:r>
+            <a:endParaRPr lang="en-US" altLang="zh-CN" sz="2400" dirty="0"/>
+          </a:p>
+          <a:p>
+            <a:endParaRPr lang="en-US" altLang="zh-CN" sz="2400" dirty="0"/>
+          </a:p>
+          <a:p>
+            <a:r>
+              <a:rPr lang="zh-CN" altLang="en-US" sz="2400" dirty="0"/>
+              <a:t>所以在这之前先编译</a:t>
             </a:r>
             <a:r>
               <a:rPr lang="en-US" altLang="zh-CN" sz="2400" dirty="0"/>
-              <a:t>/</a:t>
+              <a:t>nghttp2</a:t>
+            </a:r>
+            <a:r>
+              <a:rPr lang="zh-CN" altLang="en-US" sz="2400" dirty="0"/>
+              <a:t>、</a:t>
             </a:r>
             <a:r>
               <a:rPr lang="en-US" altLang="zh-CN" sz="2400" dirty="0" err="1"/>
-              <a:t>pdo_mysql</a:t>
-            </a:r>
-            <a:r>
-              <a:rPr lang="zh-CN" altLang="en-US" sz="2400" dirty="0"/>
-              <a:t>目录，依次运行：</a:t>
+              <a:t>openssl</a:t>
+            </a:r>
+            <a:r>
+              <a:rPr lang="zh-CN" altLang="en-US" sz="2400" dirty="0"/>
+              <a:t>以及</a:t>
+            </a:r>
+            <a:r>
+              <a:rPr lang="en-US" altLang="zh-CN" sz="2400" dirty="0" err="1"/>
+              <a:t>zlib</a:t>
+            </a:r>
+            <a:r>
+              <a:rPr lang="zh-CN" altLang="en-US" sz="2400" dirty="0"/>
+              <a:t>。</a:t>
             </a:r>
             <a:endParaRPr lang="en-US" altLang="zh-CN" sz="2400" dirty="0"/>
           </a:p>
           <a:p>
-            <a:pPr marL="457200" lvl="1" indent="0">
-              <a:buNone/>
-            </a:pPr>
-            <a:r>
-              <a:rPr lang="en-US" altLang="zh-CN" sz="2000" i="1" dirty="0"/>
-              <a:t>//</a:t>
-            </a:r>
-            <a:r>
-              <a:rPr lang="zh-CN" altLang="en-US" sz="2000" i="1" dirty="0"/>
-              <a:t>生成</a:t>
-            </a:r>
-            <a:r>
-              <a:rPr lang="en-US" altLang="zh-CN" sz="2000" i="1" dirty="0"/>
-              <a:t>configure</a:t>
-            </a:r>
-            <a:r>
-              <a:rPr lang="zh-CN" altLang="en-US" sz="2000" i="1" dirty="0"/>
-              <a:t>文件</a:t>
-            </a:r>
-            <a:endParaRPr lang="en-US" altLang="zh-CN" sz="2000" i="1" dirty="0"/>
-          </a:p>
-          <a:p>
-            <a:pPr marL="457200" lvl="1" indent="0">
-              <a:buNone/>
-            </a:pPr>
-            <a:r>
-              <a:rPr lang="en-US" altLang="zh-CN" dirty="0"/>
-              <a:t>PHP_INSTALL_DIR/bin/</a:t>
-            </a:r>
-            <a:r>
-              <a:rPr lang="en-US" altLang="zh-CN" dirty="0" err="1"/>
-              <a:t>phpize</a:t>
-            </a:r>
-            <a:endParaRPr lang="en-US" altLang="zh-CN" dirty="0"/>
-          </a:p>
-          <a:p>
-            <a:pPr marL="457200" lvl="1" indent="0">
-              <a:buNone/>
-            </a:pPr>
-            <a:endParaRPr lang="en-US" altLang="zh-CN" dirty="0"/>
-          </a:p>
-          <a:p>
-            <a:pPr marL="457200" lvl="1" indent="0">
-              <a:buNone/>
-            </a:pPr>
-            <a:r>
-              <a:rPr lang="en-US" altLang="zh-CN" dirty="0"/>
-              <a:t>./configure</a:t>
-            </a:r>
-            <a:r>
-              <a:rPr lang="zh-CN" altLang="en-US" dirty="0"/>
-              <a:t> </a:t>
-            </a:r>
-            <a:r>
-              <a:rPr lang="en-US" altLang="zh-CN" dirty="0"/>
-              <a:t>–with-</a:t>
-            </a:r>
-            <a:r>
-              <a:rPr lang="en-US" altLang="zh-CN" dirty="0" err="1"/>
-              <a:t>php</a:t>
-            </a:r>
-            <a:r>
-              <a:rPr lang="en-US" altLang="zh-CN" dirty="0"/>
-              <a:t>-config=PHP_INSTALL_DIR/bin/</a:t>
-            </a:r>
-            <a:r>
-              <a:rPr lang="en-US" altLang="zh-CN" dirty="0" err="1"/>
-              <a:t>php</a:t>
-            </a:r>
-            <a:r>
-              <a:rPr lang="en-US" altLang="zh-CN" dirty="0"/>
-              <a:t>-config</a:t>
-            </a:r>
-          </a:p>
-          <a:p>
-            <a:pPr marL="457200" lvl="1" indent="0">
-              <a:buNone/>
-            </a:pPr>
-            <a:endParaRPr lang="en-US" altLang="zh-CN" dirty="0"/>
-          </a:p>
-          <a:p>
-            <a:pPr marL="457200" lvl="1" indent="0">
-              <a:buNone/>
-            </a:pPr>
-            <a:r>
-              <a:rPr lang="en-US" altLang="zh-CN" sz="2000" i="1" dirty="0"/>
-              <a:t>//</a:t>
-            </a:r>
-            <a:r>
-              <a:rPr lang="zh-CN" altLang="en-US" sz="2000" i="1" dirty="0"/>
-              <a:t>根据</a:t>
-            </a:r>
-            <a:r>
-              <a:rPr lang="en-US" altLang="zh-CN" sz="2000" i="1" dirty="0" err="1"/>
-              <a:t>Makefile</a:t>
-            </a:r>
-            <a:r>
-              <a:rPr lang="zh-CN" altLang="en-US" sz="2000" i="1" dirty="0"/>
-              <a:t>文件进行编译</a:t>
-            </a:r>
-            <a:endParaRPr lang="en-US" altLang="zh-CN" sz="2000" i="1" dirty="0"/>
-          </a:p>
-          <a:p>
-            <a:pPr marL="457200" lvl="1" indent="0">
-              <a:buNone/>
-            </a:pPr>
-            <a:r>
-              <a:rPr lang="en-US" altLang="zh-CN" dirty="0"/>
-              <a:t>make</a:t>
-            </a:r>
-          </a:p>
-          <a:p>
-            <a:pPr marL="457200" lvl="1" indent="0">
-              <a:buNone/>
-            </a:pPr>
-            <a:endParaRPr lang="en-US" altLang="zh-CN" dirty="0"/>
-          </a:p>
-          <a:p>
-            <a:pPr marL="457200" lvl="1" indent="0">
-              <a:buNone/>
-            </a:pPr>
-            <a:r>
-              <a:rPr lang="en-US" altLang="zh-CN" sz="2000" i="1" dirty="0"/>
-              <a:t>//</a:t>
-            </a:r>
-            <a:r>
-              <a:rPr lang="zh-CN" altLang="en-US" sz="2000" i="1" dirty="0"/>
-              <a:t>安装扩展</a:t>
-            </a:r>
-            <a:endParaRPr lang="en-US" altLang="zh-CN" sz="2000" i="1" dirty="0"/>
-          </a:p>
-          <a:p>
-            <a:pPr marL="457200" lvl="1" indent="0">
-              <a:buNone/>
-            </a:pPr>
-            <a:r>
-              <a:rPr lang="en-US" altLang="zh-CN" dirty="0" err="1"/>
-              <a:t>sudo</a:t>
-            </a:r>
-            <a:r>
-              <a:rPr lang="en-US" altLang="zh-CN" dirty="0"/>
-              <a:t> make install</a:t>
-            </a:r>
+            <a:endParaRPr lang="en-US" altLang="zh-CN" sz="2400" dirty="0"/>
+          </a:p>
+          <a:p>
+            <a:endParaRPr lang="en-US" altLang="zh-CN" sz="2400" dirty="0"/>
+          </a:p>
+          <a:p>
+            <a:endParaRPr lang="en-US" altLang="zh-CN" sz="2400" dirty="0"/>
+          </a:p>
+          <a:p>
+            <a:endParaRPr lang="en-US" altLang="zh-CN" sz="2000" dirty="0"/>
           </a:p>
           <a:p>
             <a:pPr marL="457200" lvl="1" indent="0">
@@ -6395,7 +6233,7 @@
     </p:spTree>
     <p:extLst>
       <p:ext uri="{BB962C8B-B14F-4D97-AF65-F5344CB8AC3E}">
-        <p14:creationId xmlns:p14="http://schemas.microsoft.com/office/powerpoint/2010/main" val="1402615337"/>
+        <p14:creationId xmlns:p14="http://schemas.microsoft.com/office/powerpoint/2010/main" val="1837271223"/>
       </p:ext>
     </p:extLst>
   </p:cSld>
@@ -6450,16 +6288,29 @@
           <a:p>
             <a:r>
               <a:rPr lang="zh-CN" altLang="en-US" dirty="0"/>
-              <a:t>配置</a:t>
+              <a:t>编译</a:t>
+            </a:r>
+            <a:r>
+              <a:rPr lang="en-US" altLang="zh-CN" dirty="0" err="1"/>
+              <a:t>openssl</a:t>
+            </a:r>
+            <a:r>
+              <a:rPr lang="zh-CN" altLang="en-US" dirty="0"/>
+              <a:t>，</a:t>
             </a:r>
             <a:r>
               <a:rPr lang="en-US" altLang="zh-CN" dirty="0"/>
-              <a:t>PHP</a:t>
+              <a:t>nghttp2</a:t>
             </a:r>
             <a:r>
               <a:rPr lang="zh-CN" altLang="en-US" dirty="0"/>
-              <a:t>启用扩展</a:t>
-            </a:r>
+              <a:t>，</a:t>
+            </a:r>
+            <a:r>
+              <a:rPr lang="en-US" altLang="zh-CN" dirty="0" err="1"/>
+              <a:t>zlib</a:t>
+            </a:r>
+            <a:endParaRPr lang="zh-CN" altLang="en-US" dirty="0"/>
           </a:p>
         </p:txBody>
       </p:sp>
@@ -6487,81 +6338,189 @@
           <a:lstStyle/>
           <a:p>
             <a:r>
-              <a:rPr lang="en-US" altLang="zh-CN" sz="2400" dirty="0"/>
-              <a:t>PHP</a:t>
-            </a:r>
-            <a:r>
-              <a:rPr lang="zh-CN" altLang="en-US" sz="2400" dirty="0"/>
-              <a:t>配置文件默认在安装目录下的</a:t>
-            </a:r>
-            <a:r>
-              <a:rPr lang="en-US" altLang="zh-CN" sz="2400" dirty="0"/>
-              <a:t>lib/php.ini</a:t>
-            </a:r>
-          </a:p>
-          <a:p>
+              <a:rPr lang="zh-CN" altLang="en-US" sz="2400" dirty="0"/>
+              <a:t>解压三个库的压缩包。切换到不同的库目录，分别运行：</a:t>
+            </a:r>
             <a:endParaRPr lang="en-US" altLang="zh-CN" sz="2400" dirty="0"/>
           </a:p>
           <a:p>
-            <a:r>
-              <a:rPr lang="zh-CN" altLang="en-US" sz="2400" dirty="0"/>
-              <a:t>打开配置文件，找到</a:t>
-            </a:r>
-            <a:r>
-              <a:rPr lang="en-US" altLang="zh-CN" sz="2400" dirty="0"/>
-              <a:t>extension</a:t>
-            </a:r>
-            <a:r>
-              <a:rPr lang="zh-CN" altLang="en-US" sz="2400" dirty="0"/>
-              <a:t>相关的部分，加入</a:t>
-            </a:r>
-            <a:r>
-              <a:rPr lang="en-US" altLang="zh-CN" sz="2400" dirty="0"/>
-              <a:t>extension=pdo.so</a:t>
-            </a:r>
-            <a:r>
-              <a:rPr lang="zh-CN" altLang="en-US" sz="2400" dirty="0"/>
-              <a:t>即可启用</a:t>
-            </a:r>
-            <a:r>
-              <a:rPr lang="en-US" altLang="zh-CN" sz="2400" dirty="0" err="1"/>
-              <a:t>pdo</a:t>
-            </a:r>
-            <a:r>
-              <a:rPr lang="zh-CN" altLang="en-US" sz="2400" dirty="0"/>
-              <a:t>扩展。</a:t>
-            </a:r>
+            <a:pPr marL="457200" lvl="1" indent="0">
+              <a:buNone/>
+            </a:pPr>
+            <a:r>
+              <a:rPr lang="en-US" altLang="zh-CN" sz="2000" dirty="0" err="1"/>
+              <a:t>openssl</a:t>
+            </a:r>
+            <a:r>
+              <a:rPr lang="zh-CN" altLang="en-US" sz="2000" dirty="0"/>
+              <a:t>目录：</a:t>
+            </a:r>
+            <a:endParaRPr lang="en-US" altLang="zh-CN" sz="2000" dirty="0"/>
+          </a:p>
+          <a:p>
+            <a:pPr marL="914400" lvl="2" indent="0">
+              <a:buNone/>
+            </a:pPr>
+            <a:r>
+              <a:rPr lang="en-US" altLang="zh-CN" sz="1800" dirty="0"/>
+              <a:t>./config  --prefix=/</a:t>
+            </a:r>
+            <a:r>
+              <a:rPr lang="en-US" altLang="zh-CN" sz="1800" dirty="0" err="1"/>
+              <a:t>webrun</a:t>
+            </a:r>
+            <a:r>
+              <a:rPr lang="en-US" altLang="zh-CN" sz="1800" dirty="0"/>
+              <a:t>/lib/</a:t>
+            </a:r>
+            <a:r>
+              <a:rPr lang="en-US" altLang="zh-CN" sz="1800" dirty="0" err="1"/>
+              <a:t>openssl</a:t>
+            </a:r>
+            <a:endParaRPr lang="en-US" altLang="zh-CN" sz="1800" dirty="0"/>
+          </a:p>
+          <a:p>
+            <a:pPr marL="914400" lvl="2" indent="0">
+              <a:buNone/>
+            </a:pPr>
+            <a:r>
+              <a:rPr lang="en-US" altLang="zh-CN" sz="1800" dirty="0" err="1"/>
+              <a:t>sudo</a:t>
+            </a:r>
+            <a:r>
+              <a:rPr lang="en-US" altLang="zh-CN" sz="1800" dirty="0"/>
+              <a:t> make install</a:t>
+            </a:r>
+          </a:p>
+          <a:p>
+            <a:pPr marL="914400" lvl="2" indent="0">
+              <a:buNone/>
+            </a:pPr>
+            <a:endParaRPr lang="en-US" altLang="zh-CN" sz="1800" dirty="0"/>
+          </a:p>
+          <a:p>
+            <a:pPr marL="457200" lvl="1" indent="0">
+              <a:buNone/>
+            </a:pPr>
+            <a:r>
+              <a:rPr lang="en-US" altLang="zh-CN" sz="2000" dirty="0"/>
+              <a:t>nghttp2</a:t>
+            </a:r>
+            <a:r>
+              <a:rPr lang="zh-CN" altLang="en-US" sz="2000" dirty="0"/>
+              <a:t>目录：</a:t>
+            </a:r>
+            <a:endParaRPr lang="en-US" altLang="zh-CN" sz="2000" dirty="0"/>
+          </a:p>
+          <a:p>
+            <a:pPr marL="914400" lvl="2" indent="0">
+              <a:buNone/>
+            </a:pPr>
+            <a:r>
+              <a:rPr lang="en-US" altLang="zh-CN" sz="1800" dirty="0"/>
+              <a:t>./configure –prefix=/</a:t>
+            </a:r>
+            <a:r>
+              <a:rPr lang="en-US" altLang="zh-CN" sz="1800" dirty="0" err="1"/>
+              <a:t>webrun</a:t>
+            </a:r>
+            <a:r>
+              <a:rPr lang="en-US" altLang="zh-CN" sz="1800" dirty="0"/>
+              <a:t>/lib/nghttp2</a:t>
+            </a:r>
+          </a:p>
+          <a:p>
+            <a:pPr marL="914400" lvl="2" indent="0">
+              <a:buNone/>
+            </a:pPr>
+            <a:r>
+              <a:rPr lang="en-US" altLang="zh-CN" sz="1800" dirty="0" err="1"/>
+              <a:t>sudo</a:t>
+            </a:r>
+            <a:r>
+              <a:rPr lang="en-US" altLang="zh-CN" sz="1800" dirty="0"/>
+              <a:t> make install</a:t>
+            </a:r>
+          </a:p>
+          <a:p>
+            <a:pPr marL="914400" lvl="2" indent="0">
+              <a:buNone/>
+            </a:pPr>
+            <a:endParaRPr lang="en-US" altLang="zh-CN" sz="1800" dirty="0"/>
+          </a:p>
+          <a:p>
+            <a:pPr marL="457200" lvl="1" indent="0">
+              <a:buNone/>
+            </a:pPr>
+            <a:r>
+              <a:rPr lang="en-US" altLang="zh-CN" sz="2000" dirty="0" err="1"/>
+              <a:t>zlib</a:t>
+            </a:r>
+            <a:r>
+              <a:rPr lang="zh-CN" altLang="en-US" sz="2000" dirty="0"/>
+              <a:t>目录：</a:t>
+            </a:r>
+            <a:endParaRPr lang="en-US" altLang="zh-CN" sz="2000" dirty="0"/>
+          </a:p>
+          <a:p>
+            <a:pPr marL="914400" lvl="2" indent="0">
+              <a:buNone/>
+            </a:pPr>
+            <a:r>
+              <a:rPr lang="en-US" altLang="zh-CN" sz="1800" dirty="0"/>
+              <a:t>./configure  --prefix=/</a:t>
+            </a:r>
+            <a:r>
+              <a:rPr lang="en-US" altLang="zh-CN" sz="1800" dirty="0" err="1"/>
+              <a:t>webrun</a:t>
+            </a:r>
+            <a:r>
+              <a:rPr lang="en-US" altLang="zh-CN" sz="1800" dirty="0"/>
+              <a:t>/lib/</a:t>
+            </a:r>
+            <a:r>
+              <a:rPr lang="en-US" altLang="zh-CN" sz="1800" dirty="0" err="1"/>
+              <a:t>zlib</a:t>
+            </a:r>
+            <a:endParaRPr lang="en-US" altLang="zh-CN" sz="1800" dirty="0"/>
+          </a:p>
+          <a:p>
+            <a:pPr marL="914400" lvl="2" indent="0">
+              <a:buNone/>
+            </a:pPr>
+            <a:r>
+              <a:rPr lang="en-US" altLang="zh-CN" sz="1800" dirty="0" err="1"/>
+              <a:t>sudo</a:t>
+            </a:r>
+            <a:r>
+              <a:rPr lang="en-US" altLang="zh-CN" sz="1800" dirty="0"/>
+              <a:t> make install</a:t>
+            </a:r>
+          </a:p>
+          <a:p>
             <a:endParaRPr lang="en-US" altLang="zh-CN" sz="2400" dirty="0"/>
           </a:p>
           <a:p>
+            <a:endParaRPr lang="en-US" altLang="zh-CN" sz="2400" dirty="0"/>
+          </a:p>
+          <a:p>
+            <a:endParaRPr lang="en-US" altLang="zh-CN" sz="2400" dirty="0"/>
+          </a:p>
+          <a:p>
+            <a:endParaRPr lang="en-US" altLang="zh-CN" sz="2000" dirty="0"/>
+          </a:p>
+          <a:p>
             <a:pPr marL="457200" lvl="1" indent="0">
               <a:buNone/>
             </a:pPr>
-            <a:r>
-              <a:rPr lang="en-US" altLang="zh-CN" sz="2000" i="1" dirty="0"/>
-              <a:t>//</a:t>
-            </a:r>
-            <a:r>
-              <a:rPr lang="zh-CN" altLang="en-US" sz="2000" i="1" dirty="0"/>
-              <a:t>配置示例</a:t>
-            </a:r>
-            <a:endParaRPr lang="en-US" altLang="zh-CN" dirty="0"/>
-          </a:p>
-          <a:p>
-            <a:pPr marL="457200" lvl="1" indent="0">
-              <a:buNone/>
-            </a:pPr>
-            <a:r>
-              <a:rPr lang="en-US" altLang="zh-CN" dirty="0"/>
-              <a:t>extension=pdo_mysql.so</a:t>
-            </a:r>
+            <a:endParaRPr lang="zh-CN" altLang="en-US" dirty="0"/>
           </a:p>
         </p:txBody>
       </p:sp>
     </p:spTree>
     <p:extLst>
       <p:ext uri="{BB962C8B-B14F-4D97-AF65-F5344CB8AC3E}">
-        <p14:creationId xmlns:p14="http://schemas.microsoft.com/office/powerpoint/2010/main" val="3865451902"/>
+        <p14:creationId xmlns:p14="http://schemas.microsoft.com/office/powerpoint/2010/main" val="1789321817"/>
       </p:ext>
     </p:extLst>
   </p:cSld>
@@ -6615,12 +6574,16 @@
           <a:lstStyle/>
           <a:p>
             <a:r>
+              <a:rPr lang="zh-CN" altLang="en-US" dirty="0"/>
+              <a:t>开始编译</a:t>
+            </a:r>
+            <a:r>
               <a:rPr lang="en-US" altLang="zh-CN" dirty="0"/>
-              <a:t>PHP-FPM</a:t>
+              <a:t>curl</a:t>
             </a:r>
             <a:r>
               <a:rPr lang="zh-CN" altLang="en-US" dirty="0"/>
-              <a:t>控制脚本</a:t>
+              <a:t>库</a:t>
             </a:r>
           </a:p>
         </p:txBody>
@@ -6649,109 +6612,254 @@
           <a:lstStyle/>
           <a:p>
             <a:r>
+              <a:rPr lang="zh-CN" altLang="en-US" sz="2400" dirty="0"/>
+              <a:t>解压</a:t>
+            </a:r>
+            <a:r>
               <a:rPr lang="en-US" altLang="zh-CN" sz="2400" dirty="0"/>
-              <a:t>PHP-FPM</a:t>
-            </a:r>
-            <a:r>
-              <a:rPr lang="zh-CN" altLang="en-US" sz="2400" dirty="0"/>
-              <a:t>的管理在</a:t>
+              <a:t>curl</a:t>
+            </a:r>
+            <a:r>
+              <a:rPr lang="zh-CN" altLang="en-US" sz="2400" dirty="0"/>
+              <a:t>库，切换到</a:t>
             </a:r>
             <a:r>
               <a:rPr lang="en-US" altLang="zh-CN" sz="2400" dirty="0"/>
-              <a:t>Linux</a:t>
-            </a:r>
-            <a:r>
-              <a:rPr lang="zh-CN" altLang="en-US" sz="2400" dirty="0"/>
-              <a:t>上使用</a:t>
-            </a:r>
-            <a:r>
-              <a:rPr lang="en-US" altLang="zh-CN" sz="2400" dirty="0"/>
-              <a:t>bash</a:t>
-            </a:r>
-            <a:r>
-              <a:rPr lang="zh-CN" altLang="en-US" sz="2400" dirty="0"/>
-              <a:t>脚本实现。</a:t>
+              <a:t>curl</a:t>
+            </a:r>
+            <a:r>
+              <a:rPr lang="zh-CN" altLang="en-US" sz="2400" dirty="0"/>
+              <a:t>库目录，运行以下命令：</a:t>
             </a:r>
             <a:endParaRPr lang="en-US" altLang="zh-CN" sz="2400" dirty="0"/>
           </a:p>
           <a:p>
-            <a:endParaRPr lang="en-US" altLang="zh-CN" sz="2400" dirty="0"/>
-          </a:p>
-          <a:p>
-            <a:r>
-              <a:rPr lang="en-US" altLang="zh-CN" sz="2400" dirty="0"/>
-              <a:t>PHP_INSTALL_DIR/</a:t>
-            </a:r>
-            <a:r>
-              <a:rPr lang="en-US" altLang="zh-CN" sz="2400" dirty="0" err="1"/>
-              <a:t>var</a:t>
-            </a:r>
-            <a:r>
-              <a:rPr lang="en-US" altLang="zh-CN" sz="2400" dirty="0"/>
-              <a:t>/run/</a:t>
-            </a:r>
-            <a:r>
-              <a:rPr lang="en-US" altLang="zh-CN" sz="2400" dirty="0" err="1"/>
-              <a:t>php-fpm.pid</a:t>
-            </a:r>
-            <a:r>
-              <a:rPr lang="zh-CN" altLang="en-US" sz="2400" dirty="0"/>
-              <a:t>记录了</a:t>
-            </a:r>
-            <a:r>
-              <a:rPr lang="en-US" altLang="zh-CN" sz="2400" dirty="0" err="1"/>
-              <a:t>php</a:t>
-            </a:r>
-            <a:r>
-              <a:rPr lang="en-US" altLang="zh-CN" sz="2400" dirty="0"/>
-              <a:t>-fpm</a:t>
-            </a:r>
-            <a:r>
-              <a:rPr lang="zh-CN" altLang="en-US" sz="2400" dirty="0"/>
-              <a:t>的</a:t>
-            </a:r>
-            <a:r>
-              <a:rPr lang="en-US" altLang="zh-CN" sz="2400" dirty="0"/>
-              <a:t>PID</a:t>
-            </a:r>
-            <a:r>
-              <a:rPr lang="zh-CN" altLang="en-US" sz="2400" dirty="0"/>
-              <a:t>，通过获取</a:t>
-            </a:r>
-            <a:r>
-              <a:rPr lang="en-US" altLang="zh-CN" sz="2400" dirty="0"/>
-              <a:t>PID</a:t>
-            </a:r>
-            <a:r>
-              <a:rPr lang="zh-CN" altLang="en-US" sz="2400" dirty="0"/>
-              <a:t>可以控制进程的重启，退出，重新加载配置文件的操作。</a:t>
-            </a:r>
-            <a:endParaRPr lang="en-US" altLang="zh-CN" sz="2400" dirty="0"/>
-          </a:p>
-          <a:p>
-            <a:endParaRPr lang="en-US" altLang="zh-CN" sz="2400" dirty="0"/>
-          </a:p>
-          <a:p>
-            <a:r>
-              <a:rPr lang="zh-CN" altLang="en-US" sz="2400" dirty="0"/>
-              <a:t>管理脚本代码无法在</a:t>
-            </a:r>
-            <a:r>
-              <a:rPr lang="en-US" altLang="zh-CN" sz="2400" dirty="0"/>
-              <a:t>ppt</a:t>
-            </a:r>
-            <a:r>
-              <a:rPr lang="zh-CN" altLang="en-US" sz="2400" dirty="0"/>
-              <a:t>展示，参看实际代码文件。</a:t>
-            </a:r>
-            <a:endParaRPr lang="en-US" altLang="zh-CN" sz="2400" dirty="0"/>
+            <a:pPr marL="457200" lvl="1" indent="0">
+              <a:buNone/>
+            </a:pPr>
+            <a:r>
+              <a:rPr lang="en-US" altLang="zh-CN" sz="2000" dirty="0"/>
+              <a:t>./configure --prefix=/</a:t>
+            </a:r>
+            <a:r>
+              <a:rPr lang="en-US" altLang="zh-CN" sz="2000" dirty="0" err="1"/>
+              <a:t>webrun</a:t>
+            </a:r>
+            <a:r>
+              <a:rPr lang="en-US" altLang="zh-CN" sz="2000" dirty="0"/>
+              <a:t>/lib/curl/ \</a:t>
+            </a:r>
+          </a:p>
+          <a:p>
+            <a:pPr marL="457200" lvl="1" indent="0">
+              <a:buNone/>
+            </a:pPr>
+            <a:r>
+              <a:rPr lang="en-US" altLang="zh-CN" sz="2000" dirty="0"/>
+              <a:t>--enable-cookies --enable-crypto-</a:t>
+            </a:r>
+            <a:r>
+              <a:rPr lang="en-US" altLang="zh-CN" sz="2000" dirty="0" err="1"/>
+              <a:t>auth</a:t>
+            </a:r>
+            <a:r>
+              <a:rPr lang="en-US" altLang="zh-CN" sz="2000" dirty="0"/>
+              <a:t> \</a:t>
+            </a:r>
+          </a:p>
+          <a:p>
+            <a:pPr marL="457200" lvl="1" indent="0">
+              <a:buNone/>
+            </a:pPr>
+            <a:r>
+              <a:rPr lang="en-US" altLang="zh-CN" sz="2000" dirty="0"/>
+              <a:t>--enable-ftp --enable-ipv6 --enable-http \</a:t>
+            </a:r>
+          </a:p>
+          <a:p>
+            <a:pPr marL="457200" lvl="1" indent="0">
+              <a:buNone/>
+            </a:pPr>
+            <a:r>
+              <a:rPr lang="en-US" altLang="zh-CN" sz="2000" dirty="0"/>
+              <a:t>--enable-pop3 --enable-proxy --enable-smtp \</a:t>
+            </a:r>
+          </a:p>
+          <a:p>
+            <a:pPr marL="457200" lvl="1" indent="0">
+              <a:buNone/>
+            </a:pPr>
+            <a:r>
+              <a:rPr lang="en-US" altLang="zh-CN" sz="2000" dirty="0"/>
+              <a:t>--enable-telnet --enable-</a:t>
+            </a:r>
+            <a:r>
+              <a:rPr lang="en-US" altLang="zh-CN" sz="2000" dirty="0" err="1"/>
+              <a:t>tftp</a:t>
+            </a:r>
+            <a:r>
+              <a:rPr lang="en-US" altLang="zh-CN" sz="2000" dirty="0"/>
+              <a:t> --enable-</a:t>
+            </a:r>
+            <a:r>
+              <a:rPr lang="en-US" altLang="zh-CN" sz="2000" dirty="0" err="1"/>
+              <a:t>tls</a:t>
+            </a:r>
+            <a:r>
+              <a:rPr lang="en-US" altLang="zh-CN" sz="2000" dirty="0"/>
+              <a:t>-</a:t>
+            </a:r>
+            <a:r>
+              <a:rPr lang="en-US" altLang="zh-CN" sz="2000" dirty="0" err="1"/>
+              <a:t>srp</a:t>
+            </a:r>
+            <a:r>
+              <a:rPr lang="en-US" altLang="zh-CN" sz="2000" dirty="0"/>
+              <a:t> \</a:t>
+            </a:r>
+          </a:p>
+          <a:p>
+            <a:pPr marL="457200" lvl="1" indent="0">
+              <a:buNone/>
+            </a:pPr>
+            <a:r>
+              <a:rPr lang="en-US" altLang="zh-CN" sz="2000" dirty="0"/>
+              <a:t>--enable-</a:t>
+            </a:r>
+            <a:r>
+              <a:rPr lang="en-US" altLang="zh-CN" sz="2000" dirty="0" err="1"/>
+              <a:t>unix</a:t>
+            </a:r>
+            <a:r>
+              <a:rPr lang="en-US" altLang="zh-CN" sz="2000" dirty="0"/>
+              <a:t>-sockets --enable-</a:t>
+            </a:r>
+            <a:r>
+              <a:rPr lang="en-US" altLang="zh-CN" sz="2000" dirty="0" err="1"/>
+              <a:t>imap</a:t>
+            </a:r>
+            <a:r>
+              <a:rPr lang="en-US" altLang="zh-CN" sz="2000" dirty="0"/>
+              <a:t> \</a:t>
+            </a:r>
+          </a:p>
+          <a:p>
+            <a:pPr marL="457200" lvl="1" indent="0">
+              <a:buNone/>
+            </a:pPr>
+            <a:r>
+              <a:rPr lang="en-US" altLang="zh-CN" sz="2000" dirty="0"/>
+              <a:t>--with-nghttp2=/</a:t>
+            </a:r>
+            <a:r>
+              <a:rPr lang="en-US" altLang="zh-CN" sz="2000" dirty="0" err="1"/>
+              <a:t>webrun</a:t>
+            </a:r>
+            <a:r>
+              <a:rPr lang="en-US" altLang="zh-CN" sz="2000" dirty="0"/>
+              <a:t>/lib/nghttp2 \</a:t>
+            </a:r>
+          </a:p>
+          <a:p>
+            <a:pPr marL="457200" lvl="1" indent="0">
+              <a:buNone/>
+            </a:pPr>
+            <a:r>
+              <a:rPr lang="en-US" altLang="zh-CN" sz="2000" dirty="0"/>
+              <a:t>--with-</a:t>
+            </a:r>
+            <a:r>
+              <a:rPr lang="en-US" altLang="zh-CN" sz="2000" dirty="0" err="1"/>
+              <a:t>zlib</a:t>
+            </a:r>
+            <a:r>
+              <a:rPr lang="en-US" altLang="zh-CN" sz="2000" dirty="0"/>
+              <a:t>=/</a:t>
+            </a:r>
+            <a:r>
+              <a:rPr lang="en-US" altLang="zh-CN" sz="2000" dirty="0" err="1"/>
+              <a:t>webrun</a:t>
+            </a:r>
+            <a:r>
+              <a:rPr lang="en-US" altLang="zh-CN" sz="2000" dirty="0"/>
+              <a:t>/lib/</a:t>
+            </a:r>
+            <a:r>
+              <a:rPr lang="en-US" altLang="zh-CN" sz="2000" dirty="0" err="1"/>
+              <a:t>zlib</a:t>
+            </a:r>
+            <a:r>
+              <a:rPr lang="en-US" altLang="zh-CN" sz="2000" dirty="0"/>
+              <a:t> \</a:t>
+            </a:r>
+          </a:p>
+          <a:p>
+            <a:pPr marL="457200" lvl="1" indent="0">
+              <a:buNone/>
+            </a:pPr>
+            <a:r>
+              <a:rPr lang="en-US" altLang="zh-CN" sz="2000" dirty="0"/>
+              <a:t>--with-</a:t>
+            </a:r>
+            <a:r>
+              <a:rPr lang="en-US" altLang="zh-CN" sz="2000" dirty="0" err="1"/>
+              <a:t>ssl</a:t>
+            </a:r>
+            <a:r>
+              <a:rPr lang="en-US" altLang="zh-CN" sz="2000" dirty="0"/>
+              <a:t>=/</a:t>
+            </a:r>
+            <a:r>
+              <a:rPr lang="en-US" altLang="zh-CN" sz="2000" dirty="0" err="1"/>
+              <a:t>webrun</a:t>
+            </a:r>
+            <a:r>
+              <a:rPr lang="en-US" altLang="zh-CN" sz="2000" dirty="0"/>
+              <a:t>/lib/</a:t>
+            </a:r>
+            <a:r>
+              <a:rPr lang="en-US" altLang="zh-CN" sz="2000" dirty="0" err="1"/>
+              <a:t>openssl</a:t>
+            </a:r>
+            <a:endParaRPr lang="en-US" altLang="zh-CN" sz="2000" dirty="0"/>
+          </a:p>
+          <a:p>
+            <a:pPr marL="457200" lvl="1" indent="0">
+              <a:buNone/>
+            </a:pPr>
+            <a:endParaRPr lang="en-US" altLang="zh-CN" sz="2000" dirty="0"/>
+          </a:p>
+          <a:p>
+            <a:pPr marL="457200" lvl="1" indent="0">
+              <a:buNone/>
+            </a:pPr>
+            <a:r>
+              <a:rPr lang="en-US" altLang="zh-CN" sz="2000" dirty="0" err="1"/>
+              <a:t>sudo</a:t>
+            </a:r>
+            <a:r>
+              <a:rPr lang="en-US" altLang="zh-CN" sz="2000" dirty="0"/>
+              <a:t> make install</a:t>
+            </a:r>
+          </a:p>
+          <a:p>
+            <a:pPr marL="0" indent="0">
+              <a:buNone/>
+            </a:pPr>
+            <a:endParaRPr lang="en-US" altLang="zh-CN" sz="2000" dirty="0"/>
+          </a:p>
+          <a:p>
+            <a:pPr marL="457200" lvl="1" indent="0">
+              <a:buNone/>
+            </a:pPr>
+            <a:endParaRPr lang="zh-CN" altLang="en-US" dirty="0"/>
           </a:p>
         </p:txBody>
       </p:sp>
     </p:spTree>
     <p:extLst>
       <p:ext uri="{BB962C8B-B14F-4D97-AF65-F5344CB8AC3E}">
-        <p14:creationId xmlns:p14="http://schemas.microsoft.com/office/powerpoint/2010/main" val="3327552584"/>
+        <p14:creationId xmlns:p14="http://schemas.microsoft.com/office/powerpoint/2010/main" val="2795365234"/>
       </p:ext>
     </p:extLst>
   </p:cSld>
@@ -6960,6 +7068,1382 @@
     <p:extLst>
       <p:ext uri="{BB962C8B-B14F-4D97-AF65-F5344CB8AC3E}">
         <p14:creationId xmlns:p14="http://schemas.microsoft.com/office/powerpoint/2010/main" val="2530648252"/>
+      </p:ext>
+    </p:extLst>
+  </p:cSld>
+  <p:clrMapOvr>
+    <a:masterClrMapping/>
+  </p:clrMapOvr>
+</p:sld>
+</file>
+
+<file path=ppt/slides/slide20.xml><?xml version="1.0" encoding="utf-8"?>
+<p:sld xmlns:a="http://schemas.openxmlformats.org/drawingml/2006/main" xmlns:r="http://schemas.openxmlformats.org/officeDocument/2006/relationships" xmlns:p="http://schemas.openxmlformats.org/presentationml/2006/main">
+  <p:cSld>
+    <p:spTree>
+      <p:nvGrpSpPr>
+        <p:cNvPr id="1" name=""/>
+        <p:cNvGrpSpPr/>
+        <p:nvPr/>
+      </p:nvGrpSpPr>
+      <p:grpSpPr>
+        <a:xfrm>
+          <a:off x="0" y="0"/>
+          <a:ext cx="0" cy="0"/>
+          <a:chOff x="0" y="0"/>
+          <a:chExt cx="0" cy="0"/>
+        </a:xfrm>
+      </p:grpSpPr>
+      <p:sp>
+        <p:nvSpPr>
+          <p:cNvPr id="4" name="标题 3">
+            <a:extLst>
+              <a:ext uri="{FF2B5EF4-FFF2-40B4-BE49-F238E27FC236}">
+                <a16:creationId xmlns:a16="http://schemas.microsoft.com/office/drawing/2014/main" id="{2729939D-814A-4BD2-9922-3F8EA865938B}"/>
+              </a:ext>
+            </a:extLst>
+          </p:cNvPr>
+          <p:cNvSpPr>
+            <a:spLocks noGrp="1"/>
+          </p:cNvSpPr>
+          <p:nvPr>
+            <p:ph type="title"/>
+          </p:nvPr>
+        </p:nvSpPr>
+        <p:spPr>
+          <a:xfrm>
+            <a:off x="838200" y="683581"/>
+            <a:ext cx="10515600" cy="736846"/>
+          </a:xfrm>
+        </p:spPr>
+        <p:txBody>
+          <a:bodyPr/>
+          <a:lstStyle/>
+          <a:p>
+            <a:r>
+              <a:rPr lang="en-US" altLang="zh-CN" dirty="0"/>
+              <a:t>Compile PHP with curl and </a:t>
+            </a:r>
+            <a:r>
+              <a:rPr lang="en-US" altLang="zh-CN" dirty="0" err="1"/>
+              <a:t>openssl</a:t>
+            </a:r>
+            <a:endParaRPr lang="zh-CN" altLang="en-US" dirty="0"/>
+          </a:p>
+        </p:txBody>
+      </p:sp>
+      <p:sp>
+        <p:nvSpPr>
+          <p:cNvPr id="5" name="内容占位符 4">
+            <a:extLst>
+              <a:ext uri="{FF2B5EF4-FFF2-40B4-BE49-F238E27FC236}">
+                <a16:creationId xmlns:a16="http://schemas.microsoft.com/office/drawing/2014/main" id="{19253A6A-8958-4C89-A4FE-863B33442CE7}"/>
+              </a:ext>
+            </a:extLst>
+          </p:cNvPr>
+          <p:cNvSpPr>
+            <a:spLocks noGrp="1"/>
+          </p:cNvSpPr>
+          <p:nvPr>
+            <p:ph idx="1"/>
+          </p:nvPr>
+        </p:nvSpPr>
+        <p:spPr/>
+        <p:txBody>
+          <a:bodyPr>
+            <a:normAutofit/>
+          </a:bodyPr>
+          <a:lstStyle/>
+          <a:p>
+            <a:r>
+              <a:rPr lang="zh-CN" altLang="en-US" sz="2400" dirty="0"/>
+              <a:t>运行脚本：</a:t>
+            </a:r>
+            <a:endParaRPr lang="en-US" altLang="zh-CN" sz="2400" dirty="0"/>
+          </a:p>
+          <a:p>
+            <a:pPr marL="457200" lvl="1" indent="0">
+              <a:buNone/>
+            </a:pPr>
+            <a:r>
+              <a:rPr lang="en-US" altLang="zh-CN" sz="2000" dirty="0"/>
+              <a:t>./configure --prefix=/</a:t>
+            </a:r>
+            <a:r>
+              <a:rPr lang="en-US" altLang="zh-CN" sz="2000" dirty="0" err="1"/>
+              <a:t>webrun</a:t>
+            </a:r>
+            <a:r>
+              <a:rPr lang="en-US" altLang="zh-CN" sz="2000" dirty="0"/>
+              <a:t>/php7115 \</a:t>
+            </a:r>
+          </a:p>
+          <a:p>
+            <a:pPr marL="457200" lvl="1" indent="0">
+              <a:buNone/>
+            </a:pPr>
+            <a:r>
+              <a:rPr lang="en-US" altLang="zh-CN" sz="2000" dirty="0"/>
+              <a:t>--enable-</a:t>
+            </a:r>
+            <a:r>
+              <a:rPr lang="en-US" altLang="zh-CN" sz="2000" dirty="0" err="1"/>
+              <a:t>bcmath</a:t>
+            </a:r>
+            <a:r>
+              <a:rPr lang="en-US" altLang="zh-CN" sz="2000" dirty="0"/>
+              <a:t> --enable-calendar \</a:t>
+            </a:r>
+          </a:p>
+          <a:p>
+            <a:pPr marL="457200" lvl="1" indent="0">
+              <a:buNone/>
+            </a:pPr>
+            <a:r>
+              <a:rPr lang="en-US" altLang="zh-CN" sz="2000" dirty="0"/>
+              <a:t>--enable-fpm --enable-ftp --enable-</a:t>
+            </a:r>
+            <a:r>
+              <a:rPr lang="en-US" altLang="zh-CN" sz="2000" dirty="0" err="1"/>
+              <a:t>mbstring</a:t>
+            </a:r>
+            <a:r>
+              <a:rPr lang="en-US" altLang="zh-CN" sz="2000" dirty="0"/>
+              <a:t> --enable-</a:t>
+            </a:r>
+            <a:r>
+              <a:rPr lang="en-US" altLang="zh-CN" sz="2000" dirty="0" err="1"/>
+              <a:t>mysqlnd</a:t>
+            </a:r>
+            <a:r>
+              <a:rPr lang="en-US" altLang="zh-CN" sz="2000" dirty="0"/>
+              <a:t> \</a:t>
+            </a:r>
+          </a:p>
+          <a:p>
+            <a:pPr marL="457200" lvl="1" indent="0">
+              <a:buNone/>
+            </a:pPr>
+            <a:r>
+              <a:rPr lang="en-US" altLang="zh-CN" sz="2000" dirty="0"/>
+              <a:t>--enable-</a:t>
+            </a:r>
+            <a:r>
+              <a:rPr lang="en-US" altLang="zh-CN" sz="2000" dirty="0" err="1"/>
+              <a:t>pcntl</a:t>
+            </a:r>
+            <a:r>
+              <a:rPr lang="en-US" altLang="zh-CN" sz="2000" dirty="0"/>
+              <a:t> --enable-sockets --enable-</a:t>
+            </a:r>
+            <a:r>
+              <a:rPr lang="en-US" altLang="zh-CN" sz="2000" dirty="0" err="1"/>
+              <a:t>sysvsem</a:t>
+            </a:r>
+            <a:r>
+              <a:rPr lang="en-US" altLang="zh-CN" sz="2000" dirty="0"/>
+              <a:t> \</a:t>
+            </a:r>
+          </a:p>
+          <a:p>
+            <a:pPr marL="457200" lvl="1" indent="0">
+              <a:buNone/>
+            </a:pPr>
+            <a:r>
+              <a:rPr lang="en-US" altLang="zh-CN" sz="2000" dirty="0"/>
+              <a:t>--enable-</a:t>
+            </a:r>
+            <a:r>
+              <a:rPr lang="en-US" altLang="zh-CN" sz="2000" dirty="0" err="1"/>
+              <a:t>sysvshm</a:t>
+            </a:r>
+            <a:r>
+              <a:rPr lang="en-US" altLang="zh-CN" sz="2000" dirty="0"/>
+              <a:t> --enable-</a:t>
+            </a:r>
+            <a:r>
+              <a:rPr lang="en-US" altLang="zh-CN" sz="2000" dirty="0" err="1"/>
+              <a:t>sysvmsg</a:t>
+            </a:r>
+            <a:r>
+              <a:rPr lang="en-US" altLang="zh-CN" sz="2000" dirty="0"/>
+              <a:t> --enable-zip \</a:t>
+            </a:r>
+          </a:p>
+          <a:p>
+            <a:pPr marL="457200" lvl="1" indent="0">
+              <a:buNone/>
+            </a:pPr>
+            <a:r>
+              <a:rPr lang="en-US" altLang="zh-CN" sz="2000" dirty="0"/>
+              <a:t>--with-curl=/</a:t>
+            </a:r>
+            <a:r>
+              <a:rPr lang="en-US" altLang="zh-CN" sz="2000" dirty="0" err="1"/>
+              <a:t>webrun</a:t>
+            </a:r>
+            <a:r>
+              <a:rPr lang="en-US" altLang="zh-CN" sz="2000" dirty="0"/>
+              <a:t>/lib/curl \</a:t>
+            </a:r>
+          </a:p>
+          <a:p>
+            <a:pPr marL="457200" lvl="1" indent="0">
+              <a:buNone/>
+            </a:pPr>
+            <a:r>
+              <a:rPr lang="en-US" altLang="zh-CN" sz="2000" dirty="0"/>
+              <a:t>--with-</a:t>
+            </a:r>
+            <a:r>
+              <a:rPr lang="en-US" altLang="zh-CN" sz="2000" dirty="0" err="1"/>
+              <a:t>openssl</a:t>
+            </a:r>
+            <a:r>
+              <a:rPr lang="en-US" altLang="zh-CN" sz="2000" dirty="0"/>
+              <a:t>=/</a:t>
+            </a:r>
+            <a:r>
+              <a:rPr lang="en-US" altLang="zh-CN" sz="2000" dirty="0" err="1"/>
+              <a:t>webrun</a:t>
+            </a:r>
+            <a:r>
+              <a:rPr lang="en-US" altLang="zh-CN" sz="2000" dirty="0"/>
+              <a:t>/lib/</a:t>
+            </a:r>
+            <a:r>
+              <a:rPr lang="en-US" altLang="zh-CN" sz="2000" dirty="0" err="1"/>
+              <a:t>openssl</a:t>
+            </a:r>
+            <a:endParaRPr lang="en-US" altLang="zh-CN" sz="2000" dirty="0"/>
+          </a:p>
+          <a:p>
+            <a:pPr marL="457200" lvl="1" indent="0">
+              <a:buNone/>
+            </a:pPr>
+            <a:endParaRPr lang="en-US" altLang="zh-CN" dirty="0"/>
+          </a:p>
+          <a:p>
+            <a:endParaRPr lang="en-US" altLang="zh-CN" sz="2400" dirty="0"/>
+          </a:p>
+        </p:txBody>
+      </p:sp>
+    </p:spTree>
+    <p:extLst>
+      <p:ext uri="{BB962C8B-B14F-4D97-AF65-F5344CB8AC3E}">
+        <p14:creationId xmlns:p14="http://schemas.microsoft.com/office/powerpoint/2010/main" val="4129000954"/>
+      </p:ext>
+    </p:extLst>
+  </p:cSld>
+  <p:clrMapOvr>
+    <a:masterClrMapping/>
+  </p:clrMapOvr>
+</p:sld>
+</file>
+
+<file path=ppt/slides/slide21.xml><?xml version="1.0" encoding="utf-8"?>
+<p:sld xmlns:a="http://schemas.openxmlformats.org/drawingml/2006/main" xmlns:r="http://schemas.openxmlformats.org/officeDocument/2006/relationships" xmlns:p="http://schemas.openxmlformats.org/presentationml/2006/main">
+  <p:cSld>
+    <p:spTree>
+      <p:nvGrpSpPr>
+        <p:cNvPr id="1" name=""/>
+        <p:cNvGrpSpPr/>
+        <p:nvPr/>
+      </p:nvGrpSpPr>
+      <p:grpSpPr>
+        <a:xfrm>
+          <a:off x="0" y="0"/>
+          <a:ext cx="0" cy="0"/>
+          <a:chOff x="0" y="0"/>
+          <a:chExt cx="0" cy="0"/>
+        </a:xfrm>
+      </p:grpSpPr>
+      <p:sp>
+        <p:nvSpPr>
+          <p:cNvPr id="4" name="标题 3">
+            <a:extLst>
+              <a:ext uri="{FF2B5EF4-FFF2-40B4-BE49-F238E27FC236}">
+                <a16:creationId xmlns:a16="http://schemas.microsoft.com/office/drawing/2014/main" id="{2729939D-814A-4BD2-9922-3F8EA865938B}"/>
+              </a:ext>
+            </a:extLst>
+          </p:cNvPr>
+          <p:cNvSpPr>
+            <a:spLocks noGrp="1"/>
+          </p:cNvSpPr>
+          <p:nvPr>
+            <p:ph type="title"/>
+          </p:nvPr>
+        </p:nvSpPr>
+        <p:spPr>
+          <a:xfrm>
+            <a:off x="838200" y="683581"/>
+            <a:ext cx="10515600" cy="736846"/>
+          </a:xfrm>
+        </p:spPr>
+        <p:txBody>
+          <a:bodyPr/>
+          <a:lstStyle/>
+          <a:p>
+            <a:r>
+              <a:rPr lang="zh-CN" altLang="en-US" dirty="0"/>
+              <a:t>编译</a:t>
+            </a:r>
+            <a:r>
+              <a:rPr lang="en-US" altLang="zh-CN" dirty="0"/>
+              <a:t>PHP</a:t>
+            </a:r>
+            <a:r>
+              <a:rPr lang="zh-CN" altLang="en-US" dirty="0"/>
+              <a:t>扩展的过程</a:t>
+            </a:r>
+          </a:p>
+        </p:txBody>
+      </p:sp>
+      <p:sp>
+        <p:nvSpPr>
+          <p:cNvPr id="5" name="内容占位符 4">
+            <a:extLst>
+              <a:ext uri="{FF2B5EF4-FFF2-40B4-BE49-F238E27FC236}">
+                <a16:creationId xmlns:a16="http://schemas.microsoft.com/office/drawing/2014/main" id="{19253A6A-8958-4C89-A4FE-863B33442CE7}"/>
+              </a:ext>
+            </a:extLst>
+          </p:cNvPr>
+          <p:cNvSpPr>
+            <a:spLocks noGrp="1"/>
+          </p:cNvSpPr>
+          <p:nvPr>
+            <p:ph idx="1"/>
+          </p:nvPr>
+        </p:nvSpPr>
+        <p:spPr/>
+        <p:txBody>
+          <a:bodyPr>
+            <a:noAutofit/>
+          </a:bodyPr>
+          <a:lstStyle/>
+          <a:p>
+            <a:r>
+              <a:rPr lang="en-US" altLang="zh-CN" sz="2400" dirty="0"/>
+              <a:t>PHP</a:t>
+            </a:r>
+            <a:r>
+              <a:rPr lang="zh-CN" altLang="en-US" sz="2400" dirty="0"/>
+              <a:t>源代码目录中的</a:t>
+            </a:r>
+            <a:r>
+              <a:rPr lang="en-US" altLang="zh-CN" sz="2400" dirty="0" err="1"/>
+              <a:t>ext</a:t>
+            </a:r>
+            <a:r>
+              <a:rPr lang="zh-CN" altLang="en-US" sz="2400" dirty="0"/>
+              <a:t>下有官方提供的扩展，如果是其他扩展可以去</a:t>
+            </a:r>
+            <a:r>
+              <a:rPr lang="en-US" altLang="zh-CN" sz="2400" dirty="0" err="1"/>
+              <a:t>pecl</a:t>
+            </a:r>
+            <a:r>
+              <a:rPr lang="zh-CN" altLang="en-US" sz="2400" dirty="0"/>
+              <a:t>网站上下载。</a:t>
+            </a:r>
+            <a:endParaRPr lang="en-US" altLang="zh-CN" sz="2400" dirty="0"/>
+          </a:p>
+          <a:p>
+            <a:r>
+              <a:rPr lang="en-US" altLang="zh-CN" sz="2400" dirty="0"/>
+              <a:t>PHP</a:t>
+            </a:r>
+            <a:r>
+              <a:rPr lang="zh-CN" altLang="en-US" sz="2400" dirty="0"/>
+              <a:t>扩展编译的基本流程：</a:t>
+            </a:r>
+            <a:endParaRPr lang="en-US" altLang="zh-CN" sz="2400" dirty="0"/>
+          </a:p>
+          <a:p>
+            <a:pPr marL="457200" lvl="1" indent="0">
+              <a:buNone/>
+            </a:pPr>
+            <a:r>
+              <a:rPr lang="en-US" altLang="zh-CN" sz="2000" dirty="0"/>
+              <a:t>PHP_INSTALL_DIR/bin/</a:t>
+            </a:r>
+            <a:r>
+              <a:rPr lang="en-US" altLang="zh-CN" sz="2000" dirty="0" err="1"/>
+              <a:t>phpize</a:t>
+            </a:r>
+            <a:r>
+              <a:rPr lang="en-US" altLang="zh-CN" sz="2000" dirty="0"/>
+              <a:t>  //</a:t>
+            </a:r>
+            <a:r>
+              <a:rPr lang="zh-CN" altLang="en-US" sz="2000" dirty="0"/>
+              <a:t>生成</a:t>
+            </a:r>
+            <a:r>
+              <a:rPr lang="en-US" altLang="zh-CN" sz="2000" dirty="0"/>
+              <a:t>configure</a:t>
+            </a:r>
+            <a:r>
+              <a:rPr lang="zh-CN" altLang="en-US" sz="2000" dirty="0"/>
+              <a:t>文件</a:t>
+            </a:r>
+            <a:endParaRPr lang="en-US" altLang="zh-CN" sz="2000" dirty="0"/>
+          </a:p>
+          <a:p>
+            <a:pPr marL="457200" lvl="1" indent="0">
+              <a:buNone/>
+            </a:pPr>
+            <a:r>
+              <a:rPr lang="en-US" altLang="zh-CN" sz="1800" i="1" dirty="0"/>
+              <a:t>/</a:t>
+            </a:r>
+            <a:r>
+              <a:rPr lang="zh-CN" altLang="en-US" sz="1800" i="1" dirty="0"/>
+              <a:t>*环境检测，并生成</a:t>
+            </a:r>
+            <a:r>
+              <a:rPr lang="en-US" altLang="zh-CN" sz="1800" i="1" dirty="0" err="1"/>
+              <a:t>Makefile</a:t>
+            </a:r>
+            <a:r>
+              <a:rPr lang="zh-CN" altLang="en-US" sz="1800" i="1" dirty="0"/>
+              <a:t>文件，后面的参数会根据</a:t>
+            </a:r>
+            <a:r>
+              <a:rPr lang="en-US" altLang="zh-CN" sz="1800" i="1" dirty="0" err="1"/>
+              <a:t>php</a:t>
+            </a:r>
+            <a:r>
+              <a:rPr lang="en-US" altLang="zh-CN" sz="1800" i="1" dirty="0"/>
+              <a:t>-config</a:t>
+            </a:r>
+            <a:r>
+              <a:rPr lang="zh-CN" altLang="en-US" sz="1800" i="1" dirty="0"/>
+              <a:t>确定编译环境，安装目录等信息。运行</a:t>
+            </a:r>
+            <a:r>
+              <a:rPr lang="en-US" altLang="zh-CN" sz="1800" i="1" dirty="0"/>
+              <a:t>configure</a:t>
+            </a:r>
+            <a:r>
+              <a:rPr lang="zh-CN" altLang="en-US" sz="1800" i="1" dirty="0"/>
+              <a:t>根据不同扩展还需要其他参数，需要根据具体扩展决定。*</a:t>
+            </a:r>
+            <a:r>
+              <a:rPr lang="en-US" altLang="zh-CN" sz="1800" i="1" dirty="0"/>
+              <a:t>/</a:t>
+            </a:r>
+          </a:p>
+          <a:p>
+            <a:pPr marL="457200" lvl="1" indent="0">
+              <a:buNone/>
+            </a:pPr>
+            <a:endParaRPr lang="en-US" altLang="zh-CN" sz="2000" dirty="0"/>
+          </a:p>
+          <a:p>
+            <a:pPr marL="457200" lvl="1" indent="0">
+              <a:buNone/>
+            </a:pPr>
+            <a:r>
+              <a:rPr lang="en-US" altLang="zh-CN" sz="2000" dirty="0"/>
+              <a:t>./configure –with-</a:t>
+            </a:r>
+            <a:r>
+              <a:rPr lang="en-US" altLang="zh-CN" sz="2000" dirty="0" err="1"/>
+              <a:t>php</a:t>
+            </a:r>
+            <a:r>
+              <a:rPr lang="en-US" altLang="zh-CN" sz="2000" dirty="0"/>
+              <a:t>-config=PHP_INSTALL_DIR/bin/</a:t>
+            </a:r>
+            <a:r>
+              <a:rPr lang="en-US" altLang="zh-CN" sz="2000" dirty="0" err="1"/>
+              <a:t>php</a:t>
+            </a:r>
+            <a:r>
+              <a:rPr lang="en-US" altLang="zh-CN" sz="2000" dirty="0"/>
+              <a:t>-config</a:t>
+            </a:r>
+          </a:p>
+          <a:p>
+            <a:pPr marL="457200" lvl="1" indent="0">
+              <a:buNone/>
+            </a:pPr>
+            <a:r>
+              <a:rPr lang="en-US" altLang="zh-CN" sz="2000" dirty="0"/>
+              <a:t>make //</a:t>
+            </a:r>
+            <a:r>
+              <a:rPr lang="zh-CN" altLang="en-US" sz="2000" dirty="0"/>
+              <a:t>编译</a:t>
+            </a:r>
+            <a:endParaRPr lang="en-US" altLang="zh-CN" sz="2000" dirty="0"/>
+          </a:p>
+          <a:p>
+            <a:pPr marL="457200" lvl="1" indent="0">
+              <a:buNone/>
+            </a:pPr>
+            <a:r>
+              <a:rPr lang="en-US" altLang="zh-CN" sz="2000" dirty="0" err="1"/>
+              <a:t>sudo</a:t>
+            </a:r>
+            <a:r>
+              <a:rPr lang="en-US" altLang="zh-CN" sz="2000" dirty="0"/>
+              <a:t>  make  install  //</a:t>
+            </a:r>
+            <a:r>
+              <a:rPr lang="zh-CN" altLang="en-US" sz="2000" dirty="0"/>
+              <a:t>安装扩展</a:t>
+            </a:r>
+            <a:endParaRPr lang="en-US" altLang="zh-CN" sz="2000" dirty="0"/>
+          </a:p>
+          <a:p>
+            <a:pPr marL="457200" lvl="1" indent="0">
+              <a:buNone/>
+            </a:pPr>
+            <a:endParaRPr lang="en-US" altLang="zh-CN" sz="2000" dirty="0"/>
+          </a:p>
+          <a:p>
+            <a:pPr marL="457200" lvl="1" indent="0">
+              <a:buNone/>
+            </a:pPr>
+            <a:r>
+              <a:rPr lang="en-US" altLang="zh-CN" sz="1800" i="1" dirty="0"/>
+              <a:t>/</a:t>
+            </a:r>
+            <a:r>
+              <a:rPr lang="zh-CN" altLang="en-US" sz="1800" i="1" dirty="0"/>
+              <a:t>*安装扩展其实就是把</a:t>
+            </a:r>
+            <a:r>
+              <a:rPr lang="en-US" altLang="zh-CN" sz="1800" i="1" dirty="0"/>
+              <a:t>modules/</a:t>
+            </a:r>
+            <a:r>
+              <a:rPr lang="zh-CN" altLang="en-US" sz="1800" i="1" dirty="0"/>
+              <a:t>下的</a:t>
+            </a:r>
+            <a:r>
+              <a:rPr lang="en-US" altLang="zh-CN" sz="1800" i="1" dirty="0"/>
+              <a:t>.so</a:t>
+            </a:r>
+            <a:r>
+              <a:rPr lang="zh-CN" altLang="en-US" sz="1800" i="1" dirty="0"/>
+              <a:t>文件复制到</a:t>
+            </a:r>
+            <a:r>
+              <a:rPr lang="en-US" altLang="zh-CN" sz="1800" i="1" dirty="0"/>
+              <a:t>PHP</a:t>
+            </a:r>
+            <a:r>
+              <a:rPr lang="zh-CN" altLang="en-US" sz="1800" i="1" dirty="0"/>
+              <a:t>的扩展目录下，由于</a:t>
+            </a:r>
+            <a:r>
+              <a:rPr lang="en-US" altLang="zh-CN" sz="1800" i="1" dirty="0"/>
+              <a:t>configure</a:t>
+            </a:r>
+            <a:r>
+              <a:rPr lang="zh-CN" altLang="en-US" sz="1800" i="1" dirty="0"/>
+              <a:t>已经从</a:t>
+            </a:r>
+            <a:r>
+              <a:rPr lang="en-US" altLang="zh-CN" sz="1800" i="1" dirty="0" err="1"/>
+              <a:t>php</a:t>
+            </a:r>
+            <a:r>
+              <a:rPr lang="en-US" altLang="zh-CN" sz="1800" i="1" dirty="0"/>
+              <a:t>-config</a:t>
+            </a:r>
+            <a:r>
+              <a:rPr lang="zh-CN" altLang="en-US" sz="1800" i="1" dirty="0"/>
+              <a:t>确定了扩展目录并写入到了</a:t>
+            </a:r>
+            <a:r>
+              <a:rPr lang="en-US" altLang="zh-CN" sz="1800" i="1" dirty="0" err="1"/>
+              <a:t>Makefile</a:t>
+            </a:r>
+            <a:r>
+              <a:rPr lang="zh-CN" altLang="en-US" sz="1800" i="1" dirty="0"/>
+              <a:t>文件，所以</a:t>
+            </a:r>
+            <a:r>
+              <a:rPr lang="en-US" altLang="zh-CN" sz="1800" i="1" dirty="0"/>
+              <a:t>make  install</a:t>
+            </a:r>
+            <a:r>
+              <a:rPr lang="zh-CN" altLang="en-US" sz="1800" i="1" dirty="0"/>
+              <a:t>会自动复制过去。这一步直接使用</a:t>
+            </a:r>
+            <a:r>
+              <a:rPr lang="en-US" altLang="zh-CN" sz="1800" i="1" dirty="0" err="1"/>
+              <a:t>cp</a:t>
+            </a:r>
+            <a:r>
+              <a:rPr lang="zh-CN" altLang="en-US" sz="1800" i="1" dirty="0"/>
+              <a:t>命令复制过去也是可以的。</a:t>
+            </a:r>
+            <a:r>
+              <a:rPr lang="en-US" altLang="zh-CN" sz="1800" i="1" dirty="0"/>
+              <a:t>PHP</a:t>
+            </a:r>
+            <a:r>
+              <a:rPr lang="zh-CN" altLang="en-US" sz="1800" i="1" dirty="0"/>
+              <a:t>编译安装后的扩展目录在</a:t>
+            </a:r>
+            <a:r>
+              <a:rPr lang="en-US" altLang="zh-CN" sz="1800" i="1" dirty="0"/>
+              <a:t>PHP_INSTALL_DIR/lib/</a:t>
+            </a:r>
+            <a:r>
+              <a:rPr lang="en-US" altLang="zh-CN" sz="1800" i="1" dirty="0" err="1"/>
+              <a:t>php</a:t>
+            </a:r>
+            <a:r>
+              <a:rPr lang="en-US" altLang="zh-CN" sz="1800" i="1" dirty="0"/>
+              <a:t>/extensions/no-debug-non-zts-20160303</a:t>
+            </a:r>
+            <a:r>
+              <a:rPr lang="zh-CN" altLang="en-US" sz="1800" i="1" dirty="0"/>
+              <a:t>*</a:t>
+            </a:r>
+            <a:r>
+              <a:rPr lang="en-US" altLang="zh-CN" sz="1800" i="1" dirty="0"/>
+              <a:t>/</a:t>
+            </a:r>
+          </a:p>
+        </p:txBody>
+      </p:sp>
+    </p:spTree>
+    <p:extLst>
+      <p:ext uri="{BB962C8B-B14F-4D97-AF65-F5344CB8AC3E}">
+        <p14:creationId xmlns:p14="http://schemas.microsoft.com/office/powerpoint/2010/main" val="2277060672"/>
+      </p:ext>
+    </p:extLst>
+  </p:cSld>
+  <p:clrMapOvr>
+    <a:masterClrMapping/>
+  </p:clrMapOvr>
+</p:sld>
+</file>
+
+<file path=ppt/slides/slide22.xml><?xml version="1.0" encoding="utf-8"?>
+<p:sld xmlns:a="http://schemas.openxmlformats.org/drawingml/2006/main" xmlns:r="http://schemas.openxmlformats.org/officeDocument/2006/relationships" xmlns:p="http://schemas.openxmlformats.org/presentationml/2006/main">
+  <p:cSld>
+    <p:spTree>
+      <p:nvGrpSpPr>
+        <p:cNvPr id="1" name=""/>
+        <p:cNvGrpSpPr/>
+        <p:nvPr/>
+      </p:nvGrpSpPr>
+      <p:grpSpPr>
+        <a:xfrm>
+          <a:off x="0" y="0"/>
+          <a:ext cx="0" cy="0"/>
+          <a:chOff x="0" y="0"/>
+          <a:chExt cx="0" cy="0"/>
+        </a:xfrm>
+      </p:grpSpPr>
+      <p:sp>
+        <p:nvSpPr>
+          <p:cNvPr id="4" name="标题 3">
+            <a:extLst>
+              <a:ext uri="{FF2B5EF4-FFF2-40B4-BE49-F238E27FC236}">
+                <a16:creationId xmlns:a16="http://schemas.microsoft.com/office/drawing/2014/main" id="{2729939D-814A-4BD2-9922-3F8EA865938B}"/>
+              </a:ext>
+            </a:extLst>
+          </p:cNvPr>
+          <p:cNvSpPr>
+            <a:spLocks noGrp="1"/>
+          </p:cNvSpPr>
+          <p:nvPr>
+            <p:ph type="title"/>
+          </p:nvPr>
+        </p:nvSpPr>
+        <p:spPr>
+          <a:xfrm>
+            <a:off x="838200" y="683581"/>
+            <a:ext cx="10515600" cy="736846"/>
+          </a:xfrm>
+        </p:spPr>
+        <p:txBody>
+          <a:bodyPr/>
+          <a:lstStyle/>
+          <a:p>
+            <a:r>
+              <a:rPr lang="zh-CN" altLang="en-US" dirty="0"/>
+              <a:t>编译</a:t>
+            </a:r>
+            <a:r>
+              <a:rPr lang="en-US" altLang="zh-CN" dirty="0"/>
+              <a:t>PHP</a:t>
+            </a:r>
+            <a:r>
+              <a:rPr lang="zh-CN" altLang="en-US" dirty="0"/>
+              <a:t>扩展示例：</a:t>
+            </a:r>
+            <a:r>
+              <a:rPr lang="en-US" altLang="zh-CN" dirty="0" err="1"/>
+              <a:t>pdo_mysql</a:t>
+            </a:r>
+            <a:endParaRPr lang="zh-CN" altLang="en-US" dirty="0"/>
+          </a:p>
+        </p:txBody>
+      </p:sp>
+      <p:sp>
+        <p:nvSpPr>
+          <p:cNvPr id="5" name="内容占位符 4">
+            <a:extLst>
+              <a:ext uri="{FF2B5EF4-FFF2-40B4-BE49-F238E27FC236}">
+                <a16:creationId xmlns:a16="http://schemas.microsoft.com/office/drawing/2014/main" id="{19253A6A-8958-4C89-A4FE-863B33442CE7}"/>
+              </a:ext>
+            </a:extLst>
+          </p:cNvPr>
+          <p:cNvSpPr>
+            <a:spLocks noGrp="1"/>
+          </p:cNvSpPr>
+          <p:nvPr>
+            <p:ph idx="1"/>
+          </p:nvPr>
+        </p:nvSpPr>
+        <p:spPr/>
+        <p:txBody>
+          <a:bodyPr>
+            <a:normAutofit/>
+          </a:bodyPr>
+          <a:lstStyle/>
+          <a:p>
+            <a:r>
+              <a:rPr lang="en-US" altLang="zh-CN" sz="2400" dirty="0"/>
+              <a:t>PHP</a:t>
+            </a:r>
+            <a:r>
+              <a:rPr lang="zh-CN" altLang="en-US" sz="2400" dirty="0"/>
+              <a:t>源代码目录切换到</a:t>
+            </a:r>
+            <a:r>
+              <a:rPr lang="en-US" altLang="zh-CN" sz="2400" dirty="0" err="1"/>
+              <a:t>ext</a:t>
+            </a:r>
+            <a:r>
+              <a:rPr lang="en-US" altLang="zh-CN" sz="2400" dirty="0"/>
+              <a:t>/</a:t>
+            </a:r>
+            <a:r>
+              <a:rPr lang="en-US" altLang="zh-CN" sz="2400" dirty="0" err="1"/>
+              <a:t>pdo_mysql</a:t>
+            </a:r>
+            <a:r>
+              <a:rPr lang="zh-CN" altLang="en-US" sz="2400" dirty="0"/>
+              <a:t>目录，依次运行：</a:t>
+            </a:r>
+            <a:endParaRPr lang="en-US" altLang="zh-CN" sz="2400" dirty="0"/>
+          </a:p>
+          <a:p>
+            <a:pPr marL="457200" lvl="1" indent="0">
+              <a:buNone/>
+            </a:pPr>
+            <a:r>
+              <a:rPr lang="en-US" altLang="zh-CN" sz="2000" i="1" dirty="0"/>
+              <a:t>//</a:t>
+            </a:r>
+            <a:r>
+              <a:rPr lang="zh-CN" altLang="en-US" sz="2000" i="1" dirty="0"/>
+              <a:t>生成</a:t>
+            </a:r>
+            <a:r>
+              <a:rPr lang="en-US" altLang="zh-CN" sz="2000" i="1" dirty="0"/>
+              <a:t>configure</a:t>
+            </a:r>
+            <a:r>
+              <a:rPr lang="zh-CN" altLang="en-US" sz="2000" i="1" dirty="0"/>
+              <a:t>文件</a:t>
+            </a:r>
+            <a:endParaRPr lang="en-US" altLang="zh-CN" sz="2000" i="1" dirty="0"/>
+          </a:p>
+          <a:p>
+            <a:pPr marL="457200" lvl="1" indent="0">
+              <a:buNone/>
+            </a:pPr>
+            <a:r>
+              <a:rPr lang="en-US" altLang="zh-CN" dirty="0"/>
+              <a:t>PHP_INSTALL_DIR/bin/</a:t>
+            </a:r>
+            <a:r>
+              <a:rPr lang="en-US" altLang="zh-CN" dirty="0" err="1"/>
+              <a:t>phpize</a:t>
+            </a:r>
+            <a:endParaRPr lang="en-US" altLang="zh-CN" dirty="0"/>
+          </a:p>
+          <a:p>
+            <a:pPr marL="457200" lvl="1" indent="0">
+              <a:buNone/>
+            </a:pPr>
+            <a:endParaRPr lang="en-US" altLang="zh-CN" dirty="0"/>
+          </a:p>
+          <a:p>
+            <a:pPr marL="457200" lvl="1" indent="0">
+              <a:buNone/>
+            </a:pPr>
+            <a:r>
+              <a:rPr lang="en-US" altLang="zh-CN" dirty="0"/>
+              <a:t>./configure</a:t>
+            </a:r>
+            <a:r>
+              <a:rPr lang="zh-CN" altLang="en-US" dirty="0"/>
+              <a:t> </a:t>
+            </a:r>
+            <a:r>
+              <a:rPr lang="en-US" altLang="zh-CN" dirty="0"/>
+              <a:t>–with-</a:t>
+            </a:r>
+            <a:r>
+              <a:rPr lang="en-US" altLang="zh-CN" dirty="0" err="1"/>
+              <a:t>php</a:t>
+            </a:r>
+            <a:r>
+              <a:rPr lang="en-US" altLang="zh-CN" dirty="0"/>
+              <a:t>-config=PHP_INSTALL_DIR/bin/</a:t>
+            </a:r>
+            <a:r>
+              <a:rPr lang="en-US" altLang="zh-CN" dirty="0" err="1"/>
+              <a:t>php</a:t>
+            </a:r>
+            <a:r>
+              <a:rPr lang="en-US" altLang="zh-CN" dirty="0"/>
+              <a:t>-config</a:t>
+            </a:r>
+          </a:p>
+          <a:p>
+            <a:pPr marL="457200" lvl="1" indent="0">
+              <a:buNone/>
+            </a:pPr>
+            <a:endParaRPr lang="en-US" altLang="zh-CN" dirty="0"/>
+          </a:p>
+          <a:p>
+            <a:pPr marL="457200" lvl="1" indent="0">
+              <a:buNone/>
+            </a:pPr>
+            <a:r>
+              <a:rPr lang="en-US" altLang="zh-CN" sz="2000" i="1" dirty="0"/>
+              <a:t>//</a:t>
+            </a:r>
+            <a:r>
+              <a:rPr lang="zh-CN" altLang="en-US" sz="2000" i="1" dirty="0"/>
+              <a:t>根据</a:t>
+            </a:r>
+            <a:r>
+              <a:rPr lang="en-US" altLang="zh-CN" sz="2000" i="1" dirty="0" err="1"/>
+              <a:t>Makefile</a:t>
+            </a:r>
+            <a:r>
+              <a:rPr lang="zh-CN" altLang="en-US" sz="2000" i="1" dirty="0"/>
+              <a:t>文件进行编译</a:t>
+            </a:r>
+            <a:endParaRPr lang="en-US" altLang="zh-CN" sz="2000" i="1" dirty="0"/>
+          </a:p>
+          <a:p>
+            <a:pPr marL="457200" lvl="1" indent="0">
+              <a:buNone/>
+            </a:pPr>
+            <a:r>
+              <a:rPr lang="en-US" altLang="zh-CN" dirty="0"/>
+              <a:t>make</a:t>
+            </a:r>
+          </a:p>
+          <a:p>
+            <a:pPr marL="457200" lvl="1" indent="0">
+              <a:buNone/>
+            </a:pPr>
+            <a:endParaRPr lang="en-US" altLang="zh-CN" dirty="0"/>
+          </a:p>
+          <a:p>
+            <a:pPr marL="457200" lvl="1" indent="0">
+              <a:buNone/>
+            </a:pPr>
+            <a:r>
+              <a:rPr lang="en-US" altLang="zh-CN" sz="2000" i="1" dirty="0"/>
+              <a:t>//</a:t>
+            </a:r>
+            <a:r>
+              <a:rPr lang="zh-CN" altLang="en-US" sz="2000" i="1" dirty="0"/>
+              <a:t>安装扩展</a:t>
+            </a:r>
+            <a:endParaRPr lang="en-US" altLang="zh-CN" sz="2000" i="1" dirty="0"/>
+          </a:p>
+          <a:p>
+            <a:pPr marL="457200" lvl="1" indent="0">
+              <a:buNone/>
+            </a:pPr>
+            <a:r>
+              <a:rPr lang="en-US" altLang="zh-CN" dirty="0" err="1"/>
+              <a:t>sudo</a:t>
+            </a:r>
+            <a:r>
+              <a:rPr lang="en-US" altLang="zh-CN" dirty="0"/>
+              <a:t> make install</a:t>
+            </a:r>
+          </a:p>
+          <a:p>
+            <a:pPr marL="457200" lvl="1" indent="0">
+              <a:buNone/>
+            </a:pPr>
+            <a:endParaRPr lang="zh-CN" altLang="en-US" dirty="0"/>
+          </a:p>
+        </p:txBody>
+      </p:sp>
+    </p:spTree>
+    <p:extLst>
+      <p:ext uri="{BB962C8B-B14F-4D97-AF65-F5344CB8AC3E}">
+        <p14:creationId xmlns:p14="http://schemas.microsoft.com/office/powerpoint/2010/main" val="1402615337"/>
+      </p:ext>
+    </p:extLst>
+  </p:cSld>
+  <p:clrMapOvr>
+    <a:masterClrMapping/>
+  </p:clrMapOvr>
+</p:sld>
+</file>
+
+<file path=ppt/slides/slide23.xml><?xml version="1.0" encoding="utf-8"?>
+<p:sld xmlns:a="http://schemas.openxmlformats.org/drawingml/2006/main" xmlns:r="http://schemas.openxmlformats.org/officeDocument/2006/relationships" xmlns:p="http://schemas.openxmlformats.org/presentationml/2006/main">
+  <p:cSld>
+    <p:spTree>
+      <p:nvGrpSpPr>
+        <p:cNvPr id="1" name=""/>
+        <p:cNvGrpSpPr/>
+        <p:nvPr/>
+      </p:nvGrpSpPr>
+      <p:grpSpPr>
+        <a:xfrm>
+          <a:off x="0" y="0"/>
+          <a:ext cx="0" cy="0"/>
+          <a:chOff x="0" y="0"/>
+          <a:chExt cx="0" cy="0"/>
+        </a:xfrm>
+      </p:grpSpPr>
+      <p:sp>
+        <p:nvSpPr>
+          <p:cNvPr id="4" name="标题 3">
+            <a:extLst>
+              <a:ext uri="{FF2B5EF4-FFF2-40B4-BE49-F238E27FC236}">
+                <a16:creationId xmlns:a16="http://schemas.microsoft.com/office/drawing/2014/main" id="{2729939D-814A-4BD2-9922-3F8EA865938B}"/>
+              </a:ext>
+            </a:extLst>
+          </p:cNvPr>
+          <p:cNvSpPr>
+            <a:spLocks noGrp="1"/>
+          </p:cNvSpPr>
+          <p:nvPr>
+            <p:ph type="title"/>
+          </p:nvPr>
+        </p:nvSpPr>
+        <p:spPr>
+          <a:xfrm>
+            <a:off x="838200" y="683581"/>
+            <a:ext cx="10515600" cy="736846"/>
+          </a:xfrm>
+        </p:spPr>
+        <p:txBody>
+          <a:bodyPr/>
+          <a:lstStyle/>
+          <a:p>
+            <a:r>
+              <a:rPr lang="zh-CN" altLang="en-US" dirty="0"/>
+              <a:t>配置</a:t>
+            </a:r>
+            <a:r>
+              <a:rPr lang="en-US" altLang="zh-CN" dirty="0"/>
+              <a:t>PHP</a:t>
+            </a:r>
+            <a:r>
+              <a:rPr lang="zh-CN" altLang="en-US" dirty="0"/>
+              <a:t>启用扩展</a:t>
+            </a:r>
+          </a:p>
+        </p:txBody>
+      </p:sp>
+      <p:sp>
+        <p:nvSpPr>
+          <p:cNvPr id="5" name="内容占位符 4">
+            <a:extLst>
+              <a:ext uri="{FF2B5EF4-FFF2-40B4-BE49-F238E27FC236}">
+                <a16:creationId xmlns:a16="http://schemas.microsoft.com/office/drawing/2014/main" id="{19253A6A-8958-4C89-A4FE-863B33442CE7}"/>
+              </a:ext>
+            </a:extLst>
+          </p:cNvPr>
+          <p:cNvSpPr>
+            <a:spLocks noGrp="1"/>
+          </p:cNvSpPr>
+          <p:nvPr>
+            <p:ph idx="1"/>
+          </p:nvPr>
+        </p:nvSpPr>
+        <p:spPr/>
+        <p:txBody>
+          <a:bodyPr>
+            <a:normAutofit/>
+          </a:bodyPr>
+          <a:lstStyle/>
+          <a:p>
+            <a:r>
+              <a:rPr lang="en-US" altLang="zh-CN" sz="2400" dirty="0"/>
+              <a:t>PHP</a:t>
+            </a:r>
+            <a:r>
+              <a:rPr lang="zh-CN" altLang="en-US" sz="2400" dirty="0"/>
+              <a:t>配置文件默认在安装目录下的</a:t>
+            </a:r>
+            <a:r>
+              <a:rPr lang="en-US" altLang="zh-CN" sz="2400" dirty="0"/>
+              <a:t>lib/php.ini</a:t>
+            </a:r>
+          </a:p>
+          <a:p>
+            <a:endParaRPr lang="en-US" altLang="zh-CN" sz="2400" dirty="0"/>
+          </a:p>
+          <a:p>
+            <a:r>
+              <a:rPr lang="zh-CN" altLang="en-US" sz="2400" dirty="0"/>
+              <a:t>打开配置文件，找到</a:t>
+            </a:r>
+            <a:r>
+              <a:rPr lang="en-US" altLang="zh-CN" sz="2400" dirty="0"/>
+              <a:t>extension</a:t>
+            </a:r>
+            <a:r>
+              <a:rPr lang="zh-CN" altLang="en-US" sz="2400" dirty="0"/>
+              <a:t>相关的部分，加入</a:t>
+            </a:r>
+            <a:r>
+              <a:rPr lang="en-US" altLang="zh-CN" sz="2400" dirty="0"/>
+              <a:t>extension=pdo.so</a:t>
+            </a:r>
+            <a:r>
+              <a:rPr lang="zh-CN" altLang="en-US" sz="2400" dirty="0"/>
+              <a:t>即可启用</a:t>
+            </a:r>
+            <a:r>
+              <a:rPr lang="en-US" altLang="zh-CN" sz="2400" dirty="0" err="1"/>
+              <a:t>pdo</a:t>
+            </a:r>
+            <a:r>
+              <a:rPr lang="zh-CN" altLang="en-US" sz="2400" dirty="0"/>
+              <a:t>扩展。</a:t>
+            </a:r>
+            <a:endParaRPr lang="en-US" altLang="zh-CN" sz="2400" dirty="0"/>
+          </a:p>
+          <a:p>
+            <a:pPr marL="457200" lvl="1" indent="0">
+              <a:buNone/>
+            </a:pPr>
+            <a:r>
+              <a:rPr lang="en-US" altLang="zh-CN" sz="2000" i="1" dirty="0"/>
+              <a:t>//</a:t>
+            </a:r>
+            <a:r>
+              <a:rPr lang="zh-CN" altLang="en-US" sz="2000" i="1" dirty="0"/>
+              <a:t>配置示例</a:t>
+            </a:r>
+            <a:endParaRPr lang="en-US" altLang="zh-CN" dirty="0"/>
+          </a:p>
+          <a:p>
+            <a:pPr marL="457200" lvl="1" indent="0">
+              <a:buNone/>
+            </a:pPr>
+            <a:r>
+              <a:rPr lang="en-US" altLang="zh-CN" dirty="0"/>
+              <a:t>extension=pdo_mysql.so</a:t>
+            </a:r>
+          </a:p>
+        </p:txBody>
+      </p:sp>
+    </p:spTree>
+    <p:extLst>
+      <p:ext uri="{BB962C8B-B14F-4D97-AF65-F5344CB8AC3E}">
+        <p14:creationId xmlns:p14="http://schemas.microsoft.com/office/powerpoint/2010/main" val="3865451902"/>
+      </p:ext>
+    </p:extLst>
+  </p:cSld>
+  <p:clrMapOvr>
+    <a:masterClrMapping/>
+  </p:clrMapOvr>
+</p:sld>
+</file>
+
+<file path=ppt/slides/slide24.xml><?xml version="1.0" encoding="utf-8"?>
+<p:sld xmlns:a="http://schemas.openxmlformats.org/drawingml/2006/main" xmlns:r="http://schemas.openxmlformats.org/officeDocument/2006/relationships" xmlns:p="http://schemas.openxmlformats.org/presentationml/2006/main">
+  <p:cSld>
+    <p:spTree>
+      <p:nvGrpSpPr>
+        <p:cNvPr id="1" name=""/>
+        <p:cNvGrpSpPr/>
+        <p:nvPr/>
+      </p:nvGrpSpPr>
+      <p:grpSpPr>
+        <a:xfrm>
+          <a:off x="0" y="0"/>
+          <a:ext cx="0" cy="0"/>
+          <a:chOff x="0" y="0"/>
+          <a:chExt cx="0" cy="0"/>
+        </a:xfrm>
+      </p:grpSpPr>
+      <p:sp>
+        <p:nvSpPr>
+          <p:cNvPr id="4" name="标题 3">
+            <a:extLst>
+              <a:ext uri="{FF2B5EF4-FFF2-40B4-BE49-F238E27FC236}">
+                <a16:creationId xmlns:a16="http://schemas.microsoft.com/office/drawing/2014/main" id="{2729939D-814A-4BD2-9922-3F8EA865938B}"/>
+              </a:ext>
+            </a:extLst>
+          </p:cNvPr>
+          <p:cNvSpPr>
+            <a:spLocks noGrp="1"/>
+          </p:cNvSpPr>
+          <p:nvPr>
+            <p:ph type="title"/>
+          </p:nvPr>
+        </p:nvSpPr>
+        <p:spPr>
+          <a:xfrm>
+            <a:off x="838200" y="683581"/>
+            <a:ext cx="10515600" cy="736846"/>
+          </a:xfrm>
+        </p:spPr>
+        <p:txBody>
+          <a:bodyPr/>
+          <a:lstStyle/>
+          <a:p>
+            <a:r>
+              <a:rPr lang="en-US" altLang="zh-CN" dirty="0"/>
+              <a:t>PHP-FPM</a:t>
+            </a:r>
+            <a:r>
+              <a:rPr lang="zh-CN" altLang="en-US" dirty="0"/>
+              <a:t>控制脚本</a:t>
+            </a:r>
+          </a:p>
+        </p:txBody>
+      </p:sp>
+      <p:sp>
+        <p:nvSpPr>
+          <p:cNvPr id="5" name="内容占位符 4">
+            <a:extLst>
+              <a:ext uri="{FF2B5EF4-FFF2-40B4-BE49-F238E27FC236}">
+                <a16:creationId xmlns:a16="http://schemas.microsoft.com/office/drawing/2014/main" id="{19253A6A-8958-4C89-A4FE-863B33442CE7}"/>
+              </a:ext>
+            </a:extLst>
+          </p:cNvPr>
+          <p:cNvSpPr>
+            <a:spLocks noGrp="1"/>
+          </p:cNvSpPr>
+          <p:nvPr>
+            <p:ph idx="1"/>
+          </p:nvPr>
+        </p:nvSpPr>
+        <p:spPr/>
+        <p:txBody>
+          <a:bodyPr>
+            <a:normAutofit/>
+          </a:bodyPr>
+          <a:lstStyle/>
+          <a:p>
+            <a:r>
+              <a:rPr lang="en-US" altLang="zh-CN" sz="2400" dirty="0"/>
+              <a:t>PHP_INSTALL_DIR/</a:t>
+            </a:r>
+            <a:r>
+              <a:rPr lang="en-US" altLang="zh-CN" sz="2400" dirty="0" err="1"/>
+              <a:t>var</a:t>
+            </a:r>
+            <a:r>
+              <a:rPr lang="en-US" altLang="zh-CN" sz="2400" dirty="0"/>
+              <a:t>/run/</a:t>
+            </a:r>
+            <a:r>
+              <a:rPr lang="en-US" altLang="zh-CN" sz="2400" dirty="0" err="1"/>
+              <a:t>php-fpm.pid</a:t>
+            </a:r>
+            <a:r>
+              <a:rPr lang="zh-CN" altLang="en-US" sz="2400" dirty="0"/>
+              <a:t>记录了</a:t>
+            </a:r>
+            <a:r>
+              <a:rPr lang="en-US" altLang="zh-CN" sz="2400" dirty="0" err="1"/>
+              <a:t>php</a:t>
+            </a:r>
+            <a:r>
+              <a:rPr lang="en-US" altLang="zh-CN" sz="2400" dirty="0"/>
+              <a:t>-fpm</a:t>
+            </a:r>
+            <a:r>
+              <a:rPr lang="zh-CN" altLang="en-US" sz="2400" dirty="0"/>
+              <a:t>的</a:t>
+            </a:r>
+            <a:r>
+              <a:rPr lang="en-US" altLang="zh-CN" sz="2400" dirty="0"/>
+              <a:t>PID</a:t>
+            </a:r>
+            <a:r>
+              <a:rPr lang="zh-CN" altLang="en-US" sz="2400" dirty="0"/>
+              <a:t>，通过获取</a:t>
+            </a:r>
+            <a:r>
+              <a:rPr lang="en-US" altLang="zh-CN" sz="2400" dirty="0"/>
+              <a:t>PID</a:t>
+            </a:r>
+            <a:r>
+              <a:rPr lang="zh-CN" altLang="en-US" sz="2400" dirty="0"/>
+              <a:t>可以控制</a:t>
+            </a:r>
+            <a:r>
+              <a:rPr lang="en-US" altLang="zh-CN" sz="2400" dirty="0" err="1"/>
+              <a:t>php</a:t>
+            </a:r>
+            <a:r>
+              <a:rPr lang="en-US" altLang="zh-CN" sz="2400" dirty="0"/>
+              <a:t>-fpm</a:t>
+            </a:r>
+            <a:r>
+              <a:rPr lang="zh-CN" altLang="en-US" sz="2400" dirty="0"/>
+              <a:t>的启动，退出，重启操作。</a:t>
+            </a:r>
+            <a:endParaRPr lang="en-US" altLang="zh-CN" sz="2400" dirty="0"/>
+          </a:p>
+          <a:p>
+            <a:endParaRPr lang="en-US" altLang="zh-CN" sz="2400" dirty="0"/>
+          </a:p>
+          <a:p>
+            <a:r>
+              <a:rPr lang="zh-CN" altLang="en-US" sz="2400" dirty="0"/>
+              <a:t>实现逻辑：首先尝试获取</a:t>
+            </a:r>
+            <a:r>
+              <a:rPr lang="en-US" altLang="zh-CN" sz="2400" dirty="0" err="1"/>
+              <a:t>php-fpm.pid</a:t>
+            </a:r>
+            <a:r>
+              <a:rPr lang="zh-CN" altLang="en-US" sz="2400" dirty="0"/>
+              <a:t>记录的</a:t>
+            </a:r>
+            <a:r>
+              <a:rPr lang="en-US" altLang="zh-CN" sz="2400" dirty="0"/>
+              <a:t>PID</a:t>
+            </a:r>
+            <a:r>
+              <a:rPr lang="zh-CN" altLang="en-US" sz="2400" dirty="0"/>
+              <a:t>，并获取已经运行的进程是否有</a:t>
+            </a:r>
+            <a:r>
+              <a:rPr lang="en-US" altLang="zh-CN" sz="2400" dirty="0" err="1"/>
+              <a:t>php</a:t>
+            </a:r>
+            <a:r>
+              <a:rPr lang="en-US" altLang="zh-CN" sz="2400" dirty="0"/>
+              <a:t>-fpm</a:t>
+            </a:r>
+            <a:r>
+              <a:rPr lang="zh-CN" altLang="en-US" sz="2400" dirty="0"/>
+              <a:t>，并根据参数进行不同操作：</a:t>
+            </a:r>
+            <a:endParaRPr lang="en-US" altLang="zh-CN" sz="2400" dirty="0"/>
+          </a:p>
+          <a:p>
+            <a:pPr marL="457200" lvl="1" indent="0">
+              <a:buNone/>
+            </a:pPr>
+            <a:r>
+              <a:rPr lang="en-US" altLang="zh-CN" sz="2200" dirty="0"/>
+              <a:t>start</a:t>
+            </a:r>
+            <a:r>
+              <a:rPr lang="zh-CN" altLang="en-US" sz="2200" dirty="0"/>
+              <a:t>：如果已经运行则提示信息并退出</a:t>
+            </a:r>
+            <a:endParaRPr lang="en-US" altLang="zh-CN" sz="2200" dirty="0"/>
+          </a:p>
+          <a:p>
+            <a:pPr marL="457200" lvl="1" indent="0">
+              <a:buNone/>
+            </a:pPr>
+            <a:r>
+              <a:rPr lang="en-US" altLang="zh-CN" sz="2200" dirty="0"/>
+              <a:t>stop</a:t>
+            </a:r>
+            <a:r>
+              <a:rPr lang="zh-CN" altLang="en-US" sz="2200" dirty="0"/>
+              <a:t>：如果没有运行则退出，运行则使用</a:t>
+            </a:r>
+            <a:r>
+              <a:rPr lang="en-US" altLang="zh-CN" sz="2200" dirty="0"/>
+              <a:t>kill </a:t>
+            </a:r>
+            <a:r>
+              <a:rPr lang="zh-CN" altLang="en-US" sz="2200" dirty="0"/>
+              <a:t>终止进程</a:t>
+            </a:r>
+            <a:endParaRPr lang="en-US" altLang="zh-CN" sz="2200" dirty="0"/>
+          </a:p>
+          <a:p>
+            <a:pPr marL="457200" lvl="1" indent="0">
+              <a:buNone/>
+            </a:pPr>
+            <a:r>
+              <a:rPr lang="en-US" altLang="zh-CN" sz="2200" dirty="0"/>
+              <a:t>restart</a:t>
+            </a:r>
+            <a:r>
+              <a:rPr lang="zh-CN" altLang="en-US" sz="2200" dirty="0"/>
+              <a:t>：如果已经运行则</a:t>
+            </a:r>
+            <a:r>
+              <a:rPr lang="en-US" altLang="zh-CN" sz="2200" dirty="0"/>
+              <a:t>stop</a:t>
+            </a:r>
+            <a:r>
+              <a:rPr lang="zh-CN" altLang="en-US" sz="2200" dirty="0"/>
+              <a:t>然后</a:t>
+            </a:r>
+            <a:r>
+              <a:rPr lang="en-US" altLang="zh-CN" sz="2200" dirty="0"/>
+              <a:t>start</a:t>
+            </a:r>
+            <a:r>
+              <a:rPr lang="zh-CN" altLang="en-US" sz="2200" dirty="0"/>
+              <a:t>，否则直接</a:t>
+            </a:r>
+            <a:r>
+              <a:rPr lang="en-US" altLang="zh-CN" sz="2200" dirty="0"/>
+              <a:t>start</a:t>
+            </a:r>
+          </a:p>
+          <a:p>
+            <a:pPr marL="0" indent="0">
+              <a:buNone/>
+            </a:pPr>
+            <a:endParaRPr lang="en-US" altLang="zh-CN" sz="2400" dirty="0"/>
+          </a:p>
+          <a:p>
+            <a:r>
+              <a:rPr lang="zh-CN" altLang="en-US" sz="2400" dirty="0"/>
+              <a:t>管理脚本代码无法在</a:t>
+            </a:r>
+            <a:r>
+              <a:rPr lang="en-US" altLang="zh-CN" sz="2400" dirty="0"/>
+              <a:t>ppt</a:t>
+            </a:r>
+            <a:r>
+              <a:rPr lang="zh-CN" altLang="en-US" sz="2400" dirty="0"/>
+              <a:t>展示，参看实际代码文件。</a:t>
+            </a:r>
+            <a:endParaRPr lang="en-US" altLang="zh-CN" sz="2400" dirty="0"/>
+          </a:p>
+        </p:txBody>
+      </p:sp>
+    </p:spTree>
+    <p:extLst>
+      <p:ext uri="{BB962C8B-B14F-4D97-AF65-F5344CB8AC3E}">
+        <p14:creationId xmlns:p14="http://schemas.microsoft.com/office/powerpoint/2010/main" val="3327552584"/>
       </p:ext>
     </p:extLst>
   </p:cSld>
@@ -7706,32 +9190,32 @@
         </p:spPr>
         <p:txBody>
           <a:bodyPr>
-            <a:normAutofit lnSpcReduction="10000"/>
+            <a:noAutofit/>
           </a:bodyPr>
           <a:lstStyle/>
           <a:p>
             <a:r>
-              <a:rPr lang="zh-CN" altLang="en-US" sz="2000" dirty="0"/>
+              <a:rPr lang="zh-CN" altLang="en-US" sz="2400" dirty="0"/>
               <a:t>解压</a:t>
             </a:r>
             <a:r>
-              <a:rPr lang="en-US" altLang="zh-CN" sz="2000" dirty="0"/>
+              <a:rPr lang="en-US" altLang="zh-CN" sz="2400" dirty="0"/>
               <a:t>PHP</a:t>
             </a:r>
             <a:r>
-              <a:rPr lang="zh-CN" altLang="en-US" sz="2000" dirty="0"/>
+              <a:rPr lang="zh-CN" altLang="en-US" sz="2400" dirty="0"/>
               <a:t>源代码，列出文件</a:t>
             </a:r>
-            <a:endParaRPr lang="en-US" altLang="zh-CN" sz="2000" dirty="0"/>
+            <a:endParaRPr lang="en-US" altLang="zh-CN" sz="2400" dirty="0"/>
           </a:p>
         </p:txBody>
       </p:sp>
       <p:pic>
         <p:nvPicPr>
-          <p:cNvPr id="5" name="图片 4">
+          <p:cNvPr id="6" name="图片 5">
             <a:extLst>
               <a:ext uri="{FF2B5EF4-FFF2-40B4-BE49-F238E27FC236}">
-                <a16:creationId xmlns:a16="http://schemas.microsoft.com/office/drawing/2014/main" id="{9EA2C259-BFE4-4C55-8B00-250D569C1E00}"/>
+                <a16:creationId xmlns:a16="http://schemas.microsoft.com/office/drawing/2014/main" id="{CA00800E-E24E-4CE5-892F-362C2136FDC0}"/>
               </a:ext>
             </a:extLst>
           </p:cNvPr>
@@ -7754,8 +9238,8 @@
         </p:blipFill>
         <p:spPr>
           <a:xfrm>
-            <a:off x="906114" y="2006353"/>
-            <a:ext cx="10447686" cy="4654578"/>
+            <a:off x="1377168" y="2067899"/>
+            <a:ext cx="8857078" cy="4727255"/>
           </a:xfrm>
           <a:prstGeom prst="rect">
             <a:avLst/>
@@ -8382,7 +9866,15 @@
             </a:r>
             <a:r>
               <a:rPr lang="en-US" altLang="zh-CN" dirty="0"/>
-              <a:t>-config</a:t>
+              <a:t>-config  </a:t>
+            </a:r>
+            <a:r>
+              <a:rPr lang="en-US" altLang="zh-CN" dirty="0" err="1"/>
+              <a:t>libssl</a:t>
+            </a:r>
+            <a:r>
+              <a:rPr lang="en-US" altLang="zh-CN" dirty="0"/>
+              <a:t>-dev libxml2-dev libxslt1-dev</a:t>
             </a:r>
           </a:p>
         </p:txBody>

--- a/materials/slides/ch02-complie-php-source-code.pptx
+++ b/materials/slides/ch02-complie-php-source-code.pptx
@@ -5,36 +5,39 @@
     <p:sldMasterId id="2147483648" r:id="rId1"/>
   </p:sldMasterIdLst>
   <p:notesMasterIdLst>
-    <p:notesMasterId r:id="rId26"/>
+    <p:notesMasterId r:id="rId29"/>
   </p:notesMasterIdLst>
   <p:handoutMasterIdLst>
-    <p:handoutMasterId r:id="rId27"/>
+    <p:handoutMasterId r:id="rId30"/>
   </p:handoutMasterIdLst>
   <p:sldIdLst>
     <p:sldId id="257" r:id="rId2"/>
-    <p:sldId id="280" r:id="rId3"/>
-    <p:sldId id="256" r:id="rId4"/>
-    <p:sldId id="258" r:id="rId5"/>
-    <p:sldId id="261" r:id="rId6"/>
-    <p:sldId id="262" r:id="rId7"/>
-    <p:sldId id="263" r:id="rId8"/>
-    <p:sldId id="266" r:id="rId9"/>
-    <p:sldId id="265" r:id="rId10"/>
-    <p:sldId id="259" r:id="rId11"/>
-    <p:sldId id="264" r:id="rId12"/>
-    <p:sldId id="267" r:id="rId13"/>
-    <p:sldId id="260" r:id="rId14"/>
-    <p:sldId id="270" r:id="rId15"/>
-    <p:sldId id="279" r:id="rId16"/>
-    <p:sldId id="282" r:id="rId17"/>
-    <p:sldId id="281" r:id="rId18"/>
-    <p:sldId id="284" r:id="rId19"/>
-    <p:sldId id="285" r:id="rId20"/>
-    <p:sldId id="283" r:id="rId21"/>
-    <p:sldId id="271" r:id="rId22"/>
-    <p:sldId id="277" r:id="rId23"/>
-    <p:sldId id="276" r:id="rId24"/>
-    <p:sldId id="278" r:id="rId25"/>
+    <p:sldId id="256" r:id="rId3"/>
+    <p:sldId id="258" r:id="rId4"/>
+    <p:sldId id="261" r:id="rId5"/>
+    <p:sldId id="262" r:id="rId6"/>
+    <p:sldId id="263" r:id="rId7"/>
+    <p:sldId id="266" r:id="rId8"/>
+    <p:sldId id="265" r:id="rId9"/>
+    <p:sldId id="259" r:id="rId10"/>
+    <p:sldId id="264" r:id="rId11"/>
+    <p:sldId id="267" r:id="rId12"/>
+    <p:sldId id="260" r:id="rId13"/>
+    <p:sldId id="270" r:id="rId14"/>
+    <p:sldId id="279" r:id="rId15"/>
+    <p:sldId id="282" r:id="rId16"/>
+    <p:sldId id="281" r:id="rId17"/>
+    <p:sldId id="284" r:id="rId18"/>
+    <p:sldId id="285" r:id="rId19"/>
+    <p:sldId id="283" r:id="rId20"/>
+    <p:sldId id="286" r:id="rId21"/>
+    <p:sldId id="287" r:id="rId22"/>
+    <p:sldId id="288" r:id="rId23"/>
+    <p:sldId id="289" r:id="rId24"/>
+    <p:sldId id="271" r:id="rId25"/>
+    <p:sldId id="277" r:id="rId26"/>
+    <p:sldId id="276" r:id="rId27"/>
+    <p:sldId id="278" r:id="rId28"/>
   </p:sldIdLst>
   <p:sldSz cx="12192000" cy="6858000"/>
   <p:notesSz cx="7104063" cy="10234613"/>
@@ -238,7 +241,7 @@
           <a:p>
             <a:fld id="{E923E828-953C-4D4A-9B10-11E7329F433D}" type="datetimeFigureOut">
               <a:rPr lang="zh-CN" altLang="en-US" smtClean="0"/>
-              <a:t>2018/3/7</a:t>
+              <a:t>2018/3/13</a:t>
             </a:fld>
             <a:endParaRPr lang="zh-CN" altLang="en-US"/>
           </a:p>
@@ -419,7 +422,7 @@
           <a:p>
             <a:fld id="{867C5346-22E5-4085-8130-851344A84DFF}" type="datetimeFigureOut">
               <a:rPr lang="zh-CN" altLang="en-US" smtClean="0"/>
-              <a:t>2018/3/7</a:t>
+              <a:t>2018/3/13</a:t>
             </a:fld>
             <a:endParaRPr lang="zh-CN" altLang="en-US"/>
           </a:p>
@@ -845,7 +848,7 @@
           <a:p>
             <a:fld id="{A5E21016-498F-4141-B0CA-D95A38CA7D62}" type="datetimeFigureOut">
               <a:rPr lang="zh-CN" altLang="en-US" smtClean="0"/>
-              <a:t>2018/3/7</a:t>
+              <a:t>2018/3/13</a:t>
             </a:fld>
             <a:endParaRPr lang="zh-CN" altLang="en-US"/>
           </a:p>
@@ -1075,7 +1078,7 @@
           <a:p>
             <a:fld id="{A5E21016-498F-4141-B0CA-D95A38CA7D62}" type="datetimeFigureOut">
               <a:rPr lang="zh-CN" altLang="en-US" smtClean="0"/>
-              <a:t>2018/3/7</a:t>
+              <a:t>2018/3/13</a:t>
             </a:fld>
             <a:endParaRPr lang="zh-CN" altLang="en-US"/>
           </a:p>
@@ -1310,7 +1313,7 @@
           <a:p>
             <a:fld id="{A5E21016-498F-4141-B0CA-D95A38CA7D62}" type="datetimeFigureOut">
               <a:rPr lang="zh-CN" altLang="en-US" smtClean="0"/>
-              <a:t>2018/3/7</a:t>
+              <a:t>2018/3/13</a:t>
             </a:fld>
             <a:endParaRPr lang="zh-CN" altLang="en-US"/>
           </a:p>
@@ -1872,7 +1875,7 @@
           <a:p>
             <a:fld id="{A5E21016-498F-4141-B0CA-D95A38CA7D62}" type="datetimeFigureOut">
               <a:rPr lang="zh-CN" altLang="en-US" smtClean="0"/>
-              <a:t>2018/3/7</a:t>
+              <a:t>2018/3/13</a:t>
             </a:fld>
             <a:endParaRPr lang="zh-CN" altLang="en-US"/>
           </a:p>
@@ -2169,7 +2172,7 @@
           <a:p>
             <a:fld id="{A5E21016-498F-4141-B0CA-D95A38CA7D62}" type="datetimeFigureOut">
               <a:rPr lang="zh-CN" altLang="en-US" smtClean="0"/>
-              <a:t>2018/3/7</a:t>
+              <a:t>2018/3/13</a:t>
             </a:fld>
             <a:endParaRPr lang="zh-CN" altLang="en-US"/>
           </a:p>
@@ -2608,7 +2611,7 @@
           <a:p>
             <a:fld id="{A5E21016-498F-4141-B0CA-D95A38CA7D62}" type="datetimeFigureOut">
               <a:rPr lang="zh-CN" altLang="en-US" smtClean="0"/>
-              <a:t>2018/3/7</a:t>
+              <a:t>2018/3/13</a:t>
             </a:fld>
             <a:endParaRPr lang="zh-CN" altLang="en-US"/>
           </a:p>
@@ -2781,7 +2784,7 @@
           <a:p>
             <a:fld id="{A5E21016-498F-4141-B0CA-D95A38CA7D62}" type="datetimeFigureOut">
               <a:rPr lang="zh-CN" altLang="en-US" smtClean="0"/>
-              <a:t>2018/3/7</a:t>
+              <a:t>2018/3/13</a:t>
             </a:fld>
             <a:endParaRPr lang="zh-CN" altLang="en-US"/>
           </a:p>
@@ -2918,7 +2921,7 @@
           <a:p>
             <a:fld id="{A5E21016-498F-4141-B0CA-D95A38CA7D62}" type="datetimeFigureOut">
               <a:rPr lang="zh-CN" altLang="en-US" smtClean="0"/>
-              <a:t>2018/3/7</a:t>
+              <a:t>2018/3/13</a:t>
             </a:fld>
             <a:endParaRPr lang="zh-CN" altLang="en-US"/>
           </a:p>
@@ -3256,7 +3259,7 @@
           <a:p>
             <a:fld id="{A5E21016-498F-4141-B0CA-D95A38CA7D62}" type="datetimeFigureOut">
               <a:rPr lang="zh-CN" altLang="en-US" smtClean="0"/>
-              <a:t>2018/3/7</a:t>
+              <a:t>2018/3/13</a:t>
             </a:fld>
             <a:endParaRPr lang="zh-CN" altLang="en-US"/>
           </a:p>
@@ -3571,7 +3574,7 @@
           <a:p>
             <a:fld id="{A5E21016-498F-4141-B0CA-D95A38CA7D62}" type="datetimeFigureOut">
               <a:rPr lang="zh-CN" altLang="en-US" smtClean="0"/>
-              <a:t>2018/3/7</a:t>
+              <a:t>2018/3/13</a:t>
             </a:fld>
             <a:endParaRPr lang="zh-CN" altLang="en-US"/>
           </a:p>
@@ -4350,107 +4353,6 @@
           <a:p>
             <a:r>
               <a:rPr lang="en-US" altLang="zh-CN" dirty="0"/>
-              <a:t>2</a:t>
-            </a:r>
-            <a:endParaRPr lang="zh-CN" altLang="en-US" dirty="0"/>
-          </a:p>
-        </p:txBody>
-      </p:sp>
-      <p:sp>
-        <p:nvSpPr>
-          <p:cNvPr id="3" name="内容占位符 2">
-            <a:extLst>
-              <a:ext uri="{FF2B5EF4-FFF2-40B4-BE49-F238E27FC236}">
-                <a16:creationId xmlns:a16="http://schemas.microsoft.com/office/drawing/2014/main" id="{7B346F1D-0962-4C3B-B136-095B74DED43D}"/>
-              </a:ext>
-            </a:extLst>
-          </p:cNvPr>
-          <p:cNvSpPr>
-            <a:spLocks noGrp="1"/>
-          </p:cNvSpPr>
-          <p:nvPr>
-            <p:ph idx="1"/>
-          </p:nvPr>
-        </p:nvSpPr>
-        <p:spPr/>
-        <p:txBody>
-          <a:bodyPr anchor="ctr"/>
-          <a:lstStyle/>
-          <a:p>
-            <a:pPr marL="0" indent="0" algn="ctr">
-              <a:buNone/>
-            </a:pPr>
-            <a:r>
-              <a:rPr lang="zh-CN" altLang="en-US" dirty="0">
-                <a:solidFill>
-                  <a:schemeClr val="accent1">
-                    <a:lumMod val="50000"/>
-                  </a:schemeClr>
-                </a:solidFill>
-              </a:rPr>
-              <a:t>主要编译参数与开发库依赖</a:t>
-            </a:r>
-          </a:p>
-        </p:txBody>
-      </p:sp>
-    </p:spTree>
-    <p:extLst>
-      <p:ext uri="{BB962C8B-B14F-4D97-AF65-F5344CB8AC3E}">
-        <p14:creationId xmlns:p14="http://schemas.microsoft.com/office/powerpoint/2010/main" val="1697672597"/>
-      </p:ext>
-    </p:extLst>
-  </p:cSld>
-  <p:clrMapOvr>
-    <a:masterClrMapping/>
-  </p:clrMapOvr>
-</p:sld>
-</file>
-
-<file path=ppt/slides/slide11.xml><?xml version="1.0" encoding="utf-8"?>
-<p:sld xmlns:a="http://schemas.openxmlformats.org/drawingml/2006/main" xmlns:r="http://schemas.openxmlformats.org/officeDocument/2006/relationships" xmlns:p="http://schemas.openxmlformats.org/presentationml/2006/main">
-  <p:cSld>
-    <p:spTree>
-      <p:nvGrpSpPr>
-        <p:cNvPr id="1" name=""/>
-        <p:cNvGrpSpPr/>
-        <p:nvPr/>
-      </p:nvGrpSpPr>
-      <p:grpSpPr>
-        <a:xfrm>
-          <a:off x="0" y="0"/>
-          <a:ext cx="0" cy="0"/>
-          <a:chOff x="0" y="0"/>
-          <a:chExt cx="0" cy="0"/>
-        </a:xfrm>
-      </p:grpSpPr>
-      <p:sp>
-        <p:nvSpPr>
-          <p:cNvPr id="4" name="标题 3">
-            <a:extLst>
-              <a:ext uri="{FF2B5EF4-FFF2-40B4-BE49-F238E27FC236}">
-                <a16:creationId xmlns:a16="http://schemas.microsoft.com/office/drawing/2014/main" id="{2729939D-814A-4BD2-9922-3F8EA865938B}"/>
-              </a:ext>
-            </a:extLst>
-          </p:cNvPr>
-          <p:cNvSpPr>
-            <a:spLocks noGrp="1"/>
-          </p:cNvSpPr>
-          <p:nvPr>
-            <p:ph type="title"/>
-          </p:nvPr>
-        </p:nvSpPr>
-        <p:spPr>
-          <a:xfrm>
-            <a:off x="838200" y="683581"/>
-            <a:ext cx="10515600" cy="736846"/>
-          </a:xfrm>
-        </p:spPr>
-        <p:txBody>
-          <a:bodyPr/>
-          <a:lstStyle/>
-          <a:p>
-            <a:r>
-              <a:rPr lang="en-US" altLang="zh-CN" dirty="0"/>
               <a:t>configure</a:t>
             </a:r>
             <a:r>
@@ -4476,7 +4378,7 @@
             <p:ph idx="1"/>
             <p:extLst>
               <p:ext uri="{D42A27DB-BD31-4B8C-83A1-F6EECF244321}">
-                <p14:modId xmlns:p14="http://schemas.microsoft.com/office/powerpoint/2010/main" val="693069347"/>
+                <p14:modId xmlns:p14="http://schemas.microsoft.com/office/powerpoint/2010/main" val="4126674563"/>
               </p:ext>
             </p:extLst>
           </p:nvPr>
@@ -4654,7 +4556,15 @@
                       </a:r>
                       <a:r>
                         <a:rPr lang="zh-CN" altLang="en-US" sz="2400" dirty="0"/>
-                        <a:t>模块</a:t>
+                        <a:t>模块，</a:t>
+                      </a:r>
+                      <a:r>
+                        <a:rPr lang="en-US" altLang="zh-CN" sz="2400" dirty="0"/>
+                        <a:t>LNMP</a:t>
+                      </a:r>
+                      <a:r>
+                        <a:rPr lang="zh-CN" altLang="en-US" sz="2400" dirty="0"/>
+                        <a:t>不需要</a:t>
                       </a:r>
                     </a:p>
                   </a:txBody>
@@ -4750,14 +4660,6 @@
                       </a:r>
                       <a:r>
                         <a:rPr lang="zh-CN" altLang="en-US" sz="2400" dirty="0"/>
-                        <a:t>等</a:t>
-                      </a:r>
-                      <a:r>
-                        <a:rPr lang="en-US" altLang="zh-CN" sz="2400" dirty="0"/>
-                        <a:t>CGI</a:t>
-                      </a:r>
-                      <a:r>
-                        <a:rPr lang="zh-CN" altLang="en-US" sz="2400" dirty="0"/>
                         <a:t>形式的接入</a:t>
                       </a:r>
                     </a:p>
@@ -4835,7 +4737,7 @@
 </p:sld>
 </file>
 
-<file path=ppt/slides/slide12.xml><?xml version="1.0" encoding="utf-8"?>
+<file path=ppt/slides/slide11.xml><?xml version="1.0" encoding="utf-8"?>
 <p:sld xmlns:a="http://schemas.openxmlformats.org/drawingml/2006/main" xmlns:r="http://schemas.openxmlformats.org/officeDocument/2006/relationships" xmlns:p="http://schemas.openxmlformats.org/presentationml/2006/main">
   <p:cSld>
     <p:spTree>
@@ -5208,6 +5110,107 @@
 </p:sld>
 </file>
 
+<file path=ppt/slides/slide12.xml><?xml version="1.0" encoding="utf-8"?>
+<p:sld xmlns:a="http://schemas.openxmlformats.org/drawingml/2006/main" xmlns:r="http://schemas.openxmlformats.org/officeDocument/2006/relationships" xmlns:p="http://schemas.openxmlformats.org/presentationml/2006/main">
+  <p:cSld>
+    <p:spTree>
+      <p:nvGrpSpPr>
+        <p:cNvPr id="1" name=""/>
+        <p:cNvGrpSpPr/>
+        <p:nvPr/>
+      </p:nvGrpSpPr>
+      <p:grpSpPr>
+        <a:xfrm>
+          <a:off x="0" y="0"/>
+          <a:ext cx="0" cy="0"/>
+          <a:chOff x="0" y="0"/>
+          <a:chExt cx="0" cy="0"/>
+        </a:xfrm>
+      </p:grpSpPr>
+      <p:sp>
+        <p:nvSpPr>
+          <p:cNvPr id="4" name="标题 3">
+            <a:extLst>
+              <a:ext uri="{FF2B5EF4-FFF2-40B4-BE49-F238E27FC236}">
+                <a16:creationId xmlns:a16="http://schemas.microsoft.com/office/drawing/2014/main" id="{2729939D-814A-4BD2-9922-3F8EA865938B}"/>
+              </a:ext>
+            </a:extLst>
+          </p:cNvPr>
+          <p:cNvSpPr>
+            <a:spLocks noGrp="1"/>
+          </p:cNvSpPr>
+          <p:nvPr>
+            <p:ph type="title"/>
+          </p:nvPr>
+        </p:nvSpPr>
+        <p:spPr>
+          <a:xfrm>
+            <a:off x="838200" y="683581"/>
+            <a:ext cx="10515600" cy="736846"/>
+          </a:xfrm>
+        </p:spPr>
+        <p:txBody>
+          <a:bodyPr/>
+          <a:lstStyle/>
+          <a:p>
+            <a:r>
+              <a:rPr lang="en-US" altLang="zh-CN" dirty="0"/>
+              <a:t>3</a:t>
+            </a:r>
+            <a:endParaRPr lang="zh-CN" altLang="en-US" dirty="0"/>
+          </a:p>
+        </p:txBody>
+      </p:sp>
+      <p:sp>
+        <p:nvSpPr>
+          <p:cNvPr id="3" name="内容占位符 2">
+            <a:extLst>
+              <a:ext uri="{FF2B5EF4-FFF2-40B4-BE49-F238E27FC236}">
+                <a16:creationId xmlns:a16="http://schemas.microsoft.com/office/drawing/2014/main" id="{4C1193B6-9CFF-4FAE-AB0A-97DE12E9A50A}"/>
+              </a:ext>
+            </a:extLst>
+          </p:cNvPr>
+          <p:cNvSpPr>
+            <a:spLocks noGrp="1"/>
+          </p:cNvSpPr>
+          <p:nvPr>
+            <p:ph idx="1"/>
+          </p:nvPr>
+        </p:nvSpPr>
+        <p:spPr/>
+        <p:txBody>
+          <a:bodyPr anchor="ctr"/>
+          <a:lstStyle/>
+          <a:p>
+            <a:pPr marL="0" indent="0" algn="ctr">
+              <a:buNone/>
+            </a:pPr>
+            <a:r>
+              <a:rPr lang="zh-CN" altLang="en-US" dirty="0">
+                <a:solidFill>
+                  <a:schemeClr val="accent1">
+                    <a:lumMod val="50000"/>
+                  </a:schemeClr>
+                </a:solidFill>
+              </a:rPr>
+              <a:t>开始编译</a:t>
+            </a:r>
+          </a:p>
+        </p:txBody>
+      </p:sp>
+    </p:spTree>
+    <p:extLst>
+      <p:ext uri="{BB962C8B-B14F-4D97-AF65-F5344CB8AC3E}">
+        <p14:creationId xmlns:p14="http://schemas.microsoft.com/office/powerpoint/2010/main" val="3750985408"/>
+      </p:ext>
+    </p:extLst>
+  </p:cSld>
+  <p:clrMapOvr>
+    <a:masterClrMapping/>
+  </p:clrMapOvr>
+</p:sld>
+</file>
+
 <file path=ppt/slides/slide13.xml><?xml version="1.0" encoding="utf-8"?>
 <p:sld xmlns:a="http://schemas.openxmlformats.org/drawingml/2006/main" xmlns:r="http://schemas.openxmlformats.org/officeDocument/2006/relationships" xmlns:p="http://schemas.openxmlformats.org/presentationml/2006/main">
   <p:cSld>
@@ -5252,19 +5255,18 @@
           <a:lstStyle/>
           <a:p>
             <a:r>
-              <a:rPr lang="en-US" altLang="zh-CN" dirty="0"/>
-              <a:t>3</a:t>
-            </a:r>
-            <a:endParaRPr lang="zh-CN" altLang="en-US" dirty="0"/>
+              <a:rPr lang="zh-CN" altLang="en-US" dirty="0"/>
+              <a:t>编译之前</a:t>
+            </a:r>
           </a:p>
         </p:txBody>
       </p:sp>
       <p:sp>
         <p:nvSpPr>
-          <p:cNvPr id="3" name="内容占位符 2">
+          <p:cNvPr id="5" name="内容占位符 4">
             <a:extLst>
               <a:ext uri="{FF2B5EF4-FFF2-40B4-BE49-F238E27FC236}">
-                <a16:creationId xmlns:a16="http://schemas.microsoft.com/office/drawing/2014/main" id="{4C1193B6-9CFF-4FAE-AB0A-97DE12E9A50A}"/>
+                <a16:creationId xmlns:a16="http://schemas.microsoft.com/office/drawing/2014/main" id="{19253A6A-8958-4C89-A4FE-863B33442CE7}"/>
               </a:ext>
             </a:extLst>
           </p:cNvPr>
@@ -5277,29 +5279,180 @@
         </p:nvSpPr>
         <p:spPr/>
         <p:txBody>
-          <a:bodyPr anchor="ctr"/>
+          <a:bodyPr>
+            <a:normAutofit/>
+          </a:bodyPr>
           <a:lstStyle/>
           <a:p>
-            <a:pPr marL="0" indent="0" algn="ctr">
-              <a:buNone/>
-            </a:pPr>
-            <a:r>
-              <a:rPr lang="zh-CN" altLang="en-US" dirty="0">
+            <a:r>
+              <a:rPr lang="zh-CN" altLang="en-US" sz="2400" dirty="0"/>
+              <a:t>在以后的课件中使用</a:t>
+            </a:r>
+            <a:r>
+              <a:rPr lang="en-US" altLang="zh-CN" sz="2400" dirty="0"/>
+              <a:t>PHP_INSTALL_DIR</a:t>
+            </a:r>
+            <a:r>
+              <a:rPr lang="zh-CN" altLang="en-US" sz="2400" dirty="0"/>
+              <a:t>表示</a:t>
+            </a:r>
+            <a:r>
+              <a:rPr lang="en-US" altLang="zh-CN" sz="2400" dirty="0"/>
+              <a:t>PHP</a:t>
+            </a:r>
+            <a:r>
+              <a:rPr lang="zh-CN" altLang="en-US" sz="2400" dirty="0"/>
+              <a:t>的安装目录。</a:t>
+            </a:r>
+            <a:endParaRPr lang="en-US" altLang="zh-CN" sz="2400" dirty="0"/>
+          </a:p>
+          <a:p>
+            <a:endParaRPr lang="en-US" altLang="zh-CN" sz="2400" dirty="0"/>
+          </a:p>
+          <a:p>
+            <a:r>
+              <a:rPr lang="zh-CN" altLang="en-US" sz="2400" dirty="0"/>
+              <a:t>这里使用</a:t>
+            </a:r>
+            <a:r>
+              <a:rPr lang="en-US" altLang="zh-CN" sz="2400" dirty="0"/>
+              <a:t>/</a:t>
+            </a:r>
+            <a:r>
+              <a:rPr lang="en-US" altLang="zh-CN" sz="2400" dirty="0" err="1"/>
+              <a:t>webrun</a:t>
+            </a:r>
+            <a:r>
+              <a:rPr lang="en-US" altLang="zh-CN" sz="2400" dirty="0"/>
+              <a:t>/php7115</a:t>
+            </a:r>
+            <a:r>
+              <a:rPr lang="zh-CN" altLang="en-US" sz="2400" dirty="0"/>
+              <a:t>作为</a:t>
+            </a:r>
+            <a:r>
+              <a:rPr lang="en-US" altLang="zh-CN" sz="2400" dirty="0"/>
+              <a:t>PHP</a:t>
+            </a:r>
+            <a:r>
+              <a:rPr lang="zh-CN" altLang="en-US" sz="2400" dirty="0"/>
+              <a:t>的安装目录，</a:t>
+            </a:r>
+            <a:r>
+              <a:rPr lang="en-US" altLang="zh-CN" sz="2400" dirty="0"/>
+              <a:t>php7115</a:t>
+            </a:r>
+            <a:r>
+              <a:rPr lang="zh-CN" altLang="en-US" sz="2400" dirty="0"/>
+              <a:t>表示</a:t>
+            </a:r>
+            <a:r>
+              <a:rPr lang="en-US" altLang="zh-CN" sz="2400" dirty="0"/>
+              <a:t>PHP</a:t>
+            </a:r>
+            <a:r>
+              <a:rPr lang="zh-CN" altLang="en-US" sz="2400" dirty="0"/>
+              <a:t>的版本号为</a:t>
+            </a:r>
+            <a:r>
+              <a:rPr lang="en-US" altLang="zh-CN" sz="2400" dirty="0"/>
+              <a:t>7.1.15</a:t>
+            </a:r>
+            <a:r>
+              <a:rPr lang="zh-CN" altLang="en-US" sz="2400" dirty="0"/>
+              <a:t>，以后编译新的版本目录可以使用</a:t>
+            </a:r>
+            <a:r>
+              <a:rPr lang="en-US" altLang="zh-CN" sz="2400" dirty="0" err="1"/>
+              <a:t>php</a:t>
+            </a:r>
+            <a:r>
+              <a:rPr lang="en-US" altLang="zh-CN" sz="2400" dirty="0"/>
+              <a:t>[</a:t>
+            </a:r>
+            <a:r>
+              <a:rPr lang="zh-CN" altLang="en-US" sz="2400" dirty="0"/>
+              <a:t>版本号</a:t>
+            </a:r>
+            <a:r>
+              <a:rPr lang="en-US" altLang="zh-CN" sz="2400" dirty="0"/>
+              <a:t>]</a:t>
+            </a:r>
+            <a:r>
+              <a:rPr lang="zh-CN" altLang="en-US" sz="2400" dirty="0"/>
+              <a:t> 的形式，互相不冲突。</a:t>
+            </a:r>
+            <a:endParaRPr lang="en-US" altLang="zh-CN" sz="2400" dirty="0"/>
+          </a:p>
+          <a:p>
+            <a:endParaRPr lang="en-US" altLang="zh-CN" sz="2400" dirty="0"/>
+          </a:p>
+          <a:p>
+            <a:r>
+              <a:rPr lang="en-US" altLang="zh-CN" sz="2400" dirty="0"/>
+              <a:t>/</a:t>
+            </a:r>
+            <a:r>
+              <a:rPr lang="en-US" altLang="zh-CN" sz="2400" dirty="0" err="1"/>
+              <a:t>webrun</a:t>
+            </a:r>
+            <a:r>
+              <a:rPr lang="zh-CN" altLang="en-US" sz="2400" dirty="0"/>
+              <a:t>目录是自己创建的，在根目录下创建为的是可移植环境，不要在用户主目录下创建，这会带来权限，移植的麻烦。</a:t>
+            </a:r>
+            <a:endParaRPr lang="en-US" altLang="zh-CN" sz="2400" dirty="0"/>
+          </a:p>
+          <a:p>
+            <a:endParaRPr lang="en-US" altLang="zh-CN" sz="2400" dirty="0"/>
+          </a:p>
+          <a:p>
+            <a:r>
+              <a:rPr lang="zh-CN" altLang="en-US" sz="2400" dirty="0"/>
+              <a:t>以后编译</a:t>
+            </a:r>
+            <a:r>
+              <a:rPr lang="en-US" altLang="zh-CN" sz="2400" dirty="0"/>
+              <a:t>Nginx</a:t>
+            </a:r>
+            <a:r>
+              <a:rPr lang="zh-CN" altLang="en-US" sz="2400" dirty="0"/>
+              <a:t>也放在</a:t>
+            </a:r>
+            <a:r>
+              <a:rPr lang="en-US" altLang="zh-CN" sz="2400" dirty="0"/>
+              <a:t>/</a:t>
+            </a:r>
+            <a:r>
+              <a:rPr lang="en-US" altLang="zh-CN" sz="2400" dirty="0" err="1"/>
+              <a:t>webrun</a:t>
+            </a:r>
+            <a:r>
+              <a:rPr lang="zh-CN" altLang="en-US" sz="2400" dirty="0"/>
+              <a:t>目录下。</a:t>
+            </a:r>
+            <a:endParaRPr lang="en-US" altLang="zh-CN" sz="2400" dirty="0"/>
+          </a:p>
+          <a:p>
+            <a:r>
+              <a:rPr lang="zh-CN" altLang="en-US" sz="2400" dirty="0">
                 <a:solidFill>
-                  <a:schemeClr val="accent1">
-                    <a:lumMod val="50000"/>
-                  </a:schemeClr>
+                  <a:srgbClr val="C00000"/>
                 </a:solidFill>
               </a:rPr>
-              <a:t>开始编译</a:t>
-            </a:r>
+              <a:t>后面示例中的配置脚本的选项为了清晰进行换行处理，实际要使用空格隔开，不需换行，输入完成后直接确认。</a:t>
+            </a:r>
+            <a:endParaRPr lang="en-US" altLang="zh-CN" sz="2400" dirty="0">
+              <a:solidFill>
+                <a:srgbClr val="C00000"/>
+              </a:solidFill>
+            </a:endParaRPr>
           </a:p>
         </p:txBody>
       </p:sp>
     </p:spTree>
     <p:extLst>
       <p:ext uri="{BB962C8B-B14F-4D97-AF65-F5344CB8AC3E}">
-        <p14:creationId xmlns:p14="http://schemas.microsoft.com/office/powerpoint/2010/main" val="3750985408"/>
+        <p14:creationId xmlns:p14="http://schemas.microsoft.com/office/powerpoint/2010/main" val="3583405041"/>
       </p:ext>
     </p:extLst>
   </p:cSld>
@@ -5354,8 +5507,13 @@
           <a:p>
             <a:r>
               <a:rPr lang="zh-CN" altLang="en-US" dirty="0"/>
-              <a:t>编译之前</a:t>
-            </a:r>
+              <a:t>简单编译</a:t>
+            </a:r>
+            <a:r>
+              <a:rPr lang="en-US" altLang="zh-CN" dirty="0"/>
+              <a:t>PHP</a:t>
+            </a:r>
+            <a:endParaRPr lang="zh-CN" altLang="en-US" dirty="0"/>
           </a:p>
         </p:txBody>
       </p:sp>
@@ -5384,33 +5542,126 @@
           <a:p>
             <a:r>
               <a:rPr lang="zh-CN" altLang="en-US" sz="2400" dirty="0"/>
-              <a:t>在以后的课件中使用</a:t>
-            </a:r>
-            <a:r>
-              <a:rPr lang="en-US" altLang="zh-CN" sz="2400" dirty="0"/>
-              <a:t>PHP_INSTALL_DIR</a:t>
-            </a:r>
-            <a:r>
-              <a:rPr lang="zh-CN" altLang="en-US" sz="2400" dirty="0"/>
-              <a:t>表示</a:t>
-            </a:r>
-            <a:r>
-              <a:rPr lang="en-US" altLang="zh-CN" sz="2400" dirty="0"/>
-              <a:t>PHP</a:t>
-            </a:r>
-            <a:r>
-              <a:rPr lang="zh-CN" altLang="en-US" sz="2400" dirty="0"/>
-              <a:t>的安装目录。</a:t>
+              <a:t>运行脚本：</a:t>
             </a:r>
             <a:endParaRPr lang="en-US" altLang="zh-CN" sz="2400" dirty="0"/>
           </a:p>
           <a:p>
-            <a:endParaRPr lang="en-US" altLang="zh-CN" sz="2400" dirty="0"/>
-          </a:p>
-          <a:p>
-            <a:r>
-              <a:rPr lang="zh-CN" altLang="en-US" sz="2400" dirty="0"/>
-              <a:t>这里使用</a:t>
+            <a:pPr marL="457200" lvl="1" indent="0">
+              <a:buNone/>
+            </a:pPr>
+            <a:r>
+              <a:rPr lang="en-US" altLang="zh-CN" dirty="0"/>
+              <a:t>./configure  --prefix=/</a:t>
+            </a:r>
+            <a:r>
+              <a:rPr lang="en-US" altLang="zh-CN" dirty="0" err="1"/>
+              <a:t>webrun</a:t>
+            </a:r>
+            <a:r>
+              <a:rPr lang="en-US" altLang="zh-CN" dirty="0"/>
+              <a:t>/php7115 </a:t>
+            </a:r>
+          </a:p>
+          <a:p>
+            <a:pPr marL="457200" lvl="1" indent="0">
+              <a:buNone/>
+            </a:pPr>
+            <a:r>
+              <a:rPr lang="en-US" altLang="zh-CN" dirty="0"/>
+              <a:t>--enable-</a:t>
+            </a:r>
+            <a:r>
+              <a:rPr lang="en-US" altLang="zh-CN" dirty="0" err="1"/>
+              <a:t>bcmath</a:t>
+            </a:r>
+            <a:r>
+              <a:rPr lang="en-US" altLang="zh-CN" dirty="0"/>
+              <a:t>  --enable-calendar </a:t>
+            </a:r>
+          </a:p>
+          <a:p>
+            <a:pPr marL="457200" lvl="1" indent="0">
+              <a:buNone/>
+            </a:pPr>
+            <a:r>
+              <a:rPr lang="en-US" altLang="zh-CN" dirty="0"/>
+              <a:t>--enable-fpm  --enable-ftp  --enable-</a:t>
+            </a:r>
+            <a:r>
+              <a:rPr lang="en-US" altLang="zh-CN" dirty="0" err="1"/>
+              <a:t>mbstring</a:t>
+            </a:r>
+            <a:r>
+              <a:rPr lang="en-US" altLang="zh-CN" dirty="0"/>
+              <a:t>  </a:t>
+            </a:r>
+          </a:p>
+          <a:p>
+            <a:pPr marL="457200" lvl="1" indent="0">
+              <a:buNone/>
+            </a:pPr>
+            <a:r>
+              <a:rPr lang="en-US" altLang="zh-CN" dirty="0"/>
+              <a:t>--enable-</a:t>
+            </a:r>
+            <a:r>
+              <a:rPr lang="en-US" altLang="zh-CN" dirty="0" err="1"/>
+              <a:t>mysqlnd</a:t>
+            </a:r>
+            <a:r>
+              <a:rPr lang="en-US" altLang="zh-CN" dirty="0"/>
+              <a:t>  --enable-</a:t>
+            </a:r>
+            <a:r>
+              <a:rPr lang="en-US" altLang="zh-CN" dirty="0" err="1"/>
+              <a:t>pcntl</a:t>
+            </a:r>
+            <a:r>
+              <a:rPr lang="en-US" altLang="zh-CN" dirty="0"/>
+              <a:t>  --enable-sockets  </a:t>
+            </a:r>
+          </a:p>
+          <a:p>
+            <a:pPr marL="457200" lvl="1" indent="0">
+              <a:buNone/>
+            </a:pPr>
+            <a:r>
+              <a:rPr lang="en-US" altLang="zh-CN" dirty="0"/>
+              <a:t>--enable-</a:t>
+            </a:r>
+            <a:r>
+              <a:rPr lang="en-US" altLang="zh-CN" dirty="0" err="1"/>
+              <a:t>sysvsem</a:t>
+            </a:r>
+            <a:r>
+              <a:rPr lang="en-US" altLang="zh-CN" dirty="0"/>
+              <a:t>  --enable-</a:t>
+            </a:r>
+            <a:r>
+              <a:rPr lang="en-US" altLang="zh-CN" dirty="0" err="1"/>
+              <a:t>sysvshm</a:t>
+            </a:r>
+            <a:r>
+              <a:rPr lang="en-US" altLang="zh-CN" dirty="0"/>
+              <a:t>  --enable-</a:t>
+            </a:r>
+            <a:r>
+              <a:rPr lang="en-US" altLang="zh-CN" dirty="0" err="1"/>
+              <a:t>sysvmsg</a:t>
+            </a:r>
+            <a:endParaRPr lang="en-US" altLang="zh-CN" dirty="0"/>
+          </a:p>
+          <a:p>
+            <a:pPr marL="457200" lvl="1" indent="0">
+              <a:buNone/>
+            </a:pPr>
+            <a:endParaRPr lang="en-US" altLang="zh-CN" dirty="0"/>
+          </a:p>
+          <a:p>
+            <a:r>
+              <a:rPr lang="zh-CN" altLang="en-US" sz="2400" dirty="0"/>
+              <a:t>运行此配置脚本，会自动检测编译环境，并把安装路径设置为</a:t>
             </a:r>
             <a:r>
               <a:rPr lang="en-US" altLang="zh-CN" sz="2400" dirty="0"/>
@@ -5426,107 +5677,33 @@
             </a:r>
             <a:r>
               <a:rPr lang="zh-CN" altLang="en-US" sz="2400" dirty="0"/>
-              <a:t>作为</a:t>
+              <a:t>，同时开启相应的扩展支持。</a:t>
+            </a:r>
+            <a:endParaRPr lang="en-US" altLang="zh-CN" sz="2400" dirty="0"/>
+          </a:p>
+          <a:p>
+            <a:endParaRPr lang="en-US" altLang="zh-CN" sz="2400" dirty="0"/>
+          </a:p>
+          <a:p>
+            <a:r>
+              <a:rPr lang="zh-CN" altLang="en-US" sz="2400" dirty="0"/>
+              <a:t>此时并没有编译</a:t>
             </a:r>
             <a:r>
               <a:rPr lang="en-US" altLang="zh-CN" sz="2400" dirty="0"/>
-              <a:t>PHP</a:t>
-            </a:r>
-            <a:r>
-              <a:rPr lang="zh-CN" altLang="en-US" sz="2400" dirty="0"/>
-              <a:t>的安装目录，</a:t>
-            </a:r>
-            <a:r>
-              <a:rPr lang="en-US" altLang="zh-CN" sz="2400" dirty="0"/>
-              <a:t>php7115</a:t>
-            </a:r>
-            <a:r>
-              <a:rPr lang="zh-CN" altLang="en-US" sz="2400" dirty="0"/>
-              <a:t>表示</a:t>
-            </a:r>
-            <a:r>
-              <a:rPr lang="en-US" altLang="zh-CN" sz="2400" dirty="0"/>
-              <a:t>PHP</a:t>
-            </a:r>
-            <a:r>
-              <a:rPr lang="zh-CN" altLang="en-US" sz="2400" dirty="0"/>
-              <a:t>的版本号为</a:t>
-            </a:r>
-            <a:r>
-              <a:rPr lang="en-US" altLang="zh-CN" sz="2400" dirty="0"/>
-              <a:t>7.1.15</a:t>
-            </a:r>
-            <a:r>
-              <a:rPr lang="zh-CN" altLang="en-US" sz="2400" dirty="0"/>
-              <a:t>，以后编译新的版本目录可以使用</a:t>
+              <a:t>curl</a:t>
+            </a:r>
+            <a:r>
+              <a:rPr lang="zh-CN" altLang="en-US" sz="2400" dirty="0"/>
+              <a:t>以及</a:t>
             </a:r>
             <a:r>
               <a:rPr lang="en-US" altLang="zh-CN" sz="2400" dirty="0" err="1"/>
-              <a:t>php</a:t>
-            </a:r>
-            <a:r>
-              <a:rPr lang="en-US" altLang="zh-CN" sz="2400" dirty="0"/>
-              <a:t>[</a:t>
-            </a:r>
-            <a:r>
-              <a:rPr lang="zh-CN" altLang="en-US" sz="2400" dirty="0"/>
-              <a:t>版本号</a:t>
-            </a:r>
-            <a:r>
-              <a:rPr lang="en-US" altLang="zh-CN" sz="2400" dirty="0"/>
-              <a:t>]</a:t>
-            </a:r>
-            <a:r>
-              <a:rPr lang="zh-CN" altLang="en-US" sz="2400" dirty="0"/>
-              <a:t> 的形式，互相不冲突。</a:t>
-            </a:r>
-            <a:endParaRPr lang="en-US" altLang="zh-CN" sz="2400" dirty="0"/>
-          </a:p>
-          <a:p>
-            <a:endParaRPr lang="en-US" altLang="zh-CN" sz="2400" dirty="0"/>
-          </a:p>
-          <a:p>
-            <a:r>
-              <a:rPr lang="en-US" altLang="zh-CN" sz="2400" dirty="0"/>
-              <a:t>/</a:t>
-            </a:r>
-            <a:r>
-              <a:rPr lang="en-US" altLang="zh-CN" sz="2400" dirty="0" err="1"/>
-              <a:t>webrun</a:t>
-            </a:r>
-            <a:r>
-              <a:rPr lang="zh-CN" altLang="en-US" sz="2400" dirty="0"/>
-              <a:t>目录是自己创建的，在根目录下创建为的是可移植环境，不要在用户主目录下创建，这会带来权限，移植的麻烦。</a:t>
-            </a:r>
-            <a:endParaRPr lang="en-US" altLang="zh-CN" sz="2400" dirty="0"/>
-          </a:p>
-          <a:p>
-            <a:endParaRPr lang="en-US" altLang="zh-CN" sz="2400" dirty="0"/>
-          </a:p>
-          <a:p>
-            <a:r>
-              <a:rPr lang="zh-CN" altLang="en-US" sz="2400" dirty="0"/>
-              <a:t>以后编译</a:t>
-            </a:r>
-            <a:r>
-              <a:rPr lang="en-US" altLang="zh-CN" sz="2400" dirty="0"/>
-              <a:t>Nginx</a:t>
-            </a:r>
-            <a:r>
-              <a:rPr lang="zh-CN" altLang="en-US" sz="2400" dirty="0"/>
-              <a:t>也放在</a:t>
-            </a:r>
-            <a:r>
-              <a:rPr lang="en-US" altLang="zh-CN" sz="2400" dirty="0"/>
-              <a:t>/</a:t>
-            </a:r>
-            <a:r>
-              <a:rPr lang="en-US" altLang="zh-CN" sz="2400" dirty="0" err="1"/>
-              <a:t>webrun</a:t>
-            </a:r>
-            <a:r>
-              <a:rPr lang="zh-CN" altLang="en-US" sz="2400" dirty="0"/>
-              <a:t>目录下。</a:t>
+              <a:t>openssl</a:t>
+            </a:r>
+            <a:r>
+              <a:rPr lang="zh-CN" altLang="en-US" sz="2400" dirty="0"/>
+              <a:t>。</a:t>
             </a:r>
             <a:endParaRPr lang="en-US" altLang="zh-CN" sz="2400" dirty="0"/>
           </a:p>
@@ -5535,7 +5712,7 @@
     </p:spTree>
     <p:extLst>
       <p:ext uri="{BB962C8B-B14F-4D97-AF65-F5344CB8AC3E}">
-        <p14:creationId xmlns:p14="http://schemas.microsoft.com/office/powerpoint/2010/main" val="3583405041"/>
+        <p14:creationId xmlns:p14="http://schemas.microsoft.com/office/powerpoint/2010/main" val="2616761982"/>
       </p:ext>
     </p:extLst>
   </p:cSld>
@@ -5590,13 +5767,8 @@
           <a:p>
             <a:r>
               <a:rPr lang="zh-CN" altLang="en-US" dirty="0"/>
-              <a:t>简单编译</a:t>
-            </a:r>
-            <a:r>
-              <a:rPr lang="en-US" altLang="zh-CN" dirty="0"/>
-              <a:t>PHP</a:t>
-            </a:r>
-            <a:endParaRPr lang="zh-CN" altLang="en-US" dirty="0"/>
+              <a:t>简单编译存在的问题</a:t>
+            </a:r>
           </a:p>
         </p:txBody>
       </p:sp>
@@ -5625,119 +5797,7 @@
           <a:p>
             <a:r>
               <a:rPr lang="zh-CN" altLang="en-US" sz="2400" dirty="0"/>
-              <a:t>运行脚本：</a:t>
-            </a:r>
-            <a:endParaRPr lang="en-US" altLang="zh-CN" sz="2400" dirty="0"/>
-          </a:p>
-          <a:p>
-            <a:pPr marL="457200" lvl="1" indent="0">
-              <a:buNone/>
-            </a:pPr>
-            <a:r>
-              <a:rPr lang="en-US" altLang="zh-CN" dirty="0"/>
-              <a:t>./configure --prefix=/</a:t>
-            </a:r>
-            <a:r>
-              <a:rPr lang="en-US" altLang="zh-CN" dirty="0" err="1"/>
-              <a:t>webrun</a:t>
-            </a:r>
-            <a:r>
-              <a:rPr lang="en-US" altLang="zh-CN" dirty="0"/>
-              <a:t>/php7115 --enable-</a:t>
-            </a:r>
-            <a:r>
-              <a:rPr lang="en-US" altLang="zh-CN" dirty="0" err="1"/>
-              <a:t>bcmath</a:t>
-            </a:r>
-            <a:r>
-              <a:rPr lang="en-US" altLang="zh-CN" dirty="0"/>
-              <a:t> --enable-calendar --enable-fpm --enable-ftp --enable-</a:t>
-            </a:r>
-            <a:r>
-              <a:rPr lang="en-US" altLang="zh-CN" dirty="0" err="1"/>
-              <a:t>mbstring</a:t>
-            </a:r>
-            <a:r>
-              <a:rPr lang="en-US" altLang="zh-CN" dirty="0"/>
-              <a:t> --enable-</a:t>
-            </a:r>
-            <a:r>
-              <a:rPr lang="en-US" altLang="zh-CN" dirty="0" err="1"/>
-              <a:t>mysqlnd</a:t>
-            </a:r>
-            <a:r>
-              <a:rPr lang="en-US" altLang="zh-CN" dirty="0"/>
-              <a:t> --enable-</a:t>
-            </a:r>
-            <a:r>
-              <a:rPr lang="en-US" altLang="zh-CN" dirty="0" err="1"/>
-              <a:t>pcntl</a:t>
-            </a:r>
-            <a:r>
-              <a:rPr lang="en-US" altLang="zh-CN" dirty="0"/>
-              <a:t> --enable-sockets --enable-</a:t>
-            </a:r>
-            <a:r>
-              <a:rPr lang="en-US" altLang="zh-CN" dirty="0" err="1"/>
-              <a:t>sysvsem</a:t>
-            </a:r>
-            <a:r>
-              <a:rPr lang="en-US" altLang="zh-CN" dirty="0"/>
-              <a:t> --enable-</a:t>
-            </a:r>
-            <a:r>
-              <a:rPr lang="en-US" altLang="zh-CN" dirty="0" err="1"/>
-              <a:t>sysvshm</a:t>
-            </a:r>
-            <a:r>
-              <a:rPr lang="en-US" altLang="zh-CN" dirty="0"/>
-              <a:t> --enable-</a:t>
-            </a:r>
-            <a:r>
-              <a:rPr lang="en-US" altLang="zh-CN" dirty="0" err="1"/>
-              <a:t>sysvmsg</a:t>
-            </a:r>
-            <a:r>
-              <a:rPr lang="en-US" altLang="zh-CN" dirty="0"/>
-              <a:t> --enable-zip</a:t>
-            </a:r>
-          </a:p>
-          <a:p>
-            <a:pPr marL="457200" lvl="1" indent="0">
-              <a:buNone/>
-            </a:pPr>
-            <a:endParaRPr lang="en-US" altLang="zh-CN" dirty="0"/>
-          </a:p>
-          <a:p>
-            <a:r>
-              <a:rPr lang="zh-CN" altLang="en-US" sz="2400" dirty="0"/>
-              <a:t>运行此配置脚本，会自动检测编译环境，并把安装路径设置为</a:t>
-            </a:r>
-            <a:r>
-              <a:rPr lang="en-US" altLang="zh-CN" sz="2400" dirty="0"/>
-              <a:t>/</a:t>
-            </a:r>
-            <a:r>
-              <a:rPr lang="en-US" altLang="zh-CN" sz="2400" dirty="0" err="1"/>
-              <a:t>webrun</a:t>
-            </a:r>
-            <a:r>
-              <a:rPr lang="en-US" altLang="zh-CN" sz="2400" dirty="0"/>
-              <a:t>/php7115</a:t>
-            </a:r>
-            <a:r>
-              <a:rPr lang="zh-CN" altLang="en-US" sz="2400" dirty="0"/>
-              <a:t>，同时开启相应的扩展支持。</a:t>
-            </a:r>
-            <a:endParaRPr lang="en-US" altLang="zh-CN" sz="2400" dirty="0"/>
-          </a:p>
-          <a:p>
-            <a:endParaRPr lang="en-US" altLang="zh-CN" sz="2400" dirty="0"/>
-          </a:p>
-          <a:p>
-            <a:r>
-              <a:rPr lang="zh-CN" altLang="en-US" sz="2400" dirty="0"/>
-              <a:t>此时并没有编译</a:t>
+              <a:t>此内容源于实际工作的状况记录，编译过程中，</a:t>
             </a:r>
             <a:r>
               <a:rPr lang="en-US" altLang="zh-CN" sz="2400" dirty="0"/>
@@ -5745,11 +5805,163 @@
             </a:r>
             <a:r>
               <a:rPr lang="zh-CN" altLang="en-US" sz="2400" dirty="0"/>
-              <a:t>以及</a:t>
+              <a:t>是作为</a:t>
+            </a:r>
+            <a:r>
+              <a:rPr lang="en-US" altLang="zh-CN" sz="2400" dirty="0"/>
+              <a:t>PHP</a:t>
+            </a:r>
+            <a:r>
+              <a:rPr lang="zh-CN" altLang="en-US" sz="2400" dirty="0"/>
+              <a:t>扩展的方式编译的。但是在移植到</a:t>
+            </a:r>
+            <a:r>
+              <a:rPr lang="en-US" altLang="zh-CN" sz="2400" dirty="0"/>
+              <a:t>CentOS</a:t>
+            </a:r>
+            <a:r>
+              <a:rPr lang="zh-CN" altLang="en-US" sz="2400" dirty="0"/>
+              <a:t>平台的时候，由于路径问题，</a:t>
+            </a:r>
+            <a:r>
+              <a:rPr lang="en-US" altLang="zh-CN" sz="2400" dirty="0"/>
+              <a:t>curl</a:t>
+            </a:r>
+            <a:r>
+              <a:rPr lang="zh-CN" altLang="en-US" sz="2400" dirty="0"/>
+              <a:t>的链接库无法找到，并且创建链接也无法解决，需要重新编译</a:t>
+            </a:r>
+            <a:r>
+              <a:rPr lang="en-US" altLang="zh-CN" sz="2400" dirty="0"/>
+              <a:t>curl</a:t>
+            </a:r>
+            <a:r>
+              <a:rPr lang="zh-CN" altLang="en-US" sz="2400" dirty="0"/>
+              <a:t>扩展。</a:t>
             </a:r>
             <a:r>
               <a:rPr lang="en-US" altLang="zh-CN" sz="2400" dirty="0" err="1"/>
               <a:t>openssl</a:t>
+            </a:r>
+            <a:r>
+              <a:rPr lang="zh-CN" altLang="en-US" sz="2400" dirty="0"/>
+              <a:t>的扩展存在同样的问题。</a:t>
+            </a:r>
+            <a:endParaRPr lang="en-US" altLang="zh-CN" sz="2400" dirty="0"/>
+          </a:p>
+          <a:p>
+            <a:endParaRPr lang="en-US" altLang="zh-CN" sz="2400" dirty="0"/>
+          </a:p>
+          <a:p>
+            <a:r>
+              <a:rPr lang="zh-CN" altLang="en-US" sz="2400" dirty="0"/>
+              <a:t>编译</a:t>
+            </a:r>
+            <a:r>
+              <a:rPr lang="en-US" altLang="zh-CN" sz="2400" dirty="0"/>
+              <a:t>curl</a:t>
+            </a:r>
+            <a:r>
+              <a:rPr lang="zh-CN" altLang="en-US" sz="2400" dirty="0"/>
+              <a:t>扩展使</a:t>
+            </a:r>
+            <a:r>
+              <a:rPr lang="en-US" altLang="zh-CN" sz="2400" dirty="0"/>
+              <a:t>--with-curl</a:t>
+            </a:r>
+            <a:r>
+              <a:rPr lang="zh-CN" altLang="en-US" sz="2400" dirty="0"/>
+              <a:t>参数的时候总是出现问题，并且会提示版本不支持相关的问题，解决方法是在编译</a:t>
+            </a:r>
+            <a:r>
+              <a:rPr lang="en-US" altLang="zh-CN" sz="2400" dirty="0"/>
+              <a:t>PHP</a:t>
+            </a:r>
+            <a:r>
+              <a:rPr lang="zh-CN" altLang="en-US" sz="2400" dirty="0"/>
+              <a:t>的时候加</a:t>
+            </a:r>
+            <a:r>
+              <a:rPr lang="en-US" altLang="zh-CN" sz="2400" dirty="0"/>
+              <a:t>--with-curl</a:t>
+            </a:r>
+            <a:r>
+              <a:rPr lang="zh-CN" altLang="en-US" sz="2400" dirty="0"/>
+              <a:t>以</a:t>
+            </a:r>
+            <a:r>
+              <a:rPr lang="en-US" altLang="zh-CN" sz="2400" dirty="0"/>
+              <a:t>--with-</a:t>
+            </a:r>
+            <a:r>
+              <a:rPr lang="en-US" altLang="zh-CN" sz="2400" dirty="0" err="1"/>
+              <a:t>openssl</a:t>
+            </a:r>
+            <a:r>
+              <a:rPr lang="zh-CN" altLang="en-US" sz="2400" dirty="0"/>
+              <a:t>参数，仅仅使用</a:t>
+            </a:r>
+            <a:r>
+              <a:rPr lang="en-US" altLang="zh-CN" sz="2400" dirty="0"/>
+              <a:t>--with-curl</a:t>
+            </a:r>
+            <a:r>
+              <a:rPr lang="zh-CN" altLang="en-US" sz="2400" dirty="0"/>
+              <a:t>也会出现问题。</a:t>
+            </a:r>
+            <a:endParaRPr lang="en-US" altLang="zh-CN" dirty="0"/>
+          </a:p>
+          <a:p>
+            <a:endParaRPr lang="en-US" altLang="zh-CN" sz="2400" dirty="0"/>
+          </a:p>
+          <a:p>
+            <a:r>
+              <a:rPr lang="zh-CN" altLang="en-US" sz="2400" dirty="0"/>
+              <a:t>另一个问题是：希望把</a:t>
+            </a:r>
+            <a:r>
+              <a:rPr lang="en-US" altLang="zh-CN" sz="2400" dirty="0"/>
+              <a:t>curl</a:t>
+            </a:r>
+            <a:r>
+              <a:rPr lang="zh-CN" altLang="en-US" sz="2400" dirty="0"/>
+              <a:t>以及</a:t>
+            </a:r>
+            <a:r>
+              <a:rPr lang="en-US" altLang="zh-CN" sz="2400" dirty="0" err="1"/>
+              <a:t>openssl</a:t>
+            </a:r>
+            <a:r>
+              <a:rPr lang="zh-CN" altLang="en-US" sz="2400" dirty="0"/>
+              <a:t>作为可移植环境的一部分进行编译并在编译</a:t>
+            </a:r>
+            <a:r>
+              <a:rPr lang="en-US" altLang="zh-CN" sz="2400" dirty="0"/>
+              <a:t>PHP</a:t>
+            </a:r>
+            <a:r>
+              <a:rPr lang="zh-CN" altLang="en-US" sz="2400" dirty="0"/>
+              <a:t>以及模块扩展的时候进行指向。所以先编译</a:t>
+            </a:r>
+            <a:r>
+              <a:rPr lang="en-US" altLang="zh-CN" sz="2400" dirty="0"/>
+              <a:t>curl</a:t>
+            </a:r>
+            <a:r>
+              <a:rPr lang="zh-CN" altLang="en-US" sz="2400" dirty="0"/>
+              <a:t>以及</a:t>
+            </a:r>
+            <a:r>
+              <a:rPr lang="en-US" altLang="zh-CN" sz="2400" dirty="0" err="1"/>
+              <a:t>openssl</a:t>
+            </a:r>
+            <a:r>
+              <a:rPr lang="zh-CN" altLang="en-US" sz="2400" dirty="0"/>
+              <a:t>，之后再编译</a:t>
+            </a:r>
+            <a:r>
+              <a:rPr lang="en-US" altLang="zh-CN" sz="2400" dirty="0"/>
+              <a:t>PHP</a:t>
             </a:r>
             <a:r>
               <a:rPr lang="zh-CN" altLang="en-US" sz="2400" dirty="0"/>
@@ -5762,7 +5974,7 @@
     </p:spTree>
     <p:extLst>
       <p:ext uri="{BB962C8B-B14F-4D97-AF65-F5344CB8AC3E}">
-        <p14:creationId xmlns:p14="http://schemas.microsoft.com/office/powerpoint/2010/main" val="2616761982"/>
+        <p14:creationId xmlns:p14="http://schemas.microsoft.com/office/powerpoint/2010/main" val="2321068806"/>
       </p:ext>
     </p:extLst>
   </p:cSld>
@@ -5817,7 +6029,15 @@
           <a:p>
             <a:r>
               <a:rPr lang="zh-CN" altLang="en-US" dirty="0"/>
-              <a:t>简单编译存在的问题</a:t>
+              <a:t>编译</a:t>
+            </a:r>
+            <a:r>
+              <a:rPr lang="en-US" altLang="zh-CN" dirty="0"/>
+              <a:t>curl</a:t>
+            </a:r>
+            <a:r>
+              <a:rPr lang="zh-CN" altLang="en-US" dirty="0"/>
+              <a:t>库</a:t>
             </a:r>
           </a:p>
         </p:txBody>
@@ -5845,49 +6065,40 @@
           </a:bodyPr>
           <a:lstStyle/>
           <a:p>
-            <a:r>
-              <a:rPr lang="zh-CN" altLang="en-US" sz="2400" dirty="0"/>
-              <a:t>此内容源于实际工作的状况记录，编译过程中，</a:t>
-            </a:r>
+            <a:endParaRPr lang="en-US" altLang="zh-CN" sz="2400" dirty="0"/>
+          </a:p>
+          <a:p>
             <a:r>
               <a:rPr lang="en-US" altLang="zh-CN" sz="2400" dirty="0"/>
               <a:t>curl</a:t>
             </a:r>
             <a:r>
               <a:rPr lang="zh-CN" altLang="en-US" sz="2400" dirty="0"/>
-              <a:t>是作为</a:t>
+              <a:t>库的编译如果开启</a:t>
             </a:r>
             <a:r>
               <a:rPr lang="en-US" altLang="zh-CN" sz="2400" dirty="0"/>
-              <a:t>PHP</a:t>
-            </a:r>
-            <a:r>
-              <a:rPr lang="zh-CN" altLang="en-US" sz="2400" dirty="0"/>
-              <a:t>扩展的方式编译的。但是在移植到</a:t>
+              <a:t>http2</a:t>
+            </a:r>
+            <a:r>
+              <a:rPr lang="zh-CN" altLang="en-US" sz="2400" dirty="0"/>
+              <a:t>的话需要</a:t>
             </a:r>
             <a:r>
               <a:rPr lang="en-US" altLang="zh-CN" sz="2400" dirty="0"/>
-              <a:t>CentOS</a:t>
-            </a:r>
-            <a:r>
-              <a:rPr lang="zh-CN" altLang="en-US" sz="2400" dirty="0"/>
-              <a:t>平台的时候，由于路径问题，</a:t>
-            </a:r>
-            <a:r>
-              <a:rPr lang="en-US" altLang="zh-CN" sz="2400" dirty="0"/>
-              <a:t>curl</a:t>
-            </a:r>
-            <a:r>
-              <a:rPr lang="zh-CN" altLang="en-US" sz="2400" dirty="0"/>
-              <a:t>的链接库无法找到，并且创建链接也无法解决，需要重新编译</a:t>
-            </a:r>
-            <a:r>
-              <a:rPr lang="en-US" altLang="zh-CN" sz="2400" dirty="0"/>
-              <a:t>curl</a:t>
-            </a:r>
-            <a:r>
-              <a:rPr lang="zh-CN" altLang="en-US" sz="2400" dirty="0"/>
-              <a:t>扩展。</a:t>
+              <a:t>nghttp2</a:t>
+            </a:r>
+            <a:r>
+              <a:rPr lang="zh-CN" altLang="en-US" sz="2400" dirty="0"/>
+              <a:t>库，</a:t>
+            </a:r>
+            <a:r>
+              <a:rPr lang="en-US" altLang="zh-CN" sz="2400" dirty="0" err="1"/>
+              <a:t>ssl</a:t>
+            </a:r>
+            <a:r>
+              <a:rPr lang="zh-CN" altLang="en-US" sz="2400" dirty="0"/>
+              <a:t>加密需要</a:t>
             </a:r>
             <a:r>
               <a:rPr lang="en-US" altLang="zh-CN" sz="2400" dirty="0" err="1"/>
@@ -5895,7 +6106,23 @@
             </a:r>
             <a:r>
               <a:rPr lang="zh-CN" altLang="en-US" sz="2400" dirty="0"/>
-              <a:t>的扩展存在同样的问题。</a:t>
+              <a:t>库，</a:t>
+            </a:r>
+            <a:r>
+              <a:rPr lang="en-US" altLang="zh-CN" sz="2400" dirty="0" err="1"/>
+              <a:t>zlib</a:t>
+            </a:r>
+            <a:r>
+              <a:rPr lang="zh-CN" altLang="en-US" sz="2400" dirty="0"/>
+              <a:t>压缩支持需要</a:t>
+            </a:r>
+            <a:r>
+              <a:rPr lang="en-US" altLang="zh-CN" sz="2400" dirty="0" err="1"/>
+              <a:t>zlib</a:t>
+            </a:r>
+            <a:r>
+              <a:rPr lang="zh-CN" altLang="en-US" sz="2400" dirty="0"/>
+              <a:t>库。</a:t>
             </a:r>
             <a:endParaRPr lang="en-US" altLang="zh-CN" sz="2400" dirty="0"/>
           </a:p>
@@ -5905,43 +6132,15 @@
           <a:p>
             <a:r>
               <a:rPr lang="zh-CN" altLang="en-US" sz="2400" dirty="0"/>
-              <a:t>编译</a:t>
+              <a:t>所以在这之前先编译</a:t>
             </a:r>
             <a:r>
               <a:rPr lang="en-US" altLang="zh-CN" sz="2400" dirty="0"/>
-              <a:t>curl</a:t>
-            </a:r>
-            <a:r>
-              <a:rPr lang="zh-CN" altLang="en-US" sz="2400" dirty="0"/>
-              <a:t>扩展使</a:t>
-            </a:r>
-            <a:r>
-              <a:rPr lang="en-US" altLang="zh-CN" sz="2400" dirty="0"/>
-              <a:t>--with-curl</a:t>
-            </a:r>
-            <a:r>
-              <a:rPr lang="zh-CN" altLang="en-US" sz="2400" dirty="0"/>
-              <a:t>参数的时候总是出现问题，并且会提示版本不支持相关的问题，解决方法是在编译</a:t>
-            </a:r>
-            <a:r>
-              <a:rPr lang="en-US" altLang="zh-CN" sz="2400" dirty="0"/>
-              <a:t>PHP</a:t>
-            </a:r>
-            <a:r>
-              <a:rPr lang="zh-CN" altLang="en-US" sz="2400" dirty="0"/>
-              <a:t>的时候加</a:t>
-            </a:r>
-            <a:r>
-              <a:rPr lang="en-US" altLang="zh-CN" sz="2400" dirty="0"/>
-              <a:t>--with-curl</a:t>
-            </a:r>
-            <a:r>
-              <a:rPr lang="zh-CN" altLang="en-US" sz="2400" dirty="0"/>
-              <a:t>以</a:t>
-            </a:r>
-            <a:r>
-              <a:rPr lang="en-US" altLang="zh-CN" sz="2400" dirty="0"/>
-              <a:t>--with-</a:t>
+              <a:t>nghttp2</a:t>
+            </a:r>
+            <a:r>
+              <a:rPr lang="zh-CN" altLang="en-US" sz="2400" dirty="0"/>
+              <a:t>、</a:t>
             </a:r>
             <a:r>
               <a:rPr lang="en-US" altLang="zh-CN" sz="2400" dirty="0" err="1"/>
@@ -5949,82 +6148,42 @@
             </a:r>
             <a:r>
               <a:rPr lang="zh-CN" altLang="en-US" sz="2400" dirty="0"/>
-              <a:t>参数，仅仅使用</a:t>
-            </a:r>
-            <a:r>
-              <a:rPr lang="en-US" altLang="zh-CN" sz="2400" dirty="0"/>
-              <a:t>--with-curl</a:t>
-            </a:r>
-            <a:r>
-              <a:rPr lang="zh-CN" altLang="en-US" sz="2400" dirty="0"/>
-              <a:t>也会出现问题。</a:t>
-            </a:r>
-            <a:endParaRPr lang="en-US" altLang="zh-CN" dirty="0"/>
-          </a:p>
-          <a:p>
+              <a:t>以及</a:t>
+            </a:r>
+            <a:r>
+              <a:rPr lang="en-US" altLang="zh-CN" sz="2400" dirty="0" err="1"/>
+              <a:t>zlib</a:t>
+            </a:r>
+            <a:r>
+              <a:rPr lang="zh-CN" altLang="en-US" sz="2400" dirty="0"/>
+              <a:t>。</a:t>
+            </a:r>
             <a:endParaRPr lang="en-US" altLang="zh-CN" sz="2400" dirty="0"/>
           </a:p>
           <a:p>
-            <a:r>
-              <a:rPr lang="zh-CN" altLang="en-US" sz="2400" dirty="0"/>
-              <a:t>另一个问题是：希望把</a:t>
-            </a:r>
-            <a:r>
-              <a:rPr lang="en-US" altLang="zh-CN" sz="2400" dirty="0"/>
-              <a:t>curl</a:t>
-            </a:r>
-            <a:r>
-              <a:rPr lang="zh-CN" altLang="en-US" sz="2400" dirty="0"/>
-              <a:t>以及</a:t>
-            </a:r>
-            <a:r>
-              <a:rPr lang="en-US" altLang="zh-CN" sz="2400" dirty="0" err="1"/>
-              <a:t>openssl</a:t>
-            </a:r>
-            <a:r>
-              <a:rPr lang="zh-CN" altLang="en-US" sz="2400" dirty="0"/>
-              <a:t>作为可移植环境的一部分进行编译并在编译</a:t>
-            </a:r>
-            <a:r>
-              <a:rPr lang="en-US" altLang="zh-CN" sz="2400" dirty="0"/>
-              <a:t>PHP</a:t>
-            </a:r>
-            <a:r>
-              <a:rPr lang="zh-CN" altLang="en-US" sz="2400" dirty="0"/>
-              <a:t>以及模块扩展的时候进行指向。所以先编译</a:t>
-            </a:r>
-            <a:r>
-              <a:rPr lang="en-US" altLang="zh-CN" sz="2400" dirty="0"/>
-              <a:t>curl</a:t>
-            </a:r>
-            <a:r>
-              <a:rPr lang="zh-CN" altLang="en-US" sz="2400" dirty="0"/>
-              <a:t>以及</a:t>
-            </a:r>
-            <a:r>
-              <a:rPr lang="en-US" altLang="zh-CN" sz="2400" dirty="0" err="1"/>
-              <a:t>openssl</a:t>
-            </a:r>
-            <a:r>
-              <a:rPr lang="zh-CN" altLang="en-US" sz="2400" dirty="0"/>
-              <a:t>，之后再编译</a:t>
-            </a:r>
-            <a:r>
-              <a:rPr lang="en-US" altLang="zh-CN" sz="2400" dirty="0"/>
-              <a:t>PHP</a:t>
-            </a:r>
-            <a:r>
-              <a:rPr lang="zh-CN" altLang="en-US" sz="2400" dirty="0"/>
-              <a:t>。</a:t>
-            </a:r>
             <a:endParaRPr lang="en-US" altLang="zh-CN" sz="2400" dirty="0"/>
+          </a:p>
+          <a:p>
+            <a:endParaRPr lang="en-US" altLang="zh-CN" sz="2400" dirty="0"/>
+          </a:p>
+          <a:p>
+            <a:endParaRPr lang="en-US" altLang="zh-CN" sz="2400" dirty="0"/>
+          </a:p>
+          <a:p>
+            <a:endParaRPr lang="en-US" altLang="zh-CN" sz="2000" dirty="0"/>
+          </a:p>
+          <a:p>
+            <a:pPr marL="457200" lvl="1" indent="0">
+              <a:buNone/>
+            </a:pPr>
+            <a:endParaRPr lang="zh-CN" altLang="en-US" dirty="0"/>
           </a:p>
         </p:txBody>
       </p:sp>
     </p:spTree>
     <p:extLst>
       <p:ext uri="{BB962C8B-B14F-4D97-AF65-F5344CB8AC3E}">
-        <p14:creationId xmlns:p14="http://schemas.microsoft.com/office/powerpoint/2010/main" val="2321068806"/>
+        <p14:creationId xmlns:p14="http://schemas.microsoft.com/office/powerpoint/2010/main" val="1837271223"/>
       </p:ext>
     </p:extLst>
   </p:cSld>
@@ -6082,13 +6241,26 @@
               <a:t>编译</a:t>
             </a:r>
             <a:r>
+              <a:rPr lang="en-US" altLang="zh-CN" dirty="0" err="1"/>
+              <a:t>openssl</a:t>
+            </a:r>
+            <a:r>
+              <a:rPr lang="zh-CN" altLang="en-US" dirty="0"/>
+              <a:t>，</a:t>
+            </a:r>
+            <a:r>
               <a:rPr lang="en-US" altLang="zh-CN" dirty="0"/>
-              <a:t>curl</a:t>
+              <a:t>nghttp2</a:t>
             </a:r>
             <a:r>
               <a:rPr lang="zh-CN" altLang="en-US" dirty="0"/>
-              <a:t>库</a:t>
-            </a:r>
+              <a:t>，</a:t>
+            </a:r>
+            <a:r>
+              <a:rPr lang="en-US" altLang="zh-CN" dirty="0" err="1"/>
+              <a:t>zlib</a:t>
+            </a:r>
+            <a:endParaRPr lang="zh-CN" altLang="en-US" dirty="0"/>
           </a:p>
         </p:txBody>
       </p:sp>
@@ -6115,100 +6287,165 @@
           </a:bodyPr>
           <a:lstStyle/>
           <a:p>
+            <a:r>
+              <a:rPr lang="zh-CN" altLang="en-US" sz="2400" dirty="0"/>
+              <a:t>解压三个库的压缩包。切换到不同的库目录，分别运行：</a:t>
+            </a:r>
             <a:endParaRPr lang="en-US" altLang="zh-CN" sz="2400" dirty="0"/>
           </a:p>
           <a:p>
-            <a:r>
-              <a:rPr lang="en-US" altLang="zh-CN" sz="2400" dirty="0"/>
-              <a:t>curl</a:t>
-            </a:r>
-            <a:r>
-              <a:rPr lang="zh-CN" altLang="en-US" sz="2400" dirty="0"/>
-              <a:t>库的编译如果开启</a:t>
-            </a:r>
-            <a:r>
-              <a:rPr lang="en-US" altLang="zh-CN" sz="2400" dirty="0"/>
-              <a:t>http2</a:t>
-            </a:r>
-            <a:r>
-              <a:rPr lang="zh-CN" altLang="en-US" sz="2400" dirty="0"/>
-              <a:t>的话需要</a:t>
-            </a:r>
-            <a:r>
-              <a:rPr lang="en-US" altLang="zh-CN" sz="2400" dirty="0"/>
+            <a:pPr marL="457200" lvl="1" indent="0">
+              <a:buNone/>
+            </a:pPr>
+            <a:r>
+              <a:rPr lang="en-US" altLang="zh-CN" sz="2000" dirty="0" err="1"/>
+              <a:t>openssl</a:t>
+            </a:r>
+            <a:r>
+              <a:rPr lang="zh-CN" altLang="en-US" sz="2000" dirty="0"/>
+              <a:t>目录：</a:t>
+            </a:r>
+            <a:endParaRPr lang="en-US" altLang="zh-CN" sz="2000" dirty="0"/>
+          </a:p>
+          <a:p>
+            <a:pPr marL="914400" lvl="2" indent="0">
+              <a:buNone/>
+            </a:pPr>
+            <a:r>
+              <a:rPr lang="en-US" altLang="zh-CN" sz="1800" dirty="0"/>
+              <a:t>./config  --prefix=/</a:t>
+            </a:r>
+            <a:r>
+              <a:rPr lang="en-US" altLang="zh-CN" sz="1800" dirty="0" err="1"/>
+              <a:t>webrun</a:t>
+            </a:r>
+            <a:r>
+              <a:rPr lang="en-US" altLang="zh-CN" sz="1800" dirty="0"/>
+              <a:t>/lib/</a:t>
+            </a:r>
+            <a:r>
+              <a:rPr lang="en-US" altLang="zh-CN" sz="1800" dirty="0" err="1"/>
+              <a:t>openssl</a:t>
+            </a:r>
+            <a:endParaRPr lang="en-US" altLang="zh-CN" sz="1800" dirty="0"/>
+          </a:p>
+          <a:p>
+            <a:pPr marL="914400" lvl="2" indent="0">
+              <a:buNone/>
+            </a:pPr>
+            <a:r>
+              <a:rPr lang="en-US" altLang="zh-CN" sz="1800" dirty="0" err="1"/>
+              <a:t>sudo</a:t>
+            </a:r>
+            <a:r>
+              <a:rPr lang="en-US" altLang="zh-CN" sz="1800" dirty="0"/>
+              <a:t> make install</a:t>
+            </a:r>
+          </a:p>
+          <a:p>
+            <a:pPr marL="914400" lvl="2" indent="0">
+              <a:buNone/>
+            </a:pPr>
+            <a:endParaRPr lang="en-US" altLang="zh-CN" sz="1800" dirty="0"/>
+          </a:p>
+          <a:p>
+            <a:pPr marL="457200" lvl="1" indent="0">
+              <a:buNone/>
+            </a:pPr>
+            <a:r>
+              <a:rPr lang="en-US" altLang="zh-CN" sz="2000" dirty="0"/>
               <a:t>nghttp2</a:t>
             </a:r>
             <a:r>
-              <a:rPr lang="zh-CN" altLang="en-US" sz="2400" dirty="0"/>
-              <a:t>库，</a:t>
-            </a:r>
-            <a:r>
-              <a:rPr lang="en-US" altLang="zh-CN" sz="2400" dirty="0" err="1"/>
-              <a:t>ssl</a:t>
-            </a:r>
-            <a:r>
-              <a:rPr lang="zh-CN" altLang="en-US" sz="2400" dirty="0"/>
-              <a:t>加密需要</a:t>
-            </a:r>
-            <a:r>
-              <a:rPr lang="en-US" altLang="zh-CN" sz="2400" dirty="0" err="1"/>
-              <a:t>openssl</a:t>
-            </a:r>
-            <a:r>
-              <a:rPr lang="zh-CN" altLang="en-US" sz="2400" dirty="0"/>
-              <a:t>库，</a:t>
-            </a:r>
-            <a:r>
-              <a:rPr lang="en-US" altLang="zh-CN" sz="2400" dirty="0" err="1"/>
+              <a:rPr lang="zh-CN" altLang="en-US" sz="2000" dirty="0"/>
+              <a:t>目录：</a:t>
+            </a:r>
+            <a:endParaRPr lang="en-US" altLang="zh-CN" sz="2000" dirty="0"/>
+          </a:p>
+          <a:p>
+            <a:pPr marL="914400" lvl="2" indent="0">
+              <a:buNone/>
+            </a:pPr>
+            <a:r>
+              <a:rPr lang="en-US" altLang="zh-CN" sz="1800" dirty="0"/>
+              <a:t>./configure –prefix=/</a:t>
+            </a:r>
+            <a:r>
+              <a:rPr lang="en-US" altLang="zh-CN" sz="1800" dirty="0" err="1"/>
+              <a:t>webrun</a:t>
+            </a:r>
+            <a:r>
+              <a:rPr lang="en-US" altLang="zh-CN" sz="1800" dirty="0"/>
+              <a:t>/lib/nghttp2</a:t>
+            </a:r>
+          </a:p>
+          <a:p>
+            <a:pPr marL="914400" lvl="2" indent="0">
+              <a:buNone/>
+            </a:pPr>
+            <a:r>
+              <a:rPr lang="en-US" altLang="zh-CN" sz="1800" dirty="0" err="1"/>
+              <a:t>sudo</a:t>
+            </a:r>
+            <a:r>
+              <a:rPr lang="en-US" altLang="zh-CN" sz="1800" dirty="0"/>
+              <a:t> make install</a:t>
+            </a:r>
+          </a:p>
+          <a:p>
+            <a:pPr marL="914400" lvl="2" indent="0">
+              <a:buNone/>
+            </a:pPr>
+            <a:endParaRPr lang="en-US" altLang="zh-CN" sz="1800" dirty="0"/>
+          </a:p>
+          <a:p>
+            <a:pPr marL="457200" lvl="1" indent="0">
+              <a:buNone/>
+            </a:pPr>
+            <a:r>
+              <a:rPr lang="en-US" altLang="zh-CN" sz="2000" dirty="0" err="1"/>
               <a:t>zlib</a:t>
             </a:r>
             <a:r>
-              <a:rPr lang="zh-CN" altLang="en-US" sz="2400" dirty="0"/>
-              <a:t>压缩支持需要</a:t>
-            </a:r>
-            <a:r>
-              <a:rPr lang="en-US" altLang="zh-CN" sz="2400" dirty="0" err="1"/>
+              <a:rPr lang="zh-CN" altLang="en-US" sz="2000" dirty="0"/>
+              <a:t>目录：</a:t>
+            </a:r>
+            <a:endParaRPr lang="en-US" altLang="zh-CN" sz="2000" dirty="0"/>
+          </a:p>
+          <a:p>
+            <a:pPr marL="914400" lvl="2" indent="0">
+              <a:buNone/>
+            </a:pPr>
+            <a:r>
+              <a:rPr lang="en-US" altLang="zh-CN" sz="1800" dirty="0"/>
+              <a:t>./configure  --prefix=/</a:t>
+            </a:r>
+            <a:r>
+              <a:rPr lang="en-US" altLang="zh-CN" sz="1800" dirty="0" err="1"/>
+              <a:t>webrun</a:t>
+            </a:r>
+            <a:r>
+              <a:rPr lang="en-US" altLang="zh-CN" sz="1800" dirty="0"/>
+              <a:t>/lib/</a:t>
+            </a:r>
+            <a:r>
+              <a:rPr lang="en-US" altLang="zh-CN" sz="1800" dirty="0" err="1"/>
               <a:t>zlib</a:t>
             </a:r>
-            <a:r>
-              <a:rPr lang="zh-CN" altLang="en-US" sz="2400" dirty="0"/>
-              <a:t>库。</a:t>
-            </a:r>
-            <a:endParaRPr lang="en-US" altLang="zh-CN" sz="2400" dirty="0"/>
-          </a:p>
-          <a:p>
-            <a:endParaRPr lang="en-US" altLang="zh-CN" sz="2400" dirty="0"/>
-          </a:p>
-          <a:p>
-            <a:r>
-              <a:rPr lang="zh-CN" altLang="en-US" sz="2400" dirty="0"/>
-              <a:t>所以在这之前先编译</a:t>
-            </a:r>
-            <a:r>
-              <a:rPr lang="en-US" altLang="zh-CN" sz="2400" dirty="0"/>
-              <a:t>nghttp2</a:t>
-            </a:r>
-            <a:r>
-              <a:rPr lang="zh-CN" altLang="en-US" sz="2400" dirty="0"/>
-              <a:t>、</a:t>
-            </a:r>
-            <a:r>
-              <a:rPr lang="en-US" altLang="zh-CN" sz="2400" dirty="0" err="1"/>
-              <a:t>openssl</a:t>
-            </a:r>
-            <a:r>
-              <a:rPr lang="zh-CN" altLang="en-US" sz="2400" dirty="0"/>
-              <a:t>以及</a:t>
-            </a:r>
-            <a:r>
-              <a:rPr lang="en-US" altLang="zh-CN" sz="2400" dirty="0" err="1"/>
-              <a:t>zlib</a:t>
-            </a:r>
-            <a:r>
-              <a:rPr lang="zh-CN" altLang="en-US" sz="2400" dirty="0"/>
-              <a:t>。</a:t>
-            </a:r>
-            <a:endParaRPr lang="en-US" altLang="zh-CN" sz="2400" dirty="0"/>
+            <a:endParaRPr lang="en-US" altLang="zh-CN" sz="1800" dirty="0"/>
+          </a:p>
+          <a:p>
+            <a:pPr marL="914400" lvl="2" indent="0">
+              <a:buNone/>
+            </a:pPr>
+            <a:r>
+              <a:rPr lang="en-US" altLang="zh-CN" sz="1800" dirty="0" err="1"/>
+              <a:t>sudo</a:t>
+            </a:r>
+            <a:r>
+              <a:rPr lang="en-US" altLang="zh-CN" sz="1800" dirty="0"/>
+              <a:t> make install</a:t>
+            </a:r>
           </a:p>
           <a:p>
             <a:endParaRPr lang="en-US" altLang="zh-CN" sz="2400" dirty="0"/>
@@ -6233,7 +6470,7 @@
     </p:spTree>
     <p:extLst>
       <p:ext uri="{BB962C8B-B14F-4D97-AF65-F5344CB8AC3E}">
-        <p14:creationId xmlns:p14="http://schemas.microsoft.com/office/powerpoint/2010/main" val="1837271223"/>
+        <p14:creationId xmlns:p14="http://schemas.microsoft.com/office/powerpoint/2010/main" val="1789321817"/>
       </p:ext>
     </p:extLst>
   </p:cSld>
@@ -6288,29 +6525,16 @@
           <a:p>
             <a:r>
               <a:rPr lang="zh-CN" altLang="en-US" dirty="0"/>
-              <a:t>编译</a:t>
-            </a:r>
-            <a:r>
-              <a:rPr lang="en-US" altLang="zh-CN" dirty="0" err="1"/>
-              <a:t>openssl</a:t>
+              <a:t>开始编译</a:t>
+            </a:r>
+            <a:r>
+              <a:rPr lang="en-US" altLang="zh-CN" dirty="0"/>
+              <a:t>curl</a:t>
             </a:r>
             <a:r>
               <a:rPr lang="zh-CN" altLang="en-US" dirty="0"/>
-              <a:t>，</a:t>
-            </a:r>
-            <a:r>
-              <a:rPr lang="en-US" altLang="zh-CN" dirty="0"/>
-              <a:t>nghttp2</a:t>
-            </a:r>
-            <a:r>
-              <a:rPr lang="zh-CN" altLang="en-US" dirty="0"/>
-              <a:t>，</a:t>
-            </a:r>
-            <a:r>
-              <a:rPr lang="en-US" altLang="zh-CN" dirty="0" err="1"/>
-              <a:t>zlib</a:t>
-            </a:r>
-            <a:endParaRPr lang="zh-CN" altLang="en-US" dirty="0"/>
+              <a:t>库</a:t>
+            </a:r>
           </a:p>
         </p:txBody>
       </p:sp>
@@ -6339,7 +6563,23 @@
           <a:p>
             <a:r>
               <a:rPr lang="zh-CN" altLang="en-US" sz="2400" dirty="0"/>
-              <a:t>解压三个库的压缩包。切换到不同的库目录，分别运行：</a:t>
+              <a:t>解压</a:t>
+            </a:r>
+            <a:r>
+              <a:rPr lang="en-US" altLang="zh-CN" sz="2400" dirty="0"/>
+              <a:t>curl</a:t>
+            </a:r>
+            <a:r>
+              <a:rPr lang="zh-CN" altLang="en-US" sz="2400" dirty="0"/>
+              <a:t>库，切换到</a:t>
+            </a:r>
+            <a:r>
+              <a:rPr lang="en-US" altLang="zh-CN" sz="2400" dirty="0"/>
+              <a:t>curl</a:t>
+            </a:r>
+            <a:r>
+              <a:rPr lang="zh-CN" altLang="en-US" sz="2400" dirty="0"/>
+              <a:t>库目录，运行以下命令：</a:t>
             </a:r>
             <a:endParaRPr lang="en-US" altLang="zh-CN" sz="2400" dirty="0"/>
           </a:p>
@@ -6347,166 +6587,197 @@
             <a:pPr marL="457200" lvl="1" indent="0">
               <a:buNone/>
             </a:pPr>
+            <a:r>
+              <a:rPr lang="en-US" altLang="zh-CN" sz="2000" dirty="0"/>
+              <a:t>./configure  --prefix=/</a:t>
+            </a:r>
+            <a:r>
+              <a:rPr lang="en-US" altLang="zh-CN" sz="2000" dirty="0" err="1"/>
+              <a:t>webrun</a:t>
+            </a:r>
+            <a:r>
+              <a:rPr lang="en-US" altLang="zh-CN" sz="2000" dirty="0"/>
+              <a:t>/lib/curl  </a:t>
+            </a:r>
+          </a:p>
+          <a:p>
+            <a:pPr marL="457200" lvl="1" indent="0">
+              <a:buNone/>
+            </a:pPr>
+            <a:r>
+              <a:rPr lang="en-US" altLang="zh-CN" sz="2000" dirty="0"/>
+              <a:t>--enable-cookies  --enable-crypto-</a:t>
+            </a:r>
+            <a:r>
+              <a:rPr lang="en-US" altLang="zh-CN" sz="2000" dirty="0" err="1"/>
+              <a:t>auth</a:t>
+            </a:r>
+            <a:r>
+              <a:rPr lang="en-US" altLang="zh-CN" sz="2000" dirty="0"/>
+              <a:t>  --enable-ftp  </a:t>
+            </a:r>
+          </a:p>
+          <a:p>
+            <a:pPr marL="457200" lvl="1" indent="0">
+              <a:buNone/>
+            </a:pPr>
+            <a:r>
+              <a:rPr lang="en-US" altLang="zh-CN" sz="2000" dirty="0"/>
+              <a:t>--enable-ipv6  --enable-http  --enable-pop3  --enable-proxy </a:t>
+            </a:r>
+          </a:p>
+          <a:p>
+            <a:pPr marL="457200" lvl="1" indent="0">
+              <a:buNone/>
+            </a:pPr>
+            <a:r>
+              <a:rPr lang="en-US" altLang="zh-CN" sz="2000" dirty="0"/>
+              <a:t>--enable-smtp   --enable-telnet  --enable-</a:t>
+            </a:r>
+            <a:r>
+              <a:rPr lang="en-US" altLang="zh-CN" sz="2000" dirty="0" err="1"/>
+              <a:t>tftp</a:t>
+            </a:r>
+            <a:r>
+              <a:rPr lang="en-US" altLang="zh-CN" sz="2000" dirty="0"/>
+              <a:t>  --enable-</a:t>
+            </a:r>
+            <a:r>
+              <a:rPr lang="en-US" altLang="zh-CN" sz="2000" dirty="0" err="1"/>
+              <a:t>tls</a:t>
+            </a:r>
+            <a:r>
+              <a:rPr lang="en-US" altLang="zh-CN" sz="2000" dirty="0"/>
+              <a:t>-</a:t>
+            </a:r>
+            <a:r>
+              <a:rPr lang="en-US" altLang="zh-CN" sz="2000" dirty="0" err="1"/>
+              <a:t>srp</a:t>
+            </a:r>
+            <a:r>
+              <a:rPr lang="en-US" altLang="zh-CN" sz="2000" dirty="0"/>
+              <a:t> </a:t>
+            </a:r>
+          </a:p>
+          <a:p>
+            <a:pPr marL="457200" lvl="1" indent="0">
+              <a:buNone/>
+            </a:pPr>
+            <a:r>
+              <a:rPr lang="en-US" altLang="zh-CN" sz="2000" dirty="0"/>
+              <a:t>--enable-</a:t>
+            </a:r>
+            <a:r>
+              <a:rPr lang="en-US" altLang="zh-CN" sz="2000" dirty="0" err="1"/>
+              <a:t>unix</a:t>
+            </a:r>
+            <a:r>
+              <a:rPr lang="en-US" altLang="zh-CN" sz="2000" dirty="0"/>
+              <a:t>-sockets  --enable-</a:t>
+            </a:r>
+            <a:r>
+              <a:rPr lang="en-US" altLang="zh-CN" sz="2000" dirty="0" err="1"/>
+              <a:t>imap</a:t>
+            </a:r>
+            <a:r>
+              <a:rPr lang="en-US" altLang="zh-CN" sz="2000" dirty="0"/>
+              <a:t>  </a:t>
+            </a:r>
+          </a:p>
+          <a:p>
+            <a:pPr marL="457200" lvl="1" indent="0">
+              <a:buNone/>
+            </a:pPr>
+            <a:r>
+              <a:rPr lang="en-US" altLang="zh-CN" sz="2000" dirty="0"/>
+              <a:t>--with-nghttp2=/</a:t>
+            </a:r>
+            <a:r>
+              <a:rPr lang="en-US" altLang="zh-CN" sz="2000" dirty="0" err="1"/>
+              <a:t>webrun</a:t>
+            </a:r>
+            <a:r>
+              <a:rPr lang="en-US" altLang="zh-CN" sz="2000" dirty="0"/>
+              <a:t>/lib/nghttp2  </a:t>
+            </a:r>
+          </a:p>
+          <a:p>
+            <a:pPr marL="457200" lvl="1" indent="0">
+              <a:buNone/>
+            </a:pPr>
+            <a:r>
+              <a:rPr lang="en-US" altLang="zh-CN" sz="2000" dirty="0"/>
+              <a:t>--with-</a:t>
+            </a:r>
+            <a:r>
+              <a:rPr lang="en-US" altLang="zh-CN" sz="2000" dirty="0" err="1"/>
+              <a:t>zlib</a:t>
+            </a:r>
+            <a:r>
+              <a:rPr lang="en-US" altLang="zh-CN" sz="2000" dirty="0"/>
+              <a:t>=/</a:t>
+            </a:r>
+            <a:r>
+              <a:rPr lang="en-US" altLang="zh-CN" sz="2000" dirty="0" err="1"/>
+              <a:t>webrun</a:t>
+            </a:r>
+            <a:r>
+              <a:rPr lang="en-US" altLang="zh-CN" sz="2000" dirty="0"/>
+              <a:t>/lib/</a:t>
+            </a:r>
+            <a:r>
+              <a:rPr lang="en-US" altLang="zh-CN" sz="2000" dirty="0" err="1"/>
+              <a:t>zlib</a:t>
+            </a:r>
+            <a:r>
+              <a:rPr lang="en-US" altLang="zh-CN" sz="2000" dirty="0"/>
+              <a:t>   --with-</a:t>
+            </a:r>
+            <a:r>
+              <a:rPr lang="en-US" altLang="zh-CN" sz="2000" dirty="0" err="1"/>
+              <a:t>ssl</a:t>
+            </a:r>
+            <a:r>
+              <a:rPr lang="en-US" altLang="zh-CN" sz="2000" dirty="0"/>
+              <a:t>=/</a:t>
+            </a:r>
+            <a:r>
+              <a:rPr lang="en-US" altLang="zh-CN" sz="2000" dirty="0" err="1"/>
+              <a:t>webrun</a:t>
+            </a:r>
+            <a:r>
+              <a:rPr lang="en-US" altLang="zh-CN" sz="2000" dirty="0"/>
+              <a:t>/lib/</a:t>
+            </a:r>
             <a:r>
               <a:rPr lang="en-US" altLang="zh-CN" sz="2000" dirty="0" err="1"/>
               <a:t>openssl</a:t>
             </a:r>
-            <a:r>
-              <a:rPr lang="zh-CN" altLang="en-US" sz="2000" dirty="0"/>
-              <a:t>目录：</a:t>
-            </a:r>
             <a:endParaRPr lang="en-US" altLang="zh-CN" sz="2000" dirty="0"/>
           </a:p>
           <a:p>
-            <a:pPr marL="914400" lvl="2" indent="0">
+            <a:pPr marL="457200" lvl="1" indent="0">
               <a:buNone/>
             </a:pPr>
-            <a:r>
-              <a:rPr lang="en-US" altLang="zh-CN" sz="1800" dirty="0"/>
-              <a:t>./config  --prefix=/</a:t>
-            </a:r>
-            <a:r>
-              <a:rPr lang="en-US" altLang="zh-CN" sz="1800" dirty="0" err="1"/>
-              <a:t>webrun</a:t>
-            </a:r>
-            <a:r>
-              <a:rPr lang="en-US" altLang="zh-CN" sz="1800" dirty="0"/>
-              <a:t>/lib/</a:t>
-            </a:r>
-            <a:r>
-              <a:rPr lang="en-US" altLang="zh-CN" sz="1800" dirty="0" err="1"/>
-              <a:t>openssl</a:t>
-            </a:r>
-            <a:endParaRPr lang="en-US" altLang="zh-CN" sz="1800" dirty="0"/>
-          </a:p>
-          <a:p>
-            <a:pPr marL="914400" lvl="2" indent="0">
+            <a:endParaRPr lang="en-US" altLang="zh-CN" sz="2000" dirty="0"/>
+          </a:p>
+          <a:p>
+            <a:pPr marL="457200" lvl="1" indent="0">
               <a:buNone/>
             </a:pPr>
             <a:r>
-              <a:rPr lang="en-US" altLang="zh-CN" sz="1800" dirty="0" err="1"/>
+              <a:rPr lang="en-US" altLang="zh-CN" sz="2000" dirty="0" err="1"/>
               <a:t>sudo</a:t>
             </a:r>
             <a:r>
-              <a:rPr lang="en-US" altLang="zh-CN" sz="1800" dirty="0"/>
+              <a:rPr lang="en-US" altLang="zh-CN" sz="2000" dirty="0"/>
               <a:t> make install</a:t>
             </a:r>
           </a:p>
           <a:p>
-            <a:pPr marL="914400" lvl="2" indent="0">
+            <a:pPr marL="0" indent="0">
               <a:buNone/>
             </a:pPr>
-            <a:endParaRPr lang="en-US" altLang="zh-CN" sz="1800" dirty="0"/>
-          </a:p>
-          <a:p>
-            <a:pPr marL="457200" lvl="1" indent="0">
-              <a:buNone/>
-            </a:pPr>
-            <a:r>
-              <a:rPr lang="en-US" altLang="zh-CN" sz="2000" dirty="0"/>
-              <a:t>nghttp2</a:t>
-            </a:r>
-            <a:r>
-              <a:rPr lang="zh-CN" altLang="en-US" sz="2000" dirty="0"/>
-              <a:t>目录：</a:t>
-            </a:r>
-            <a:endParaRPr lang="en-US" altLang="zh-CN" sz="2000" dirty="0"/>
-          </a:p>
-          <a:p>
-            <a:pPr marL="914400" lvl="2" indent="0">
-              <a:buNone/>
-            </a:pPr>
-            <a:r>
-              <a:rPr lang="en-US" altLang="zh-CN" sz="1800" dirty="0"/>
-              <a:t>./configure –prefix=/</a:t>
-            </a:r>
-            <a:r>
-              <a:rPr lang="en-US" altLang="zh-CN" sz="1800" dirty="0" err="1"/>
-              <a:t>webrun</a:t>
-            </a:r>
-            <a:r>
-              <a:rPr lang="en-US" altLang="zh-CN" sz="1800" dirty="0"/>
-              <a:t>/lib/nghttp2</a:t>
-            </a:r>
-          </a:p>
-          <a:p>
-            <a:pPr marL="914400" lvl="2" indent="0">
-              <a:buNone/>
-            </a:pPr>
-            <a:r>
-              <a:rPr lang="en-US" altLang="zh-CN" sz="1800" dirty="0" err="1"/>
-              <a:t>sudo</a:t>
-            </a:r>
-            <a:r>
-              <a:rPr lang="en-US" altLang="zh-CN" sz="1800" dirty="0"/>
-              <a:t> make install</a:t>
-            </a:r>
-          </a:p>
-          <a:p>
-            <a:pPr marL="914400" lvl="2" indent="0">
-              <a:buNone/>
-            </a:pPr>
-            <a:endParaRPr lang="en-US" altLang="zh-CN" sz="1800" dirty="0"/>
-          </a:p>
-          <a:p>
-            <a:pPr marL="457200" lvl="1" indent="0">
-              <a:buNone/>
-            </a:pPr>
-            <a:r>
-              <a:rPr lang="en-US" altLang="zh-CN" sz="2000" dirty="0" err="1"/>
-              <a:t>zlib</a:t>
-            </a:r>
-            <a:r>
-              <a:rPr lang="zh-CN" altLang="en-US" sz="2000" dirty="0"/>
-              <a:t>目录：</a:t>
-            </a:r>
-            <a:endParaRPr lang="en-US" altLang="zh-CN" sz="2000" dirty="0"/>
-          </a:p>
-          <a:p>
-            <a:pPr marL="914400" lvl="2" indent="0">
-              <a:buNone/>
-            </a:pPr>
-            <a:r>
-              <a:rPr lang="en-US" altLang="zh-CN" sz="1800" dirty="0"/>
-              <a:t>./configure  --prefix=/</a:t>
-            </a:r>
-            <a:r>
-              <a:rPr lang="en-US" altLang="zh-CN" sz="1800" dirty="0" err="1"/>
-              <a:t>webrun</a:t>
-            </a:r>
-            <a:r>
-              <a:rPr lang="en-US" altLang="zh-CN" sz="1800" dirty="0"/>
-              <a:t>/lib/</a:t>
-            </a:r>
-            <a:r>
-              <a:rPr lang="en-US" altLang="zh-CN" sz="1800" dirty="0" err="1"/>
-              <a:t>zlib</a:t>
-            </a:r>
-            <a:endParaRPr lang="en-US" altLang="zh-CN" sz="1800" dirty="0"/>
-          </a:p>
-          <a:p>
-            <a:pPr marL="914400" lvl="2" indent="0">
-              <a:buNone/>
-            </a:pPr>
-            <a:r>
-              <a:rPr lang="en-US" altLang="zh-CN" sz="1800" dirty="0" err="1"/>
-              <a:t>sudo</a:t>
-            </a:r>
-            <a:r>
-              <a:rPr lang="en-US" altLang="zh-CN" sz="1800" dirty="0"/>
-              <a:t> make install</a:t>
-            </a:r>
-          </a:p>
-          <a:p>
-            <a:endParaRPr lang="en-US" altLang="zh-CN" sz="2400" dirty="0"/>
-          </a:p>
-          <a:p>
-            <a:endParaRPr lang="en-US" altLang="zh-CN" sz="2400" dirty="0"/>
-          </a:p>
-          <a:p>
-            <a:endParaRPr lang="en-US" altLang="zh-CN" sz="2400" dirty="0"/>
-          </a:p>
-          <a:p>
             <a:endParaRPr lang="en-US" altLang="zh-CN" sz="2000" dirty="0"/>
           </a:p>
           <a:p>
@@ -6520,7 +6791,7 @@
     </p:spTree>
     <p:extLst>
       <p:ext uri="{BB962C8B-B14F-4D97-AF65-F5344CB8AC3E}">
-        <p14:creationId xmlns:p14="http://schemas.microsoft.com/office/powerpoint/2010/main" val="1789321817"/>
+        <p14:creationId xmlns:p14="http://schemas.microsoft.com/office/powerpoint/2010/main" val="2795365234"/>
       </p:ext>
     </p:extLst>
   </p:cSld>
@@ -6574,17 +6845,14 @@
           <a:lstStyle/>
           <a:p>
             <a:r>
-              <a:rPr lang="zh-CN" altLang="en-US" dirty="0"/>
-              <a:t>开始编译</a:t>
-            </a:r>
-            <a:r>
               <a:rPr lang="en-US" altLang="zh-CN" dirty="0"/>
-              <a:t>curl</a:t>
-            </a:r>
-            <a:r>
-              <a:rPr lang="zh-CN" altLang="en-US" dirty="0"/>
-              <a:t>库</a:t>
-            </a:r>
+              <a:t>Compile PHP with curl and </a:t>
+            </a:r>
+            <a:r>
+              <a:rPr lang="en-US" altLang="zh-CN" dirty="0" err="1"/>
+              <a:t>openssl</a:t>
+            </a:r>
+            <a:endParaRPr lang="zh-CN" altLang="en-US" dirty="0"/>
           </a:p>
         </p:txBody>
       </p:sp>
@@ -6613,23 +6881,7 @@
           <a:p>
             <a:r>
               <a:rPr lang="zh-CN" altLang="en-US" sz="2400" dirty="0"/>
-              <a:t>解压</a:t>
-            </a:r>
-            <a:r>
-              <a:rPr lang="en-US" altLang="zh-CN" sz="2400" dirty="0"/>
-              <a:t>curl</a:t>
-            </a:r>
-            <a:r>
-              <a:rPr lang="zh-CN" altLang="en-US" sz="2400" dirty="0"/>
-              <a:t>库，切换到</a:t>
-            </a:r>
-            <a:r>
-              <a:rPr lang="en-US" altLang="zh-CN" sz="2400" dirty="0"/>
-              <a:t>curl</a:t>
-            </a:r>
-            <a:r>
-              <a:rPr lang="zh-CN" altLang="en-US" sz="2400" dirty="0"/>
-              <a:t>库目录，运行以下命令：</a:t>
+              <a:t>运行脚本：</a:t>
             </a:r>
             <a:endParaRPr lang="en-US" altLang="zh-CN" sz="2400" dirty="0"/>
           </a:p>
@@ -6639,7 +6891,7 @@
             </a:pPr>
             <a:r>
               <a:rPr lang="en-US" altLang="zh-CN" sz="2000" dirty="0"/>
-              <a:t>./configure --prefix=/</a:t>
+              <a:t>./configure --prefix=/</a:t>
             </a:r>
             <a:r>
               <a:rPr lang="en-US" altLang="zh-CN" sz="2000" dirty="0" err="1"/>
@@ -6647,75 +6899,7 @@
             </a:r>
             <a:r>
               <a:rPr lang="en-US" altLang="zh-CN" sz="2000" dirty="0"/>
-              <a:t>/lib/curl/ \</a:t>
-            </a:r>
-          </a:p>
-          <a:p>
-            <a:pPr marL="457200" lvl="1" indent="0">
-              <a:buNone/>
-            </a:pPr>
-            <a:r>
-              <a:rPr lang="en-US" altLang="zh-CN" sz="2000" dirty="0"/>
-              <a:t>--enable-cookies --enable-crypto-</a:t>
-            </a:r>
-            <a:r>
-              <a:rPr lang="en-US" altLang="zh-CN" sz="2000" dirty="0" err="1"/>
-              <a:t>auth</a:t>
-            </a:r>
-            <a:r>
-              <a:rPr lang="en-US" altLang="zh-CN" sz="2000" dirty="0"/>
-              <a:t> \</a:t>
-            </a:r>
-          </a:p>
-          <a:p>
-            <a:pPr marL="457200" lvl="1" indent="0">
-              <a:buNone/>
-            </a:pPr>
-            <a:r>
-              <a:rPr lang="en-US" altLang="zh-CN" sz="2000" dirty="0"/>
-              <a:t>--enable-ftp --enable-ipv6 --enable-http \</a:t>
-            </a:r>
-          </a:p>
-          <a:p>
-            <a:pPr marL="457200" lvl="1" indent="0">
-              <a:buNone/>
-            </a:pPr>
-            <a:r>
-              <a:rPr lang="en-US" altLang="zh-CN" sz="2000" dirty="0"/>
-              <a:t>--enable-pop3 --enable-proxy --enable-smtp \</a:t>
-            </a:r>
-          </a:p>
-          <a:p>
-            <a:pPr marL="457200" lvl="1" indent="0">
-              <a:buNone/>
-            </a:pPr>
-            <a:r>
-              <a:rPr lang="en-US" altLang="zh-CN" sz="2000" dirty="0"/>
-              <a:t>--enable-telnet --enable-</a:t>
-            </a:r>
-            <a:r>
-              <a:rPr lang="en-US" altLang="zh-CN" sz="2000" dirty="0" err="1"/>
-              <a:t>tftp</a:t>
-            </a:r>
-            <a:r>
-              <a:rPr lang="en-US" altLang="zh-CN" sz="2000" dirty="0"/>
-              <a:t> --enable-</a:t>
-            </a:r>
-            <a:r>
-              <a:rPr lang="en-US" altLang="zh-CN" sz="2000" dirty="0" err="1"/>
-              <a:t>tls</a:t>
-            </a:r>
-            <a:r>
-              <a:rPr lang="en-US" altLang="zh-CN" sz="2000" dirty="0"/>
-              <a:t>-</a:t>
-            </a:r>
-            <a:r>
-              <a:rPr lang="en-US" altLang="zh-CN" sz="2000" dirty="0" err="1"/>
-              <a:t>srp</a:t>
-            </a:r>
-            <a:r>
-              <a:rPr lang="en-US" altLang="zh-CN" sz="2000" dirty="0"/>
-              <a:t> \</a:t>
+              <a:t>/php7115 </a:t>
             </a:r>
           </a:p>
           <a:p>
@@ -6728,19 +6912,36 @@
             </a:r>
             <a:r>
               <a:rPr lang="en-US" altLang="zh-CN" sz="2000" dirty="0" err="1"/>
-              <a:t>unix</a:t>
+              <a:t>bcmath</a:t>
             </a:r>
             <a:r>
               <a:rPr lang="en-US" altLang="zh-CN" sz="2000" dirty="0"/>
-              <a:t>-sockets --enable-</a:t>
+              <a:t> --enable-calendar </a:t>
+            </a:r>
+          </a:p>
+          <a:p>
+            <a:pPr marL="457200" lvl="1" indent="0">
+              <a:buNone/>
+            </a:pPr>
+            <a:r>
+              <a:rPr lang="en-US" altLang="zh-CN" sz="2000" dirty="0"/>
+              <a:t>--enable-fpm --enable-ftp --enable-</a:t>
             </a:r>
             <a:r>
               <a:rPr lang="en-US" altLang="zh-CN" sz="2000" dirty="0" err="1"/>
-              <a:t>imap</a:t>
+              <a:t>mbstring</a:t>
             </a:r>
             <a:r>
               <a:rPr lang="en-US" altLang="zh-CN" sz="2000" dirty="0"/>
-              <a:t> \</a:t>
+              <a:t> --enable-</a:t>
+            </a:r>
+            <a:r>
+              <a:rPr lang="en-US" altLang="zh-CN" sz="2000" dirty="0" err="1"/>
+              <a:t>mysqlnd</a:t>
+            </a:r>
+            <a:r>
+              <a:rPr lang="en-US" altLang="zh-CN" sz="2000" dirty="0"/>
+              <a:t> </a:t>
             </a:r>
           </a:p>
           <a:p>
@@ -6749,7 +6950,57 @@
             </a:pPr>
             <a:r>
               <a:rPr lang="en-US" altLang="zh-CN" sz="2000" dirty="0"/>
-              <a:t>--with-nghttp2=/</a:t>
+              <a:t>--enable-</a:t>
+            </a:r>
+            <a:r>
+              <a:rPr lang="en-US" altLang="zh-CN" sz="2000" dirty="0" err="1"/>
+              <a:t>pcntl</a:t>
+            </a:r>
+            <a:r>
+              <a:rPr lang="en-US" altLang="zh-CN" sz="2000" dirty="0"/>
+              <a:t> --enable-sockets --enable-</a:t>
+            </a:r>
+            <a:r>
+              <a:rPr lang="en-US" altLang="zh-CN" sz="2000" dirty="0" err="1"/>
+              <a:t>sysvsem</a:t>
+            </a:r>
+            <a:r>
+              <a:rPr lang="en-US" altLang="zh-CN" sz="2000" dirty="0"/>
+              <a:t> </a:t>
+            </a:r>
+          </a:p>
+          <a:p>
+            <a:pPr marL="457200" lvl="1" indent="0">
+              <a:buNone/>
+            </a:pPr>
+            <a:r>
+              <a:rPr lang="en-US" altLang="zh-CN" sz="2000" dirty="0"/>
+              <a:t>--enable-</a:t>
+            </a:r>
+            <a:r>
+              <a:rPr lang="en-US" altLang="zh-CN" sz="2000" dirty="0" err="1"/>
+              <a:t>sysvshm</a:t>
+            </a:r>
+            <a:r>
+              <a:rPr lang="en-US" altLang="zh-CN" sz="2000" dirty="0"/>
+              <a:t> --enable-</a:t>
+            </a:r>
+            <a:r>
+              <a:rPr lang="en-US" altLang="zh-CN" sz="2000" dirty="0" err="1"/>
+              <a:t>sysvmsg</a:t>
+            </a:r>
+            <a:r>
+              <a:rPr lang="en-US" altLang="zh-CN" sz="2000" dirty="0"/>
+              <a:t> --enable-zip </a:t>
+            </a:r>
+          </a:p>
+          <a:p>
+            <a:pPr marL="457200" lvl="1" indent="0">
+              <a:buNone/>
+            </a:pPr>
+            <a:r>
+              <a:rPr lang="en-US" altLang="zh-CN" sz="2000" dirty="0"/>
+              <a:t>--with-curl=/</a:t>
             </a:r>
             <a:r>
               <a:rPr lang="en-US" altLang="zh-CN" sz="2000" dirty="0" err="1"/>
@@ -6757,7 +7008,7 @@
             </a:r>
             <a:r>
               <a:rPr lang="en-US" altLang="zh-CN" sz="2000" dirty="0"/>
-              <a:t>/lib/nghttp2 \</a:t>
+              <a:t>/lib/curl </a:t>
             </a:r>
           </a:p>
           <a:p>
@@ -6770,7 +7021,7 @@
             </a:r>
             <a:r>
               <a:rPr lang="en-US" altLang="zh-CN" sz="2000" dirty="0" err="1"/>
-              <a:t>zlib</a:t>
+              <a:t>openssl</a:t>
             </a:r>
             <a:r>
               <a:rPr lang="en-US" altLang="zh-CN" sz="2000" dirty="0"/>
@@ -6786,48 +7037,15 @@
             </a:r>
             <a:r>
               <a:rPr lang="en-US" altLang="zh-CN" sz="2000" dirty="0" err="1"/>
-              <a:t>zlib</a:t>
-            </a:r>
-            <a:r>
-              <a:rPr lang="en-US" altLang="zh-CN" sz="2000" dirty="0"/>
-              <a:t> \</a:t>
-            </a:r>
+              <a:t>openssl</a:t>
+            </a:r>
+            <a:endParaRPr lang="en-US" altLang="zh-CN" sz="2000" dirty="0"/>
           </a:p>
           <a:p>
             <a:pPr marL="457200" lvl="1" indent="0">
               <a:buNone/>
             </a:pPr>
-            <a:r>
-              <a:rPr lang="en-US" altLang="zh-CN" sz="2000" dirty="0"/>
-              <a:t>--with-</a:t>
-            </a:r>
-            <a:r>
-              <a:rPr lang="en-US" altLang="zh-CN" sz="2000" dirty="0" err="1"/>
-              <a:t>ssl</a:t>
-            </a:r>
-            <a:r>
-              <a:rPr lang="en-US" altLang="zh-CN" sz="2000" dirty="0"/>
-              <a:t>=/</a:t>
-            </a:r>
-            <a:r>
-              <a:rPr lang="en-US" altLang="zh-CN" sz="2000" dirty="0" err="1"/>
-              <a:t>webrun</a:t>
-            </a:r>
-            <a:r>
-              <a:rPr lang="en-US" altLang="zh-CN" sz="2000" dirty="0"/>
-              <a:t>/lib/</a:t>
-            </a:r>
-            <a:r>
-              <a:rPr lang="en-US" altLang="zh-CN" sz="2000" dirty="0" err="1"/>
-              <a:t>openssl</a:t>
-            </a:r>
-            <a:endParaRPr lang="en-US" altLang="zh-CN" sz="2000" dirty="0"/>
-          </a:p>
-          <a:p>
-            <a:pPr marL="457200" lvl="1" indent="0">
-              <a:buNone/>
-            </a:pPr>
-            <a:endParaRPr lang="en-US" altLang="zh-CN" sz="2000" dirty="0"/>
+            <a:endParaRPr lang="en-US" altLang="zh-CN" dirty="0"/>
           </a:p>
           <a:p>
             <a:pPr marL="457200" lvl="1" indent="0">
@@ -6838,493 +7056,21 @@
               <a:t>sudo</a:t>
             </a:r>
             <a:r>
+              <a:rPr lang="zh-CN" altLang="en-US" sz="2000" dirty="0"/>
+              <a:t> </a:t>
+            </a:r>
+            <a:r>
               <a:rPr lang="en-US" altLang="zh-CN" sz="2000" dirty="0"/>
-              <a:t> make install</a:t>
-            </a:r>
-          </a:p>
-          <a:p>
-            <a:pPr marL="0" indent="0">
-              <a:buNone/>
-            </a:pPr>
-            <a:endParaRPr lang="en-US" altLang="zh-CN" sz="2000" dirty="0"/>
-          </a:p>
-          <a:p>
-            <a:pPr marL="457200" lvl="1" indent="0">
-              <a:buNone/>
-            </a:pPr>
-            <a:endParaRPr lang="zh-CN" altLang="en-US" dirty="0"/>
-          </a:p>
-        </p:txBody>
-      </p:sp>
-    </p:spTree>
-    <p:extLst>
-      <p:ext uri="{BB962C8B-B14F-4D97-AF65-F5344CB8AC3E}">
-        <p14:creationId xmlns:p14="http://schemas.microsoft.com/office/powerpoint/2010/main" val="2795365234"/>
-      </p:ext>
-    </p:extLst>
-  </p:cSld>
-  <p:clrMapOvr>
-    <a:masterClrMapping/>
-  </p:clrMapOvr>
-</p:sld>
-</file>
-
-<file path=ppt/slides/slide2.xml><?xml version="1.0" encoding="utf-8"?>
-<p:sld xmlns:a="http://schemas.openxmlformats.org/drawingml/2006/main" xmlns:r="http://schemas.openxmlformats.org/officeDocument/2006/relationships" xmlns:p="http://schemas.openxmlformats.org/presentationml/2006/main">
-  <p:cSld>
-    <p:spTree>
-      <p:nvGrpSpPr>
-        <p:cNvPr id="1" name=""/>
-        <p:cNvGrpSpPr/>
-        <p:nvPr/>
-      </p:nvGrpSpPr>
-      <p:grpSpPr>
-        <a:xfrm>
-          <a:off x="0" y="0"/>
-          <a:ext cx="0" cy="0"/>
-          <a:chOff x="0" y="0"/>
-          <a:chExt cx="0" cy="0"/>
-        </a:xfrm>
-      </p:grpSpPr>
-      <p:sp>
-        <p:nvSpPr>
-          <p:cNvPr id="4" name="标题 3">
-            <a:extLst>
-              <a:ext uri="{FF2B5EF4-FFF2-40B4-BE49-F238E27FC236}">
-                <a16:creationId xmlns:a16="http://schemas.microsoft.com/office/drawing/2014/main" id="{2729939D-814A-4BD2-9922-3F8EA865938B}"/>
-              </a:ext>
-            </a:extLst>
-          </p:cNvPr>
-          <p:cNvSpPr>
-            <a:spLocks noGrp="1"/>
-          </p:cNvSpPr>
-          <p:nvPr>
-            <p:ph type="title"/>
-          </p:nvPr>
-        </p:nvSpPr>
-        <p:spPr>
-          <a:xfrm>
-            <a:off x="838200" y="683581"/>
-            <a:ext cx="10515600" cy="736846"/>
-          </a:xfrm>
-        </p:spPr>
-        <p:txBody>
-          <a:bodyPr/>
-          <a:lstStyle/>
-          <a:p>
-            <a:r>
-              <a:rPr lang="zh-CN" altLang="en-US" dirty="0"/>
-              <a:t>为何要选择自己编译</a:t>
-            </a:r>
-          </a:p>
-        </p:txBody>
-      </p:sp>
-      <p:sp>
-        <p:nvSpPr>
-          <p:cNvPr id="6" name="内容占位符 5">
-            <a:extLst>
-              <a:ext uri="{FF2B5EF4-FFF2-40B4-BE49-F238E27FC236}">
-                <a16:creationId xmlns:a16="http://schemas.microsoft.com/office/drawing/2014/main" id="{B83E9AD4-C606-4679-B884-01F71CC97E44}"/>
-              </a:ext>
-            </a:extLst>
-          </p:cNvPr>
-          <p:cNvSpPr>
-            <a:spLocks noGrp="1"/>
-          </p:cNvSpPr>
-          <p:nvPr>
-            <p:ph idx="1"/>
-          </p:nvPr>
-        </p:nvSpPr>
-        <p:spPr>
-          <a:xfrm>
-            <a:off x="838200" y="1656500"/>
-            <a:ext cx="10515600" cy="4850832"/>
-          </a:xfrm>
-        </p:spPr>
-        <p:txBody>
-          <a:bodyPr>
-            <a:normAutofit/>
-          </a:bodyPr>
-          <a:lstStyle/>
-          <a:p>
-            <a:r>
-              <a:rPr lang="zh-CN" altLang="en-US" sz="2400" dirty="0"/>
-              <a:t>在</a:t>
-            </a:r>
-            <a:r>
-              <a:rPr lang="en-US" altLang="zh-CN" sz="2400" dirty="0"/>
-              <a:t>Ubuntu</a:t>
-            </a:r>
-            <a:r>
-              <a:rPr lang="zh-CN" altLang="en-US" sz="2400" dirty="0"/>
-              <a:t>上使用</a:t>
-            </a:r>
-            <a:r>
-              <a:rPr lang="en-US" altLang="zh-CN" sz="2400" dirty="0"/>
-              <a:t>apt-get</a:t>
-            </a:r>
-            <a:r>
-              <a:rPr lang="zh-CN" altLang="en-US" sz="2400" dirty="0"/>
-              <a:t>可以直接安装</a:t>
-            </a:r>
-            <a:r>
-              <a:rPr lang="en-US" altLang="zh-CN" sz="2400" dirty="0"/>
-              <a:t>Nginx</a:t>
-            </a:r>
-            <a:r>
-              <a:rPr lang="zh-CN" altLang="en-US" sz="2400" dirty="0"/>
-              <a:t>，</a:t>
-            </a:r>
-            <a:r>
-              <a:rPr lang="en-US" altLang="zh-CN" sz="2400" dirty="0"/>
-              <a:t>PHP</a:t>
-            </a:r>
-            <a:r>
-              <a:rPr lang="zh-CN" altLang="en-US" sz="2400" dirty="0"/>
-              <a:t>，</a:t>
-            </a:r>
-            <a:r>
-              <a:rPr lang="en-US" altLang="zh-CN" sz="2400" dirty="0"/>
-              <a:t>MySQL</a:t>
-            </a:r>
-            <a:r>
-              <a:rPr lang="zh-CN" altLang="en-US" sz="2400" dirty="0"/>
-              <a:t>。直接就构建了</a:t>
-            </a:r>
-            <a:r>
-              <a:rPr lang="en-US" altLang="zh-CN" sz="2400" dirty="0"/>
-              <a:t>LNMP</a:t>
-            </a:r>
-            <a:r>
-              <a:rPr lang="zh-CN" altLang="en-US" sz="2400" dirty="0"/>
-              <a:t>环境，而且编译配置等很麻烦，但是为何还要自己手动编译？</a:t>
-            </a:r>
-            <a:endParaRPr lang="en-US" altLang="zh-CN" sz="2400" dirty="0"/>
-          </a:p>
-          <a:p>
-            <a:endParaRPr lang="en-US" altLang="zh-CN" sz="2400" dirty="0"/>
-          </a:p>
-          <a:p>
-            <a:pPr marL="800100" lvl="1" indent="-342900">
-              <a:buAutoNum type="arabicPeriod"/>
-            </a:pPr>
-            <a:r>
-              <a:rPr lang="zh-CN" altLang="en-US" dirty="0"/>
-              <a:t>直接安装的方式是不能选择版本的，只能使用软件源提供的版本，</a:t>
-            </a:r>
-            <a:r>
-              <a:rPr lang="en-US" altLang="zh-CN" dirty="0"/>
-              <a:t>Ubuntu</a:t>
-            </a:r>
-            <a:r>
-              <a:rPr lang="zh-CN" altLang="en-US" dirty="0"/>
-              <a:t>上使用编译好的</a:t>
-            </a:r>
-            <a:r>
-              <a:rPr lang="en-US" altLang="zh-CN" dirty="0"/>
-              <a:t>deb</a:t>
-            </a:r>
-            <a:r>
-              <a:rPr lang="zh-CN" altLang="en-US" dirty="0"/>
-              <a:t>软件包。如果系统依赖某些版本提供的功能，只能使用编译安装的方式。</a:t>
-            </a:r>
-            <a:endParaRPr lang="en-US" altLang="zh-CN" dirty="0"/>
-          </a:p>
-          <a:p>
-            <a:pPr marL="800100" lvl="1" indent="-342900">
-              <a:buAutoNum type="arabicPeriod"/>
-            </a:pPr>
-            <a:endParaRPr lang="en-US" altLang="zh-CN" dirty="0"/>
-          </a:p>
-          <a:p>
-            <a:pPr marL="800100" lvl="1" indent="-342900">
-              <a:buAutoNum type="arabicPeriod"/>
-            </a:pPr>
-            <a:r>
-              <a:rPr lang="zh-CN" altLang="en-US" dirty="0"/>
-              <a:t>软件安装配置分散在多处，管理不方便。</a:t>
-            </a:r>
-            <a:endParaRPr lang="en-US" altLang="zh-CN" dirty="0"/>
-          </a:p>
-          <a:p>
-            <a:pPr marL="800100" lvl="1" indent="-342900">
-              <a:buAutoNum type="arabicPeriod"/>
-            </a:pPr>
-            <a:endParaRPr lang="en-US" altLang="zh-CN" dirty="0"/>
-          </a:p>
-          <a:p>
-            <a:pPr marL="800100" lvl="1" indent="-342900">
-              <a:buAutoNum type="arabicPeriod"/>
-            </a:pPr>
-            <a:r>
-              <a:rPr lang="zh-CN" altLang="en-US" dirty="0"/>
-              <a:t>可移植性差，更换系统需要重新安装，如果安装过程中出现问题，解决起来很麻烦。</a:t>
-            </a:r>
-            <a:endParaRPr lang="en-US" altLang="zh-CN" dirty="0"/>
-          </a:p>
-        </p:txBody>
-      </p:sp>
-    </p:spTree>
-    <p:extLst>
-      <p:ext uri="{BB962C8B-B14F-4D97-AF65-F5344CB8AC3E}">
-        <p14:creationId xmlns:p14="http://schemas.microsoft.com/office/powerpoint/2010/main" val="2530648252"/>
-      </p:ext>
-    </p:extLst>
-  </p:cSld>
-  <p:clrMapOvr>
-    <a:masterClrMapping/>
-  </p:clrMapOvr>
-</p:sld>
-</file>
-
-<file path=ppt/slides/slide20.xml><?xml version="1.0" encoding="utf-8"?>
-<p:sld xmlns:a="http://schemas.openxmlformats.org/drawingml/2006/main" xmlns:r="http://schemas.openxmlformats.org/officeDocument/2006/relationships" xmlns:p="http://schemas.openxmlformats.org/presentationml/2006/main">
-  <p:cSld>
-    <p:spTree>
-      <p:nvGrpSpPr>
-        <p:cNvPr id="1" name=""/>
-        <p:cNvGrpSpPr/>
-        <p:nvPr/>
-      </p:nvGrpSpPr>
-      <p:grpSpPr>
-        <a:xfrm>
-          <a:off x="0" y="0"/>
-          <a:ext cx="0" cy="0"/>
-          <a:chOff x="0" y="0"/>
-          <a:chExt cx="0" cy="0"/>
-        </a:xfrm>
-      </p:grpSpPr>
-      <p:sp>
-        <p:nvSpPr>
-          <p:cNvPr id="4" name="标题 3">
-            <a:extLst>
-              <a:ext uri="{FF2B5EF4-FFF2-40B4-BE49-F238E27FC236}">
-                <a16:creationId xmlns:a16="http://schemas.microsoft.com/office/drawing/2014/main" id="{2729939D-814A-4BD2-9922-3F8EA865938B}"/>
-              </a:ext>
-            </a:extLst>
-          </p:cNvPr>
-          <p:cNvSpPr>
-            <a:spLocks noGrp="1"/>
-          </p:cNvSpPr>
-          <p:nvPr>
-            <p:ph type="title"/>
-          </p:nvPr>
-        </p:nvSpPr>
-        <p:spPr>
-          <a:xfrm>
-            <a:off x="838200" y="683581"/>
-            <a:ext cx="10515600" cy="736846"/>
-          </a:xfrm>
-        </p:spPr>
-        <p:txBody>
-          <a:bodyPr/>
-          <a:lstStyle/>
-          <a:p>
-            <a:r>
-              <a:rPr lang="en-US" altLang="zh-CN" dirty="0"/>
-              <a:t>Compile PHP with curl and </a:t>
-            </a:r>
-            <a:r>
-              <a:rPr lang="en-US" altLang="zh-CN" dirty="0" err="1"/>
-              <a:t>openssl</a:t>
-            </a:r>
-            <a:endParaRPr lang="zh-CN" altLang="en-US" dirty="0"/>
-          </a:p>
-        </p:txBody>
-      </p:sp>
-      <p:sp>
-        <p:nvSpPr>
-          <p:cNvPr id="5" name="内容占位符 4">
-            <a:extLst>
-              <a:ext uri="{FF2B5EF4-FFF2-40B4-BE49-F238E27FC236}">
-                <a16:creationId xmlns:a16="http://schemas.microsoft.com/office/drawing/2014/main" id="{19253A6A-8958-4C89-A4FE-863B33442CE7}"/>
-              </a:ext>
-            </a:extLst>
-          </p:cNvPr>
-          <p:cNvSpPr>
-            <a:spLocks noGrp="1"/>
-          </p:cNvSpPr>
-          <p:nvPr>
-            <p:ph idx="1"/>
-          </p:nvPr>
-        </p:nvSpPr>
-        <p:spPr/>
-        <p:txBody>
-          <a:bodyPr>
-            <a:normAutofit/>
-          </a:bodyPr>
-          <a:lstStyle/>
-          <a:p>
-            <a:r>
-              <a:rPr lang="zh-CN" altLang="en-US" sz="2400" dirty="0"/>
-              <a:t>运行脚本：</a:t>
-            </a:r>
-            <a:endParaRPr lang="en-US" altLang="zh-CN" sz="2400" dirty="0"/>
-          </a:p>
-          <a:p>
-            <a:pPr marL="457200" lvl="1" indent="0">
-              <a:buNone/>
-            </a:pPr>
+              <a:t>make</a:t>
+            </a:r>
+            <a:r>
+              <a:rPr lang="zh-CN" altLang="en-US" sz="2000" dirty="0"/>
+              <a:t> </a:t>
+            </a:r>
             <a:r>
               <a:rPr lang="en-US" altLang="zh-CN" sz="2000" dirty="0"/>
-              <a:t>./configure --prefix=/</a:t>
-            </a:r>
-            <a:r>
-              <a:rPr lang="en-US" altLang="zh-CN" sz="2000" dirty="0" err="1"/>
-              <a:t>webrun</a:t>
-            </a:r>
-            <a:r>
-              <a:rPr lang="en-US" altLang="zh-CN" sz="2000" dirty="0"/>
-              <a:t>/php7115 \</a:t>
-            </a:r>
-          </a:p>
-          <a:p>
-            <a:pPr marL="457200" lvl="1" indent="0">
-              <a:buNone/>
-            </a:pPr>
-            <a:r>
-              <a:rPr lang="en-US" altLang="zh-CN" sz="2000" dirty="0"/>
-              <a:t>--enable-</a:t>
-            </a:r>
-            <a:r>
-              <a:rPr lang="en-US" altLang="zh-CN" sz="2000" dirty="0" err="1"/>
-              <a:t>bcmath</a:t>
-            </a:r>
-            <a:r>
-              <a:rPr lang="en-US" altLang="zh-CN" sz="2000" dirty="0"/>
-              <a:t> --enable-calendar \</a:t>
-            </a:r>
-          </a:p>
-          <a:p>
-            <a:pPr marL="457200" lvl="1" indent="0">
-              <a:buNone/>
-            </a:pPr>
-            <a:r>
-              <a:rPr lang="en-US" altLang="zh-CN" sz="2000" dirty="0"/>
-              <a:t>--enable-fpm --enable-ftp --enable-</a:t>
-            </a:r>
-            <a:r>
-              <a:rPr lang="en-US" altLang="zh-CN" sz="2000" dirty="0" err="1"/>
-              <a:t>mbstring</a:t>
-            </a:r>
-            <a:r>
-              <a:rPr lang="en-US" altLang="zh-CN" sz="2000" dirty="0"/>
-              <a:t> --enable-</a:t>
-            </a:r>
-            <a:r>
-              <a:rPr lang="en-US" altLang="zh-CN" sz="2000" dirty="0" err="1"/>
-              <a:t>mysqlnd</a:t>
-            </a:r>
-            <a:r>
-              <a:rPr lang="en-US" altLang="zh-CN" sz="2000" dirty="0"/>
-              <a:t> \</a:t>
-            </a:r>
-          </a:p>
-          <a:p>
-            <a:pPr marL="457200" lvl="1" indent="0">
-              <a:buNone/>
-            </a:pPr>
-            <a:r>
-              <a:rPr lang="en-US" altLang="zh-CN" sz="2000" dirty="0"/>
-              <a:t>--enable-</a:t>
-            </a:r>
-            <a:r>
-              <a:rPr lang="en-US" altLang="zh-CN" sz="2000" dirty="0" err="1"/>
-              <a:t>pcntl</a:t>
-            </a:r>
-            <a:r>
-              <a:rPr lang="en-US" altLang="zh-CN" sz="2000" dirty="0"/>
-              <a:t> --enable-sockets --enable-</a:t>
-            </a:r>
-            <a:r>
-              <a:rPr lang="en-US" altLang="zh-CN" sz="2000" dirty="0" err="1"/>
-              <a:t>sysvsem</a:t>
-            </a:r>
-            <a:r>
-              <a:rPr lang="en-US" altLang="zh-CN" sz="2000" dirty="0"/>
-              <a:t> \</a:t>
-            </a:r>
-          </a:p>
-          <a:p>
-            <a:pPr marL="457200" lvl="1" indent="0">
-              <a:buNone/>
-            </a:pPr>
-            <a:r>
-              <a:rPr lang="en-US" altLang="zh-CN" sz="2000" dirty="0"/>
-              <a:t>--enable-</a:t>
-            </a:r>
-            <a:r>
-              <a:rPr lang="en-US" altLang="zh-CN" sz="2000" dirty="0" err="1"/>
-              <a:t>sysvshm</a:t>
-            </a:r>
-            <a:r>
-              <a:rPr lang="en-US" altLang="zh-CN" sz="2000" dirty="0"/>
-              <a:t> --enable-</a:t>
-            </a:r>
-            <a:r>
-              <a:rPr lang="en-US" altLang="zh-CN" sz="2000" dirty="0" err="1"/>
-              <a:t>sysvmsg</a:t>
-            </a:r>
-            <a:r>
-              <a:rPr lang="en-US" altLang="zh-CN" sz="2000" dirty="0"/>
-              <a:t> --enable-zip \</a:t>
-            </a:r>
-          </a:p>
-          <a:p>
-            <a:pPr marL="457200" lvl="1" indent="0">
-              <a:buNone/>
-            </a:pPr>
-            <a:r>
-              <a:rPr lang="en-US" altLang="zh-CN" sz="2000" dirty="0"/>
-              <a:t>--with-curl=/</a:t>
-            </a:r>
-            <a:r>
-              <a:rPr lang="en-US" altLang="zh-CN" sz="2000" dirty="0" err="1"/>
-              <a:t>webrun</a:t>
-            </a:r>
-            <a:r>
-              <a:rPr lang="en-US" altLang="zh-CN" sz="2000" dirty="0"/>
-              <a:t>/lib/curl \</a:t>
-            </a:r>
-          </a:p>
-          <a:p>
-            <a:pPr marL="457200" lvl="1" indent="0">
-              <a:buNone/>
-            </a:pPr>
-            <a:r>
-              <a:rPr lang="en-US" altLang="zh-CN" sz="2000" dirty="0"/>
-              <a:t>--with-</a:t>
-            </a:r>
-            <a:r>
-              <a:rPr lang="en-US" altLang="zh-CN" sz="2000" dirty="0" err="1"/>
-              <a:t>openssl</a:t>
-            </a:r>
-            <a:r>
-              <a:rPr lang="en-US" altLang="zh-CN" sz="2000" dirty="0"/>
-              <a:t>=/</a:t>
-            </a:r>
-            <a:r>
-              <a:rPr lang="en-US" altLang="zh-CN" sz="2000" dirty="0" err="1"/>
-              <a:t>webrun</a:t>
-            </a:r>
-            <a:r>
-              <a:rPr lang="en-US" altLang="zh-CN" sz="2000" dirty="0"/>
-              <a:t>/lib/</a:t>
-            </a:r>
-            <a:r>
-              <a:rPr lang="en-US" altLang="zh-CN" sz="2000" dirty="0" err="1"/>
-              <a:t>openssl</a:t>
-            </a:r>
-            <a:endParaRPr lang="en-US" altLang="zh-CN" sz="2000" dirty="0"/>
-          </a:p>
-          <a:p>
-            <a:pPr marL="457200" lvl="1" indent="0">
-              <a:buNone/>
-            </a:pPr>
-            <a:endParaRPr lang="en-US" altLang="zh-CN" dirty="0"/>
-          </a:p>
-          <a:p>
-            <a:endParaRPr lang="en-US" altLang="zh-CN" sz="2400" dirty="0"/>
+              <a:t>install</a:t>
+            </a:r>
           </a:p>
         </p:txBody>
       </p:sp>
@@ -7341,1119 +7087,7 @@
 </p:sld>
 </file>
 
-<file path=ppt/slides/slide21.xml><?xml version="1.0" encoding="utf-8"?>
-<p:sld xmlns:a="http://schemas.openxmlformats.org/drawingml/2006/main" xmlns:r="http://schemas.openxmlformats.org/officeDocument/2006/relationships" xmlns:p="http://schemas.openxmlformats.org/presentationml/2006/main">
-  <p:cSld>
-    <p:spTree>
-      <p:nvGrpSpPr>
-        <p:cNvPr id="1" name=""/>
-        <p:cNvGrpSpPr/>
-        <p:nvPr/>
-      </p:nvGrpSpPr>
-      <p:grpSpPr>
-        <a:xfrm>
-          <a:off x="0" y="0"/>
-          <a:ext cx="0" cy="0"/>
-          <a:chOff x="0" y="0"/>
-          <a:chExt cx="0" cy="0"/>
-        </a:xfrm>
-      </p:grpSpPr>
-      <p:sp>
-        <p:nvSpPr>
-          <p:cNvPr id="4" name="标题 3">
-            <a:extLst>
-              <a:ext uri="{FF2B5EF4-FFF2-40B4-BE49-F238E27FC236}">
-                <a16:creationId xmlns:a16="http://schemas.microsoft.com/office/drawing/2014/main" id="{2729939D-814A-4BD2-9922-3F8EA865938B}"/>
-              </a:ext>
-            </a:extLst>
-          </p:cNvPr>
-          <p:cNvSpPr>
-            <a:spLocks noGrp="1"/>
-          </p:cNvSpPr>
-          <p:nvPr>
-            <p:ph type="title"/>
-          </p:nvPr>
-        </p:nvSpPr>
-        <p:spPr>
-          <a:xfrm>
-            <a:off x="838200" y="683581"/>
-            <a:ext cx="10515600" cy="736846"/>
-          </a:xfrm>
-        </p:spPr>
-        <p:txBody>
-          <a:bodyPr/>
-          <a:lstStyle/>
-          <a:p>
-            <a:r>
-              <a:rPr lang="zh-CN" altLang="en-US" dirty="0"/>
-              <a:t>编译</a:t>
-            </a:r>
-            <a:r>
-              <a:rPr lang="en-US" altLang="zh-CN" dirty="0"/>
-              <a:t>PHP</a:t>
-            </a:r>
-            <a:r>
-              <a:rPr lang="zh-CN" altLang="en-US" dirty="0"/>
-              <a:t>扩展的过程</a:t>
-            </a:r>
-          </a:p>
-        </p:txBody>
-      </p:sp>
-      <p:sp>
-        <p:nvSpPr>
-          <p:cNvPr id="5" name="内容占位符 4">
-            <a:extLst>
-              <a:ext uri="{FF2B5EF4-FFF2-40B4-BE49-F238E27FC236}">
-                <a16:creationId xmlns:a16="http://schemas.microsoft.com/office/drawing/2014/main" id="{19253A6A-8958-4C89-A4FE-863B33442CE7}"/>
-              </a:ext>
-            </a:extLst>
-          </p:cNvPr>
-          <p:cNvSpPr>
-            <a:spLocks noGrp="1"/>
-          </p:cNvSpPr>
-          <p:nvPr>
-            <p:ph idx="1"/>
-          </p:nvPr>
-        </p:nvSpPr>
-        <p:spPr/>
-        <p:txBody>
-          <a:bodyPr>
-            <a:noAutofit/>
-          </a:bodyPr>
-          <a:lstStyle/>
-          <a:p>
-            <a:r>
-              <a:rPr lang="en-US" altLang="zh-CN" sz="2400" dirty="0"/>
-              <a:t>PHP</a:t>
-            </a:r>
-            <a:r>
-              <a:rPr lang="zh-CN" altLang="en-US" sz="2400" dirty="0"/>
-              <a:t>源代码目录中的</a:t>
-            </a:r>
-            <a:r>
-              <a:rPr lang="en-US" altLang="zh-CN" sz="2400" dirty="0" err="1"/>
-              <a:t>ext</a:t>
-            </a:r>
-            <a:r>
-              <a:rPr lang="zh-CN" altLang="en-US" sz="2400" dirty="0"/>
-              <a:t>下有官方提供的扩展，如果是其他扩展可以去</a:t>
-            </a:r>
-            <a:r>
-              <a:rPr lang="en-US" altLang="zh-CN" sz="2400" dirty="0" err="1"/>
-              <a:t>pecl</a:t>
-            </a:r>
-            <a:r>
-              <a:rPr lang="zh-CN" altLang="en-US" sz="2400" dirty="0"/>
-              <a:t>网站上下载。</a:t>
-            </a:r>
-            <a:endParaRPr lang="en-US" altLang="zh-CN" sz="2400" dirty="0"/>
-          </a:p>
-          <a:p>
-            <a:r>
-              <a:rPr lang="en-US" altLang="zh-CN" sz="2400" dirty="0"/>
-              <a:t>PHP</a:t>
-            </a:r>
-            <a:r>
-              <a:rPr lang="zh-CN" altLang="en-US" sz="2400" dirty="0"/>
-              <a:t>扩展编译的基本流程：</a:t>
-            </a:r>
-            <a:endParaRPr lang="en-US" altLang="zh-CN" sz="2400" dirty="0"/>
-          </a:p>
-          <a:p>
-            <a:pPr marL="457200" lvl="1" indent="0">
-              <a:buNone/>
-            </a:pPr>
-            <a:r>
-              <a:rPr lang="en-US" altLang="zh-CN" sz="2000" dirty="0"/>
-              <a:t>PHP_INSTALL_DIR/bin/</a:t>
-            </a:r>
-            <a:r>
-              <a:rPr lang="en-US" altLang="zh-CN" sz="2000" dirty="0" err="1"/>
-              <a:t>phpize</a:t>
-            </a:r>
-            <a:r>
-              <a:rPr lang="en-US" altLang="zh-CN" sz="2000" dirty="0"/>
-              <a:t>  //</a:t>
-            </a:r>
-            <a:r>
-              <a:rPr lang="zh-CN" altLang="en-US" sz="2000" dirty="0"/>
-              <a:t>生成</a:t>
-            </a:r>
-            <a:r>
-              <a:rPr lang="en-US" altLang="zh-CN" sz="2000" dirty="0"/>
-              <a:t>configure</a:t>
-            </a:r>
-            <a:r>
-              <a:rPr lang="zh-CN" altLang="en-US" sz="2000" dirty="0"/>
-              <a:t>文件</a:t>
-            </a:r>
-            <a:endParaRPr lang="en-US" altLang="zh-CN" sz="2000" dirty="0"/>
-          </a:p>
-          <a:p>
-            <a:pPr marL="457200" lvl="1" indent="0">
-              <a:buNone/>
-            </a:pPr>
-            <a:r>
-              <a:rPr lang="en-US" altLang="zh-CN" sz="1800" i="1" dirty="0"/>
-              <a:t>/</a:t>
-            </a:r>
-            <a:r>
-              <a:rPr lang="zh-CN" altLang="en-US" sz="1800" i="1" dirty="0"/>
-              <a:t>*环境检测，并生成</a:t>
-            </a:r>
-            <a:r>
-              <a:rPr lang="en-US" altLang="zh-CN" sz="1800" i="1" dirty="0" err="1"/>
-              <a:t>Makefile</a:t>
-            </a:r>
-            <a:r>
-              <a:rPr lang="zh-CN" altLang="en-US" sz="1800" i="1" dirty="0"/>
-              <a:t>文件，后面的参数会根据</a:t>
-            </a:r>
-            <a:r>
-              <a:rPr lang="en-US" altLang="zh-CN" sz="1800" i="1" dirty="0" err="1"/>
-              <a:t>php</a:t>
-            </a:r>
-            <a:r>
-              <a:rPr lang="en-US" altLang="zh-CN" sz="1800" i="1" dirty="0"/>
-              <a:t>-config</a:t>
-            </a:r>
-            <a:r>
-              <a:rPr lang="zh-CN" altLang="en-US" sz="1800" i="1" dirty="0"/>
-              <a:t>确定编译环境，安装目录等信息。运行</a:t>
-            </a:r>
-            <a:r>
-              <a:rPr lang="en-US" altLang="zh-CN" sz="1800" i="1" dirty="0"/>
-              <a:t>configure</a:t>
-            </a:r>
-            <a:r>
-              <a:rPr lang="zh-CN" altLang="en-US" sz="1800" i="1" dirty="0"/>
-              <a:t>根据不同扩展还需要其他参数，需要根据具体扩展决定。*</a:t>
-            </a:r>
-            <a:r>
-              <a:rPr lang="en-US" altLang="zh-CN" sz="1800" i="1" dirty="0"/>
-              <a:t>/</a:t>
-            </a:r>
-          </a:p>
-          <a:p>
-            <a:pPr marL="457200" lvl="1" indent="0">
-              <a:buNone/>
-            </a:pPr>
-            <a:endParaRPr lang="en-US" altLang="zh-CN" sz="2000" dirty="0"/>
-          </a:p>
-          <a:p>
-            <a:pPr marL="457200" lvl="1" indent="0">
-              <a:buNone/>
-            </a:pPr>
-            <a:r>
-              <a:rPr lang="en-US" altLang="zh-CN" sz="2000" dirty="0"/>
-              <a:t>./configure –with-</a:t>
-            </a:r>
-            <a:r>
-              <a:rPr lang="en-US" altLang="zh-CN" sz="2000" dirty="0" err="1"/>
-              <a:t>php</a:t>
-            </a:r>
-            <a:r>
-              <a:rPr lang="en-US" altLang="zh-CN" sz="2000" dirty="0"/>
-              <a:t>-config=PHP_INSTALL_DIR/bin/</a:t>
-            </a:r>
-            <a:r>
-              <a:rPr lang="en-US" altLang="zh-CN" sz="2000" dirty="0" err="1"/>
-              <a:t>php</a:t>
-            </a:r>
-            <a:r>
-              <a:rPr lang="en-US" altLang="zh-CN" sz="2000" dirty="0"/>
-              <a:t>-config</a:t>
-            </a:r>
-          </a:p>
-          <a:p>
-            <a:pPr marL="457200" lvl="1" indent="0">
-              <a:buNone/>
-            </a:pPr>
-            <a:r>
-              <a:rPr lang="en-US" altLang="zh-CN" sz="2000" dirty="0"/>
-              <a:t>make //</a:t>
-            </a:r>
-            <a:r>
-              <a:rPr lang="zh-CN" altLang="en-US" sz="2000" dirty="0"/>
-              <a:t>编译</a:t>
-            </a:r>
-            <a:endParaRPr lang="en-US" altLang="zh-CN" sz="2000" dirty="0"/>
-          </a:p>
-          <a:p>
-            <a:pPr marL="457200" lvl="1" indent="0">
-              <a:buNone/>
-            </a:pPr>
-            <a:r>
-              <a:rPr lang="en-US" altLang="zh-CN" sz="2000" dirty="0" err="1"/>
-              <a:t>sudo</a:t>
-            </a:r>
-            <a:r>
-              <a:rPr lang="en-US" altLang="zh-CN" sz="2000" dirty="0"/>
-              <a:t>  make  install  //</a:t>
-            </a:r>
-            <a:r>
-              <a:rPr lang="zh-CN" altLang="en-US" sz="2000" dirty="0"/>
-              <a:t>安装扩展</a:t>
-            </a:r>
-            <a:endParaRPr lang="en-US" altLang="zh-CN" sz="2000" dirty="0"/>
-          </a:p>
-          <a:p>
-            <a:pPr marL="457200" lvl="1" indent="0">
-              <a:buNone/>
-            </a:pPr>
-            <a:endParaRPr lang="en-US" altLang="zh-CN" sz="2000" dirty="0"/>
-          </a:p>
-          <a:p>
-            <a:pPr marL="457200" lvl="1" indent="0">
-              <a:buNone/>
-            </a:pPr>
-            <a:r>
-              <a:rPr lang="en-US" altLang="zh-CN" sz="1800" i="1" dirty="0"/>
-              <a:t>/</a:t>
-            </a:r>
-            <a:r>
-              <a:rPr lang="zh-CN" altLang="en-US" sz="1800" i="1" dirty="0"/>
-              <a:t>*安装扩展其实就是把</a:t>
-            </a:r>
-            <a:r>
-              <a:rPr lang="en-US" altLang="zh-CN" sz="1800" i="1" dirty="0"/>
-              <a:t>modules/</a:t>
-            </a:r>
-            <a:r>
-              <a:rPr lang="zh-CN" altLang="en-US" sz="1800" i="1" dirty="0"/>
-              <a:t>下的</a:t>
-            </a:r>
-            <a:r>
-              <a:rPr lang="en-US" altLang="zh-CN" sz="1800" i="1" dirty="0"/>
-              <a:t>.so</a:t>
-            </a:r>
-            <a:r>
-              <a:rPr lang="zh-CN" altLang="en-US" sz="1800" i="1" dirty="0"/>
-              <a:t>文件复制到</a:t>
-            </a:r>
-            <a:r>
-              <a:rPr lang="en-US" altLang="zh-CN" sz="1800" i="1" dirty="0"/>
-              <a:t>PHP</a:t>
-            </a:r>
-            <a:r>
-              <a:rPr lang="zh-CN" altLang="en-US" sz="1800" i="1" dirty="0"/>
-              <a:t>的扩展目录下，由于</a:t>
-            </a:r>
-            <a:r>
-              <a:rPr lang="en-US" altLang="zh-CN" sz="1800" i="1" dirty="0"/>
-              <a:t>configure</a:t>
-            </a:r>
-            <a:r>
-              <a:rPr lang="zh-CN" altLang="en-US" sz="1800" i="1" dirty="0"/>
-              <a:t>已经从</a:t>
-            </a:r>
-            <a:r>
-              <a:rPr lang="en-US" altLang="zh-CN" sz="1800" i="1" dirty="0" err="1"/>
-              <a:t>php</a:t>
-            </a:r>
-            <a:r>
-              <a:rPr lang="en-US" altLang="zh-CN" sz="1800" i="1" dirty="0"/>
-              <a:t>-config</a:t>
-            </a:r>
-            <a:r>
-              <a:rPr lang="zh-CN" altLang="en-US" sz="1800" i="1" dirty="0"/>
-              <a:t>确定了扩展目录并写入到了</a:t>
-            </a:r>
-            <a:r>
-              <a:rPr lang="en-US" altLang="zh-CN" sz="1800" i="1" dirty="0" err="1"/>
-              <a:t>Makefile</a:t>
-            </a:r>
-            <a:r>
-              <a:rPr lang="zh-CN" altLang="en-US" sz="1800" i="1" dirty="0"/>
-              <a:t>文件，所以</a:t>
-            </a:r>
-            <a:r>
-              <a:rPr lang="en-US" altLang="zh-CN" sz="1800" i="1" dirty="0"/>
-              <a:t>make  install</a:t>
-            </a:r>
-            <a:r>
-              <a:rPr lang="zh-CN" altLang="en-US" sz="1800" i="1" dirty="0"/>
-              <a:t>会自动复制过去。这一步直接使用</a:t>
-            </a:r>
-            <a:r>
-              <a:rPr lang="en-US" altLang="zh-CN" sz="1800" i="1" dirty="0" err="1"/>
-              <a:t>cp</a:t>
-            </a:r>
-            <a:r>
-              <a:rPr lang="zh-CN" altLang="en-US" sz="1800" i="1" dirty="0"/>
-              <a:t>命令复制过去也是可以的。</a:t>
-            </a:r>
-            <a:r>
-              <a:rPr lang="en-US" altLang="zh-CN" sz="1800" i="1" dirty="0"/>
-              <a:t>PHP</a:t>
-            </a:r>
-            <a:r>
-              <a:rPr lang="zh-CN" altLang="en-US" sz="1800" i="1" dirty="0"/>
-              <a:t>编译安装后的扩展目录在</a:t>
-            </a:r>
-            <a:r>
-              <a:rPr lang="en-US" altLang="zh-CN" sz="1800" i="1" dirty="0"/>
-              <a:t>PHP_INSTALL_DIR/lib/</a:t>
-            </a:r>
-            <a:r>
-              <a:rPr lang="en-US" altLang="zh-CN" sz="1800" i="1" dirty="0" err="1"/>
-              <a:t>php</a:t>
-            </a:r>
-            <a:r>
-              <a:rPr lang="en-US" altLang="zh-CN" sz="1800" i="1" dirty="0"/>
-              <a:t>/extensions/no-debug-non-zts-20160303</a:t>
-            </a:r>
-            <a:r>
-              <a:rPr lang="zh-CN" altLang="en-US" sz="1800" i="1" dirty="0"/>
-              <a:t>*</a:t>
-            </a:r>
-            <a:r>
-              <a:rPr lang="en-US" altLang="zh-CN" sz="1800" i="1" dirty="0"/>
-              <a:t>/</a:t>
-            </a:r>
-          </a:p>
-        </p:txBody>
-      </p:sp>
-    </p:spTree>
-    <p:extLst>
-      <p:ext uri="{BB962C8B-B14F-4D97-AF65-F5344CB8AC3E}">
-        <p14:creationId xmlns:p14="http://schemas.microsoft.com/office/powerpoint/2010/main" val="2277060672"/>
-      </p:ext>
-    </p:extLst>
-  </p:cSld>
-  <p:clrMapOvr>
-    <a:masterClrMapping/>
-  </p:clrMapOvr>
-</p:sld>
-</file>
-
-<file path=ppt/slides/slide22.xml><?xml version="1.0" encoding="utf-8"?>
-<p:sld xmlns:a="http://schemas.openxmlformats.org/drawingml/2006/main" xmlns:r="http://schemas.openxmlformats.org/officeDocument/2006/relationships" xmlns:p="http://schemas.openxmlformats.org/presentationml/2006/main">
-  <p:cSld>
-    <p:spTree>
-      <p:nvGrpSpPr>
-        <p:cNvPr id="1" name=""/>
-        <p:cNvGrpSpPr/>
-        <p:nvPr/>
-      </p:nvGrpSpPr>
-      <p:grpSpPr>
-        <a:xfrm>
-          <a:off x="0" y="0"/>
-          <a:ext cx="0" cy="0"/>
-          <a:chOff x="0" y="0"/>
-          <a:chExt cx="0" cy="0"/>
-        </a:xfrm>
-      </p:grpSpPr>
-      <p:sp>
-        <p:nvSpPr>
-          <p:cNvPr id="4" name="标题 3">
-            <a:extLst>
-              <a:ext uri="{FF2B5EF4-FFF2-40B4-BE49-F238E27FC236}">
-                <a16:creationId xmlns:a16="http://schemas.microsoft.com/office/drawing/2014/main" id="{2729939D-814A-4BD2-9922-3F8EA865938B}"/>
-              </a:ext>
-            </a:extLst>
-          </p:cNvPr>
-          <p:cNvSpPr>
-            <a:spLocks noGrp="1"/>
-          </p:cNvSpPr>
-          <p:nvPr>
-            <p:ph type="title"/>
-          </p:nvPr>
-        </p:nvSpPr>
-        <p:spPr>
-          <a:xfrm>
-            <a:off x="838200" y="683581"/>
-            <a:ext cx="10515600" cy="736846"/>
-          </a:xfrm>
-        </p:spPr>
-        <p:txBody>
-          <a:bodyPr/>
-          <a:lstStyle/>
-          <a:p>
-            <a:r>
-              <a:rPr lang="zh-CN" altLang="en-US" dirty="0"/>
-              <a:t>编译</a:t>
-            </a:r>
-            <a:r>
-              <a:rPr lang="en-US" altLang="zh-CN" dirty="0"/>
-              <a:t>PHP</a:t>
-            </a:r>
-            <a:r>
-              <a:rPr lang="zh-CN" altLang="en-US" dirty="0"/>
-              <a:t>扩展示例：</a:t>
-            </a:r>
-            <a:r>
-              <a:rPr lang="en-US" altLang="zh-CN" dirty="0" err="1"/>
-              <a:t>pdo_mysql</a:t>
-            </a:r>
-            <a:endParaRPr lang="zh-CN" altLang="en-US" dirty="0"/>
-          </a:p>
-        </p:txBody>
-      </p:sp>
-      <p:sp>
-        <p:nvSpPr>
-          <p:cNvPr id="5" name="内容占位符 4">
-            <a:extLst>
-              <a:ext uri="{FF2B5EF4-FFF2-40B4-BE49-F238E27FC236}">
-                <a16:creationId xmlns:a16="http://schemas.microsoft.com/office/drawing/2014/main" id="{19253A6A-8958-4C89-A4FE-863B33442CE7}"/>
-              </a:ext>
-            </a:extLst>
-          </p:cNvPr>
-          <p:cNvSpPr>
-            <a:spLocks noGrp="1"/>
-          </p:cNvSpPr>
-          <p:nvPr>
-            <p:ph idx="1"/>
-          </p:nvPr>
-        </p:nvSpPr>
-        <p:spPr/>
-        <p:txBody>
-          <a:bodyPr>
-            <a:normAutofit/>
-          </a:bodyPr>
-          <a:lstStyle/>
-          <a:p>
-            <a:r>
-              <a:rPr lang="en-US" altLang="zh-CN" sz="2400" dirty="0"/>
-              <a:t>PHP</a:t>
-            </a:r>
-            <a:r>
-              <a:rPr lang="zh-CN" altLang="en-US" sz="2400" dirty="0"/>
-              <a:t>源代码目录切换到</a:t>
-            </a:r>
-            <a:r>
-              <a:rPr lang="en-US" altLang="zh-CN" sz="2400" dirty="0" err="1"/>
-              <a:t>ext</a:t>
-            </a:r>
-            <a:r>
-              <a:rPr lang="en-US" altLang="zh-CN" sz="2400" dirty="0"/>
-              <a:t>/</a:t>
-            </a:r>
-            <a:r>
-              <a:rPr lang="en-US" altLang="zh-CN" sz="2400" dirty="0" err="1"/>
-              <a:t>pdo_mysql</a:t>
-            </a:r>
-            <a:r>
-              <a:rPr lang="zh-CN" altLang="en-US" sz="2400" dirty="0"/>
-              <a:t>目录，依次运行：</a:t>
-            </a:r>
-            <a:endParaRPr lang="en-US" altLang="zh-CN" sz="2400" dirty="0"/>
-          </a:p>
-          <a:p>
-            <a:pPr marL="457200" lvl="1" indent="0">
-              <a:buNone/>
-            </a:pPr>
-            <a:r>
-              <a:rPr lang="en-US" altLang="zh-CN" sz="2000" i="1" dirty="0"/>
-              <a:t>//</a:t>
-            </a:r>
-            <a:r>
-              <a:rPr lang="zh-CN" altLang="en-US" sz="2000" i="1" dirty="0"/>
-              <a:t>生成</a:t>
-            </a:r>
-            <a:r>
-              <a:rPr lang="en-US" altLang="zh-CN" sz="2000" i="1" dirty="0"/>
-              <a:t>configure</a:t>
-            </a:r>
-            <a:r>
-              <a:rPr lang="zh-CN" altLang="en-US" sz="2000" i="1" dirty="0"/>
-              <a:t>文件</a:t>
-            </a:r>
-            <a:endParaRPr lang="en-US" altLang="zh-CN" sz="2000" i="1" dirty="0"/>
-          </a:p>
-          <a:p>
-            <a:pPr marL="457200" lvl="1" indent="0">
-              <a:buNone/>
-            </a:pPr>
-            <a:r>
-              <a:rPr lang="en-US" altLang="zh-CN" dirty="0"/>
-              <a:t>PHP_INSTALL_DIR/bin/</a:t>
-            </a:r>
-            <a:r>
-              <a:rPr lang="en-US" altLang="zh-CN" dirty="0" err="1"/>
-              <a:t>phpize</a:t>
-            </a:r>
-            <a:endParaRPr lang="en-US" altLang="zh-CN" dirty="0"/>
-          </a:p>
-          <a:p>
-            <a:pPr marL="457200" lvl="1" indent="0">
-              <a:buNone/>
-            </a:pPr>
-            <a:endParaRPr lang="en-US" altLang="zh-CN" dirty="0"/>
-          </a:p>
-          <a:p>
-            <a:pPr marL="457200" lvl="1" indent="0">
-              <a:buNone/>
-            </a:pPr>
-            <a:r>
-              <a:rPr lang="en-US" altLang="zh-CN" dirty="0"/>
-              <a:t>./configure</a:t>
-            </a:r>
-            <a:r>
-              <a:rPr lang="zh-CN" altLang="en-US" dirty="0"/>
-              <a:t> </a:t>
-            </a:r>
-            <a:r>
-              <a:rPr lang="en-US" altLang="zh-CN" dirty="0"/>
-              <a:t>–with-</a:t>
-            </a:r>
-            <a:r>
-              <a:rPr lang="en-US" altLang="zh-CN" dirty="0" err="1"/>
-              <a:t>php</a:t>
-            </a:r>
-            <a:r>
-              <a:rPr lang="en-US" altLang="zh-CN" dirty="0"/>
-              <a:t>-config=PHP_INSTALL_DIR/bin/</a:t>
-            </a:r>
-            <a:r>
-              <a:rPr lang="en-US" altLang="zh-CN" dirty="0" err="1"/>
-              <a:t>php</a:t>
-            </a:r>
-            <a:r>
-              <a:rPr lang="en-US" altLang="zh-CN" dirty="0"/>
-              <a:t>-config</a:t>
-            </a:r>
-          </a:p>
-          <a:p>
-            <a:pPr marL="457200" lvl="1" indent="0">
-              <a:buNone/>
-            </a:pPr>
-            <a:endParaRPr lang="en-US" altLang="zh-CN" dirty="0"/>
-          </a:p>
-          <a:p>
-            <a:pPr marL="457200" lvl="1" indent="0">
-              <a:buNone/>
-            </a:pPr>
-            <a:r>
-              <a:rPr lang="en-US" altLang="zh-CN" sz="2000" i="1" dirty="0"/>
-              <a:t>//</a:t>
-            </a:r>
-            <a:r>
-              <a:rPr lang="zh-CN" altLang="en-US" sz="2000" i="1" dirty="0"/>
-              <a:t>根据</a:t>
-            </a:r>
-            <a:r>
-              <a:rPr lang="en-US" altLang="zh-CN" sz="2000" i="1" dirty="0" err="1"/>
-              <a:t>Makefile</a:t>
-            </a:r>
-            <a:r>
-              <a:rPr lang="zh-CN" altLang="en-US" sz="2000" i="1" dirty="0"/>
-              <a:t>文件进行编译</a:t>
-            </a:r>
-            <a:endParaRPr lang="en-US" altLang="zh-CN" sz="2000" i="1" dirty="0"/>
-          </a:p>
-          <a:p>
-            <a:pPr marL="457200" lvl="1" indent="0">
-              <a:buNone/>
-            </a:pPr>
-            <a:r>
-              <a:rPr lang="en-US" altLang="zh-CN" dirty="0"/>
-              <a:t>make</a:t>
-            </a:r>
-          </a:p>
-          <a:p>
-            <a:pPr marL="457200" lvl="1" indent="0">
-              <a:buNone/>
-            </a:pPr>
-            <a:endParaRPr lang="en-US" altLang="zh-CN" dirty="0"/>
-          </a:p>
-          <a:p>
-            <a:pPr marL="457200" lvl="1" indent="0">
-              <a:buNone/>
-            </a:pPr>
-            <a:r>
-              <a:rPr lang="en-US" altLang="zh-CN" sz="2000" i="1" dirty="0"/>
-              <a:t>//</a:t>
-            </a:r>
-            <a:r>
-              <a:rPr lang="zh-CN" altLang="en-US" sz="2000" i="1" dirty="0"/>
-              <a:t>安装扩展</a:t>
-            </a:r>
-            <a:endParaRPr lang="en-US" altLang="zh-CN" sz="2000" i="1" dirty="0"/>
-          </a:p>
-          <a:p>
-            <a:pPr marL="457200" lvl="1" indent="0">
-              <a:buNone/>
-            </a:pPr>
-            <a:r>
-              <a:rPr lang="en-US" altLang="zh-CN" dirty="0" err="1"/>
-              <a:t>sudo</a:t>
-            </a:r>
-            <a:r>
-              <a:rPr lang="en-US" altLang="zh-CN" dirty="0"/>
-              <a:t> make install</a:t>
-            </a:r>
-          </a:p>
-          <a:p>
-            <a:pPr marL="457200" lvl="1" indent="0">
-              <a:buNone/>
-            </a:pPr>
-            <a:endParaRPr lang="zh-CN" altLang="en-US" dirty="0"/>
-          </a:p>
-        </p:txBody>
-      </p:sp>
-    </p:spTree>
-    <p:extLst>
-      <p:ext uri="{BB962C8B-B14F-4D97-AF65-F5344CB8AC3E}">
-        <p14:creationId xmlns:p14="http://schemas.microsoft.com/office/powerpoint/2010/main" val="1402615337"/>
-      </p:ext>
-    </p:extLst>
-  </p:cSld>
-  <p:clrMapOvr>
-    <a:masterClrMapping/>
-  </p:clrMapOvr>
-</p:sld>
-</file>
-
-<file path=ppt/slides/slide23.xml><?xml version="1.0" encoding="utf-8"?>
-<p:sld xmlns:a="http://schemas.openxmlformats.org/drawingml/2006/main" xmlns:r="http://schemas.openxmlformats.org/officeDocument/2006/relationships" xmlns:p="http://schemas.openxmlformats.org/presentationml/2006/main">
-  <p:cSld>
-    <p:spTree>
-      <p:nvGrpSpPr>
-        <p:cNvPr id="1" name=""/>
-        <p:cNvGrpSpPr/>
-        <p:nvPr/>
-      </p:nvGrpSpPr>
-      <p:grpSpPr>
-        <a:xfrm>
-          <a:off x="0" y="0"/>
-          <a:ext cx="0" cy="0"/>
-          <a:chOff x="0" y="0"/>
-          <a:chExt cx="0" cy="0"/>
-        </a:xfrm>
-      </p:grpSpPr>
-      <p:sp>
-        <p:nvSpPr>
-          <p:cNvPr id="4" name="标题 3">
-            <a:extLst>
-              <a:ext uri="{FF2B5EF4-FFF2-40B4-BE49-F238E27FC236}">
-                <a16:creationId xmlns:a16="http://schemas.microsoft.com/office/drawing/2014/main" id="{2729939D-814A-4BD2-9922-3F8EA865938B}"/>
-              </a:ext>
-            </a:extLst>
-          </p:cNvPr>
-          <p:cNvSpPr>
-            <a:spLocks noGrp="1"/>
-          </p:cNvSpPr>
-          <p:nvPr>
-            <p:ph type="title"/>
-          </p:nvPr>
-        </p:nvSpPr>
-        <p:spPr>
-          <a:xfrm>
-            <a:off x="838200" y="683581"/>
-            <a:ext cx="10515600" cy="736846"/>
-          </a:xfrm>
-        </p:spPr>
-        <p:txBody>
-          <a:bodyPr/>
-          <a:lstStyle/>
-          <a:p>
-            <a:r>
-              <a:rPr lang="zh-CN" altLang="en-US" dirty="0"/>
-              <a:t>配置</a:t>
-            </a:r>
-            <a:r>
-              <a:rPr lang="en-US" altLang="zh-CN" dirty="0"/>
-              <a:t>PHP</a:t>
-            </a:r>
-            <a:r>
-              <a:rPr lang="zh-CN" altLang="en-US" dirty="0"/>
-              <a:t>启用扩展</a:t>
-            </a:r>
-          </a:p>
-        </p:txBody>
-      </p:sp>
-      <p:sp>
-        <p:nvSpPr>
-          <p:cNvPr id="5" name="内容占位符 4">
-            <a:extLst>
-              <a:ext uri="{FF2B5EF4-FFF2-40B4-BE49-F238E27FC236}">
-                <a16:creationId xmlns:a16="http://schemas.microsoft.com/office/drawing/2014/main" id="{19253A6A-8958-4C89-A4FE-863B33442CE7}"/>
-              </a:ext>
-            </a:extLst>
-          </p:cNvPr>
-          <p:cNvSpPr>
-            <a:spLocks noGrp="1"/>
-          </p:cNvSpPr>
-          <p:nvPr>
-            <p:ph idx="1"/>
-          </p:nvPr>
-        </p:nvSpPr>
-        <p:spPr/>
-        <p:txBody>
-          <a:bodyPr>
-            <a:normAutofit/>
-          </a:bodyPr>
-          <a:lstStyle/>
-          <a:p>
-            <a:r>
-              <a:rPr lang="en-US" altLang="zh-CN" sz="2400" dirty="0"/>
-              <a:t>PHP</a:t>
-            </a:r>
-            <a:r>
-              <a:rPr lang="zh-CN" altLang="en-US" sz="2400" dirty="0"/>
-              <a:t>配置文件默认在安装目录下的</a:t>
-            </a:r>
-            <a:r>
-              <a:rPr lang="en-US" altLang="zh-CN" sz="2400" dirty="0"/>
-              <a:t>lib/php.ini</a:t>
-            </a:r>
-          </a:p>
-          <a:p>
-            <a:endParaRPr lang="en-US" altLang="zh-CN" sz="2400" dirty="0"/>
-          </a:p>
-          <a:p>
-            <a:r>
-              <a:rPr lang="zh-CN" altLang="en-US" sz="2400" dirty="0"/>
-              <a:t>打开配置文件，找到</a:t>
-            </a:r>
-            <a:r>
-              <a:rPr lang="en-US" altLang="zh-CN" sz="2400" dirty="0"/>
-              <a:t>extension</a:t>
-            </a:r>
-            <a:r>
-              <a:rPr lang="zh-CN" altLang="en-US" sz="2400" dirty="0"/>
-              <a:t>相关的部分，加入</a:t>
-            </a:r>
-            <a:r>
-              <a:rPr lang="en-US" altLang="zh-CN" sz="2400" dirty="0"/>
-              <a:t>extension=pdo.so</a:t>
-            </a:r>
-            <a:r>
-              <a:rPr lang="zh-CN" altLang="en-US" sz="2400" dirty="0"/>
-              <a:t>即可启用</a:t>
-            </a:r>
-            <a:r>
-              <a:rPr lang="en-US" altLang="zh-CN" sz="2400" dirty="0" err="1"/>
-              <a:t>pdo</a:t>
-            </a:r>
-            <a:r>
-              <a:rPr lang="zh-CN" altLang="en-US" sz="2400" dirty="0"/>
-              <a:t>扩展。</a:t>
-            </a:r>
-            <a:endParaRPr lang="en-US" altLang="zh-CN" sz="2400" dirty="0"/>
-          </a:p>
-          <a:p>
-            <a:pPr marL="457200" lvl="1" indent="0">
-              <a:buNone/>
-            </a:pPr>
-            <a:r>
-              <a:rPr lang="en-US" altLang="zh-CN" sz="2000" i="1" dirty="0"/>
-              <a:t>//</a:t>
-            </a:r>
-            <a:r>
-              <a:rPr lang="zh-CN" altLang="en-US" sz="2000" i="1" dirty="0"/>
-              <a:t>配置示例</a:t>
-            </a:r>
-            <a:endParaRPr lang="en-US" altLang="zh-CN" dirty="0"/>
-          </a:p>
-          <a:p>
-            <a:pPr marL="457200" lvl="1" indent="0">
-              <a:buNone/>
-            </a:pPr>
-            <a:r>
-              <a:rPr lang="en-US" altLang="zh-CN" dirty="0"/>
-              <a:t>extension=pdo_mysql.so</a:t>
-            </a:r>
-          </a:p>
-        </p:txBody>
-      </p:sp>
-    </p:spTree>
-    <p:extLst>
-      <p:ext uri="{BB962C8B-B14F-4D97-AF65-F5344CB8AC3E}">
-        <p14:creationId xmlns:p14="http://schemas.microsoft.com/office/powerpoint/2010/main" val="3865451902"/>
-      </p:ext>
-    </p:extLst>
-  </p:cSld>
-  <p:clrMapOvr>
-    <a:masterClrMapping/>
-  </p:clrMapOvr>
-</p:sld>
-</file>
-
-<file path=ppt/slides/slide24.xml><?xml version="1.0" encoding="utf-8"?>
-<p:sld xmlns:a="http://schemas.openxmlformats.org/drawingml/2006/main" xmlns:r="http://schemas.openxmlformats.org/officeDocument/2006/relationships" xmlns:p="http://schemas.openxmlformats.org/presentationml/2006/main">
-  <p:cSld>
-    <p:spTree>
-      <p:nvGrpSpPr>
-        <p:cNvPr id="1" name=""/>
-        <p:cNvGrpSpPr/>
-        <p:nvPr/>
-      </p:nvGrpSpPr>
-      <p:grpSpPr>
-        <a:xfrm>
-          <a:off x="0" y="0"/>
-          <a:ext cx="0" cy="0"/>
-          <a:chOff x="0" y="0"/>
-          <a:chExt cx="0" cy="0"/>
-        </a:xfrm>
-      </p:grpSpPr>
-      <p:sp>
-        <p:nvSpPr>
-          <p:cNvPr id="4" name="标题 3">
-            <a:extLst>
-              <a:ext uri="{FF2B5EF4-FFF2-40B4-BE49-F238E27FC236}">
-                <a16:creationId xmlns:a16="http://schemas.microsoft.com/office/drawing/2014/main" id="{2729939D-814A-4BD2-9922-3F8EA865938B}"/>
-              </a:ext>
-            </a:extLst>
-          </p:cNvPr>
-          <p:cNvSpPr>
-            <a:spLocks noGrp="1"/>
-          </p:cNvSpPr>
-          <p:nvPr>
-            <p:ph type="title"/>
-          </p:nvPr>
-        </p:nvSpPr>
-        <p:spPr>
-          <a:xfrm>
-            <a:off x="838200" y="683581"/>
-            <a:ext cx="10515600" cy="736846"/>
-          </a:xfrm>
-        </p:spPr>
-        <p:txBody>
-          <a:bodyPr/>
-          <a:lstStyle/>
-          <a:p>
-            <a:r>
-              <a:rPr lang="en-US" altLang="zh-CN" dirty="0"/>
-              <a:t>PHP-FPM</a:t>
-            </a:r>
-            <a:r>
-              <a:rPr lang="zh-CN" altLang="en-US" dirty="0"/>
-              <a:t>控制脚本</a:t>
-            </a:r>
-          </a:p>
-        </p:txBody>
-      </p:sp>
-      <p:sp>
-        <p:nvSpPr>
-          <p:cNvPr id="5" name="内容占位符 4">
-            <a:extLst>
-              <a:ext uri="{FF2B5EF4-FFF2-40B4-BE49-F238E27FC236}">
-                <a16:creationId xmlns:a16="http://schemas.microsoft.com/office/drawing/2014/main" id="{19253A6A-8958-4C89-A4FE-863B33442CE7}"/>
-              </a:ext>
-            </a:extLst>
-          </p:cNvPr>
-          <p:cNvSpPr>
-            <a:spLocks noGrp="1"/>
-          </p:cNvSpPr>
-          <p:nvPr>
-            <p:ph idx="1"/>
-          </p:nvPr>
-        </p:nvSpPr>
-        <p:spPr/>
-        <p:txBody>
-          <a:bodyPr>
-            <a:normAutofit/>
-          </a:bodyPr>
-          <a:lstStyle/>
-          <a:p>
-            <a:r>
-              <a:rPr lang="en-US" altLang="zh-CN" sz="2400" dirty="0"/>
-              <a:t>PHP_INSTALL_DIR/</a:t>
-            </a:r>
-            <a:r>
-              <a:rPr lang="en-US" altLang="zh-CN" sz="2400" dirty="0" err="1"/>
-              <a:t>var</a:t>
-            </a:r>
-            <a:r>
-              <a:rPr lang="en-US" altLang="zh-CN" sz="2400" dirty="0"/>
-              <a:t>/run/</a:t>
-            </a:r>
-            <a:r>
-              <a:rPr lang="en-US" altLang="zh-CN" sz="2400" dirty="0" err="1"/>
-              <a:t>php-fpm.pid</a:t>
-            </a:r>
-            <a:r>
-              <a:rPr lang="zh-CN" altLang="en-US" sz="2400" dirty="0"/>
-              <a:t>记录了</a:t>
-            </a:r>
-            <a:r>
-              <a:rPr lang="en-US" altLang="zh-CN" sz="2400" dirty="0" err="1"/>
-              <a:t>php</a:t>
-            </a:r>
-            <a:r>
-              <a:rPr lang="en-US" altLang="zh-CN" sz="2400" dirty="0"/>
-              <a:t>-fpm</a:t>
-            </a:r>
-            <a:r>
-              <a:rPr lang="zh-CN" altLang="en-US" sz="2400" dirty="0"/>
-              <a:t>的</a:t>
-            </a:r>
-            <a:r>
-              <a:rPr lang="en-US" altLang="zh-CN" sz="2400" dirty="0"/>
-              <a:t>PID</a:t>
-            </a:r>
-            <a:r>
-              <a:rPr lang="zh-CN" altLang="en-US" sz="2400" dirty="0"/>
-              <a:t>，通过获取</a:t>
-            </a:r>
-            <a:r>
-              <a:rPr lang="en-US" altLang="zh-CN" sz="2400" dirty="0"/>
-              <a:t>PID</a:t>
-            </a:r>
-            <a:r>
-              <a:rPr lang="zh-CN" altLang="en-US" sz="2400" dirty="0"/>
-              <a:t>可以控制</a:t>
-            </a:r>
-            <a:r>
-              <a:rPr lang="en-US" altLang="zh-CN" sz="2400" dirty="0" err="1"/>
-              <a:t>php</a:t>
-            </a:r>
-            <a:r>
-              <a:rPr lang="en-US" altLang="zh-CN" sz="2400" dirty="0"/>
-              <a:t>-fpm</a:t>
-            </a:r>
-            <a:r>
-              <a:rPr lang="zh-CN" altLang="en-US" sz="2400" dirty="0"/>
-              <a:t>的启动，退出，重启操作。</a:t>
-            </a:r>
-            <a:endParaRPr lang="en-US" altLang="zh-CN" sz="2400" dirty="0"/>
-          </a:p>
-          <a:p>
-            <a:endParaRPr lang="en-US" altLang="zh-CN" sz="2400" dirty="0"/>
-          </a:p>
-          <a:p>
-            <a:r>
-              <a:rPr lang="zh-CN" altLang="en-US" sz="2400" dirty="0"/>
-              <a:t>实现逻辑：首先尝试获取</a:t>
-            </a:r>
-            <a:r>
-              <a:rPr lang="en-US" altLang="zh-CN" sz="2400" dirty="0" err="1"/>
-              <a:t>php-fpm.pid</a:t>
-            </a:r>
-            <a:r>
-              <a:rPr lang="zh-CN" altLang="en-US" sz="2400" dirty="0"/>
-              <a:t>记录的</a:t>
-            </a:r>
-            <a:r>
-              <a:rPr lang="en-US" altLang="zh-CN" sz="2400" dirty="0"/>
-              <a:t>PID</a:t>
-            </a:r>
-            <a:r>
-              <a:rPr lang="zh-CN" altLang="en-US" sz="2400" dirty="0"/>
-              <a:t>，并获取已经运行的进程是否有</a:t>
-            </a:r>
-            <a:r>
-              <a:rPr lang="en-US" altLang="zh-CN" sz="2400" dirty="0" err="1"/>
-              <a:t>php</a:t>
-            </a:r>
-            <a:r>
-              <a:rPr lang="en-US" altLang="zh-CN" sz="2400" dirty="0"/>
-              <a:t>-fpm</a:t>
-            </a:r>
-            <a:r>
-              <a:rPr lang="zh-CN" altLang="en-US" sz="2400" dirty="0"/>
-              <a:t>，并根据参数进行不同操作：</a:t>
-            </a:r>
-            <a:endParaRPr lang="en-US" altLang="zh-CN" sz="2400" dirty="0"/>
-          </a:p>
-          <a:p>
-            <a:pPr marL="457200" lvl="1" indent="0">
-              <a:buNone/>
-            </a:pPr>
-            <a:r>
-              <a:rPr lang="en-US" altLang="zh-CN" sz="2200" dirty="0"/>
-              <a:t>start</a:t>
-            </a:r>
-            <a:r>
-              <a:rPr lang="zh-CN" altLang="en-US" sz="2200" dirty="0"/>
-              <a:t>：如果已经运行则提示信息并退出</a:t>
-            </a:r>
-            <a:endParaRPr lang="en-US" altLang="zh-CN" sz="2200" dirty="0"/>
-          </a:p>
-          <a:p>
-            <a:pPr marL="457200" lvl="1" indent="0">
-              <a:buNone/>
-            </a:pPr>
-            <a:r>
-              <a:rPr lang="en-US" altLang="zh-CN" sz="2200" dirty="0"/>
-              <a:t>stop</a:t>
-            </a:r>
-            <a:r>
-              <a:rPr lang="zh-CN" altLang="en-US" sz="2200" dirty="0"/>
-              <a:t>：如果没有运行则退出，运行则使用</a:t>
-            </a:r>
-            <a:r>
-              <a:rPr lang="en-US" altLang="zh-CN" sz="2200" dirty="0"/>
-              <a:t>kill </a:t>
-            </a:r>
-            <a:r>
-              <a:rPr lang="zh-CN" altLang="en-US" sz="2200" dirty="0"/>
-              <a:t>终止进程</a:t>
-            </a:r>
-            <a:endParaRPr lang="en-US" altLang="zh-CN" sz="2200" dirty="0"/>
-          </a:p>
-          <a:p>
-            <a:pPr marL="457200" lvl="1" indent="0">
-              <a:buNone/>
-            </a:pPr>
-            <a:r>
-              <a:rPr lang="en-US" altLang="zh-CN" sz="2200" dirty="0"/>
-              <a:t>restart</a:t>
-            </a:r>
-            <a:r>
-              <a:rPr lang="zh-CN" altLang="en-US" sz="2200" dirty="0"/>
-              <a:t>：如果已经运行则</a:t>
-            </a:r>
-            <a:r>
-              <a:rPr lang="en-US" altLang="zh-CN" sz="2200" dirty="0"/>
-              <a:t>stop</a:t>
-            </a:r>
-            <a:r>
-              <a:rPr lang="zh-CN" altLang="en-US" sz="2200" dirty="0"/>
-              <a:t>然后</a:t>
-            </a:r>
-            <a:r>
-              <a:rPr lang="en-US" altLang="zh-CN" sz="2200" dirty="0"/>
-              <a:t>start</a:t>
-            </a:r>
-            <a:r>
-              <a:rPr lang="zh-CN" altLang="en-US" sz="2200" dirty="0"/>
-              <a:t>，否则直接</a:t>
-            </a:r>
-            <a:r>
-              <a:rPr lang="en-US" altLang="zh-CN" sz="2200" dirty="0"/>
-              <a:t>start</a:t>
-            </a:r>
-          </a:p>
-          <a:p>
-            <a:pPr marL="0" indent="0">
-              <a:buNone/>
-            </a:pPr>
-            <a:endParaRPr lang="en-US" altLang="zh-CN" sz="2400" dirty="0"/>
-          </a:p>
-          <a:p>
-            <a:r>
-              <a:rPr lang="zh-CN" altLang="en-US" sz="2400" dirty="0"/>
-              <a:t>管理脚本代码无法在</a:t>
-            </a:r>
-            <a:r>
-              <a:rPr lang="en-US" altLang="zh-CN" sz="2400" dirty="0"/>
-              <a:t>ppt</a:t>
-            </a:r>
-            <a:r>
-              <a:rPr lang="zh-CN" altLang="en-US" sz="2400" dirty="0"/>
-              <a:t>展示，参看实际代码文件。</a:t>
-            </a:r>
-            <a:endParaRPr lang="en-US" altLang="zh-CN" sz="2400" dirty="0"/>
-          </a:p>
-        </p:txBody>
-      </p:sp>
-    </p:spTree>
-    <p:extLst>
-      <p:ext uri="{BB962C8B-B14F-4D97-AF65-F5344CB8AC3E}">
-        <p14:creationId xmlns:p14="http://schemas.microsoft.com/office/powerpoint/2010/main" val="3327552584"/>
-      </p:ext>
-    </p:extLst>
-  </p:cSld>
-  <p:clrMapOvr>
-    <a:masterClrMapping/>
-  </p:clrMapOvr>
-</p:sld>
-</file>
-
-<file path=ppt/slides/slide3.xml><?xml version="1.0" encoding="utf-8"?>
+<file path=ppt/slides/slide2.xml><?xml version="1.0" encoding="utf-8"?>
 <p:sld xmlns:a="http://schemas.openxmlformats.org/drawingml/2006/main" xmlns:r="http://schemas.openxmlformats.org/officeDocument/2006/relationships" xmlns:p="http://schemas.openxmlformats.org/presentationml/2006/main">
   <p:cSld>
     <p:spTree>
@@ -8720,6 +7354,2331 @@
 </p:sld>
 </file>
 
+<file path=ppt/slides/slide20.xml><?xml version="1.0" encoding="utf-8"?>
+<p:sld xmlns:a="http://schemas.openxmlformats.org/drawingml/2006/main" xmlns:r="http://schemas.openxmlformats.org/officeDocument/2006/relationships" xmlns:p="http://schemas.openxmlformats.org/presentationml/2006/main">
+  <p:cSld>
+    <p:spTree>
+      <p:nvGrpSpPr>
+        <p:cNvPr id="1" name=""/>
+        <p:cNvGrpSpPr/>
+        <p:nvPr/>
+      </p:nvGrpSpPr>
+      <p:grpSpPr>
+        <a:xfrm>
+          <a:off x="0" y="0"/>
+          <a:ext cx="0" cy="0"/>
+          <a:chOff x="0" y="0"/>
+          <a:chExt cx="0" cy="0"/>
+        </a:xfrm>
+      </p:grpSpPr>
+      <p:sp>
+        <p:nvSpPr>
+          <p:cNvPr id="4" name="标题 3">
+            <a:extLst>
+              <a:ext uri="{FF2B5EF4-FFF2-40B4-BE49-F238E27FC236}">
+                <a16:creationId xmlns:a16="http://schemas.microsoft.com/office/drawing/2014/main" id="{2729939D-814A-4BD2-9922-3F8EA865938B}"/>
+              </a:ext>
+            </a:extLst>
+          </p:cNvPr>
+          <p:cNvSpPr>
+            <a:spLocks noGrp="1"/>
+          </p:cNvSpPr>
+          <p:nvPr>
+            <p:ph type="title"/>
+          </p:nvPr>
+        </p:nvSpPr>
+        <p:spPr>
+          <a:xfrm>
+            <a:off x="838200" y="683581"/>
+            <a:ext cx="10515600" cy="736846"/>
+          </a:xfrm>
+        </p:spPr>
+        <p:txBody>
+          <a:bodyPr>
+            <a:normAutofit/>
+          </a:bodyPr>
+          <a:lstStyle/>
+          <a:p>
+            <a:r>
+              <a:rPr lang="zh-CN" altLang="en-US" dirty="0"/>
+              <a:t>移植过程中的库依赖问题</a:t>
+            </a:r>
+          </a:p>
+        </p:txBody>
+      </p:sp>
+      <p:sp>
+        <p:nvSpPr>
+          <p:cNvPr id="5" name="内容占位符 4">
+            <a:extLst>
+              <a:ext uri="{FF2B5EF4-FFF2-40B4-BE49-F238E27FC236}">
+                <a16:creationId xmlns:a16="http://schemas.microsoft.com/office/drawing/2014/main" id="{19253A6A-8958-4C89-A4FE-863B33442CE7}"/>
+              </a:ext>
+            </a:extLst>
+          </p:cNvPr>
+          <p:cNvSpPr>
+            <a:spLocks noGrp="1"/>
+          </p:cNvSpPr>
+          <p:nvPr>
+            <p:ph idx="1"/>
+          </p:nvPr>
+        </p:nvSpPr>
+        <p:spPr/>
+        <p:txBody>
+          <a:bodyPr>
+            <a:normAutofit/>
+          </a:bodyPr>
+          <a:lstStyle/>
+          <a:p>
+            <a:r>
+              <a:rPr lang="zh-CN" altLang="en-US" sz="2400" dirty="0"/>
+              <a:t>实际测试环境中，打包编译后的</a:t>
+            </a:r>
+            <a:r>
+              <a:rPr lang="en-US" altLang="zh-CN" sz="2400" dirty="0" err="1"/>
+              <a:t>php</a:t>
+            </a:r>
+            <a:r>
+              <a:rPr lang="zh-CN" altLang="en-US" sz="2400" dirty="0"/>
+              <a:t>，在</a:t>
+            </a:r>
+            <a:r>
+              <a:rPr lang="en-US" altLang="zh-CN" sz="2400" dirty="0"/>
+              <a:t>CentOS7</a:t>
+            </a:r>
+            <a:r>
+              <a:rPr lang="zh-CN" altLang="en-US" sz="2400" dirty="0"/>
+              <a:t>上解压到</a:t>
+            </a:r>
+            <a:r>
+              <a:rPr lang="en-US" altLang="zh-CN" sz="2400" dirty="0"/>
+              <a:t>/</a:t>
+            </a:r>
+            <a:r>
+              <a:rPr lang="zh-CN" altLang="en-US" sz="2400" dirty="0"/>
+              <a:t>目录，运行</a:t>
+            </a:r>
+            <a:r>
+              <a:rPr lang="en-US" altLang="zh-CN" sz="2400" dirty="0" err="1"/>
+              <a:t>php</a:t>
+            </a:r>
+            <a:r>
+              <a:rPr lang="en-US" altLang="zh-CN" sz="2400" dirty="0"/>
+              <a:t>-fpm</a:t>
+            </a:r>
+            <a:r>
+              <a:rPr lang="zh-CN" altLang="en-US" sz="2400" dirty="0"/>
+              <a:t>出现很多</a:t>
+            </a:r>
+            <a:r>
+              <a:rPr lang="en-US" altLang="zh-CN" sz="2400" dirty="0"/>
+              <a:t>curl</a:t>
+            </a:r>
+            <a:r>
+              <a:rPr lang="zh-CN" altLang="en-US" sz="2400" dirty="0"/>
+              <a:t>，</a:t>
+            </a:r>
+            <a:r>
+              <a:rPr lang="en-US" altLang="zh-CN" sz="2400" dirty="0" err="1"/>
+              <a:t>ssl</a:t>
+            </a:r>
+            <a:r>
+              <a:rPr lang="zh-CN" altLang="en-US" sz="2400" dirty="0"/>
+              <a:t>等</a:t>
+            </a:r>
+            <a:r>
+              <a:rPr lang="en-US" altLang="zh-CN" sz="2400" dirty="0"/>
+              <a:t>so</a:t>
+            </a:r>
+            <a:r>
+              <a:rPr lang="zh-CN" altLang="en-US" sz="2400" dirty="0"/>
+              <a:t>库的依赖问题，主要就是在</a:t>
+            </a:r>
+            <a:r>
+              <a:rPr lang="en-US" altLang="zh-CN" sz="2400" dirty="0"/>
+              <a:t>Ubuntu16.04</a:t>
+            </a:r>
+            <a:r>
+              <a:rPr lang="zh-CN" altLang="en-US" sz="2400" dirty="0"/>
+              <a:t>上通过共享库链接的形式在</a:t>
+            </a:r>
+            <a:r>
+              <a:rPr lang="en-US" altLang="zh-CN" sz="2400" dirty="0"/>
+              <a:t>CentOS</a:t>
+            </a:r>
+            <a:r>
+              <a:rPr lang="zh-CN" altLang="en-US" sz="2400" dirty="0"/>
+              <a:t>上由于目录结构，库名称，版本等不同而导致无法加载。</a:t>
+            </a:r>
+            <a:endParaRPr lang="en-US" altLang="zh-CN" sz="2400" dirty="0"/>
+          </a:p>
+          <a:p>
+            <a:endParaRPr lang="en-US" altLang="zh-CN" sz="2400" dirty="0"/>
+          </a:p>
+          <a:p>
+            <a:r>
+              <a:rPr lang="zh-CN" altLang="en-US" sz="2400" dirty="0"/>
+              <a:t>哪些库会出现问题：主要的问题在于</a:t>
+            </a:r>
+            <a:r>
+              <a:rPr lang="en-US" altLang="zh-CN" sz="2400" dirty="0"/>
+              <a:t>curl</a:t>
+            </a:r>
+            <a:r>
+              <a:rPr lang="zh-CN" altLang="en-US" sz="2400" dirty="0"/>
+              <a:t>，</a:t>
+            </a:r>
+            <a:r>
+              <a:rPr lang="en-US" altLang="zh-CN" sz="2400" dirty="0" err="1"/>
+              <a:t>openssl</a:t>
+            </a:r>
+            <a:r>
+              <a:rPr lang="zh-CN" altLang="en-US" sz="2400" dirty="0"/>
+              <a:t>，而</a:t>
+            </a:r>
+            <a:r>
+              <a:rPr lang="en-US" altLang="zh-CN" sz="2400" dirty="0"/>
+              <a:t>curl</a:t>
+            </a:r>
+            <a:r>
+              <a:rPr lang="zh-CN" altLang="en-US" sz="2400" dirty="0"/>
+              <a:t>依赖的</a:t>
+            </a:r>
+            <a:r>
+              <a:rPr lang="en-US" altLang="zh-CN" sz="2400" dirty="0"/>
+              <a:t>nghttp2</a:t>
+            </a:r>
+            <a:r>
+              <a:rPr lang="zh-CN" altLang="en-US" sz="2400" dirty="0"/>
+              <a:t>，</a:t>
+            </a:r>
+            <a:r>
+              <a:rPr lang="en-US" altLang="zh-CN" sz="2400" dirty="0" err="1"/>
+              <a:t>zlib</a:t>
+            </a:r>
+            <a:r>
+              <a:rPr lang="zh-CN" altLang="en-US" sz="2400" dirty="0"/>
+              <a:t>等也因此出现问题。</a:t>
+            </a:r>
+            <a:r>
+              <a:rPr lang="en-US" altLang="zh-CN" sz="2400" dirty="0"/>
+              <a:t>PHP</a:t>
+            </a:r>
+            <a:r>
+              <a:rPr lang="zh-CN" altLang="en-US" sz="2400" dirty="0"/>
+              <a:t>大部分模块在编译时就已加入编译选项，编译成为</a:t>
+            </a:r>
+            <a:r>
+              <a:rPr lang="en-US" altLang="zh-CN" sz="2400" dirty="0"/>
+              <a:t>PHP</a:t>
+            </a:r>
+            <a:r>
+              <a:rPr lang="zh-CN" altLang="en-US" sz="2400" dirty="0"/>
+              <a:t>的一部分，也并不存在依赖问题。</a:t>
+            </a:r>
+            <a:endParaRPr lang="en-US" altLang="zh-CN" sz="2400" dirty="0"/>
+          </a:p>
+          <a:p>
+            <a:endParaRPr lang="en-US" altLang="zh-CN" sz="2400" dirty="0"/>
+          </a:p>
+          <a:p>
+            <a:r>
+              <a:rPr lang="zh-CN" altLang="en-US" sz="2400" dirty="0"/>
+              <a:t>解决方案：</a:t>
+            </a:r>
+            <a:r>
+              <a:rPr lang="en-US" altLang="zh-CN" sz="2400" dirty="0"/>
+              <a:t>curl</a:t>
+            </a:r>
+            <a:r>
+              <a:rPr lang="zh-CN" altLang="en-US" sz="2400" dirty="0"/>
+              <a:t>，</a:t>
+            </a:r>
+            <a:r>
+              <a:rPr lang="en-US" altLang="zh-CN" sz="2400" dirty="0"/>
+              <a:t>nghttp2</a:t>
+            </a:r>
+            <a:r>
+              <a:rPr lang="zh-CN" altLang="en-US" sz="2400" dirty="0"/>
+              <a:t>，</a:t>
+            </a:r>
+            <a:r>
+              <a:rPr lang="en-US" altLang="zh-CN" sz="2400" dirty="0" err="1"/>
+              <a:t>zlib</a:t>
+            </a:r>
+            <a:r>
+              <a:rPr lang="zh-CN" altLang="en-US" sz="2400" dirty="0"/>
+              <a:t>进行静态编译。</a:t>
+            </a:r>
+            <a:endParaRPr lang="en-US" altLang="zh-CN" sz="2000" dirty="0"/>
+          </a:p>
+          <a:p>
+            <a:pPr marL="457200" lvl="1" indent="0">
+              <a:buNone/>
+            </a:pPr>
+            <a:endParaRPr lang="en-US" altLang="zh-CN" dirty="0"/>
+          </a:p>
+          <a:p>
+            <a:endParaRPr lang="en-US" altLang="zh-CN" sz="2400" dirty="0"/>
+          </a:p>
+        </p:txBody>
+      </p:sp>
+    </p:spTree>
+    <p:extLst>
+      <p:ext uri="{BB962C8B-B14F-4D97-AF65-F5344CB8AC3E}">
+        <p14:creationId xmlns:p14="http://schemas.microsoft.com/office/powerpoint/2010/main" val="1032567065"/>
+      </p:ext>
+    </p:extLst>
+  </p:cSld>
+  <p:clrMapOvr>
+    <a:masterClrMapping/>
+  </p:clrMapOvr>
+</p:sld>
+</file>
+
+<file path=ppt/slides/slide21.xml><?xml version="1.0" encoding="utf-8"?>
+<p:sld xmlns:a="http://schemas.openxmlformats.org/drawingml/2006/main" xmlns:r="http://schemas.openxmlformats.org/officeDocument/2006/relationships" xmlns:p="http://schemas.openxmlformats.org/presentationml/2006/main">
+  <p:cSld>
+    <p:spTree>
+      <p:nvGrpSpPr>
+        <p:cNvPr id="1" name=""/>
+        <p:cNvGrpSpPr/>
+        <p:nvPr/>
+      </p:nvGrpSpPr>
+      <p:grpSpPr>
+        <a:xfrm>
+          <a:off x="0" y="0"/>
+          <a:ext cx="0" cy="0"/>
+          <a:chOff x="0" y="0"/>
+          <a:chExt cx="0" cy="0"/>
+        </a:xfrm>
+      </p:grpSpPr>
+      <p:sp>
+        <p:nvSpPr>
+          <p:cNvPr id="4" name="标题 3">
+            <a:extLst>
+              <a:ext uri="{FF2B5EF4-FFF2-40B4-BE49-F238E27FC236}">
+                <a16:creationId xmlns:a16="http://schemas.microsoft.com/office/drawing/2014/main" id="{2729939D-814A-4BD2-9922-3F8EA865938B}"/>
+              </a:ext>
+            </a:extLst>
+          </p:cNvPr>
+          <p:cNvSpPr>
+            <a:spLocks noGrp="1"/>
+          </p:cNvSpPr>
+          <p:nvPr>
+            <p:ph type="title"/>
+          </p:nvPr>
+        </p:nvSpPr>
+        <p:spPr>
+          <a:xfrm>
+            <a:off x="838200" y="683581"/>
+            <a:ext cx="10515600" cy="736846"/>
+          </a:xfrm>
+        </p:spPr>
+        <p:txBody>
+          <a:bodyPr/>
+          <a:lstStyle/>
+          <a:p>
+            <a:r>
+              <a:rPr lang="zh-CN" altLang="en-US" dirty="0"/>
+              <a:t>开启静态编译</a:t>
+            </a:r>
+          </a:p>
+        </p:txBody>
+      </p:sp>
+      <p:sp>
+        <p:nvSpPr>
+          <p:cNvPr id="5" name="内容占位符 4">
+            <a:extLst>
+              <a:ext uri="{FF2B5EF4-FFF2-40B4-BE49-F238E27FC236}">
+                <a16:creationId xmlns:a16="http://schemas.microsoft.com/office/drawing/2014/main" id="{19253A6A-8958-4C89-A4FE-863B33442CE7}"/>
+              </a:ext>
+            </a:extLst>
+          </p:cNvPr>
+          <p:cNvSpPr>
+            <a:spLocks noGrp="1"/>
+          </p:cNvSpPr>
+          <p:nvPr>
+            <p:ph idx="1"/>
+          </p:nvPr>
+        </p:nvSpPr>
+        <p:spPr/>
+        <p:txBody>
+          <a:bodyPr>
+            <a:normAutofit/>
+          </a:bodyPr>
+          <a:lstStyle/>
+          <a:p>
+            <a:r>
+              <a:rPr lang="zh-CN" altLang="en-US" sz="2400" dirty="0"/>
+              <a:t>解压三个库的压缩包。切换到不同的库目录，分别运行：</a:t>
+            </a:r>
+            <a:endParaRPr lang="en-US" altLang="zh-CN" sz="1800" dirty="0"/>
+          </a:p>
+          <a:p>
+            <a:pPr marL="457200" lvl="1" indent="0">
+              <a:buNone/>
+            </a:pPr>
+            <a:r>
+              <a:rPr lang="en-US" altLang="zh-CN" sz="2000" dirty="0"/>
+              <a:t>nghttp2</a:t>
+            </a:r>
+            <a:r>
+              <a:rPr lang="zh-CN" altLang="en-US" sz="2000" dirty="0"/>
+              <a:t>目录：</a:t>
+            </a:r>
+            <a:endParaRPr lang="en-US" altLang="zh-CN" sz="2000" dirty="0"/>
+          </a:p>
+          <a:p>
+            <a:pPr marL="914400" lvl="2" indent="0">
+              <a:buNone/>
+            </a:pPr>
+            <a:r>
+              <a:rPr lang="en-US" altLang="zh-CN" sz="1800" dirty="0"/>
+              <a:t>./configure –prefix=/</a:t>
+            </a:r>
+            <a:r>
+              <a:rPr lang="en-US" altLang="zh-CN" sz="1800" dirty="0" err="1"/>
+              <a:t>webrun</a:t>
+            </a:r>
+            <a:r>
+              <a:rPr lang="en-US" altLang="zh-CN" sz="1800" dirty="0"/>
+              <a:t>/lib/nghttp2 –enable-static</a:t>
+            </a:r>
+          </a:p>
+          <a:p>
+            <a:pPr marL="914400" lvl="2" indent="0">
+              <a:buNone/>
+            </a:pPr>
+            <a:r>
+              <a:rPr lang="en-US" altLang="zh-CN" sz="1800" dirty="0" err="1"/>
+              <a:t>sudo</a:t>
+            </a:r>
+            <a:r>
+              <a:rPr lang="en-US" altLang="zh-CN" sz="1800" dirty="0"/>
+              <a:t> make install</a:t>
+            </a:r>
+          </a:p>
+          <a:p>
+            <a:pPr marL="914400" lvl="2" indent="0">
+              <a:buNone/>
+            </a:pPr>
+            <a:endParaRPr lang="en-US" altLang="zh-CN" sz="1800" dirty="0"/>
+          </a:p>
+          <a:p>
+            <a:pPr marL="457200" lvl="1" indent="0">
+              <a:buNone/>
+            </a:pPr>
+            <a:r>
+              <a:rPr lang="en-US" altLang="zh-CN" sz="2000" dirty="0" err="1"/>
+              <a:t>zlib</a:t>
+            </a:r>
+            <a:r>
+              <a:rPr lang="zh-CN" altLang="en-US" sz="2000" dirty="0"/>
+              <a:t>目录：</a:t>
+            </a:r>
+            <a:endParaRPr lang="en-US" altLang="zh-CN" sz="2000" dirty="0"/>
+          </a:p>
+          <a:p>
+            <a:pPr marL="914400" lvl="2" indent="0">
+              <a:buNone/>
+            </a:pPr>
+            <a:r>
+              <a:rPr lang="en-US" altLang="zh-CN" sz="1800" dirty="0"/>
+              <a:t>./configure  --prefix=/</a:t>
+            </a:r>
+            <a:r>
+              <a:rPr lang="en-US" altLang="zh-CN" sz="1800" dirty="0" err="1"/>
+              <a:t>webrun</a:t>
+            </a:r>
+            <a:r>
+              <a:rPr lang="en-US" altLang="zh-CN" sz="1800" dirty="0"/>
+              <a:t>/lib/</a:t>
+            </a:r>
+            <a:r>
+              <a:rPr lang="en-US" altLang="zh-CN" sz="1800" dirty="0" err="1"/>
+              <a:t>zlib</a:t>
+            </a:r>
+            <a:r>
+              <a:rPr lang="en-US" altLang="zh-CN" sz="1800" dirty="0"/>
+              <a:t>  --static</a:t>
+            </a:r>
+          </a:p>
+          <a:p>
+            <a:pPr marL="914400" lvl="2" indent="0">
+              <a:buNone/>
+            </a:pPr>
+            <a:r>
+              <a:rPr lang="en-US" altLang="zh-CN" sz="1800" dirty="0" err="1"/>
+              <a:t>sudo</a:t>
+            </a:r>
+            <a:r>
+              <a:rPr lang="en-US" altLang="zh-CN" sz="1800" dirty="0"/>
+              <a:t> make install</a:t>
+            </a:r>
+          </a:p>
+          <a:p>
+            <a:endParaRPr lang="en-US" altLang="zh-CN" sz="2400" dirty="0"/>
+          </a:p>
+          <a:p>
+            <a:endParaRPr lang="en-US" altLang="zh-CN" sz="2400" dirty="0"/>
+          </a:p>
+          <a:p>
+            <a:endParaRPr lang="en-US" altLang="zh-CN" sz="2400" dirty="0"/>
+          </a:p>
+          <a:p>
+            <a:endParaRPr lang="en-US" altLang="zh-CN" sz="2000" dirty="0"/>
+          </a:p>
+          <a:p>
+            <a:pPr marL="457200" lvl="1" indent="0">
+              <a:buNone/>
+            </a:pPr>
+            <a:endParaRPr lang="zh-CN" altLang="en-US" dirty="0"/>
+          </a:p>
+        </p:txBody>
+      </p:sp>
+    </p:spTree>
+    <p:extLst>
+      <p:ext uri="{BB962C8B-B14F-4D97-AF65-F5344CB8AC3E}">
+        <p14:creationId xmlns:p14="http://schemas.microsoft.com/office/powerpoint/2010/main" val="3920907936"/>
+      </p:ext>
+    </p:extLst>
+  </p:cSld>
+  <p:clrMapOvr>
+    <a:masterClrMapping/>
+  </p:clrMapOvr>
+</p:sld>
+</file>
+
+<file path=ppt/slides/slide22.xml><?xml version="1.0" encoding="utf-8"?>
+<p:sld xmlns:a="http://schemas.openxmlformats.org/drawingml/2006/main" xmlns:r="http://schemas.openxmlformats.org/officeDocument/2006/relationships" xmlns:p="http://schemas.openxmlformats.org/presentationml/2006/main">
+  <p:cSld>
+    <p:spTree>
+      <p:nvGrpSpPr>
+        <p:cNvPr id="1" name=""/>
+        <p:cNvGrpSpPr/>
+        <p:nvPr/>
+      </p:nvGrpSpPr>
+      <p:grpSpPr>
+        <a:xfrm>
+          <a:off x="0" y="0"/>
+          <a:ext cx="0" cy="0"/>
+          <a:chOff x="0" y="0"/>
+          <a:chExt cx="0" cy="0"/>
+        </a:xfrm>
+      </p:grpSpPr>
+      <p:sp>
+        <p:nvSpPr>
+          <p:cNvPr id="4" name="标题 3">
+            <a:extLst>
+              <a:ext uri="{FF2B5EF4-FFF2-40B4-BE49-F238E27FC236}">
+                <a16:creationId xmlns:a16="http://schemas.microsoft.com/office/drawing/2014/main" id="{2729939D-814A-4BD2-9922-3F8EA865938B}"/>
+              </a:ext>
+            </a:extLst>
+          </p:cNvPr>
+          <p:cNvSpPr>
+            <a:spLocks noGrp="1"/>
+          </p:cNvSpPr>
+          <p:nvPr>
+            <p:ph type="title"/>
+          </p:nvPr>
+        </p:nvSpPr>
+        <p:spPr>
+          <a:xfrm>
+            <a:off x="838200" y="683581"/>
+            <a:ext cx="10515600" cy="736846"/>
+          </a:xfrm>
+        </p:spPr>
+        <p:txBody>
+          <a:bodyPr/>
+          <a:lstStyle/>
+          <a:p>
+            <a:r>
+              <a:rPr lang="en-US" altLang="zh-CN" dirty="0"/>
+              <a:t>curl</a:t>
+            </a:r>
+            <a:r>
+              <a:rPr lang="zh-CN" altLang="en-US" dirty="0"/>
+              <a:t>库开启静态编译</a:t>
+            </a:r>
+          </a:p>
+        </p:txBody>
+      </p:sp>
+      <p:sp>
+        <p:nvSpPr>
+          <p:cNvPr id="5" name="内容占位符 4">
+            <a:extLst>
+              <a:ext uri="{FF2B5EF4-FFF2-40B4-BE49-F238E27FC236}">
+                <a16:creationId xmlns:a16="http://schemas.microsoft.com/office/drawing/2014/main" id="{19253A6A-8958-4C89-A4FE-863B33442CE7}"/>
+              </a:ext>
+            </a:extLst>
+          </p:cNvPr>
+          <p:cNvSpPr>
+            <a:spLocks noGrp="1"/>
+          </p:cNvSpPr>
+          <p:nvPr>
+            <p:ph idx="1"/>
+          </p:nvPr>
+        </p:nvSpPr>
+        <p:spPr/>
+        <p:txBody>
+          <a:bodyPr>
+            <a:normAutofit/>
+          </a:bodyPr>
+          <a:lstStyle/>
+          <a:p>
+            <a:r>
+              <a:rPr lang="zh-CN" altLang="en-US" sz="2400" dirty="0"/>
+              <a:t>解压</a:t>
+            </a:r>
+            <a:r>
+              <a:rPr lang="en-US" altLang="zh-CN" sz="2400" dirty="0"/>
+              <a:t>curl</a:t>
+            </a:r>
+            <a:r>
+              <a:rPr lang="zh-CN" altLang="en-US" sz="2400" dirty="0"/>
+              <a:t>库，切换到</a:t>
+            </a:r>
+            <a:r>
+              <a:rPr lang="en-US" altLang="zh-CN" sz="2400" dirty="0"/>
+              <a:t>curl</a:t>
+            </a:r>
+            <a:r>
+              <a:rPr lang="zh-CN" altLang="en-US" sz="2400" dirty="0"/>
+              <a:t>库目录，运行以下命令：</a:t>
+            </a:r>
+            <a:endParaRPr lang="en-US" altLang="zh-CN" sz="2400" dirty="0"/>
+          </a:p>
+          <a:p>
+            <a:pPr marL="457200" lvl="1" indent="0">
+              <a:buNone/>
+            </a:pPr>
+            <a:r>
+              <a:rPr lang="en-US" altLang="zh-CN" sz="2000" dirty="0"/>
+              <a:t>./configure  --prefix=/</a:t>
+            </a:r>
+            <a:r>
+              <a:rPr lang="en-US" altLang="zh-CN" sz="2000" dirty="0" err="1"/>
+              <a:t>webrun</a:t>
+            </a:r>
+            <a:r>
+              <a:rPr lang="en-US" altLang="zh-CN" sz="2000" dirty="0"/>
+              <a:t>/lib/curl </a:t>
+            </a:r>
+          </a:p>
+          <a:p>
+            <a:pPr marL="457200" lvl="1" indent="0">
+              <a:buNone/>
+            </a:pPr>
+            <a:r>
+              <a:rPr lang="en-US" altLang="zh-CN" sz="2000" dirty="0"/>
+              <a:t>--enable-cookies  --enable-crypto-</a:t>
+            </a:r>
+            <a:r>
+              <a:rPr lang="en-US" altLang="zh-CN" sz="2000" dirty="0" err="1"/>
+              <a:t>auth</a:t>
+            </a:r>
+            <a:r>
+              <a:rPr lang="en-US" altLang="zh-CN" sz="2000" dirty="0"/>
+              <a:t>  --enable-ftp --enable-ipv6 </a:t>
+            </a:r>
+          </a:p>
+          <a:p>
+            <a:pPr marL="457200" lvl="1" indent="0">
+              <a:buNone/>
+            </a:pPr>
+            <a:r>
+              <a:rPr lang="en-US" altLang="zh-CN" sz="2000" dirty="0"/>
+              <a:t>--enable-http  --enable-pop3  --enable-proxy --enable-smtp  </a:t>
+            </a:r>
+          </a:p>
+          <a:p>
+            <a:pPr marL="457200" lvl="1" indent="0">
+              <a:buNone/>
+            </a:pPr>
+            <a:r>
+              <a:rPr lang="en-US" altLang="zh-CN" sz="2000" dirty="0"/>
+              <a:t>--enable-telnet --enable-</a:t>
+            </a:r>
+            <a:r>
+              <a:rPr lang="en-US" altLang="zh-CN" sz="2000" dirty="0" err="1"/>
+              <a:t>tftp</a:t>
+            </a:r>
+            <a:r>
+              <a:rPr lang="en-US" altLang="zh-CN" sz="2000" dirty="0"/>
+              <a:t> --enable-</a:t>
+            </a:r>
+            <a:r>
+              <a:rPr lang="en-US" altLang="zh-CN" sz="2000" dirty="0" err="1"/>
+              <a:t>tls</a:t>
+            </a:r>
+            <a:r>
+              <a:rPr lang="en-US" altLang="zh-CN" sz="2000" dirty="0"/>
+              <a:t>-</a:t>
+            </a:r>
+            <a:r>
+              <a:rPr lang="en-US" altLang="zh-CN" sz="2000" dirty="0" err="1"/>
+              <a:t>srp</a:t>
+            </a:r>
+            <a:r>
+              <a:rPr lang="en-US" altLang="zh-CN" sz="2000" dirty="0"/>
+              <a:t>  --enable-</a:t>
+            </a:r>
+            <a:r>
+              <a:rPr lang="en-US" altLang="zh-CN" sz="2000" dirty="0" err="1"/>
+              <a:t>unix</a:t>
+            </a:r>
+            <a:r>
+              <a:rPr lang="en-US" altLang="zh-CN" sz="2000" dirty="0"/>
+              <a:t>-sockets </a:t>
+            </a:r>
+          </a:p>
+          <a:p>
+            <a:pPr marL="457200" lvl="1" indent="0">
+              <a:buNone/>
+            </a:pPr>
+            <a:r>
+              <a:rPr lang="en-US" altLang="zh-CN" sz="2000" dirty="0"/>
+              <a:t>--enable-</a:t>
+            </a:r>
+            <a:r>
+              <a:rPr lang="en-US" altLang="zh-CN" sz="2000" dirty="0" err="1"/>
+              <a:t>imap</a:t>
+            </a:r>
+            <a:r>
+              <a:rPr lang="en-US" altLang="zh-CN" sz="2000" dirty="0"/>
+              <a:t>  --with-nghttp2=/</a:t>
+            </a:r>
+            <a:r>
+              <a:rPr lang="en-US" altLang="zh-CN" sz="2000" dirty="0" err="1"/>
+              <a:t>webrun</a:t>
+            </a:r>
+            <a:r>
+              <a:rPr lang="en-US" altLang="zh-CN" sz="2000" dirty="0"/>
+              <a:t>/lib/nghttp2  </a:t>
+            </a:r>
+          </a:p>
+          <a:p>
+            <a:pPr marL="457200" lvl="1" indent="0">
+              <a:buNone/>
+            </a:pPr>
+            <a:r>
+              <a:rPr lang="en-US" altLang="zh-CN" sz="2000" dirty="0"/>
+              <a:t>--with-</a:t>
+            </a:r>
+            <a:r>
+              <a:rPr lang="en-US" altLang="zh-CN" sz="2000" dirty="0" err="1"/>
+              <a:t>zlib</a:t>
+            </a:r>
+            <a:r>
+              <a:rPr lang="en-US" altLang="zh-CN" sz="2000" dirty="0"/>
+              <a:t>=/</a:t>
+            </a:r>
+            <a:r>
+              <a:rPr lang="en-US" altLang="zh-CN" sz="2000" dirty="0" err="1"/>
+              <a:t>webrun</a:t>
+            </a:r>
+            <a:r>
+              <a:rPr lang="en-US" altLang="zh-CN" sz="2000" dirty="0"/>
+              <a:t>/lib/</a:t>
+            </a:r>
+            <a:r>
+              <a:rPr lang="en-US" altLang="zh-CN" sz="2000" dirty="0" err="1"/>
+              <a:t>zlib</a:t>
+            </a:r>
+            <a:r>
+              <a:rPr lang="en-US" altLang="zh-CN" sz="2000" dirty="0"/>
+              <a:t>  --with-</a:t>
+            </a:r>
+            <a:r>
+              <a:rPr lang="en-US" altLang="zh-CN" sz="2000" dirty="0" err="1"/>
+              <a:t>ssl</a:t>
+            </a:r>
+            <a:r>
+              <a:rPr lang="en-US" altLang="zh-CN" sz="2000" dirty="0"/>
+              <a:t>=/</a:t>
+            </a:r>
+            <a:r>
+              <a:rPr lang="en-US" altLang="zh-CN" sz="2000" dirty="0" err="1"/>
+              <a:t>webrun</a:t>
+            </a:r>
+            <a:r>
+              <a:rPr lang="en-US" altLang="zh-CN" sz="2000" dirty="0"/>
+              <a:t>/lib/</a:t>
+            </a:r>
+            <a:r>
+              <a:rPr lang="en-US" altLang="zh-CN" sz="2000" dirty="0" err="1"/>
+              <a:t>openssl</a:t>
+            </a:r>
+            <a:r>
+              <a:rPr lang="en-US" altLang="zh-CN" sz="2000" dirty="0"/>
+              <a:t>  </a:t>
+            </a:r>
+          </a:p>
+          <a:p>
+            <a:pPr marL="457200" lvl="1" indent="0">
+              <a:buNone/>
+            </a:pPr>
+            <a:r>
+              <a:rPr lang="en-US" altLang="zh-CN" sz="2000" dirty="0">
+                <a:solidFill>
+                  <a:srgbClr val="C00000"/>
+                </a:solidFill>
+              </a:rPr>
+              <a:t>--enable-static</a:t>
+            </a:r>
+          </a:p>
+          <a:p>
+            <a:pPr marL="457200" lvl="1" indent="0">
+              <a:buNone/>
+            </a:pPr>
+            <a:endParaRPr lang="en-US" altLang="zh-CN" sz="2000" dirty="0"/>
+          </a:p>
+          <a:p>
+            <a:pPr marL="457200" lvl="1" indent="0">
+              <a:buNone/>
+            </a:pPr>
+            <a:r>
+              <a:rPr lang="en-US" altLang="zh-CN" sz="2000" dirty="0" err="1"/>
+              <a:t>sudo</a:t>
+            </a:r>
+            <a:r>
+              <a:rPr lang="en-US" altLang="zh-CN" sz="2000" dirty="0"/>
+              <a:t> make install</a:t>
+            </a:r>
+          </a:p>
+          <a:p>
+            <a:pPr marL="0" indent="0">
+              <a:buNone/>
+            </a:pPr>
+            <a:endParaRPr lang="en-US" altLang="zh-CN" sz="2000" dirty="0"/>
+          </a:p>
+          <a:p>
+            <a:pPr marL="457200" lvl="1" indent="0">
+              <a:buNone/>
+            </a:pPr>
+            <a:endParaRPr lang="zh-CN" altLang="en-US" dirty="0"/>
+          </a:p>
+        </p:txBody>
+      </p:sp>
+    </p:spTree>
+    <p:extLst>
+      <p:ext uri="{BB962C8B-B14F-4D97-AF65-F5344CB8AC3E}">
+        <p14:creationId xmlns:p14="http://schemas.microsoft.com/office/powerpoint/2010/main" val="594579895"/>
+      </p:ext>
+    </p:extLst>
+  </p:cSld>
+  <p:clrMapOvr>
+    <a:masterClrMapping/>
+  </p:clrMapOvr>
+</p:sld>
+</file>
+
+<file path=ppt/slides/slide23.xml><?xml version="1.0" encoding="utf-8"?>
+<p:sld xmlns:a="http://schemas.openxmlformats.org/drawingml/2006/main" xmlns:r="http://schemas.openxmlformats.org/officeDocument/2006/relationships" xmlns:p="http://schemas.openxmlformats.org/presentationml/2006/main">
+  <p:cSld>
+    <p:spTree>
+      <p:nvGrpSpPr>
+        <p:cNvPr id="1" name=""/>
+        <p:cNvGrpSpPr/>
+        <p:nvPr/>
+      </p:nvGrpSpPr>
+      <p:grpSpPr>
+        <a:xfrm>
+          <a:off x="0" y="0"/>
+          <a:ext cx="0" cy="0"/>
+          <a:chOff x="0" y="0"/>
+          <a:chExt cx="0" cy="0"/>
+        </a:xfrm>
+      </p:grpSpPr>
+      <p:sp>
+        <p:nvSpPr>
+          <p:cNvPr id="4" name="标题 3">
+            <a:extLst>
+              <a:ext uri="{FF2B5EF4-FFF2-40B4-BE49-F238E27FC236}">
+                <a16:creationId xmlns:a16="http://schemas.microsoft.com/office/drawing/2014/main" id="{2729939D-814A-4BD2-9922-3F8EA865938B}"/>
+              </a:ext>
+            </a:extLst>
+          </p:cNvPr>
+          <p:cNvSpPr>
+            <a:spLocks noGrp="1"/>
+          </p:cNvSpPr>
+          <p:nvPr>
+            <p:ph type="title"/>
+          </p:nvPr>
+        </p:nvSpPr>
+        <p:spPr>
+          <a:xfrm>
+            <a:off x="838200" y="683581"/>
+            <a:ext cx="10515600" cy="736846"/>
+          </a:xfrm>
+        </p:spPr>
+        <p:txBody>
+          <a:bodyPr/>
+          <a:lstStyle/>
+          <a:p>
+            <a:r>
+              <a:rPr lang="en-US" altLang="zh-CN" dirty="0"/>
+              <a:t>PHP</a:t>
+            </a:r>
+            <a:r>
+              <a:rPr lang="zh-CN" altLang="en-US" dirty="0"/>
+              <a:t>加入静态编译选项</a:t>
+            </a:r>
+          </a:p>
+        </p:txBody>
+      </p:sp>
+      <p:sp>
+        <p:nvSpPr>
+          <p:cNvPr id="5" name="内容占位符 4">
+            <a:extLst>
+              <a:ext uri="{FF2B5EF4-FFF2-40B4-BE49-F238E27FC236}">
+                <a16:creationId xmlns:a16="http://schemas.microsoft.com/office/drawing/2014/main" id="{19253A6A-8958-4C89-A4FE-863B33442CE7}"/>
+              </a:ext>
+            </a:extLst>
+          </p:cNvPr>
+          <p:cNvSpPr>
+            <a:spLocks noGrp="1"/>
+          </p:cNvSpPr>
+          <p:nvPr>
+            <p:ph idx="1"/>
+          </p:nvPr>
+        </p:nvSpPr>
+        <p:spPr/>
+        <p:txBody>
+          <a:bodyPr>
+            <a:normAutofit/>
+          </a:bodyPr>
+          <a:lstStyle/>
+          <a:p>
+            <a:r>
+              <a:rPr lang="zh-CN" altLang="en-US" sz="2400" dirty="0"/>
+              <a:t>运行脚本：</a:t>
+            </a:r>
+            <a:endParaRPr lang="en-US" altLang="zh-CN" sz="2400" dirty="0"/>
+          </a:p>
+          <a:p>
+            <a:pPr marL="457200" lvl="1" indent="0">
+              <a:buNone/>
+            </a:pPr>
+            <a:r>
+              <a:rPr lang="en-US" altLang="zh-CN" sz="2000" dirty="0"/>
+              <a:t>./configure  --prefix=/</a:t>
+            </a:r>
+            <a:r>
+              <a:rPr lang="en-US" altLang="zh-CN" sz="2000" dirty="0" err="1"/>
+              <a:t>webrun</a:t>
+            </a:r>
+            <a:r>
+              <a:rPr lang="en-US" altLang="zh-CN" sz="2000" dirty="0"/>
+              <a:t>/php7115  </a:t>
+            </a:r>
+          </a:p>
+          <a:p>
+            <a:pPr marL="457200" lvl="1" indent="0">
+              <a:buNone/>
+            </a:pPr>
+            <a:r>
+              <a:rPr lang="en-US" altLang="zh-CN" sz="2000" dirty="0"/>
+              <a:t>--enable-</a:t>
+            </a:r>
+            <a:r>
+              <a:rPr lang="en-US" altLang="zh-CN" sz="2000" dirty="0" err="1"/>
+              <a:t>bcmath</a:t>
+            </a:r>
+            <a:r>
+              <a:rPr lang="en-US" altLang="zh-CN" sz="2000" dirty="0"/>
+              <a:t>  --enable-calendar  --enable-fpm </a:t>
+            </a:r>
+          </a:p>
+          <a:p>
+            <a:pPr marL="457200" lvl="1" indent="0">
+              <a:buNone/>
+            </a:pPr>
+            <a:r>
+              <a:rPr lang="en-US" altLang="zh-CN" sz="2000" dirty="0"/>
+              <a:t>--enable-ftp  --enable-</a:t>
+            </a:r>
+            <a:r>
+              <a:rPr lang="en-US" altLang="zh-CN" sz="2000" dirty="0" err="1"/>
+              <a:t>mbstring</a:t>
+            </a:r>
+            <a:r>
+              <a:rPr lang="en-US" altLang="zh-CN" sz="2000" dirty="0"/>
+              <a:t>  --enable-</a:t>
+            </a:r>
+            <a:r>
+              <a:rPr lang="en-US" altLang="zh-CN" sz="2000" dirty="0" err="1"/>
+              <a:t>mysqlnd</a:t>
+            </a:r>
+            <a:r>
+              <a:rPr lang="en-US" altLang="zh-CN" sz="2000" dirty="0"/>
+              <a:t>  </a:t>
+            </a:r>
+          </a:p>
+          <a:p>
+            <a:pPr marL="457200" lvl="1" indent="0">
+              <a:buNone/>
+            </a:pPr>
+            <a:r>
+              <a:rPr lang="en-US" altLang="zh-CN" sz="2000" dirty="0"/>
+              <a:t>--enable-</a:t>
+            </a:r>
+            <a:r>
+              <a:rPr lang="en-US" altLang="zh-CN" sz="2000" dirty="0" err="1"/>
+              <a:t>pcntl</a:t>
+            </a:r>
+            <a:r>
+              <a:rPr lang="en-US" altLang="zh-CN" sz="2000" dirty="0"/>
+              <a:t>  --enable-sockets  --enable-</a:t>
+            </a:r>
+            <a:r>
+              <a:rPr lang="en-US" altLang="zh-CN" sz="2000" dirty="0" err="1"/>
+              <a:t>sysvsem</a:t>
+            </a:r>
+            <a:r>
+              <a:rPr lang="en-US" altLang="zh-CN" sz="2000" dirty="0"/>
+              <a:t>  </a:t>
+            </a:r>
+          </a:p>
+          <a:p>
+            <a:pPr marL="457200" lvl="1" indent="0">
+              <a:buNone/>
+            </a:pPr>
+            <a:r>
+              <a:rPr lang="en-US" altLang="zh-CN" sz="2000" dirty="0"/>
+              <a:t>--enable-</a:t>
+            </a:r>
+            <a:r>
+              <a:rPr lang="en-US" altLang="zh-CN" sz="2000" dirty="0" err="1"/>
+              <a:t>sysvshm</a:t>
+            </a:r>
+            <a:r>
+              <a:rPr lang="en-US" altLang="zh-CN" sz="2000" dirty="0"/>
+              <a:t> --enable-</a:t>
+            </a:r>
+            <a:r>
+              <a:rPr lang="en-US" altLang="zh-CN" sz="2000" dirty="0" err="1"/>
+              <a:t>sysvmsg</a:t>
+            </a:r>
+            <a:r>
+              <a:rPr lang="en-US" altLang="zh-CN" sz="2000" dirty="0"/>
+              <a:t>  --enable-zip  </a:t>
+            </a:r>
+          </a:p>
+          <a:p>
+            <a:pPr marL="457200" lvl="1" indent="0">
+              <a:buNone/>
+            </a:pPr>
+            <a:r>
+              <a:rPr lang="en-US" altLang="zh-CN" sz="2000" dirty="0"/>
+              <a:t>--with-curl=/</a:t>
+            </a:r>
+            <a:r>
+              <a:rPr lang="en-US" altLang="zh-CN" sz="2000" dirty="0" err="1"/>
+              <a:t>webrun</a:t>
+            </a:r>
+            <a:r>
+              <a:rPr lang="en-US" altLang="zh-CN" sz="2000" dirty="0"/>
+              <a:t>/lib/curl  --with-</a:t>
+            </a:r>
+            <a:r>
+              <a:rPr lang="en-US" altLang="zh-CN" sz="2000" dirty="0" err="1"/>
+              <a:t>openssl</a:t>
+            </a:r>
+            <a:r>
+              <a:rPr lang="en-US" altLang="zh-CN" sz="2000" dirty="0"/>
+              <a:t>=/</a:t>
+            </a:r>
+            <a:r>
+              <a:rPr lang="en-US" altLang="zh-CN" sz="2000" dirty="0" err="1"/>
+              <a:t>webrun</a:t>
+            </a:r>
+            <a:r>
+              <a:rPr lang="en-US" altLang="zh-CN" sz="2000" dirty="0"/>
+              <a:t>/lib/</a:t>
+            </a:r>
+            <a:r>
+              <a:rPr lang="en-US" altLang="zh-CN" sz="2000" dirty="0" err="1"/>
+              <a:t>openssl</a:t>
+            </a:r>
+            <a:r>
+              <a:rPr lang="en-US" altLang="zh-CN" sz="2000" dirty="0"/>
+              <a:t>  </a:t>
+            </a:r>
+          </a:p>
+          <a:p>
+            <a:pPr marL="457200" lvl="1" indent="0">
+              <a:buNone/>
+            </a:pPr>
+            <a:r>
+              <a:rPr lang="en-US" altLang="zh-CN" sz="2000" dirty="0">
+                <a:solidFill>
+                  <a:srgbClr val="C00000"/>
+                </a:solidFill>
+              </a:rPr>
+              <a:t>--enable-static</a:t>
+            </a:r>
+          </a:p>
+          <a:p>
+            <a:pPr marL="457200" lvl="1" indent="0">
+              <a:buNone/>
+            </a:pPr>
+            <a:endParaRPr lang="en-US" altLang="zh-CN" dirty="0"/>
+          </a:p>
+          <a:p>
+            <a:pPr marL="457200" lvl="1" indent="0">
+              <a:buNone/>
+            </a:pPr>
+            <a:r>
+              <a:rPr lang="en-US" altLang="zh-CN" dirty="0" err="1"/>
+              <a:t>sudo</a:t>
+            </a:r>
+            <a:r>
+              <a:rPr lang="en-US" altLang="zh-CN" dirty="0"/>
+              <a:t> make install</a:t>
+            </a:r>
+          </a:p>
+          <a:p>
+            <a:endParaRPr lang="en-US" altLang="zh-CN" sz="2400" dirty="0"/>
+          </a:p>
+        </p:txBody>
+      </p:sp>
+    </p:spTree>
+    <p:extLst>
+      <p:ext uri="{BB962C8B-B14F-4D97-AF65-F5344CB8AC3E}">
+        <p14:creationId xmlns:p14="http://schemas.microsoft.com/office/powerpoint/2010/main" val="294218477"/>
+      </p:ext>
+    </p:extLst>
+  </p:cSld>
+  <p:clrMapOvr>
+    <a:masterClrMapping/>
+  </p:clrMapOvr>
+</p:sld>
+</file>
+
+<file path=ppt/slides/slide24.xml><?xml version="1.0" encoding="utf-8"?>
+<p:sld xmlns:a="http://schemas.openxmlformats.org/drawingml/2006/main" xmlns:r="http://schemas.openxmlformats.org/officeDocument/2006/relationships" xmlns:p="http://schemas.openxmlformats.org/presentationml/2006/main">
+  <p:cSld>
+    <p:spTree>
+      <p:nvGrpSpPr>
+        <p:cNvPr id="1" name=""/>
+        <p:cNvGrpSpPr/>
+        <p:nvPr/>
+      </p:nvGrpSpPr>
+      <p:grpSpPr>
+        <a:xfrm>
+          <a:off x="0" y="0"/>
+          <a:ext cx="0" cy="0"/>
+          <a:chOff x="0" y="0"/>
+          <a:chExt cx="0" cy="0"/>
+        </a:xfrm>
+      </p:grpSpPr>
+      <p:sp>
+        <p:nvSpPr>
+          <p:cNvPr id="4" name="标题 3">
+            <a:extLst>
+              <a:ext uri="{FF2B5EF4-FFF2-40B4-BE49-F238E27FC236}">
+                <a16:creationId xmlns:a16="http://schemas.microsoft.com/office/drawing/2014/main" id="{2729939D-814A-4BD2-9922-3F8EA865938B}"/>
+              </a:ext>
+            </a:extLst>
+          </p:cNvPr>
+          <p:cNvSpPr>
+            <a:spLocks noGrp="1"/>
+          </p:cNvSpPr>
+          <p:nvPr>
+            <p:ph type="title"/>
+          </p:nvPr>
+        </p:nvSpPr>
+        <p:spPr>
+          <a:xfrm>
+            <a:off x="838200" y="683581"/>
+            <a:ext cx="10515600" cy="736846"/>
+          </a:xfrm>
+        </p:spPr>
+        <p:txBody>
+          <a:bodyPr/>
+          <a:lstStyle/>
+          <a:p>
+            <a:r>
+              <a:rPr lang="zh-CN" altLang="en-US" dirty="0"/>
+              <a:t>编译</a:t>
+            </a:r>
+            <a:r>
+              <a:rPr lang="en-US" altLang="zh-CN" dirty="0"/>
+              <a:t>PHP</a:t>
+            </a:r>
+            <a:r>
+              <a:rPr lang="zh-CN" altLang="en-US" dirty="0"/>
+              <a:t>扩展的过程</a:t>
+            </a:r>
+          </a:p>
+        </p:txBody>
+      </p:sp>
+      <p:sp>
+        <p:nvSpPr>
+          <p:cNvPr id="5" name="内容占位符 4">
+            <a:extLst>
+              <a:ext uri="{FF2B5EF4-FFF2-40B4-BE49-F238E27FC236}">
+                <a16:creationId xmlns:a16="http://schemas.microsoft.com/office/drawing/2014/main" id="{19253A6A-8958-4C89-A4FE-863B33442CE7}"/>
+              </a:ext>
+            </a:extLst>
+          </p:cNvPr>
+          <p:cNvSpPr>
+            <a:spLocks noGrp="1"/>
+          </p:cNvSpPr>
+          <p:nvPr>
+            <p:ph idx="1"/>
+          </p:nvPr>
+        </p:nvSpPr>
+        <p:spPr/>
+        <p:txBody>
+          <a:bodyPr>
+            <a:noAutofit/>
+          </a:bodyPr>
+          <a:lstStyle/>
+          <a:p>
+            <a:r>
+              <a:rPr lang="en-US" altLang="zh-CN" sz="2400" dirty="0"/>
+              <a:t>PHP</a:t>
+            </a:r>
+            <a:r>
+              <a:rPr lang="zh-CN" altLang="en-US" sz="2400" dirty="0"/>
+              <a:t>源代码目录中的</a:t>
+            </a:r>
+            <a:r>
+              <a:rPr lang="en-US" altLang="zh-CN" sz="2400" dirty="0" err="1"/>
+              <a:t>ext</a:t>
+            </a:r>
+            <a:r>
+              <a:rPr lang="zh-CN" altLang="en-US" sz="2400" dirty="0"/>
+              <a:t>下有官方提供的扩展，如果是其他扩展可以去</a:t>
+            </a:r>
+            <a:r>
+              <a:rPr lang="en-US" altLang="zh-CN" sz="2400" dirty="0" err="1"/>
+              <a:t>pecl</a:t>
+            </a:r>
+            <a:r>
+              <a:rPr lang="zh-CN" altLang="en-US" sz="2400" dirty="0"/>
+              <a:t>网站上下载。</a:t>
+            </a:r>
+            <a:endParaRPr lang="en-US" altLang="zh-CN" sz="2400" dirty="0"/>
+          </a:p>
+          <a:p>
+            <a:r>
+              <a:rPr lang="en-US" altLang="zh-CN" sz="2400" dirty="0"/>
+              <a:t>PHP</a:t>
+            </a:r>
+            <a:r>
+              <a:rPr lang="zh-CN" altLang="en-US" sz="2400" dirty="0"/>
+              <a:t>扩展编译的基本流程：</a:t>
+            </a:r>
+            <a:endParaRPr lang="en-US" altLang="zh-CN" sz="2400" dirty="0"/>
+          </a:p>
+          <a:p>
+            <a:pPr marL="457200" lvl="1" indent="0">
+              <a:buNone/>
+            </a:pPr>
+            <a:r>
+              <a:rPr lang="en-US" altLang="zh-CN" sz="2000" dirty="0"/>
+              <a:t>PHP_INSTALL_DIR/bin/</a:t>
+            </a:r>
+            <a:r>
+              <a:rPr lang="en-US" altLang="zh-CN" sz="2000" dirty="0" err="1"/>
+              <a:t>phpize</a:t>
+            </a:r>
+            <a:r>
+              <a:rPr lang="en-US" altLang="zh-CN" sz="2000" dirty="0"/>
+              <a:t>  //</a:t>
+            </a:r>
+            <a:r>
+              <a:rPr lang="zh-CN" altLang="en-US" sz="2000" dirty="0"/>
+              <a:t>生成</a:t>
+            </a:r>
+            <a:r>
+              <a:rPr lang="en-US" altLang="zh-CN" sz="2000" dirty="0"/>
+              <a:t>configure</a:t>
+            </a:r>
+            <a:r>
+              <a:rPr lang="zh-CN" altLang="en-US" sz="2000" dirty="0"/>
+              <a:t>文件</a:t>
+            </a:r>
+            <a:endParaRPr lang="en-US" altLang="zh-CN" sz="2000" dirty="0"/>
+          </a:p>
+          <a:p>
+            <a:pPr marL="457200" lvl="1" indent="0">
+              <a:buNone/>
+            </a:pPr>
+            <a:r>
+              <a:rPr lang="en-US" altLang="zh-CN" sz="1800" i="1" dirty="0"/>
+              <a:t>/</a:t>
+            </a:r>
+            <a:r>
+              <a:rPr lang="zh-CN" altLang="en-US" sz="1800" i="1" dirty="0"/>
+              <a:t>*环境检测，并生成</a:t>
+            </a:r>
+            <a:r>
+              <a:rPr lang="en-US" altLang="zh-CN" sz="1800" i="1" dirty="0" err="1"/>
+              <a:t>Makefile</a:t>
+            </a:r>
+            <a:r>
+              <a:rPr lang="zh-CN" altLang="en-US" sz="1800" i="1" dirty="0"/>
+              <a:t>文件，后面的参数会根据</a:t>
+            </a:r>
+            <a:r>
+              <a:rPr lang="en-US" altLang="zh-CN" sz="1800" i="1" dirty="0" err="1"/>
+              <a:t>php</a:t>
+            </a:r>
+            <a:r>
+              <a:rPr lang="en-US" altLang="zh-CN" sz="1800" i="1" dirty="0"/>
+              <a:t>-config</a:t>
+            </a:r>
+            <a:r>
+              <a:rPr lang="zh-CN" altLang="en-US" sz="1800" i="1" dirty="0"/>
+              <a:t>确定编译环境，安装目录等信息。运行</a:t>
+            </a:r>
+            <a:r>
+              <a:rPr lang="en-US" altLang="zh-CN" sz="1800" i="1" dirty="0"/>
+              <a:t>configure</a:t>
+            </a:r>
+            <a:r>
+              <a:rPr lang="zh-CN" altLang="en-US" sz="1800" i="1" dirty="0"/>
+              <a:t>根据不同扩展还需要其他参数，需要根据具体扩展决定。*</a:t>
+            </a:r>
+            <a:r>
+              <a:rPr lang="en-US" altLang="zh-CN" sz="1800" i="1" dirty="0"/>
+              <a:t>/</a:t>
+            </a:r>
+          </a:p>
+          <a:p>
+            <a:pPr marL="457200" lvl="1" indent="0">
+              <a:buNone/>
+            </a:pPr>
+            <a:endParaRPr lang="en-US" altLang="zh-CN" sz="2000" dirty="0"/>
+          </a:p>
+          <a:p>
+            <a:pPr marL="457200" lvl="1" indent="0">
+              <a:buNone/>
+            </a:pPr>
+            <a:r>
+              <a:rPr lang="en-US" altLang="zh-CN" sz="2000" dirty="0"/>
+              <a:t>./configure –with-</a:t>
+            </a:r>
+            <a:r>
+              <a:rPr lang="en-US" altLang="zh-CN" sz="2000" dirty="0" err="1"/>
+              <a:t>php</a:t>
+            </a:r>
+            <a:r>
+              <a:rPr lang="en-US" altLang="zh-CN" sz="2000" dirty="0"/>
+              <a:t>-config=PHP_INSTALL_DIR/bin/</a:t>
+            </a:r>
+            <a:r>
+              <a:rPr lang="en-US" altLang="zh-CN" sz="2000" dirty="0" err="1"/>
+              <a:t>php</a:t>
+            </a:r>
+            <a:r>
+              <a:rPr lang="en-US" altLang="zh-CN" sz="2000" dirty="0"/>
+              <a:t>-config</a:t>
+            </a:r>
+          </a:p>
+          <a:p>
+            <a:pPr marL="457200" lvl="1" indent="0">
+              <a:buNone/>
+            </a:pPr>
+            <a:r>
+              <a:rPr lang="en-US" altLang="zh-CN" sz="2000" dirty="0"/>
+              <a:t>make //</a:t>
+            </a:r>
+            <a:r>
+              <a:rPr lang="zh-CN" altLang="en-US" sz="2000" dirty="0"/>
+              <a:t>编译</a:t>
+            </a:r>
+            <a:endParaRPr lang="en-US" altLang="zh-CN" sz="2000" dirty="0"/>
+          </a:p>
+          <a:p>
+            <a:pPr marL="457200" lvl="1" indent="0">
+              <a:buNone/>
+            </a:pPr>
+            <a:r>
+              <a:rPr lang="en-US" altLang="zh-CN" sz="2000" dirty="0" err="1"/>
+              <a:t>sudo</a:t>
+            </a:r>
+            <a:r>
+              <a:rPr lang="en-US" altLang="zh-CN" sz="2000" dirty="0"/>
+              <a:t>  make  install  //</a:t>
+            </a:r>
+            <a:r>
+              <a:rPr lang="zh-CN" altLang="en-US" sz="2000" dirty="0"/>
+              <a:t>安装扩展</a:t>
+            </a:r>
+            <a:endParaRPr lang="en-US" altLang="zh-CN" sz="2000" dirty="0"/>
+          </a:p>
+          <a:p>
+            <a:pPr marL="457200" lvl="1" indent="0">
+              <a:buNone/>
+            </a:pPr>
+            <a:endParaRPr lang="en-US" altLang="zh-CN" sz="2000" dirty="0"/>
+          </a:p>
+          <a:p>
+            <a:pPr marL="457200" lvl="1" indent="0">
+              <a:buNone/>
+            </a:pPr>
+            <a:r>
+              <a:rPr lang="en-US" altLang="zh-CN" sz="1800" i="1" dirty="0"/>
+              <a:t>/</a:t>
+            </a:r>
+            <a:r>
+              <a:rPr lang="zh-CN" altLang="en-US" sz="1800" i="1" dirty="0"/>
+              <a:t>*安装扩展其实就是把</a:t>
+            </a:r>
+            <a:r>
+              <a:rPr lang="en-US" altLang="zh-CN" sz="1800" i="1" dirty="0"/>
+              <a:t>modules/</a:t>
+            </a:r>
+            <a:r>
+              <a:rPr lang="zh-CN" altLang="en-US" sz="1800" i="1" dirty="0"/>
+              <a:t>下的</a:t>
+            </a:r>
+            <a:r>
+              <a:rPr lang="en-US" altLang="zh-CN" sz="1800" i="1" dirty="0"/>
+              <a:t>.so</a:t>
+            </a:r>
+            <a:r>
+              <a:rPr lang="zh-CN" altLang="en-US" sz="1800" i="1" dirty="0"/>
+              <a:t>文件复制到</a:t>
+            </a:r>
+            <a:r>
+              <a:rPr lang="en-US" altLang="zh-CN" sz="1800" i="1" dirty="0"/>
+              <a:t>PHP</a:t>
+            </a:r>
+            <a:r>
+              <a:rPr lang="zh-CN" altLang="en-US" sz="1800" i="1" dirty="0"/>
+              <a:t>的扩展目录下，由于</a:t>
+            </a:r>
+            <a:r>
+              <a:rPr lang="en-US" altLang="zh-CN" sz="1800" i="1" dirty="0"/>
+              <a:t>configure</a:t>
+            </a:r>
+            <a:r>
+              <a:rPr lang="zh-CN" altLang="en-US" sz="1800" i="1" dirty="0"/>
+              <a:t>已经从</a:t>
+            </a:r>
+            <a:r>
+              <a:rPr lang="en-US" altLang="zh-CN" sz="1800" i="1" dirty="0" err="1"/>
+              <a:t>php</a:t>
+            </a:r>
+            <a:r>
+              <a:rPr lang="en-US" altLang="zh-CN" sz="1800" i="1" dirty="0"/>
+              <a:t>-config</a:t>
+            </a:r>
+            <a:r>
+              <a:rPr lang="zh-CN" altLang="en-US" sz="1800" i="1" dirty="0"/>
+              <a:t>确定了扩展目录并写入到了</a:t>
+            </a:r>
+            <a:r>
+              <a:rPr lang="en-US" altLang="zh-CN" sz="1800" i="1" dirty="0" err="1"/>
+              <a:t>Makefile</a:t>
+            </a:r>
+            <a:r>
+              <a:rPr lang="zh-CN" altLang="en-US" sz="1800" i="1" dirty="0"/>
+              <a:t>文件，所以</a:t>
+            </a:r>
+            <a:r>
+              <a:rPr lang="en-US" altLang="zh-CN" sz="1800" i="1" dirty="0"/>
+              <a:t>make  install</a:t>
+            </a:r>
+            <a:r>
+              <a:rPr lang="zh-CN" altLang="en-US" sz="1800" i="1" dirty="0"/>
+              <a:t>会自动复制过去。这一步直接使用</a:t>
+            </a:r>
+            <a:r>
+              <a:rPr lang="en-US" altLang="zh-CN" sz="1800" i="1" dirty="0" err="1"/>
+              <a:t>cp</a:t>
+            </a:r>
+            <a:r>
+              <a:rPr lang="zh-CN" altLang="en-US" sz="1800" i="1" dirty="0"/>
+              <a:t>命令复制过去也是可以的。</a:t>
+            </a:r>
+            <a:r>
+              <a:rPr lang="en-US" altLang="zh-CN" sz="1800" i="1" dirty="0"/>
+              <a:t>PHP</a:t>
+            </a:r>
+            <a:r>
+              <a:rPr lang="zh-CN" altLang="en-US" sz="1800" i="1" dirty="0"/>
+              <a:t>编译安装后的扩展目录在</a:t>
+            </a:r>
+            <a:r>
+              <a:rPr lang="en-US" altLang="zh-CN" sz="1800" i="1" dirty="0"/>
+              <a:t>PHP_INSTALL_DIR/lib/</a:t>
+            </a:r>
+            <a:r>
+              <a:rPr lang="en-US" altLang="zh-CN" sz="1800" i="1" dirty="0" err="1"/>
+              <a:t>php</a:t>
+            </a:r>
+            <a:r>
+              <a:rPr lang="en-US" altLang="zh-CN" sz="1800" i="1" dirty="0"/>
+              <a:t>/extensions/no-debug-non-zts-20160303</a:t>
+            </a:r>
+            <a:r>
+              <a:rPr lang="zh-CN" altLang="en-US" sz="1800" i="1" dirty="0"/>
+              <a:t>*</a:t>
+            </a:r>
+            <a:r>
+              <a:rPr lang="en-US" altLang="zh-CN" sz="1800" i="1" dirty="0"/>
+              <a:t>/</a:t>
+            </a:r>
+          </a:p>
+        </p:txBody>
+      </p:sp>
+    </p:spTree>
+    <p:extLst>
+      <p:ext uri="{BB962C8B-B14F-4D97-AF65-F5344CB8AC3E}">
+        <p14:creationId xmlns:p14="http://schemas.microsoft.com/office/powerpoint/2010/main" val="2277060672"/>
+      </p:ext>
+    </p:extLst>
+  </p:cSld>
+  <p:clrMapOvr>
+    <a:masterClrMapping/>
+  </p:clrMapOvr>
+</p:sld>
+</file>
+
+<file path=ppt/slides/slide25.xml><?xml version="1.0" encoding="utf-8"?>
+<p:sld xmlns:a="http://schemas.openxmlformats.org/drawingml/2006/main" xmlns:r="http://schemas.openxmlformats.org/officeDocument/2006/relationships" xmlns:p="http://schemas.openxmlformats.org/presentationml/2006/main">
+  <p:cSld>
+    <p:spTree>
+      <p:nvGrpSpPr>
+        <p:cNvPr id="1" name=""/>
+        <p:cNvGrpSpPr/>
+        <p:nvPr/>
+      </p:nvGrpSpPr>
+      <p:grpSpPr>
+        <a:xfrm>
+          <a:off x="0" y="0"/>
+          <a:ext cx="0" cy="0"/>
+          <a:chOff x="0" y="0"/>
+          <a:chExt cx="0" cy="0"/>
+        </a:xfrm>
+      </p:grpSpPr>
+      <p:sp>
+        <p:nvSpPr>
+          <p:cNvPr id="4" name="标题 3">
+            <a:extLst>
+              <a:ext uri="{FF2B5EF4-FFF2-40B4-BE49-F238E27FC236}">
+                <a16:creationId xmlns:a16="http://schemas.microsoft.com/office/drawing/2014/main" id="{2729939D-814A-4BD2-9922-3F8EA865938B}"/>
+              </a:ext>
+            </a:extLst>
+          </p:cNvPr>
+          <p:cNvSpPr>
+            <a:spLocks noGrp="1"/>
+          </p:cNvSpPr>
+          <p:nvPr>
+            <p:ph type="title"/>
+          </p:nvPr>
+        </p:nvSpPr>
+        <p:spPr>
+          <a:xfrm>
+            <a:off x="838200" y="683581"/>
+            <a:ext cx="10515600" cy="736846"/>
+          </a:xfrm>
+        </p:spPr>
+        <p:txBody>
+          <a:bodyPr/>
+          <a:lstStyle/>
+          <a:p>
+            <a:r>
+              <a:rPr lang="zh-CN" altLang="en-US" dirty="0"/>
+              <a:t>编译</a:t>
+            </a:r>
+            <a:r>
+              <a:rPr lang="en-US" altLang="zh-CN" dirty="0"/>
+              <a:t>PHP</a:t>
+            </a:r>
+            <a:r>
+              <a:rPr lang="zh-CN" altLang="en-US" dirty="0"/>
+              <a:t>扩展示例：</a:t>
+            </a:r>
+            <a:r>
+              <a:rPr lang="en-US" altLang="zh-CN" dirty="0" err="1"/>
+              <a:t>pdo_mysql</a:t>
+            </a:r>
+            <a:endParaRPr lang="zh-CN" altLang="en-US" dirty="0"/>
+          </a:p>
+        </p:txBody>
+      </p:sp>
+      <p:sp>
+        <p:nvSpPr>
+          <p:cNvPr id="5" name="内容占位符 4">
+            <a:extLst>
+              <a:ext uri="{FF2B5EF4-FFF2-40B4-BE49-F238E27FC236}">
+                <a16:creationId xmlns:a16="http://schemas.microsoft.com/office/drawing/2014/main" id="{19253A6A-8958-4C89-A4FE-863B33442CE7}"/>
+              </a:ext>
+            </a:extLst>
+          </p:cNvPr>
+          <p:cNvSpPr>
+            <a:spLocks noGrp="1"/>
+          </p:cNvSpPr>
+          <p:nvPr>
+            <p:ph idx="1"/>
+          </p:nvPr>
+        </p:nvSpPr>
+        <p:spPr/>
+        <p:txBody>
+          <a:bodyPr>
+            <a:normAutofit/>
+          </a:bodyPr>
+          <a:lstStyle/>
+          <a:p>
+            <a:r>
+              <a:rPr lang="en-US" altLang="zh-CN" sz="2400" dirty="0"/>
+              <a:t>PHP</a:t>
+            </a:r>
+            <a:r>
+              <a:rPr lang="zh-CN" altLang="en-US" sz="2400" dirty="0"/>
+              <a:t>源代码目录切换到</a:t>
+            </a:r>
+            <a:r>
+              <a:rPr lang="en-US" altLang="zh-CN" sz="2400" dirty="0" err="1"/>
+              <a:t>ext</a:t>
+            </a:r>
+            <a:r>
+              <a:rPr lang="en-US" altLang="zh-CN" sz="2400" dirty="0"/>
+              <a:t>/</a:t>
+            </a:r>
+            <a:r>
+              <a:rPr lang="en-US" altLang="zh-CN" sz="2400" dirty="0" err="1"/>
+              <a:t>pdo_mysql</a:t>
+            </a:r>
+            <a:r>
+              <a:rPr lang="zh-CN" altLang="en-US" sz="2400" dirty="0"/>
+              <a:t>目录，依次运行：</a:t>
+            </a:r>
+            <a:endParaRPr lang="en-US" altLang="zh-CN" sz="2400" dirty="0"/>
+          </a:p>
+          <a:p>
+            <a:pPr marL="457200" lvl="1" indent="0">
+              <a:buNone/>
+            </a:pPr>
+            <a:r>
+              <a:rPr lang="en-US" altLang="zh-CN" sz="2000" i="1" dirty="0"/>
+              <a:t>//</a:t>
+            </a:r>
+            <a:r>
+              <a:rPr lang="zh-CN" altLang="en-US" sz="2000" i="1" dirty="0"/>
+              <a:t>生成</a:t>
+            </a:r>
+            <a:r>
+              <a:rPr lang="en-US" altLang="zh-CN" sz="2000" i="1" dirty="0"/>
+              <a:t>configure</a:t>
+            </a:r>
+            <a:r>
+              <a:rPr lang="zh-CN" altLang="en-US" sz="2000" i="1" dirty="0"/>
+              <a:t>文件</a:t>
+            </a:r>
+            <a:endParaRPr lang="en-US" altLang="zh-CN" sz="2000" i="1" dirty="0"/>
+          </a:p>
+          <a:p>
+            <a:pPr marL="457200" lvl="1" indent="0">
+              <a:buNone/>
+            </a:pPr>
+            <a:r>
+              <a:rPr lang="en-US" altLang="zh-CN" dirty="0"/>
+              <a:t>PHP_INSTALL_DIR/bin/</a:t>
+            </a:r>
+            <a:r>
+              <a:rPr lang="en-US" altLang="zh-CN" dirty="0" err="1"/>
+              <a:t>phpize</a:t>
+            </a:r>
+            <a:endParaRPr lang="en-US" altLang="zh-CN" dirty="0"/>
+          </a:p>
+          <a:p>
+            <a:pPr marL="457200" lvl="1" indent="0">
+              <a:buNone/>
+            </a:pPr>
+            <a:endParaRPr lang="en-US" altLang="zh-CN" dirty="0"/>
+          </a:p>
+          <a:p>
+            <a:pPr marL="457200" lvl="1" indent="0">
+              <a:buNone/>
+            </a:pPr>
+            <a:r>
+              <a:rPr lang="en-US" altLang="zh-CN" dirty="0"/>
+              <a:t>./configure</a:t>
+            </a:r>
+            <a:r>
+              <a:rPr lang="zh-CN" altLang="en-US" dirty="0"/>
+              <a:t> </a:t>
+            </a:r>
+            <a:r>
+              <a:rPr lang="en-US" altLang="zh-CN" dirty="0"/>
+              <a:t>–with-</a:t>
+            </a:r>
+            <a:r>
+              <a:rPr lang="en-US" altLang="zh-CN" dirty="0" err="1"/>
+              <a:t>php</a:t>
+            </a:r>
+            <a:r>
+              <a:rPr lang="en-US" altLang="zh-CN" dirty="0"/>
+              <a:t>-config=PHP_INSTALL_DIR/bin/</a:t>
+            </a:r>
+            <a:r>
+              <a:rPr lang="en-US" altLang="zh-CN" dirty="0" err="1"/>
+              <a:t>php</a:t>
+            </a:r>
+            <a:r>
+              <a:rPr lang="en-US" altLang="zh-CN" dirty="0"/>
+              <a:t>-config</a:t>
+            </a:r>
+          </a:p>
+          <a:p>
+            <a:pPr marL="457200" lvl="1" indent="0">
+              <a:buNone/>
+            </a:pPr>
+            <a:endParaRPr lang="en-US" altLang="zh-CN" dirty="0"/>
+          </a:p>
+          <a:p>
+            <a:pPr marL="457200" lvl="1" indent="0">
+              <a:buNone/>
+            </a:pPr>
+            <a:r>
+              <a:rPr lang="en-US" altLang="zh-CN" sz="2000" i="1" dirty="0"/>
+              <a:t>//</a:t>
+            </a:r>
+            <a:r>
+              <a:rPr lang="zh-CN" altLang="en-US" sz="2000" i="1" dirty="0"/>
+              <a:t>根据</a:t>
+            </a:r>
+            <a:r>
+              <a:rPr lang="en-US" altLang="zh-CN" sz="2000" i="1" dirty="0" err="1"/>
+              <a:t>Makefile</a:t>
+            </a:r>
+            <a:r>
+              <a:rPr lang="zh-CN" altLang="en-US" sz="2000" i="1" dirty="0"/>
+              <a:t>文件进行编译</a:t>
+            </a:r>
+            <a:endParaRPr lang="en-US" altLang="zh-CN" sz="2000" i="1" dirty="0"/>
+          </a:p>
+          <a:p>
+            <a:pPr marL="457200" lvl="1" indent="0">
+              <a:buNone/>
+            </a:pPr>
+            <a:r>
+              <a:rPr lang="en-US" altLang="zh-CN" dirty="0"/>
+              <a:t>make</a:t>
+            </a:r>
+          </a:p>
+          <a:p>
+            <a:pPr marL="457200" lvl="1" indent="0">
+              <a:buNone/>
+            </a:pPr>
+            <a:endParaRPr lang="en-US" altLang="zh-CN" dirty="0"/>
+          </a:p>
+          <a:p>
+            <a:pPr marL="457200" lvl="1" indent="0">
+              <a:buNone/>
+            </a:pPr>
+            <a:r>
+              <a:rPr lang="en-US" altLang="zh-CN" sz="2000" i="1" dirty="0"/>
+              <a:t>//</a:t>
+            </a:r>
+            <a:r>
+              <a:rPr lang="zh-CN" altLang="en-US" sz="2000" i="1" dirty="0"/>
+              <a:t>安装扩展</a:t>
+            </a:r>
+            <a:endParaRPr lang="en-US" altLang="zh-CN" sz="2000" i="1" dirty="0"/>
+          </a:p>
+          <a:p>
+            <a:pPr marL="457200" lvl="1" indent="0">
+              <a:buNone/>
+            </a:pPr>
+            <a:r>
+              <a:rPr lang="en-US" altLang="zh-CN" dirty="0" err="1"/>
+              <a:t>sudo</a:t>
+            </a:r>
+            <a:r>
+              <a:rPr lang="en-US" altLang="zh-CN" dirty="0"/>
+              <a:t> make install</a:t>
+            </a:r>
+          </a:p>
+          <a:p>
+            <a:pPr marL="457200" lvl="1" indent="0">
+              <a:buNone/>
+            </a:pPr>
+            <a:endParaRPr lang="zh-CN" altLang="en-US" dirty="0"/>
+          </a:p>
+        </p:txBody>
+      </p:sp>
+    </p:spTree>
+    <p:extLst>
+      <p:ext uri="{BB962C8B-B14F-4D97-AF65-F5344CB8AC3E}">
+        <p14:creationId xmlns:p14="http://schemas.microsoft.com/office/powerpoint/2010/main" val="1402615337"/>
+      </p:ext>
+    </p:extLst>
+  </p:cSld>
+  <p:clrMapOvr>
+    <a:masterClrMapping/>
+  </p:clrMapOvr>
+</p:sld>
+</file>
+
+<file path=ppt/slides/slide26.xml><?xml version="1.0" encoding="utf-8"?>
+<p:sld xmlns:a="http://schemas.openxmlformats.org/drawingml/2006/main" xmlns:r="http://schemas.openxmlformats.org/officeDocument/2006/relationships" xmlns:p="http://schemas.openxmlformats.org/presentationml/2006/main">
+  <p:cSld>
+    <p:spTree>
+      <p:nvGrpSpPr>
+        <p:cNvPr id="1" name=""/>
+        <p:cNvGrpSpPr/>
+        <p:nvPr/>
+      </p:nvGrpSpPr>
+      <p:grpSpPr>
+        <a:xfrm>
+          <a:off x="0" y="0"/>
+          <a:ext cx="0" cy="0"/>
+          <a:chOff x="0" y="0"/>
+          <a:chExt cx="0" cy="0"/>
+        </a:xfrm>
+      </p:grpSpPr>
+      <p:sp>
+        <p:nvSpPr>
+          <p:cNvPr id="4" name="标题 3">
+            <a:extLst>
+              <a:ext uri="{FF2B5EF4-FFF2-40B4-BE49-F238E27FC236}">
+                <a16:creationId xmlns:a16="http://schemas.microsoft.com/office/drawing/2014/main" id="{2729939D-814A-4BD2-9922-3F8EA865938B}"/>
+              </a:ext>
+            </a:extLst>
+          </p:cNvPr>
+          <p:cNvSpPr>
+            <a:spLocks noGrp="1"/>
+          </p:cNvSpPr>
+          <p:nvPr>
+            <p:ph type="title"/>
+          </p:nvPr>
+        </p:nvSpPr>
+        <p:spPr>
+          <a:xfrm>
+            <a:off x="838200" y="683581"/>
+            <a:ext cx="10515600" cy="736846"/>
+          </a:xfrm>
+        </p:spPr>
+        <p:txBody>
+          <a:bodyPr/>
+          <a:lstStyle/>
+          <a:p>
+            <a:r>
+              <a:rPr lang="zh-CN" altLang="en-US" dirty="0"/>
+              <a:t>配置</a:t>
+            </a:r>
+            <a:r>
+              <a:rPr lang="en-US" altLang="zh-CN" dirty="0"/>
+              <a:t>PHP</a:t>
+            </a:r>
+            <a:r>
+              <a:rPr lang="zh-CN" altLang="en-US" dirty="0"/>
+              <a:t>启用扩展</a:t>
+            </a:r>
+          </a:p>
+        </p:txBody>
+      </p:sp>
+      <p:sp>
+        <p:nvSpPr>
+          <p:cNvPr id="5" name="内容占位符 4">
+            <a:extLst>
+              <a:ext uri="{FF2B5EF4-FFF2-40B4-BE49-F238E27FC236}">
+                <a16:creationId xmlns:a16="http://schemas.microsoft.com/office/drawing/2014/main" id="{19253A6A-8958-4C89-A4FE-863B33442CE7}"/>
+              </a:ext>
+            </a:extLst>
+          </p:cNvPr>
+          <p:cNvSpPr>
+            <a:spLocks noGrp="1"/>
+          </p:cNvSpPr>
+          <p:nvPr>
+            <p:ph idx="1"/>
+          </p:nvPr>
+        </p:nvSpPr>
+        <p:spPr/>
+        <p:txBody>
+          <a:bodyPr>
+            <a:normAutofit/>
+          </a:bodyPr>
+          <a:lstStyle/>
+          <a:p>
+            <a:r>
+              <a:rPr lang="en-US" altLang="zh-CN" sz="2400" dirty="0"/>
+              <a:t>PHP</a:t>
+            </a:r>
+            <a:r>
+              <a:rPr lang="zh-CN" altLang="en-US" sz="2400" dirty="0"/>
+              <a:t>配置文件默认在安装目录下的</a:t>
+            </a:r>
+            <a:r>
+              <a:rPr lang="en-US" altLang="zh-CN" sz="2400" dirty="0"/>
+              <a:t>lib/php.ini</a:t>
+            </a:r>
+          </a:p>
+          <a:p>
+            <a:endParaRPr lang="en-US" altLang="zh-CN" sz="2400" dirty="0"/>
+          </a:p>
+          <a:p>
+            <a:r>
+              <a:rPr lang="zh-CN" altLang="en-US" sz="2400" dirty="0"/>
+              <a:t>打开配置文件，找到</a:t>
+            </a:r>
+            <a:r>
+              <a:rPr lang="en-US" altLang="zh-CN" sz="2400" dirty="0"/>
+              <a:t>extension</a:t>
+            </a:r>
+            <a:r>
+              <a:rPr lang="zh-CN" altLang="en-US" sz="2400" dirty="0"/>
+              <a:t>相关的部分，加入</a:t>
+            </a:r>
+            <a:r>
+              <a:rPr lang="en-US" altLang="zh-CN" sz="2400" dirty="0"/>
+              <a:t>extension=pdo.so</a:t>
+            </a:r>
+            <a:r>
+              <a:rPr lang="zh-CN" altLang="en-US" sz="2400" dirty="0"/>
+              <a:t>即可启用</a:t>
+            </a:r>
+            <a:r>
+              <a:rPr lang="en-US" altLang="zh-CN" sz="2400" dirty="0" err="1"/>
+              <a:t>pdo</a:t>
+            </a:r>
+            <a:r>
+              <a:rPr lang="zh-CN" altLang="en-US" sz="2400" dirty="0"/>
+              <a:t>扩展。</a:t>
+            </a:r>
+            <a:endParaRPr lang="en-US" altLang="zh-CN" sz="2400" dirty="0"/>
+          </a:p>
+          <a:p>
+            <a:pPr marL="457200" lvl="1" indent="0">
+              <a:buNone/>
+            </a:pPr>
+            <a:r>
+              <a:rPr lang="en-US" altLang="zh-CN" sz="2000" i="1" dirty="0"/>
+              <a:t>//</a:t>
+            </a:r>
+            <a:r>
+              <a:rPr lang="zh-CN" altLang="en-US" sz="2000" i="1" dirty="0"/>
+              <a:t>配置示例</a:t>
+            </a:r>
+            <a:endParaRPr lang="en-US" altLang="zh-CN" dirty="0"/>
+          </a:p>
+          <a:p>
+            <a:pPr marL="457200" lvl="1" indent="0">
+              <a:buNone/>
+            </a:pPr>
+            <a:r>
+              <a:rPr lang="en-US" altLang="zh-CN" dirty="0"/>
+              <a:t>extension=pdo_mysql.so</a:t>
+            </a:r>
+          </a:p>
+        </p:txBody>
+      </p:sp>
+    </p:spTree>
+    <p:extLst>
+      <p:ext uri="{BB962C8B-B14F-4D97-AF65-F5344CB8AC3E}">
+        <p14:creationId xmlns:p14="http://schemas.microsoft.com/office/powerpoint/2010/main" val="3865451902"/>
+      </p:ext>
+    </p:extLst>
+  </p:cSld>
+  <p:clrMapOvr>
+    <a:masterClrMapping/>
+  </p:clrMapOvr>
+</p:sld>
+</file>
+
+<file path=ppt/slides/slide27.xml><?xml version="1.0" encoding="utf-8"?>
+<p:sld xmlns:a="http://schemas.openxmlformats.org/drawingml/2006/main" xmlns:r="http://schemas.openxmlformats.org/officeDocument/2006/relationships" xmlns:p="http://schemas.openxmlformats.org/presentationml/2006/main">
+  <p:cSld>
+    <p:spTree>
+      <p:nvGrpSpPr>
+        <p:cNvPr id="1" name=""/>
+        <p:cNvGrpSpPr/>
+        <p:nvPr/>
+      </p:nvGrpSpPr>
+      <p:grpSpPr>
+        <a:xfrm>
+          <a:off x="0" y="0"/>
+          <a:ext cx="0" cy="0"/>
+          <a:chOff x="0" y="0"/>
+          <a:chExt cx="0" cy="0"/>
+        </a:xfrm>
+      </p:grpSpPr>
+      <p:sp>
+        <p:nvSpPr>
+          <p:cNvPr id="4" name="标题 3">
+            <a:extLst>
+              <a:ext uri="{FF2B5EF4-FFF2-40B4-BE49-F238E27FC236}">
+                <a16:creationId xmlns:a16="http://schemas.microsoft.com/office/drawing/2014/main" id="{2729939D-814A-4BD2-9922-3F8EA865938B}"/>
+              </a:ext>
+            </a:extLst>
+          </p:cNvPr>
+          <p:cNvSpPr>
+            <a:spLocks noGrp="1"/>
+          </p:cNvSpPr>
+          <p:nvPr>
+            <p:ph type="title"/>
+          </p:nvPr>
+        </p:nvSpPr>
+        <p:spPr>
+          <a:xfrm>
+            <a:off x="838200" y="683581"/>
+            <a:ext cx="10515600" cy="736846"/>
+          </a:xfrm>
+        </p:spPr>
+        <p:txBody>
+          <a:bodyPr/>
+          <a:lstStyle/>
+          <a:p>
+            <a:r>
+              <a:rPr lang="en-US" altLang="zh-CN" dirty="0"/>
+              <a:t>PHP-FPM</a:t>
+            </a:r>
+            <a:r>
+              <a:rPr lang="zh-CN" altLang="en-US" dirty="0"/>
+              <a:t>控制脚本</a:t>
+            </a:r>
+          </a:p>
+        </p:txBody>
+      </p:sp>
+      <p:sp>
+        <p:nvSpPr>
+          <p:cNvPr id="5" name="内容占位符 4">
+            <a:extLst>
+              <a:ext uri="{FF2B5EF4-FFF2-40B4-BE49-F238E27FC236}">
+                <a16:creationId xmlns:a16="http://schemas.microsoft.com/office/drawing/2014/main" id="{19253A6A-8958-4C89-A4FE-863B33442CE7}"/>
+              </a:ext>
+            </a:extLst>
+          </p:cNvPr>
+          <p:cNvSpPr>
+            <a:spLocks noGrp="1"/>
+          </p:cNvSpPr>
+          <p:nvPr>
+            <p:ph idx="1"/>
+          </p:nvPr>
+        </p:nvSpPr>
+        <p:spPr/>
+        <p:txBody>
+          <a:bodyPr>
+            <a:normAutofit/>
+          </a:bodyPr>
+          <a:lstStyle/>
+          <a:p>
+            <a:r>
+              <a:rPr lang="en-US" altLang="zh-CN" sz="2400" dirty="0"/>
+              <a:t>PHP_INSTALL_DIR/</a:t>
+            </a:r>
+            <a:r>
+              <a:rPr lang="en-US" altLang="zh-CN" sz="2400" dirty="0" err="1"/>
+              <a:t>var</a:t>
+            </a:r>
+            <a:r>
+              <a:rPr lang="en-US" altLang="zh-CN" sz="2400" dirty="0"/>
+              <a:t>/run/</a:t>
+            </a:r>
+            <a:r>
+              <a:rPr lang="en-US" altLang="zh-CN" sz="2400" dirty="0" err="1"/>
+              <a:t>php-fpm.pid</a:t>
+            </a:r>
+            <a:r>
+              <a:rPr lang="zh-CN" altLang="en-US" sz="2400" dirty="0"/>
+              <a:t>记录了</a:t>
+            </a:r>
+            <a:r>
+              <a:rPr lang="en-US" altLang="zh-CN" sz="2400" dirty="0" err="1"/>
+              <a:t>php</a:t>
+            </a:r>
+            <a:r>
+              <a:rPr lang="en-US" altLang="zh-CN" sz="2400" dirty="0"/>
+              <a:t>-fpm</a:t>
+            </a:r>
+            <a:r>
+              <a:rPr lang="zh-CN" altLang="en-US" sz="2400" dirty="0"/>
+              <a:t>的</a:t>
+            </a:r>
+            <a:r>
+              <a:rPr lang="en-US" altLang="zh-CN" sz="2400" dirty="0"/>
+              <a:t>PID</a:t>
+            </a:r>
+            <a:r>
+              <a:rPr lang="zh-CN" altLang="en-US" sz="2400" dirty="0"/>
+              <a:t>，通过获取</a:t>
+            </a:r>
+            <a:r>
+              <a:rPr lang="en-US" altLang="zh-CN" sz="2400" dirty="0"/>
+              <a:t>PID</a:t>
+            </a:r>
+            <a:r>
+              <a:rPr lang="zh-CN" altLang="en-US" sz="2400" dirty="0"/>
+              <a:t>可以控制</a:t>
+            </a:r>
+            <a:r>
+              <a:rPr lang="en-US" altLang="zh-CN" sz="2400" dirty="0" err="1"/>
+              <a:t>php</a:t>
+            </a:r>
+            <a:r>
+              <a:rPr lang="en-US" altLang="zh-CN" sz="2400" dirty="0"/>
+              <a:t>-fpm</a:t>
+            </a:r>
+            <a:r>
+              <a:rPr lang="zh-CN" altLang="en-US" sz="2400" dirty="0"/>
+              <a:t>的启动，退出，重启操作。</a:t>
+            </a:r>
+            <a:endParaRPr lang="en-US" altLang="zh-CN" sz="2400" dirty="0"/>
+          </a:p>
+          <a:p>
+            <a:endParaRPr lang="en-US" altLang="zh-CN" sz="2400" dirty="0"/>
+          </a:p>
+          <a:p>
+            <a:r>
+              <a:rPr lang="zh-CN" altLang="en-US" sz="2400" dirty="0"/>
+              <a:t>实现逻辑：首先尝试获取</a:t>
+            </a:r>
+            <a:r>
+              <a:rPr lang="en-US" altLang="zh-CN" sz="2400" dirty="0" err="1"/>
+              <a:t>php-fpm.pid</a:t>
+            </a:r>
+            <a:r>
+              <a:rPr lang="zh-CN" altLang="en-US" sz="2400" dirty="0"/>
+              <a:t>记录的</a:t>
+            </a:r>
+            <a:r>
+              <a:rPr lang="en-US" altLang="zh-CN" sz="2400" dirty="0"/>
+              <a:t>PID</a:t>
+            </a:r>
+            <a:r>
+              <a:rPr lang="zh-CN" altLang="en-US" sz="2400" dirty="0"/>
+              <a:t>，并获取已经运行的进程是否有</a:t>
+            </a:r>
+            <a:r>
+              <a:rPr lang="en-US" altLang="zh-CN" sz="2400" dirty="0" err="1"/>
+              <a:t>php</a:t>
+            </a:r>
+            <a:r>
+              <a:rPr lang="en-US" altLang="zh-CN" sz="2400" dirty="0"/>
+              <a:t>-fpm</a:t>
+            </a:r>
+            <a:r>
+              <a:rPr lang="zh-CN" altLang="en-US" sz="2400" dirty="0"/>
+              <a:t>，并根据参数进行不同操作：</a:t>
+            </a:r>
+            <a:endParaRPr lang="en-US" altLang="zh-CN" sz="2400" dirty="0"/>
+          </a:p>
+          <a:p>
+            <a:pPr marL="457200" lvl="1" indent="0">
+              <a:buNone/>
+            </a:pPr>
+            <a:r>
+              <a:rPr lang="en-US" altLang="zh-CN" sz="2200" dirty="0"/>
+              <a:t>start</a:t>
+            </a:r>
+            <a:r>
+              <a:rPr lang="zh-CN" altLang="en-US" sz="2200" dirty="0"/>
+              <a:t>：如果已经运行则提示信息并退出</a:t>
+            </a:r>
+            <a:endParaRPr lang="en-US" altLang="zh-CN" sz="2200" dirty="0"/>
+          </a:p>
+          <a:p>
+            <a:pPr marL="457200" lvl="1" indent="0">
+              <a:buNone/>
+            </a:pPr>
+            <a:r>
+              <a:rPr lang="en-US" altLang="zh-CN" sz="2200" dirty="0"/>
+              <a:t>stop</a:t>
+            </a:r>
+            <a:r>
+              <a:rPr lang="zh-CN" altLang="en-US" sz="2200" dirty="0"/>
+              <a:t>：如果没有运行则退出，运行则使用</a:t>
+            </a:r>
+            <a:r>
+              <a:rPr lang="en-US" altLang="zh-CN" sz="2200" dirty="0"/>
+              <a:t>kill </a:t>
+            </a:r>
+            <a:r>
+              <a:rPr lang="zh-CN" altLang="en-US" sz="2200" dirty="0"/>
+              <a:t>终止进程</a:t>
+            </a:r>
+            <a:endParaRPr lang="en-US" altLang="zh-CN" sz="2200" dirty="0"/>
+          </a:p>
+          <a:p>
+            <a:pPr marL="457200" lvl="1" indent="0">
+              <a:buNone/>
+            </a:pPr>
+            <a:r>
+              <a:rPr lang="en-US" altLang="zh-CN" sz="2200" dirty="0"/>
+              <a:t>restart</a:t>
+            </a:r>
+            <a:r>
+              <a:rPr lang="zh-CN" altLang="en-US" sz="2200" dirty="0"/>
+              <a:t>：如果已经运行则</a:t>
+            </a:r>
+            <a:r>
+              <a:rPr lang="en-US" altLang="zh-CN" sz="2200" dirty="0"/>
+              <a:t>stop</a:t>
+            </a:r>
+            <a:r>
+              <a:rPr lang="zh-CN" altLang="en-US" sz="2200" dirty="0"/>
+              <a:t>然后</a:t>
+            </a:r>
+            <a:r>
+              <a:rPr lang="en-US" altLang="zh-CN" sz="2200" dirty="0"/>
+              <a:t>start</a:t>
+            </a:r>
+            <a:r>
+              <a:rPr lang="zh-CN" altLang="en-US" sz="2200" dirty="0"/>
+              <a:t>，否则直接</a:t>
+            </a:r>
+            <a:r>
+              <a:rPr lang="en-US" altLang="zh-CN" sz="2200" dirty="0"/>
+              <a:t>start</a:t>
+            </a:r>
+          </a:p>
+          <a:p>
+            <a:pPr marL="0" indent="0">
+              <a:buNone/>
+            </a:pPr>
+            <a:endParaRPr lang="en-US" altLang="zh-CN" sz="2400" dirty="0"/>
+          </a:p>
+          <a:p>
+            <a:r>
+              <a:rPr lang="zh-CN" altLang="en-US" sz="2400" dirty="0"/>
+              <a:t>管理脚本代码无法在</a:t>
+            </a:r>
+            <a:r>
+              <a:rPr lang="en-US" altLang="zh-CN" sz="2400" dirty="0"/>
+              <a:t>ppt</a:t>
+            </a:r>
+            <a:r>
+              <a:rPr lang="zh-CN" altLang="en-US" sz="2400" dirty="0"/>
+              <a:t>展示，参看实际代码文件。</a:t>
+            </a:r>
+            <a:endParaRPr lang="en-US" altLang="zh-CN" sz="2400" dirty="0"/>
+          </a:p>
+        </p:txBody>
+      </p:sp>
+    </p:spTree>
+    <p:extLst>
+      <p:ext uri="{BB962C8B-B14F-4D97-AF65-F5344CB8AC3E}">
+        <p14:creationId xmlns:p14="http://schemas.microsoft.com/office/powerpoint/2010/main" val="3327552584"/>
+      </p:ext>
+    </p:extLst>
+  </p:cSld>
+  <p:clrMapOvr>
+    <a:masterClrMapping/>
+  </p:clrMapOvr>
+</p:sld>
+</file>
+
+<file path=ppt/slides/slide3.xml><?xml version="1.0" encoding="utf-8"?>
+<p:sld xmlns:a="http://schemas.openxmlformats.org/drawingml/2006/main" xmlns:r="http://schemas.openxmlformats.org/officeDocument/2006/relationships" xmlns:p="http://schemas.openxmlformats.org/presentationml/2006/main">
+  <p:cSld>
+    <p:spTree>
+      <p:nvGrpSpPr>
+        <p:cNvPr id="1" name=""/>
+        <p:cNvGrpSpPr/>
+        <p:nvPr/>
+      </p:nvGrpSpPr>
+      <p:grpSpPr>
+        <a:xfrm>
+          <a:off x="0" y="0"/>
+          <a:ext cx="0" cy="0"/>
+          <a:chOff x="0" y="0"/>
+          <a:chExt cx="0" cy="0"/>
+        </a:xfrm>
+      </p:grpSpPr>
+      <p:sp>
+        <p:nvSpPr>
+          <p:cNvPr id="4" name="标题 3">
+            <a:extLst>
+              <a:ext uri="{FF2B5EF4-FFF2-40B4-BE49-F238E27FC236}">
+                <a16:creationId xmlns:a16="http://schemas.microsoft.com/office/drawing/2014/main" id="{2729939D-814A-4BD2-9922-3F8EA865938B}"/>
+              </a:ext>
+            </a:extLst>
+          </p:cNvPr>
+          <p:cNvSpPr>
+            <a:spLocks noGrp="1"/>
+          </p:cNvSpPr>
+          <p:nvPr>
+            <p:ph type="title"/>
+          </p:nvPr>
+        </p:nvSpPr>
+        <p:spPr>
+          <a:xfrm>
+            <a:off x="838200" y="683581"/>
+            <a:ext cx="10515600" cy="736846"/>
+          </a:xfrm>
+        </p:spPr>
+        <p:txBody>
+          <a:bodyPr/>
+          <a:lstStyle/>
+          <a:p>
+            <a:r>
+              <a:rPr lang="en-US" altLang="zh-CN" dirty="0"/>
+              <a:t>1</a:t>
+            </a:r>
+            <a:endParaRPr lang="zh-CN" altLang="en-US" dirty="0"/>
+          </a:p>
+        </p:txBody>
+      </p:sp>
+      <p:sp>
+        <p:nvSpPr>
+          <p:cNvPr id="3" name="内容占位符 2">
+            <a:extLst>
+              <a:ext uri="{FF2B5EF4-FFF2-40B4-BE49-F238E27FC236}">
+                <a16:creationId xmlns:a16="http://schemas.microsoft.com/office/drawing/2014/main" id="{3C8E7491-39CF-4BD4-9510-F0E0DF2ADF5B}"/>
+              </a:ext>
+            </a:extLst>
+          </p:cNvPr>
+          <p:cNvSpPr>
+            <a:spLocks noGrp="1"/>
+          </p:cNvSpPr>
+          <p:nvPr>
+            <p:ph idx="1"/>
+          </p:nvPr>
+        </p:nvSpPr>
+        <p:spPr/>
+        <p:txBody>
+          <a:bodyPr anchor="ctr"/>
+          <a:lstStyle/>
+          <a:p>
+            <a:pPr marL="0" indent="0" algn="ctr">
+              <a:buNone/>
+            </a:pPr>
+            <a:r>
+              <a:rPr lang="en-US" altLang="zh-CN" dirty="0">
+                <a:solidFill>
+                  <a:schemeClr val="accent1">
+                    <a:lumMod val="50000"/>
+                  </a:schemeClr>
+                </a:solidFill>
+              </a:rPr>
+              <a:t>PHP</a:t>
+            </a:r>
+            <a:r>
+              <a:rPr lang="zh-CN" altLang="en-US" dirty="0">
+                <a:solidFill>
+                  <a:schemeClr val="accent1">
+                    <a:lumMod val="50000"/>
+                  </a:schemeClr>
+                </a:solidFill>
+              </a:rPr>
+              <a:t>源代码下载与目录结构</a:t>
+            </a:r>
+          </a:p>
+        </p:txBody>
+      </p:sp>
+    </p:spTree>
+    <p:extLst>
+      <p:ext uri="{BB962C8B-B14F-4D97-AF65-F5344CB8AC3E}">
+        <p14:creationId xmlns:p14="http://schemas.microsoft.com/office/powerpoint/2010/main" val="4085003278"/>
+      </p:ext>
+    </p:extLst>
+  </p:cSld>
+  <p:clrMapOvr>
+    <a:masterClrMapping/>
+  </p:clrMapOvr>
+</p:sld>
+</file>
+
 <file path=ppt/slides/slide4.xml><?xml version="1.0" encoding="utf-8"?>
 <p:sld xmlns:a="http://schemas.openxmlformats.org/drawingml/2006/main" xmlns:r="http://schemas.openxmlformats.org/officeDocument/2006/relationships" xmlns:p="http://schemas.openxmlformats.org/presentationml/2006/main">
   <p:cSld>
@@ -8764,10 +9723,9 @@
           <a:lstStyle/>
           <a:p>
             <a:r>
-              <a:rPr lang="en-US" altLang="zh-CN" dirty="0"/>
-              <a:t>1</a:t>
-            </a:r>
-            <a:endParaRPr lang="zh-CN" altLang="en-US" dirty="0"/>
+              <a:rPr lang="zh-CN" altLang="en-US" dirty="0"/>
+              <a:t>下载源代码</a:t>
+            </a:r>
           </a:p>
         </p:txBody>
       </p:sp>
@@ -8776,7 +9734,7 @@
           <p:cNvPr id="3" name="内容占位符 2">
             <a:extLst>
               <a:ext uri="{FF2B5EF4-FFF2-40B4-BE49-F238E27FC236}">
-                <a16:creationId xmlns:a16="http://schemas.microsoft.com/office/drawing/2014/main" id="{3C8E7491-39CF-4BD4-9510-F0E0DF2ADF5B}"/>
+                <a16:creationId xmlns:a16="http://schemas.microsoft.com/office/drawing/2014/main" id="{96EE1DBA-F015-4E13-B948-F2CA77768E06}"/>
               </a:ext>
             </a:extLst>
           </p:cNvPr>
@@ -8787,33 +9745,208 @@
             <p:ph idx="1"/>
           </p:nvPr>
         </p:nvSpPr>
-        <p:spPr/>
+        <p:spPr>
+          <a:xfrm>
+            <a:off x="838200" y="1656500"/>
+            <a:ext cx="10515600" cy="5037263"/>
+          </a:xfrm>
+        </p:spPr>
         <p:txBody>
-          <a:bodyPr anchor="ctr"/>
+          <a:bodyPr>
+            <a:noAutofit/>
+          </a:bodyPr>
           <a:lstStyle/>
           <a:p>
-            <a:pPr marL="0" indent="0" algn="ctr">
+            <a:r>
+              <a:rPr lang="zh-CN" altLang="en-US" sz="2400" dirty="0"/>
+              <a:t>打开 </a:t>
+            </a:r>
+            <a:r>
+              <a:rPr lang="en-US" altLang="zh-CN" sz="2400" dirty="0"/>
+              <a:t>http://php.net </a:t>
+            </a:r>
+            <a:r>
+              <a:rPr lang="zh-CN" altLang="en-US" sz="2400" dirty="0"/>
+              <a:t>网址下载</a:t>
+            </a:r>
+            <a:r>
+              <a:rPr lang="en-US" altLang="zh-CN" sz="2400" dirty="0"/>
+              <a:t>PHP7</a:t>
+            </a:r>
+            <a:r>
+              <a:rPr lang="zh-CN" altLang="en-US" sz="2400" dirty="0"/>
+              <a:t>稳定版源代码</a:t>
+            </a:r>
+            <a:endParaRPr lang="en-US" altLang="zh-CN" sz="2400" dirty="0"/>
+          </a:p>
+          <a:p>
+            <a:r>
+              <a:rPr lang="zh-CN" altLang="en-US" sz="2400" dirty="0"/>
+              <a:t>目前</a:t>
+            </a:r>
+            <a:r>
+              <a:rPr lang="en-US" altLang="zh-CN" sz="2400" dirty="0"/>
+              <a:t>PHP7</a:t>
+            </a:r>
+            <a:r>
+              <a:rPr lang="zh-CN" altLang="en-US" sz="2400" dirty="0"/>
+              <a:t>主要有</a:t>
+            </a:r>
+            <a:r>
+              <a:rPr lang="en-US" altLang="zh-CN" sz="2400" dirty="0"/>
+              <a:t>3</a:t>
+            </a:r>
+            <a:r>
+              <a:rPr lang="zh-CN" altLang="en-US" sz="2400" dirty="0"/>
+              <a:t>个版本：</a:t>
+            </a:r>
+            <a:r>
+              <a:rPr lang="en-US" altLang="zh-CN" sz="2400" dirty="0"/>
+              <a:t>PHP7.0</a:t>
+            </a:r>
+            <a:r>
+              <a:rPr lang="zh-CN" altLang="en-US" sz="2400" dirty="0"/>
+              <a:t>，</a:t>
+            </a:r>
+            <a:r>
+              <a:rPr lang="en-US" altLang="zh-CN" sz="2400" dirty="0"/>
+              <a:t>PHP7.1</a:t>
+            </a:r>
+            <a:r>
+              <a:rPr lang="zh-CN" altLang="en-US" sz="2400" dirty="0"/>
+              <a:t>，</a:t>
+            </a:r>
+            <a:r>
+              <a:rPr lang="en-US" altLang="zh-CN" sz="2400" dirty="0"/>
+              <a:t>PHP7.2</a:t>
+            </a:r>
+          </a:p>
+          <a:p>
+            <a:r>
+              <a:rPr lang="zh-CN" altLang="en-US" sz="2400" dirty="0"/>
+              <a:t>三个不同版本有一些功能区别，具体见</a:t>
+            </a:r>
+            <a:r>
+              <a:rPr lang="en-US" altLang="zh-CN" sz="2400" dirty="0"/>
+              <a:t>PHP</a:t>
+            </a:r>
+            <a:r>
+              <a:rPr lang="zh-CN" altLang="en-US" sz="2400" dirty="0"/>
+              <a:t>开发者手册</a:t>
+            </a:r>
+            <a:endParaRPr lang="en-US" altLang="zh-CN" sz="2400" dirty="0"/>
+          </a:p>
+          <a:p>
+            <a:r>
+              <a:rPr lang="en-US" altLang="zh-CN" sz="2400" dirty="0"/>
+              <a:t>PHP7.2</a:t>
+            </a:r>
+            <a:r>
+              <a:rPr lang="zh-CN" altLang="en-US" sz="2400" dirty="0"/>
+              <a:t>变化较大，主要有：</a:t>
+            </a:r>
+            <a:endParaRPr lang="en-US" altLang="zh-CN" sz="2400" dirty="0"/>
+          </a:p>
+          <a:p>
+            <a:pPr lvl="1"/>
+            <a:r>
+              <a:rPr lang="zh-CN" altLang="en-US" sz="2000" dirty="0"/>
+              <a:t>底层引擎加入一些宏指令</a:t>
+            </a:r>
+            <a:endParaRPr lang="en-US" altLang="zh-CN" sz="2000" dirty="0"/>
+          </a:p>
+          <a:p>
+            <a:pPr lvl="1"/>
+            <a:r>
+              <a:rPr lang="zh-CN" altLang="en-US" sz="2000" dirty="0"/>
+              <a:t>移除</a:t>
+            </a:r>
+            <a:r>
+              <a:rPr lang="en-US" altLang="zh-CN" sz="2000" dirty="0" err="1"/>
+              <a:t>mcrypt</a:t>
+            </a:r>
+            <a:r>
+              <a:rPr lang="zh-CN" altLang="en-US" sz="2000" dirty="0"/>
+              <a:t>加密扩展</a:t>
+            </a:r>
+            <a:endParaRPr lang="en-US" altLang="zh-CN" sz="2000" dirty="0"/>
+          </a:p>
+          <a:p>
+            <a:pPr lvl="1"/>
+            <a:r>
+              <a:rPr lang="zh-CN" altLang="en-US" sz="2000" dirty="0"/>
+              <a:t>加入</a:t>
+            </a:r>
+            <a:r>
+              <a:rPr lang="en-US" altLang="zh-CN" sz="2000" dirty="0"/>
+              <a:t>sodium</a:t>
+            </a:r>
+            <a:r>
+              <a:rPr lang="zh-CN" altLang="en-US" sz="2000" dirty="0"/>
+              <a:t>加密扩展</a:t>
+            </a:r>
+            <a:endParaRPr lang="en-US" altLang="zh-CN" dirty="0"/>
+          </a:p>
+          <a:p>
+            <a:r>
+              <a:rPr lang="zh-CN" altLang="en-US" sz="2400" dirty="0"/>
+              <a:t>如何选择：</a:t>
+            </a:r>
+            <a:endParaRPr lang="en-US" altLang="zh-CN" sz="2400" dirty="0"/>
+          </a:p>
+          <a:p>
+            <a:pPr marL="457200" lvl="1" indent="0">
               <a:buNone/>
             </a:pPr>
             <a:r>
-              <a:rPr lang="en-US" altLang="zh-CN" dirty="0">
-                <a:solidFill>
-                  <a:schemeClr val="accent1">
-                    <a:lumMod val="50000"/>
-                  </a:schemeClr>
-                </a:solidFill>
-              </a:rPr>
-              <a:t>PHP</a:t>
-            </a:r>
-            <a:r>
-              <a:rPr lang="zh-CN" altLang="en-US" dirty="0">
-                <a:solidFill>
-                  <a:schemeClr val="accent1">
-                    <a:lumMod val="50000"/>
-                  </a:schemeClr>
-                </a:solidFill>
-              </a:rPr>
-              <a:t>源代码下载与目录结构</a:t>
+              <a:rPr lang="zh-CN" altLang="en-US" sz="2000" dirty="0"/>
+              <a:t>对于学习来说，三个版本都可以，对于实际应用来说，新版本是趋势，而一些已经成型的系统，不建议最新版本，因为会带来兼容性的问题。在实际使用上，一些流行的框架以及</a:t>
+            </a:r>
+            <a:r>
+              <a:rPr lang="en-US" altLang="zh-CN" sz="2000" dirty="0"/>
+              <a:t>CMS</a:t>
+            </a:r>
+            <a:r>
+              <a:rPr lang="zh-CN" altLang="en-US" sz="2000" dirty="0"/>
+              <a:t>等可以升级到</a:t>
+            </a:r>
+            <a:r>
+              <a:rPr lang="en-US" altLang="zh-CN" sz="2000" dirty="0"/>
+              <a:t>PHP7.0</a:t>
+            </a:r>
+            <a:r>
+              <a:rPr lang="zh-CN" altLang="en-US" sz="2000" dirty="0"/>
+              <a:t>，升级</a:t>
+            </a:r>
+            <a:r>
+              <a:rPr lang="en-US" altLang="zh-CN" sz="2000" dirty="0"/>
+              <a:t>PHP7.1</a:t>
+            </a:r>
+            <a:r>
+              <a:rPr lang="zh-CN" altLang="en-US" sz="2000" dirty="0"/>
+              <a:t>问题也不大。</a:t>
+            </a:r>
+            <a:endParaRPr lang="en-US" altLang="zh-CN" sz="2000" dirty="0"/>
+          </a:p>
+          <a:p>
+            <a:pPr marL="457200" lvl="1" indent="0">
+              <a:buNone/>
+            </a:pPr>
+            <a:r>
+              <a:rPr lang="zh-CN" altLang="en-US" sz="2000" dirty="0"/>
+              <a:t>我们这里选择</a:t>
+            </a:r>
+            <a:r>
+              <a:rPr lang="en-US" altLang="zh-CN" sz="2000" dirty="0"/>
+              <a:t>PHP7.1</a:t>
+            </a:r>
+            <a:r>
+              <a:rPr lang="zh-CN" altLang="en-US" sz="2000" dirty="0"/>
+              <a:t>进行编译，待熟悉之后，同学们自行编译</a:t>
+            </a:r>
+            <a:r>
+              <a:rPr lang="en-US" altLang="zh-CN" sz="2000" dirty="0"/>
+              <a:t>PHP7.2</a:t>
             </a:r>
           </a:p>
         </p:txBody>
@@ -8821,7 +9954,7 @@
     </p:spTree>
     <p:extLst>
       <p:ext uri="{BB962C8B-B14F-4D97-AF65-F5344CB8AC3E}">
-        <p14:creationId xmlns:p14="http://schemas.microsoft.com/office/powerpoint/2010/main" val="4085003278"/>
+        <p14:creationId xmlns:p14="http://schemas.microsoft.com/office/powerpoint/2010/main" val="2317717954"/>
       </p:ext>
     </p:extLst>
   </p:cSld>
@@ -8876,291 +10009,6 @@
           <a:p>
             <a:r>
               <a:rPr lang="zh-CN" altLang="en-US" dirty="0"/>
-              <a:t>下载源代码</a:t>
-            </a:r>
-          </a:p>
-        </p:txBody>
-      </p:sp>
-      <p:sp>
-        <p:nvSpPr>
-          <p:cNvPr id="3" name="内容占位符 2">
-            <a:extLst>
-              <a:ext uri="{FF2B5EF4-FFF2-40B4-BE49-F238E27FC236}">
-                <a16:creationId xmlns:a16="http://schemas.microsoft.com/office/drawing/2014/main" id="{96EE1DBA-F015-4E13-B948-F2CA77768E06}"/>
-              </a:ext>
-            </a:extLst>
-          </p:cNvPr>
-          <p:cNvSpPr>
-            <a:spLocks noGrp="1"/>
-          </p:cNvSpPr>
-          <p:nvPr>
-            <p:ph idx="1"/>
-          </p:nvPr>
-        </p:nvSpPr>
-        <p:spPr>
-          <a:xfrm>
-            <a:off x="838200" y="1656500"/>
-            <a:ext cx="10515600" cy="5037263"/>
-          </a:xfrm>
-        </p:spPr>
-        <p:txBody>
-          <a:bodyPr>
-            <a:noAutofit/>
-          </a:bodyPr>
-          <a:lstStyle/>
-          <a:p>
-            <a:r>
-              <a:rPr lang="zh-CN" altLang="en-US" sz="2400" dirty="0"/>
-              <a:t>打开 </a:t>
-            </a:r>
-            <a:r>
-              <a:rPr lang="en-US" altLang="zh-CN" sz="2400" dirty="0"/>
-              <a:t>http://php.net </a:t>
-            </a:r>
-            <a:r>
-              <a:rPr lang="zh-CN" altLang="en-US" sz="2400" dirty="0"/>
-              <a:t>网址下载</a:t>
-            </a:r>
-            <a:r>
-              <a:rPr lang="en-US" altLang="zh-CN" sz="2400" dirty="0"/>
-              <a:t>PHP7</a:t>
-            </a:r>
-            <a:r>
-              <a:rPr lang="zh-CN" altLang="en-US" sz="2400" dirty="0"/>
-              <a:t>稳定版源代码</a:t>
-            </a:r>
-            <a:endParaRPr lang="en-US" altLang="zh-CN" sz="2400" dirty="0"/>
-          </a:p>
-          <a:p>
-            <a:r>
-              <a:rPr lang="zh-CN" altLang="en-US" sz="2400" dirty="0"/>
-              <a:t>目前</a:t>
-            </a:r>
-            <a:r>
-              <a:rPr lang="en-US" altLang="zh-CN" sz="2400" dirty="0"/>
-              <a:t>PHP7</a:t>
-            </a:r>
-            <a:r>
-              <a:rPr lang="zh-CN" altLang="en-US" sz="2400" dirty="0"/>
-              <a:t>主要有</a:t>
-            </a:r>
-            <a:r>
-              <a:rPr lang="en-US" altLang="zh-CN" sz="2400" dirty="0"/>
-              <a:t>3</a:t>
-            </a:r>
-            <a:r>
-              <a:rPr lang="zh-CN" altLang="en-US" sz="2400" dirty="0"/>
-              <a:t>个版本：</a:t>
-            </a:r>
-            <a:r>
-              <a:rPr lang="en-US" altLang="zh-CN" sz="2400" dirty="0"/>
-              <a:t>PHP7.0</a:t>
-            </a:r>
-            <a:r>
-              <a:rPr lang="zh-CN" altLang="en-US" sz="2400" dirty="0"/>
-              <a:t>，</a:t>
-            </a:r>
-            <a:r>
-              <a:rPr lang="en-US" altLang="zh-CN" sz="2400" dirty="0"/>
-              <a:t>PHP7.1</a:t>
-            </a:r>
-            <a:r>
-              <a:rPr lang="zh-CN" altLang="en-US" sz="2400" dirty="0"/>
-              <a:t>，</a:t>
-            </a:r>
-            <a:r>
-              <a:rPr lang="en-US" altLang="zh-CN" sz="2400" dirty="0"/>
-              <a:t>PHP7.2</a:t>
-            </a:r>
-          </a:p>
-          <a:p>
-            <a:r>
-              <a:rPr lang="zh-CN" altLang="en-US" sz="2400" dirty="0"/>
-              <a:t>三个不同版本有一些功能区别，具体见</a:t>
-            </a:r>
-            <a:r>
-              <a:rPr lang="en-US" altLang="zh-CN" sz="2400" dirty="0"/>
-              <a:t>PHP</a:t>
-            </a:r>
-            <a:r>
-              <a:rPr lang="zh-CN" altLang="en-US" sz="2400" dirty="0"/>
-              <a:t>开发者手册</a:t>
-            </a:r>
-            <a:endParaRPr lang="en-US" altLang="zh-CN" sz="2400" dirty="0"/>
-          </a:p>
-          <a:p>
-            <a:r>
-              <a:rPr lang="en-US" altLang="zh-CN" sz="2400" dirty="0"/>
-              <a:t>PHP7.2</a:t>
-            </a:r>
-            <a:r>
-              <a:rPr lang="zh-CN" altLang="en-US" sz="2400" dirty="0"/>
-              <a:t>变化较大，主要有：</a:t>
-            </a:r>
-            <a:endParaRPr lang="en-US" altLang="zh-CN" sz="2400" dirty="0"/>
-          </a:p>
-          <a:p>
-            <a:pPr lvl="1"/>
-            <a:r>
-              <a:rPr lang="zh-CN" altLang="en-US" sz="2000" dirty="0"/>
-              <a:t>底层引擎加入一些宏指令</a:t>
-            </a:r>
-            <a:endParaRPr lang="en-US" altLang="zh-CN" sz="2000" dirty="0"/>
-          </a:p>
-          <a:p>
-            <a:pPr lvl="1"/>
-            <a:r>
-              <a:rPr lang="zh-CN" altLang="en-US" sz="2000" dirty="0"/>
-              <a:t>移除</a:t>
-            </a:r>
-            <a:r>
-              <a:rPr lang="en-US" altLang="zh-CN" sz="2000" dirty="0" err="1"/>
-              <a:t>mcrypt</a:t>
-            </a:r>
-            <a:r>
-              <a:rPr lang="zh-CN" altLang="en-US" sz="2000" dirty="0"/>
-              <a:t>加密扩展</a:t>
-            </a:r>
-            <a:endParaRPr lang="en-US" altLang="zh-CN" sz="2000" dirty="0"/>
-          </a:p>
-          <a:p>
-            <a:pPr lvl="1"/>
-            <a:r>
-              <a:rPr lang="zh-CN" altLang="en-US" sz="2000" dirty="0"/>
-              <a:t>加入</a:t>
-            </a:r>
-            <a:r>
-              <a:rPr lang="en-US" altLang="zh-CN" sz="2000" dirty="0"/>
-              <a:t>sodium</a:t>
-            </a:r>
-            <a:r>
-              <a:rPr lang="zh-CN" altLang="en-US" sz="2000" dirty="0"/>
-              <a:t>加密扩展</a:t>
-            </a:r>
-            <a:endParaRPr lang="en-US" altLang="zh-CN" dirty="0"/>
-          </a:p>
-          <a:p>
-            <a:r>
-              <a:rPr lang="zh-CN" altLang="en-US" sz="2400" dirty="0"/>
-              <a:t>如何选择：</a:t>
-            </a:r>
-            <a:endParaRPr lang="en-US" altLang="zh-CN" sz="2400" dirty="0"/>
-          </a:p>
-          <a:p>
-            <a:pPr marL="457200" lvl="1" indent="0">
-              <a:buNone/>
-            </a:pPr>
-            <a:r>
-              <a:rPr lang="zh-CN" altLang="en-US" sz="2000" dirty="0"/>
-              <a:t>对于学习来说，三个版本都可以，对于实际应用来说，新版本是趋势，而一些已经成型的系统，不建议最新版本，因为会带来兼容性的问题。在实际使用上，一些流行的框架以及</a:t>
-            </a:r>
-            <a:r>
-              <a:rPr lang="en-US" altLang="zh-CN" sz="2000" dirty="0"/>
-              <a:t>CMS</a:t>
-            </a:r>
-            <a:r>
-              <a:rPr lang="zh-CN" altLang="en-US" sz="2000" dirty="0"/>
-              <a:t>等可以升级到</a:t>
-            </a:r>
-            <a:r>
-              <a:rPr lang="en-US" altLang="zh-CN" sz="2000" dirty="0"/>
-              <a:t>PHP7.0</a:t>
-            </a:r>
-            <a:r>
-              <a:rPr lang="zh-CN" altLang="en-US" sz="2000" dirty="0"/>
-              <a:t>，升级</a:t>
-            </a:r>
-            <a:r>
-              <a:rPr lang="en-US" altLang="zh-CN" sz="2000" dirty="0"/>
-              <a:t>PHP7.1</a:t>
-            </a:r>
-            <a:r>
-              <a:rPr lang="zh-CN" altLang="en-US" sz="2000" dirty="0"/>
-              <a:t>问题也不大。</a:t>
-            </a:r>
-            <a:endParaRPr lang="en-US" altLang="zh-CN" sz="2000" dirty="0"/>
-          </a:p>
-          <a:p>
-            <a:pPr marL="457200" lvl="1" indent="0">
-              <a:buNone/>
-            </a:pPr>
-            <a:r>
-              <a:rPr lang="zh-CN" altLang="en-US" sz="2000" dirty="0"/>
-              <a:t>我们这里选择</a:t>
-            </a:r>
-            <a:r>
-              <a:rPr lang="en-US" altLang="zh-CN" sz="2000" dirty="0"/>
-              <a:t>PHP7.1</a:t>
-            </a:r>
-            <a:r>
-              <a:rPr lang="zh-CN" altLang="en-US" sz="2000" dirty="0"/>
-              <a:t>进行编译，待熟悉之后，同学们自行编译</a:t>
-            </a:r>
-            <a:r>
-              <a:rPr lang="en-US" altLang="zh-CN" sz="2000" dirty="0"/>
-              <a:t>PHP7.2</a:t>
-            </a:r>
-          </a:p>
-        </p:txBody>
-      </p:sp>
-    </p:spTree>
-    <p:extLst>
-      <p:ext uri="{BB962C8B-B14F-4D97-AF65-F5344CB8AC3E}">
-        <p14:creationId xmlns:p14="http://schemas.microsoft.com/office/powerpoint/2010/main" val="2317717954"/>
-      </p:ext>
-    </p:extLst>
-  </p:cSld>
-  <p:clrMapOvr>
-    <a:masterClrMapping/>
-  </p:clrMapOvr>
-</p:sld>
-</file>
-
-<file path=ppt/slides/slide6.xml><?xml version="1.0" encoding="utf-8"?>
-<p:sld xmlns:a="http://schemas.openxmlformats.org/drawingml/2006/main" xmlns:r="http://schemas.openxmlformats.org/officeDocument/2006/relationships" xmlns:p="http://schemas.openxmlformats.org/presentationml/2006/main">
-  <p:cSld>
-    <p:spTree>
-      <p:nvGrpSpPr>
-        <p:cNvPr id="1" name=""/>
-        <p:cNvGrpSpPr/>
-        <p:nvPr/>
-      </p:nvGrpSpPr>
-      <p:grpSpPr>
-        <a:xfrm>
-          <a:off x="0" y="0"/>
-          <a:ext cx="0" cy="0"/>
-          <a:chOff x="0" y="0"/>
-          <a:chExt cx="0" cy="0"/>
-        </a:xfrm>
-      </p:grpSpPr>
-      <p:sp>
-        <p:nvSpPr>
-          <p:cNvPr id="4" name="标题 3">
-            <a:extLst>
-              <a:ext uri="{FF2B5EF4-FFF2-40B4-BE49-F238E27FC236}">
-                <a16:creationId xmlns:a16="http://schemas.microsoft.com/office/drawing/2014/main" id="{2729939D-814A-4BD2-9922-3F8EA865938B}"/>
-              </a:ext>
-            </a:extLst>
-          </p:cNvPr>
-          <p:cNvSpPr>
-            <a:spLocks noGrp="1"/>
-          </p:cNvSpPr>
-          <p:nvPr>
-            <p:ph type="title"/>
-          </p:nvPr>
-        </p:nvSpPr>
-        <p:spPr>
-          <a:xfrm>
-            <a:off x="838200" y="683581"/>
-            <a:ext cx="10515600" cy="736846"/>
-          </a:xfrm>
-        </p:spPr>
-        <p:txBody>
-          <a:bodyPr/>
-          <a:lstStyle/>
-          <a:p>
-            <a:r>
-              <a:rPr lang="zh-CN" altLang="en-US" dirty="0"/>
               <a:t>目录结构</a:t>
             </a:r>
           </a:p>
@@ -9259,7 +10107,7 @@
 </p:sld>
 </file>
 
-<file path=ppt/slides/slide7.xml><?xml version="1.0" encoding="utf-8"?>
+<file path=ppt/slides/slide6.xml><?xml version="1.0" encoding="utf-8"?>
 <p:sld xmlns:a="http://schemas.openxmlformats.org/drawingml/2006/main" xmlns:r="http://schemas.openxmlformats.org/officeDocument/2006/relationships" xmlns:p="http://schemas.openxmlformats.org/presentationml/2006/main">
   <p:cSld>
     <p:spTree>
@@ -9700,6 +10548,198 @@
 </p:sld>
 </file>
 
+<file path=ppt/slides/slide7.xml><?xml version="1.0" encoding="utf-8"?>
+<p:sld xmlns:a="http://schemas.openxmlformats.org/drawingml/2006/main" xmlns:r="http://schemas.openxmlformats.org/officeDocument/2006/relationships" xmlns:p="http://schemas.openxmlformats.org/presentationml/2006/main">
+  <p:cSld>
+    <p:spTree>
+      <p:nvGrpSpPr>
+        <p:cNvPr id="1" name=""/>
+        <p:cNvGrpSpPr/>
+        <p:nvPr/>
+      </p:nvGrpSpPr>
+      <p:grpSpPr>
+        <a:xfrm>
+          <a:off x="0" y="0"/>
+          <a:ext cx="0" cy="0"/>
+          <a:chOff x="0" y="0"/>
+          <a:chExt cx="0" cy="0"/>
+        </a:xfrm>
+      </p:grpSpPr>
+      <p:sp>
+        <p:nvSpPr>
+          <p:cNvPr id="4" name="标题 3">
+            <a:extLst>
+              <a:ext uri="{FF2B5EF4-FFF2-40B4-BE49-F238E27FC236}">
+                <a16:creationId xmlns:a16="http://schemas.microsoft.com/office/drawing/2014/main" id="{2729939D-814A-4BD2-9922-3F8EA865938B}"/>
+              </a:ext>
+            </a:extLst>
+          </p:cNvPr>
+          <p:cNvSpPr>
+            <a:spLocks noGrp="1"/>
+          </p:cNvSpPr>
+          <p:nvPr>
+            <p:ph type="title"/>
+          </p:nvPr>
+        </p:nvSpPr>
+        <p:spPr>
+          <a:xfrm>
+            <a:off x="838200" y="683581"/>
+            <a:ext cx="10515600" cy="736846"/>
+          </a:xfrm>
+        </p:spPr>
+        <p:txBody>
+          <a:bodyPr/>
+          <a:lstStyle/>
+          <a:p>
+            <a:r>
+              <a:rPr lang="zh-CN" altLang="en-US" dirty="0"/>
+              <a:t>编译环境</a:t>
+            </a:r>
+          </a:p>
+        </p:txBody>
+      </p:sp>
+      <p:sp>
+        <p:nvSpPr>
+          <p:cNvPr id="5" name="内容占位符 4">
+            <a:extLst>
+              <a:ext uri="{FF2B5EF4-FFF2-40B4-BE49-F238E27FC236}">
+                <a16:creationId xmlns:a16="http://schemas.microsoft.com/office/drawing/2014/main" id="{D9187C1C-5819-4744-B8DB-D422C45A3565}"/>
+              </a:ext>
+            </a:extLst>
+          </p:cNvPr>
+          <p:cNvSpPr>
+            <a:spLocks noGrp="1"/>
+          </p:cNvSpPr>
+          <p:nvPr>
+            <p:ph idx="1"/>
+          </p:nvPr>
+        </p:nvSpPr>
+        <p:spPr/>
+        <p:txBody>
+          <a:bodyPr>
+            <a:normAutofit/>
+          </a:bodyPr>
+          <a:lstStyle/>
+          <a:p>
+            <a:r>
+              <a:rPr lang="en-US" altLang="zh-CN" sz="2400" dirty="0"/>
+              <a:t>Ubuntu 16.04</a:t>
+            </a:r>
+          </a:p>
+          <a:p>
+            <a:r>
+              <a:rPr lang="zh-CN" altLang="en-US" sz="2400" dirty="0"/>
+              <a:t>编译软件：</a:t>
+            </a:r>
+            <a:r>
+              <a:rPr lang="en-US" altLang="zh-CN" sz="2400" dirty="0" err="1"/>
+              <a:t>gcc</a:t>
+            </a:r>
+            <a:endParaRPr lang="en-US" altLang="zh-CN" sz="2400" dirty="0"/>
+          </a:p>
+          <a:p>
+            <a:r>
+              <a:rPr lang="zh-CN" altLang="en-US" sz="2400" dirty="0"/>
+              <a:t>其他软件：</a:t>
+            </a:r>
+            <a:r>
+              <a:rPr lang="en-US" altLang="zh-CN" sz="2400" dirty="0"/>
+              <a:t>make </a:t>
+            </a:r>
+            <a:r>
+              <a:rPr lang="zh-CN" altLang="en-US" sz="2400" dirty="0"/>
+              <a:t>， </a:t>
+            </a:r>
+            <a:r>
+              <a:rPr lang="en-US" altLang="zh-CN" sz="2400" dirty="0" err="1"/>
+              <a:t>autoconf</a:t>
+            </a:r>
+            <a:r>
+              <a:rPr lang="en-US" altLang="zh-CN" sz="2400" dirty="0"/>
+              <a:t> </a:t>
+            </a:r>
+            <a:r>
+              <a:rPr lang="zh-CN" altLang="en-US" sz="2400" dirty="0"/>
+              <a:t>，</a:t>
+            </a:r>
+            <a:r>
+              <a:rPr lang="en-US" altLang="zh-CN" sz="2400" dirty="0" err="1"/>
+              <a:t>pkg</a:t>
+            </a:r>
+            <a:r>
+              <a:rPr lang="en-US" altLang="zh-CN" sz="2400" dirty="0"/>
+              <a:t>-config</a:t>
+            </a:r>
+          </a:p>
+          <a:p>
+            <a:r>
+              <a:rPr lang="zh-CN" altLang="en-US" sz="2400" dirty="0"/>
+              <a:t>安装依赖软件：</a:t>
+            </a:r>
+            <a:endParaRPr lang="en-US" altLang="zh-CN" sz="2400" dirty="0"/>
+          </a:p>
+          <a:p>
+            <a:pPr lvl="1"/>
+            <a:r>
+              <a:rPr lang="en-US" altLang="zh-CN" dirty="0"/>
+              <a:t>Ubuntu : </a:t>
+            </a:r>
+            <a:r>
+              <a:rPr lang="en-US" altLang="zh-CN" dirty="0" err="1"/>
+              <a:t>sudo</a:t>
+            </a:r>
+            <a:r>
+              <a:rPr lang="en-US" altLang="zh-CN" dirty="0"/>
+              <a:t> apt-get install </a:t>
+            </a:r>
+            <a:r>
+              <a:rPr lang="en-US" altLang="zh-CN" dirty="0" err="1"/>
+              <a:t>gcc</a:t>
+            </a:r>
+            <a:r>
+              <a:rPr lang="en-US" altLang="zh-CN" dirty="0"/>
+              <a:t> make </a:t>
+            </a:r>
+            <a:r>
+              <a:rPr lang="en-US" altLang="zh-CN" dirty="0" err="1"/>
+              <a:t>autoconf</a:t>
+            </a:r>
+            <a:r>
+              <a:rPr lang="en-US" altLang="zh-CN" dirty="0"/>
+              <a:t> </a:t>
+            </a:r>
+            <a:r>
+              <a:rPr lang="en-US" altLang="zh-CN" dirty="0" err="1"/>
+              <a:t>pkg</a:t>
+            </a:r>
+            <a:r>
+              <a:rPr lang="en-US" altLang="zh-CN" dirty="0"/>
+              <a:t>-config  </a:t>
+            </a:r>
+            <a:r>
+              <a:rPr lang="en-US" altLang="zh-CN" dirty="0" err="1"/>
+              <a:t>libssl</a:t>
+            </a:r>
+            <a:r>
+              <a:rPr lang="en-US" altLang="zh-CN" dirty="0"/>
+              <a:t>-dev libxml2-dev libxslt1-dev</a:t>
+            </a:r>
+          </a:p>
+        </p:txBody>
+      </p:sp>
+    </p:spTree>
+    <p:extLst>
+      <p:ext uri="{BB962C8B-B14F-4D97-AF65-F5344CB8AC3E}">
+        <p14:creationId xmlns:p14="http://schemas.microsoft.com/office/powerpoint/2010/main" val="2555678081"/>
+      </p:ext>
+    </p:extLst>
+  </p:cSld>
+  <p:clrMapOvr>
+    <a:masterClrMapping/>
+  </p:clrMapOvr>
+</p:sld>
+</file>
+
 <file path=ppt/slides/slide8.xml><?xml version="1.0" encoding="utf-8"?>
 <p:sld xmlns:a="http://schemas.openxmlformats.org/drawingml/2006/main" xmlns:r="http://schemas.openxmlformats.org/officeDocument/2006/relationships" xmlns:p="http://schemas.openxmlformats.org/presentationml/2006/main">
   <p:cSld>
@@ -9744,8 +10784,12 @@
           <a:lstStyle/>
           <a:p>
             <a:r>
+              <a:rPr lang="en-US" altLang="zh-CN" dirty="0"/>
+              <a:t>configure</a:t>
+            </a:r>
+            <a:r>
               <a:rPr lang="zh-CN" altLang="en-US" dirty="0"/>
-              <a:t>编译环境</a:t>
+              <a:t>脚本使用</a:t>
             </a:r>
           </a:p>
         </p:txBody>
@@ -9774,115 +10818,172 @@
           <a:lstStyle/>
           <a:p>
             <a:r>
+              <a:rPr lang="zh-CN" altLang="en-US" sz="2400" dirty="0"/>
+              <a:t>可以使用</a:t>
+            </a:r>
+            <a:r>
               <a:rPr lang="en-US" altLang="zh-CN" sz="2400" dirty="0"/>
-              <a:t>Ubuntu 16.04</a:t>
-            </a:r>
-          </a:p>
-          <a:p>
-            <a:r>
-              <a:rPr lang="zh-CN" altLang="en-US" sz="2400" dirty="0"/>
-              <a:t>编译软件：</a:t>
-            </a:r>
-            <a:r>
-              <a:rPr lang="en-US" altLang="zh-CN" sz="2400" dirty="0" err="1"/>
-              <a:t>gcc</a:t>
+              <a:t>Vim</a:t>
+            </a:r>
+            <a:r>
+              <a:rPr lang="zh-CN" altLang="en-US" sz="2400" dirty="0"/>
+              <a:t>打开</a:t>
+            </a:r>
+            <a:r>
+              <a:rPr lang="en-US" altLang="zh-CN" sz="2400" dirty="0"/>
+              <a:t>configure</a:t>
+            </a:r>
+            <a:r>
+              <a:rPr lang="zh-CN" altLang="en-US" sz="2400" dirty="0"/>
+              <a:t>文件，此文件是具有可执行权限的</a:t>
+            </a:r>
+            <a:r>
+              <a:rPr lang="en-US" altLang="zh-CN" sz="2400" dirty="0"/>
+              <a:t>shell</a:t>
+            </a:r>
+            <a:r>
+              <a:rPr lang="zh-CN" altLang="en-US" sz="2400" dirty="0"/>
+              <a:t>脚本</a:t>
             </a:r>
             <a:endParaRPr lang="en-US" altLang="zh-CN" sz="2400" dirty="0"/>
           </a:p>
           <a:p>
             <a:r>
-              <a:rPr lang="zh-CN" altLang="en-US" sz="2400" dirty="0"/>
-              <a:t>其他软件：</a:t>
-            </a:r>
-            <a:r>
               <a:rPr lang="en-US" altLang="zh-CN" sz="2400" dirty="0"/>
-              <a:t>make </a:t>
-            </a:r>
-            <a:r>
-              <a:rPr lang="zh-CN" altLang="en-US" sz="2400" dirty="0"/>
-              <a:t>， </a:t>
-            </a:r>
-            <a:r>
-              <a:rPr lang="en-US" altLang="zh-CN" sz="2400" dirty="0" err="1"/>
-              <a:t>autoconf</a:t>
+              <a:t>configure</a:t>
+            </a:r>
+            <a:r>
+              <a:rPr lang="zh-CN" altLang="en-US" sz="2400" dirty="0"/>
+              <a:t>文件是编译</a:t>
             </a:r>
             <a:r>
               <a:rPr lang="en-US" altLang="zh-CN" sz="2400" dirty="0"/>
-              <a:t> </a:t>
-            </a:r>
-            <a:r>
-              <a:rPr lang="zh-CN" altLang="en-US" sz="2400" dirty="0"/>
-              <a:t>，</a:t>
-            </a:r>
-            <a:r>
-              <a:rPr lang="en-US" altLang="zh-CN" sz="2400" dirty="0" err="1"/>
-              <a:t>pkg</a:t>
-            </a:r>
-            <a:r>
-              <a:rPr lang="en-US" altLang="zh-CN" sz="2400" dirty="0"/>
-              <a:t>-config</a:t>
-            </a:r>
-          </a:p>
-          <a:p>
-            <a:r>
-              <a:rPr lang="zh-CN" altLang="en-US" sz="2400" dirty="0"/>
-              <a:t>安装依赖软件：</a:t>
+              <a:t>PHP</a:t>
+            </a:r>
+            <a:r>
+              <a:rPr lang="zh-CN" altLang="en-US" sz="2400" dirty="0"/>
+              <a:t>的初始化配置脚本</a:t>
             </a:r>
             <a:endParaRPr lang="en-US" altLang="zh-CN" sz="2400" dirty="0"/>
           </a:p>
           <a:p>
             <a:pPr lvl="1"/>
             <a:r>
-              <a:rPr lang="en-US" altLang="zh-CN" dirty="0"/>
-              <a:t>Ubuntu : </a:t>
+              <a:rPr lang="zh-CN" altLang="en-US" dirty="0"/>
+              <a:t>配置编译参数</a:t>
+            </a:r>
+            <a:endParaRPr lang="en-US" altLang="zh-CN" dirty="0"/>
+          </a:p>
+          <a:p>
+            <a:pPr lvl="1"/>
+            <a:r>
+              <a:rPr lang="zh-CN" altLang="en-US" dirty="0"/>
+              <a:t>编译环境检测</a:t>
+            </a:r>
+            <a:endParaRPr lang="en-US" altLang="zh-CN" dirty="0"/>
+          </a:p>
+          <a:p>
+            <a:pPr lvl="1"/>
+            <a:r>
+              <a:rPr lang="zh-CN" altLang="en-US" dirty="0"/>
+              <a:t>生成</a:t>
             </a:r>
             <a:r>
               <a:rPr lang="en-US" altLang="zh-CN" dirty="0" err="1"/>
-              <a:t>sudo</a:t>
-            </a:r>
-            <a:r>
-              <a:rPr lang="en-US" altLang="zh-CN" dirty="0"/>
-              <a:t> apt-get install </a:t>
-            </a:r>
-            <a:r>
-              <a:rPr lang="en-US" altLang="zh-CN" dirty="0" err="1"/>
-              <a:t>gcc</a:t>
-            </a:r>
-            <a:r>
-              <a:rPr lang="en-US" altLang="zh-CN" dirty="0"/>
-              <a:t> make </a:t>
-            </a:r>
-            <a:r>
-              <a:rPr lang="en-US" altLang="zh-CN" dirty="0" err="1"/>
-              <a:t>autoconf</a:t>
-            </a:r>
-            <a:r>
-              <a:rPr lang="en-US" altLang="zh-CN" dirty="0"/>
-              <a:t> </a:t>
-            </a:r>
-            <a:r>
-              <a:rPr lang="en-US" altLang="zh-CN" dirty="0" err="1"/>
-              <a:t>pkg</a:t>
-            </a:r>
-            <a:r>
-              <a:rPr lang="en-US" altLang="zh-CN" dirty="0"/>
-              <a:t>-config  </a:t>
-            </a:r>
-            <a:r>
-              <a:rPr lang="en-US" altLang="zh-CN" dirty="0" err="1"/>
-              <a:t>libssl</a:t>
-            </a:r>
-            <a:r>
-              <a:rPr lang="en-US" altLang="zh-CN" dirty="0"/>
-              <a:t>-dev libxml2-dev libxslt1-dev</a:t>
-            </a:r>
+              <a:t>makefile</a:t>
+            </a:r>
+            <a:r>
+              <a:rPr lang="zh-CN" altLang="en-US" dirty="0"/>
+              <a:t>文件</a:t>
+            </a:r>
+            <a:endParaRPr lang="en-US" altLang="zh-CN" dirty="0"/>
+          </a:p>
+          <a:p>
+            <a:r>
+              <a:rPr lang="zh-CN" altLang="en-US" sz="2400" dirty="0"/>
+              <a:t>使用：</a:t>
+            </a:r>
+            <a:endParaRPr lang="en-US" altLang="zh-CN" sz="2400" dirty="0"/>
+          </a:p>
+          <a:p>
+            <a:pPr lvl="1"/>
+            <a:endParaRPr lang="en-US" altLang="zh-CN" sz="2000" dirty="0"/>
+          </a:p>
+          <a:p>
+            <a:pPr lvl="1"/>
+            <a:r>
+              <a:rPr lang="zh-CN" altLang="en-US" sz="2000" dirty="0"/>
+              <a:t>在命令终端切换</a:t>
+            </a:r>
+            <a:r>
+              <a:rPr lang="en-US" altLang="zh-CN" sz="2000" dirty="0"/>
+              <a:t>PHP</a:t>
+            </a:r>
+            <a:r>
+              <a:rPr lang="zh-CN" altLang="en-US" sz="2000" dirty="0"/>
+              <a:t>源代码目录，运行 </a:t>
+            </a:r>
+            <a:r>
+              <a:rPr lang="en-US" altLang="zh-CN" sz="2000" dirty="0"/>
+              <a:t>./configure –help</a:t>
+            </a:r>
+            <a:r>
+              <a:rPr lang="zh-CN" altLang="en-US" sz="2000" dirty="0"/>
+              <a:t>可以查看配置参数以及解释</a:t>
+            </a:r>
+            <a:endParaRPr lang="en-US" altLang="zh-CN" sz="2000" dirty="0"/>
+          </a:p>
+          <a:p>
+            <a:pPr lvl="1"/>
+            <a:endParaRPr lang="en-US" altLang="zh-CN" sz="2000" dirty="0"/>
+          </a:p>
+          <a:p>
+            <a:pPr lvl="1"/>
+            <a:r>
+              <a:rPr lang="zh-CN" altLang="en-US" sz="2000" dirty="0"/>
+              <a:t>使用 </a:t>
+            </a:r>
+            <a:r>
+              <a:rPr lang="en-US" altLang="zh-CN" sz="2000" dirty="0"/>
+              <a:t>./configure –prefix=/</a:t>
+            </a:r>
+            <a:r>
+              <a:rPr lang="en-US" altLang="zh-CN" sz="2000" dirty="0" err="1"/>
+              <a:t>usr</a:t>
+            </a:r>
+            <a:r>
+              <a:rPr lang="en-US" altLang="zh-CN" sz="2000" dirty="0"/>
+              <a:t>/local/</a:t>
+            </a:r>
+            <a:r>
+              <a:rPr lang="en-US" altLang="zh-CN" sz="2000" dirty="0" err="1"/>
+              <a:t>php</a:t>
+            </a:r>
+            <a:r>
+              <a:rPr lang="en-US" altLang="zh-CN" sz="2000" dirty="0"/>
+              <a:t> –enable-</a:t>
+            </a:r>
+            <a:r>
+              <a:rPr lang="en-US" altLang="zh-CN" sz="2000" dirty="0" err="1"/>
+              <a:t>mysqlnd</a:t>
+            </a:r>
+            <a:r>
+              <a:rPr lang="en-US" altLang="zh-CN" sz="2000" dirty="0"/>
+              <a:t> –enable-fpm ……</a:t>
+            </a:r>
+          </a:p>
+          <a:p>
+            <a:pPr marL="0" indent="0">
+              <a:buNone/>
+            </a:pPr>
+            <a:endParaRPr lang="en-US" altLang="zh-CN" sz="2400" dirty="0"/>
           </a:p>
         </p:txBody>
       </p:sp>
     </p:spTree>
     <p:extLst>
       <p:ext uri="{BB962C8B-B14F-4D97-AF65-F5344CB8AC3E}">
-        <p14:creationId xmlns:p14="http://schemas.microsoft.com/office/powerpoint/2010/main" val="2555678081"/>
+        <p14:creationId xmlns:p14="http://schemas.microsoft.com/office/powerpoint/2010/main" val="869070132"/>
       </p:ext>
     </p:extLst>
   </p:cSld>
@@ -9937,21 +11038,18 @@
           <a:p>
             <a:r>
               <a:rPr lang="en-US" altLang="zh-CN" dirty="0"/>
-              <a:t>configure</a:t>
-            </a:r>
-            <a:r>
-              <a:rPr lang="zh-CN" altLang="en-US" dirty="0"/>
-              <a:t>脚本使用</a:t>
-            </a:r>
+              <a:t>2</a:t>
+            </a:r>
+            <a:endParaRPr lang="zh-CN" altLang="en-US" dirty="0"/>
           </a:p>
         </p:txBody>
       </p:sp>
       <p:sp>
         <p:nvSpPr>
-          <p:cNvPr id="5" name="内容占位符 4">
+          <p:cNvPr id="3" name="内容占位符 2">
             <a:extLst>
               <a:ext uri="{FF2B5EF4-FFF2-40B4-BE49-F238E27FC236}">
-                <a16:creationId xmlns:a16="http://schemas.microsoft.com/office/drawing/2014/main" id="{D9187C1C-5819-4744-B8DB-D422C45A3565}"/>
+                <a16:creationId xmlns:a16="http://schemas.microsoft.com/office/drawing/2014/main" id="{7B346F1D-0962-4C3B-B136-095B74DED43D}"/>
               </a:ext>
             </a:extLst>
           </p:cNvPr>
@@ -9964,178 +11062,29 @@
         </p:nvSpPr>
         <p:spPr/>
         <p:txBody>
-          <a:bodyPr>
-            <a:normAutofit/>
-          </a:bodyPr>
+          <a:bodyPr anchor="ctr"/>
           <a:lstStyle/>
           <a:p>
-            <a:r>
-              <a:rPr lang="zh-CN" altLang="en-US" sz="2400" dirty="0"/>
-              <a:t>可以使用</a:t>
-            </a:r>
-            <a:r>
-              <a:rPr lang="en-US" altLang="zh-CN" sz="2400" dirty="0"/>
-              <a:t>Vim</a:t>
-            </a:r>
-            <a:r>
-              <a:rPr lang="zh-CN" altLang="en-US" sz="2400" dirty="0"/>
-              <a:t>打开</a:t>
-            </a:r>
-            <a:r>
-              <a:rPr lang="en-US" altLang="zh-CN" sz="2400" dirty="0"/>
-              <a:t>configure</a:t>
-            </a:r>
-            <a:r>
-              <a:rPr lang="zh-CN" altLang="en-US" sz="2400" dirty="0"/>
-              <a:t>文件，此文件是具有可执行权限的</a:t>
-            </a:r>
-            <a:r>
-              <a:rPr lang="en-US" altLang="zh-CN" sz="2400" dirty="0"/>
-              <a:t>shell</a:t>
-            </a:r>
-            <a:r>
-              <a:rPr lang="zh-CN" altLang="en-US" sz="2400" dirty="0"/>
-              <a:t>脚本</a:t>
-            </a:r>
-            <a:endParaRPr lang="en-US" altLang="zh-CN" sz="2400" dirty="0"/>
-          </a:p>
-          <a:p>
-            <a:r>
-              <a:rPr lang="en-US" altLang="zh-CN" sz="2400" dirty="0"/>
-              <a:t>configure</a:t>
-            </a:r>
-            <a:r>
-              <a:rPr lang="zh-CN" altLang="en-US" sz="2400" dirty="0"/>
-              <a:t>文件是编译</a:t>
-            </a:r>
-            <a:r>
-              <a:rPr lang="en-US" altLang="zh-CN" sz="2400" dirty="0"/>
-              <a:t>PHP</a:t>
-            </a:r>
-            <a:r>
-              <a:rPr lang="zh-CN" altLang="en-US" sz="2400" dirty="0"/>
-              <a:t>的初始化配置脚本</a:t>
-            </a:r>
-            <a:endParaRPr lang="en-US" altLang="zh-CN" sz="2400" dirty="0"/>
-          </a:p>
-          <a:p>
-            <a:pPr lvl="1"/>
-            <a:r>
-              <a:rPr lang="zh-CN" altLang="en-US" dirty="0"/>
-              <a:t>配置编译参数</a:t>
-            </a:r>
-            <a:endParaRPr lang="en-US" altLang="zh-CN" dirty="0"/>
-          </a:p>
-          <a:p>
-            <a:pPr lvl="1"/>
-            <a:r>
-              <a:rPr lang="zh-CN" altLang="en-US" dirty="0"/>
-              <a:t>编译环境检测</a:t>
-            </a:r>
-            <a:endParaRPr lang="en-US" altLang="zh-CN" dirty="0"/>
-          </a:p>
-          <a:p>
-            <a:pPr lvl="1"/>
-            <a:r>
-              <a:rPr lang="zh-CN" altLang="en-US" dirty="0"/>
-              <a:t>生成</a:t>
-            </a:r>
-            <a:r>
-              <a:rPr lang="en-US" altLang="zh-CN" dirty="0" err="1"/>
-              <a:t>makefile</a:t>
-            </a:r>
-            <a:r>
-              <a:rPr lang="zh-CN" altLang="en-US" dirty="0"/>
-              <a:t>文件</a:t>
-            </a:r>
-            <a:endParaRPr lang="en-US" altLang="zh-CN" dirty="0"/>
-          </a:p>
-          <a:p>
-            <a:r>
-              <a:rPr lang="zh-CN" altLang="en-US" sz="2400" dirty="0"/>
-              <a:t>使用：</a:t>
-            </a:r>
-            <a:endParaRPr lang="en-US" altLang="zh-CN" sz="2400" dirty="0"/>
-          </a:p>
-          <a:p>
-            <a:pPr lvl="1"/>
-            <a:endParaRPr lang="en-US" altLang="zh-CN" sz="2000" dirty="0"/>
-          </a:p>
-          <a:p>
-            <a:pPr lvl="1"/>
-            <a:r>
-              <a:rPr lang="zh-CN" altLang="en-US" sz="2000" dirty="0"/>
-              <a:t>在命令终端切换</a:t>
-            </a:r>
-            <a:r>
-              <a:rPr lang="en-US" altLang="zh-CN" sz="2000" dirty="0"/>
-              <a:t>PHP</a:t>
-            </a:r>
-            <a:r>
-              <a:rPr lang="zh-CN" altLang="en-US" sz="2000" dirty="0"/>
-              <a:t>源代码目录，运行 </a:t>
-            </a:r>
-            <a:r>
-              <a:rPr lang="en-US" altLang="zh-CN" sz="2000" dirty="0"/>
-              <a:t>./configure –help</a:t>
-            </a:r>
-            <a:r>
-              <a:rPr lang="zh-CN" altLang="en-US" sz="2000" dirty="0"/>
-              <a:t>可以查看配置参数以及解释</a:t>
-            </a:r>
-            <a:endParaRPr lang="en-US" altLang="zh-CN" sz="2000" dirty="0"/>
-          </a:p>
-          <a:p>
-            <a:pPr lvl="1"/>
-            <a:endParaRPr lang="en-US" altLang="zh-CN" sz="2000" dirty="0"/>
-          </a:p>
-          <a:p>
-            <a:pPr lvl="1"/>
-            <a:r>
-              <a:rPr lang="zh-CN" altLang="en-US" sz="2000" dirty="0"/>
-              <a:t>使用 </a:t>
-            </a:r>
-            <a:r>
-              <a:rPr lang="en-US" altLang="zh-CN" sz="2000" dirty="0"/>
-              <a:t>./configure –prefix=/</a:t>
-            </a:r>
-            <a:r>
-              <a:rPr lang="en-US" altLang="zh-CN" sz="2000" dirty="0" err="1"/>
-              <a:t>usr</a:t>
-            </a:r>
-            <a:r>
-              <a:rPr lang="en-US" altLang="zh-CN" sz="2000" dirty="0"/>
-              <a:t>/local/</a:t>
-            </a:r>
-            <a:r>
-              <a:rPr lang="en-US" altLang="zh-CN" sz="2000" dirty="0" err="1"/>
-              <a:t>php</a:t>
-            </a:r>
-            <a:r>
-              <a:rPr lang="en-US" altLang="zh-CN" sz="2000" dirty="0"/>
-              <a:t> –enable-</a:t>
-            </a:r>
-            <a:r>
-              <a:rPr lang="en-US" altLang="zh-CN" sz="2000" dirty="0" err="1"/>
-              <a:t>mysqlnd</a:t>
-            </a:r>
-            <a:r>
-              <a:rPr lang="en-US" altLang="zh-CN" sz="2000" dirty="0"/>
-              <a:t> –enable-fpm ……</a:t>
-            </a:r>
-          </a:p>
-          <a:p>
-            <a:pPr marL="0" indent="0">
+            <a:pPr marL="0" indent="0" algn="ctr">
               <a:buNone/>
             </a:pPr>
-            <a:endParaRPr lang="en-US" altLang="zh-CN" sz="2400" dirty="0"/>
+            <a:r>
+              <a:rPr lang="zh-CN" altLang="en-US" dirty="0">
+                <a:solidFill>
+                  <a:schemeClr val="accent1">
+                    <a:lumMod val="50000"/>
+                  </a:schemeClr>
+                </a:solidFill>
+              </a:rPr>
+              <a:t>主要编译参数与开发库依赖</a:t>
+            </a:r>
           </a:p>
         </p:txBody>
       </p:sp>
     </p:spTree>
     <p:extLst>
       <p:ext uri="{BB962C8B-B14F-4D97-AF65-F5344CB8AC3E}">
-        <p14:creationId xmlns:p14="http://schemas.microsoft.com/office/powerpoint/2010/main" val="869070132"/>
+        <p14:creationId xmlns:p14="http://schemas.microsoft.com/office/powerpoint/2010/main" val="1697672597"/>
       </p:ext>
     </p:extLst>
   </p:cSld>
